--- a/Powerpoint/5.SOLID_D.pptx
+++ b/Powerpoint/5.SOLID_D.pptx
@@ -5,14 +5,23 @@
     <p:sldMasterId id="2147483762" r:id="rId1"/>
   </p:sldMasterIdLst>
   <p:notesMasterIdLst>
-    <p:notesMasterId r:id="rId4"/>
+    <p:notesMasterId r:id="rId13"/>
   </p:notesMasterIdLst>
   <p:handoutMasterIdLst>
-    <p:handoutMasterId r:id="rId5"/>
+    <p:handoutMasterId r:id="rId14"/>
   </p:handoutMasterIdLst>
   <p:sldIdLst>
     <p:sldId id="269" r:id="rId2"/>
     <p:sldId id="261" r:id="rId3"/>
+    <p:sldId id="273" r:id="rId4"/>
+    <p:sldId id="274" r:id="rId5"/>
+    <p:sldId id="270" r:id="rId6"/>
+    <p:sldId id="271" r:id="rId7"/>
+    <p:sldId id="272" r:id="rId8"/>
+    <p:sldId id="275" r:id="rId9"/>
+    <p:sldId id="276" r:id="rId10"/>
+    <p:sldId id="277" r:id="rId11"/>
+    <p:sldId id="278" r:id="rId12"/>
   </p:sldIdLst>
   <p:sldSz cx="12192000" cy="6858000"/>
   <p:notesSz cx="6858000" cy="9144000"/>
@@ -145,6 +154,5258 @@
 </p:cmAuthorLst>
 </file>
 
+<file path=ppt/diagrams/colors1.xml><?xml version="1.0" encoding="utf-8"?>
+<dgm:colorsDef xmlns:dgm="http://schemas.openxmlformats.org/drawingml/2006/diagram" xmlns:a="http://schemas.openxmlformats.org/drawingml/2006/main" uniqueId="urn:microsoft.com/office/officeart/2005/8/colors/accent0_3">
+  <dgm:title val=""/>
+  <dgm:desc val=""/>
+  <dgm:catLst>
+    <dgm:cat type="mainScheme" pri="10300"/>
+  </dgm:catLst>
+  <dgm:styleLbl name="node0">
+    <dgm:fillClrLst meth="repeat">
+      <a:schemeClr val="dk2"/>
+    </dgm:fillClrLst>
+    <dgm:linClrLst meth="repeat">
+      <a:schemeClr val="lt2"/>
+    </dgm:linClrLst>
+    <dgm:effectClrLst/>
+    <dgm:txLinClrLst/>
+    <dgm:txFillClrLst/>
+    <dgm:txEffectClrLst/>
+  </dgm:styleLbl>
+  <dgm:styleLbl name="alignNode1">
+    <dgm:fillClrLst meth="repeat">
+      <a:schemeClr val="dk2"/>
+    </dgm:fillClrLst>
+    <dgm:linClrLst meth="repeat">
+      <a:schemeClr val="dk2"/>
+    </dgm:linClrLst>
+    <dgm:effectClrLst/>
+    <dgm:txLinClrLst/>
+    <dgm:txFillClrLst/>
+    <dgm:txEffectClrLst/>
+  </dgm:styleLbl>
+  <dgm:styleLbl name="node1">
+    <dgm:fillClrLst meth="repeat">
+      <a:schemeClr val="dk2"/>
+    </dgm:fillClrLst>
+    <dgm:linClrLst meth="repeat">
+      <a:schemeClr val="lt2"/>
+    </dgm:linClrLst>
+    <dgm:effectClrLst/>
+    <dgm:txLinClrLst/>
+    <dgm:txFillClrLst/>
+    <dgm:txEffectClrLst/>
+  </dgm:styleLbl>
+  <dgm:styleLbl name="lnNode1">
+    <dgm:fillClrLst meth="repeat">
+      <a:schemeClr val="dk2"/>
+    </dgm:fillClrLst>
+    <dgm:linClrLst meth="repeat">
+      <a:schemeClr val="lt2"/>
+    </dgm:linClrLst>
+    <dgm:effectClrLst/>
+    <dgm:txLinClrLst/>
+    <dgm:txFillClrLst/>
+    <dgm:txEffectClrLst/>
+  </dgm:styleLbl>
+  <dgm:styleLbl name="vennNode1">
+    <dgm:fillClrLst meth="repeat">
+      <a:schemeClr val="dk2">
+        <a:alpha val="50000"/>
+      </a:schemeClr>
+    </dgm:fillClrLst>
+    <dgm:linClrLst meth="repeat">
+      <a:schemeClr val="lt2"/>
+    </dgm:linClrLst>
+    <dgm:effectClrLst/>
+    <dgm:txLinClrLst/>
+    <dgm:txFillClrLst/>
+    <dgm:txEffectClrLst/>
+  </dgm:styleLbl>
+  <dgm:styleLbl name="node2">
+    <dgm:fillClrLst meth="repeat">
+      <a:schemeClr val="dk2"/>
+    </dgm:fillClrLst>
+    <dgm:linClrLst meth="repeat">
+      <a:schemeClr val="lt2"/>
+    </dgm:linClrLst>
+    <dgm:effectClrLst/>
+    <dgm:txLinClrLst/>
+    <dgm:txFillClrLst/>
+    <dgm:txEffectClrLst/>
+  </dgm:styleLbl>
+  <dgm:styleLbl name="node3">
+    <dgm:fillClrLst meth="repeat">
+      <a:schemeClr val="dk2"/>
+    </dgm:fillClrLst>
+    <dgm:linClrLst meth="repeat">
+      <a:schemeClr val="lt2"/>
+    </dgm:linClrLst>
+    <dgm:effectClrLst/>
+    <dgm:txLinClrLst/>
+    <dgm:txFillClrLst/>
+    <dgm:txEffectClrLst/>
+  </dgm:styleLbl>
+  <dgm:styleLbl name="node4">
+    <dgm:fillClrLst meth="repeat">
+      <a:schemeClr val="dk2"/>
+    </dgm:fillClrLst>
+    <dgm:linClrLst meth="repeat">
+      <a:schemeClr val="lt2"/>
+    </dgm:linClrLst>
+    <dgm:effectClrLst/>
+    <dgm:txLinClrLst/>
+    <dgm:txFillClrLst/>
+    <dgm:txEffectClrLst/>
+  </dgm:styleLbl>
+  <dgm:styleLbl name="fgImgPlace1">
+    <dgm:fillClrLst meth="repeat">
+      <a:schemeClr val="dk2">
+        <a:tint val="50000"/>
+      </a:schemeClr>
+    </dgm:fillClrLst>
+    <dgm:linClrLst meth="repeat">
+      <a:schemeClr val="lt2"/>
+    </dgm:linClrLst>
+    <dgm:effectClrLst/>
+    <dgm:txLinClrLst/>
+    <dgm:txFillClrLst meth="repeat">
+      <a:schemeClr val="lt2"/>
+    </dgm:txFillClrLst>
+    <dgm:txEffectClrLst/>
+  </dgm:styleLbl>
+  <dgm:styleLbl name="alignImgPlace1">
+    <dgm:fillClrLst meth="repeat">
+      <a:schemeClr val="dk2">
+        <a:tint val="50000"/>
+      </a:schemeClr>
+    </dgm:fillClrLst>
+    <dgm:linClrLst meth="repeat">
+      <a:schemeClr val="dk2">
+        <a:shade val="80000"/>
+      </a:schemeClr>
+    </dgm:linClrLst>
+    <dgm:effectClrLst/>
+    <dgm:txLinClrLst/>
+    <dgm:txFillClrLst meth="repeat">
+      <a:schemeClr val="lt2"/>
+    </dgm:txFillClrLst>
+    <dgm:txEffectClrLst/>
+  </dgm:styleLbl>
+  <dgm:styleLbl name="bgImgPlace1">
+    <dgm:fillClrLst meth="repeat">
+      <a:schemeClr val="dk2">
+        <a:tint val="50000"/>
+      </a:schemeClr>
+    </dgm:fillClrLst>
+    <dgm:linClrLst meth="repeat">
+      <a:schemeClr val="dk2">
+        <a:shade val="80000"/>
+      </a:schemeClr>
+    </dgm:linClrLst>
+    <dgm:effectClrLst/>
+    <dgm:txLinClrLst/>
+    <dgm:txFillClrLst meth="repeat">
+      <a:schemeClr val="lt2"/>
+    </dgm:txFillClrLst>
+    <dgm:txEffectClrLst/>
+  </dgm:styleLbl>
+  <dgm:styleLbl name="sibTrans2D1">
+    <dgm:fillClrLst meth="repeat">
+      <a:schemeClr val="dk2">
+        <a:tint val="60000"/>
+      </a:schemeClr>
+    </dgm:fillClrLst>
+    <dgm:linClrLst meth="repeat">
+      <a:schemeClr val="dk2">
+        <a:tint val="60000"/>
+      </a:schemeClr>
+    </dgm:linClrLst>
+    <dgm:effectClrLst/>
+    <dgm:txLinClrLst/>
+    <dgm:txFillClrLst/>
+    <dgm:txEffectClrLst/>
+  </dgm:styleLbl>
+  <dgm:styleLbl name="fgSibTrans2D1">
+    <dgm:fillClrLst meth="repeat">
+      <a:schemeClr val="dk2">
+        <a:tint val="60000"/>
+      </a:schemeClr>
+    </dgm:fillClrLst>
+    <dgm:linClrLst meth="repeat">
+      <a:schemeClr val="dk2">
+        <a:tint val="60000"/>
+      </a:schemeClr>
+    </dgm:linClrLst>
+    <dgm:effectClrLst/>
+    <dgm:txLinClrLst/>
+    <dgm:txFillClrLst/>
+    <dgm:txEffectClrLst/>
+  </dgm:styleLbl>
+  <dgm:styleLbl name="bgSibTrans2D1">
+    <dgm:fillClrLst meth="repeat">
+      <a:schemeClr val="dk2">
+        <a:tint val="60000"/>
+      </a:schemeClr>
+    </dgm:fillClrLst>
+    <dgm:linClrLst meth="repeat">
+      <a:schemeClr val="dk2">
+        <a:tint val="60000"/>
+      </a:schemeClr>
+    </dgm:linClrLst>
+    <dgm:effectClrLst/>
+    <dgm:txLinClrLst/>
+    <dgm:txFillClrLst/>
+    <dgm:txEffectClrLst/>
+  </dgm:styleLbl>
+  <dgm:styleLbl name="sibTrans1D1">
+    <dgm:fillClrLst meth="repeat">
+      <a:schemeClr val="dk2"/>
+    </dgm:fillClrLst>
+    <dgm:linClrLst meth="repeat">
+      <a:schemeClr val="dk2"/>
+    </dgm:linClrLst>
+    <dgm:effectClrLst/>
+    <dgm:txLinClrLst/>
+    <dgm:txFillClrLst meth="repeat">
+      <a:schemeClr val="lt2"/>
+    </dgm:txFillClrLst>
+    <dgm:txEffectClrLst/>
+  </dgm:styleLbl>
+  <dgm:styleLbl name="callout">
+    <dgm:fillClrLst meth="repeat">
+      <a:schemeClr val="dk2"/>
+    </dgm:fillClrLst>
+    <dgm:linClrLst meth="repeat">
+      <a:schemeClr val="dk2">
+        <a:tint val="50000"/>
+      </a:schemeClr>
+    </dgm:linClrLst>
+    <dgm:effectClrLst/>
+    <dgm:txLinClrLst/>
+    <dgm:txFillClrLst meth="repeat">
+      <a:schemeClr val="lt2"/>
+    </dgm:txFillClrLst>
+    <dgm:txEffectClrLst/>
+  </dgm:styleLbl>
+  <dgm:styleLbl name="asst0">
+    <dgm:fillClrLst meth="repeat">
+      <a:schemeClr val="dk2"/>
+    </dgm:fillClrLst>
+    <dgm:linClrLst meth="repeat">
+      <a:schemeClr val="lt2"/>
+    </dgm:linClrLst>
+    <dgm:effectClrLst/>
+    <dgm:txLinClrLst/>
+    <dgm:txFillClrLst/>
+    <dgm:txEffectClrLst/>
+  </dgm:styleLbl>
+  <dgm:styleLbl name="asst1">
+    <dgm:fillClrLst meth="repeat">
+      <a:schemeClr val="dk2"/>
+    </dgm:fillClrLst>
+    <dgm:linClrLst meth="repeat">
+      <a:schemeClr val="lt2"/>
+    </dgm:linClrLst>
+    <dgm:effectClrLst/>
+    <dgm:txLinClrLst/>
+    <dgm:txFillClrLst/>
+    <dgm:txEffectClrLst/>
+  </dgm:styleLbl>
+  <dgm:styleLbl name="asst2">
+    <dgm:fillClrLst meth="repeat">
+      <a:schemeClr val="dk2"/>
+    </dgm:fillClrLst>
+    <dgm:linClrLst meth="repeat">
+      <a:schemeClr val="lt2"/>
+    </dgm:linClrLst>
+    <dgm:effectClrLst/>
+    <dgm:txLinClrLst/>
+    <dgm:txFillClrLst/>
+    <dgm:txEffectClrLst/>
+  </dgm:styleLbl>
+  <dgm:styleLbl name="asst3">
+    <dgm:fillClrLst meth="repeat">
+      <a:schemeClr val="dk2"/>
+    </dgm:fillClrLst>
+    <dgm:linClrLst meth="repeat">
+      <a:schemeClr val="lt2"/>
+    </dgm:linClrLst>
+    <dgm:effectClrLst/>
+    <dgm:txLinClrLst/>
+    <dgm:txFillClrLst/>
+    <dgm:txEffectClrLst/>
+  </dgm:styleLbl>
+  <dgm:styleLbl name="asst4">
+    <dgm:fillClrLst meth="repeat">
+      <a:schemeClr val="dk2"/>
+    </dgm:fillClrLst>
+    <dgm:linClrLst meth="repeat">
+      <a:schemeClr val="lt2"/>
+    </dgm:linClrLst>
+    <dgm:effectClrLst/>
+    <dgm:txLinClrLst/>
+    <dgm:txFillClrLst/>
+    <dgm:txEffectClrLst/>
+  </dgm:styleLbl>
+  <dgm:styleLbl name="parChTrans2D1">
+    <dgm:fillClrLst meth="repeat">
+      <a:schemeClr val="dk2">
+        <a:tint val="60000"/>
+      </a:schemeClr>
+    </dgm:fillClrLst>
+    <dgm:linClrLst meth="repeat">
+      <a:schemeClr val="dk2">
+        <a:tint val="60000"/>
+      </a:schemeClr>
+    </dgm:linClrLst>
+    <dgm:effectClrLst/>
+    <dgm:txLinClrLst/>
+    <dgm:txFillClrLst meth="repeat">
+      <a:schemeClr val="lt2"/>
+    </dgm:txFillClrLst>
+    <dgm:txEffectClrLst/>
+  </dgm:styleLbl>
+  <dgm:styleLbl name="parChTrans2D2">
+    <dgm:fillClrLst meth="repeat">
+      <a:schemeClr val="dk2"/>
+    </dgm:fillClrLst>
+    <dgm:linClrLst meth="repeat">
+      <a:schemeClr val="dk2"/>
+    </dgm:linClrLst>
+    <dgm:effectClrLst/>
+    <dgm:txLinClrLst/>
+    <dgm:txFillClrLst meth="repeat">
+      <a:schemeClr val="lt2"/>
+    </dgm:txFillClrLst>
+    <dgm:txEffectClrLst/>
+  </dgm:styleLbl>
+  <dgm:styleLbl name="parChTrans2D3">
+    <dgm:fillClrLst meth="repeat">
+      <a:schemeClr val="dk2"/>
+    </dgm:fillClrLst>
+    <dgm:linClrLst meth="repeat">
+      <a:schemeClr val="dk2"/>
+    </dgm:linClrLst>
+    <dgm:effectClrLst/>
+    <dgm:txLinClrLst/>
+    <dgm:txFillClrLst meth="repeat">
+      <a:schemeClr val="lt2"/>
+    </dgm:txFillClrLst>
+    <dgm:txEffectClrLst/>
+  </dgm:styleLbl>
+  <dgm:styleLbl name="parChTrans2D4">
+    <dgm:fillClrLst meth="repeat">
+      <a:schemeClr val="dk2"/>
+    </dgm:fillClrLst>
+    <dgm:linClrLst meth="repeat">
+      <a:schemeClr val="dk2"/>
+    </dgm:linClrLst>
+    <dgm:effectClrLst/>
+    <dgm:txLinClrLst/>
+    <dgm:txFillClrLst meth="repeat">
+      <a:schemeClr val="lt2"/>
+    </dgm:txFillClrLst>
+    <dgm:txEffectClrLst/>
+  </dgm:styleLbl>
+  <dgm:styleLbl name="parChTrans1D1">
+    <dgm:fillClrLst meth="repeat">
+      <a:schemeClr val="dk2"/>
+    </dgm:fillClrLst>
+    <dgm:linClrLst meth="repeat">
+      <a:schemeClr val="dk2">
+        <a:shade val="60000"/>
+      </a:schemeClr>
+    </dgm:linClrLst>
+    <dgm:effectClrLst/>
+    <dgm:txLinClrLst/>
+    <dgm:txFillClrLst meth="repeat">
+      <a:schemeClr val="tx1"/>
+    </dgm:txFillClrLst>
+    <dgm:txEffectClrLst/>
+  </dgm:styleLbl>
+  <dgm:styleLbl name="parChTrans1D2">
+    <dgm:fillClrLst meth="repeat">
+      <a:schemeClr val="dk2"/>
+    </dgm:fillClrLst>
+    <dgm:linClrLst meth="repeat">
+      <a:schemeClr val="dk2">
+        <a:shade val="60000"/>
+      </a:schemeClr>
+    </dgm:linClrLst>
+    <dgm:effectClrLst/>
+    <dgm:txLinClrLst/>
+    <dgm:txFillClrLst meth="repeat">
+      <a:schemeClr val="tx1"/>
+    </dgm:txFillClrLst>
+    <dgm:txEffectClrLst/>
+  </dgm:styleLbl>
+  <dgm:styleLbl name="parChTrans1D3">
+    <dgm:fillClrLst meth="repeat">
+      <a:schemeClr val="dk2"/>
+    </dgm:fillClrLst>
+    <dgm:linClrLst meth="repeat">
+      <a:schemeClr val="dk2">
+        <a:shade val="80000"/>
+      </a:schemeClr>
+    </dgm:linClrLst>
+    <dgm:effectClrLst/>
+    <dgm:txLinClrLst/>
+    <dgm:txFillClrLst meth="repeat">
+      <a:schemeClr val="tx1"/>
+    </dgm:txFillClrLst>
+    <dgm:txEffectClrLst/>
+  </dgm:styleLbl>
+  <dgm:styleLbl name="parChTrans1D4">
+    <dgm:fillClrLst meth="repeat">
+      <a:schemeClr val="dk2"/>
+    </dgm:fillClrLst>
+    <dgm:linClrLst meth="repeat">
+      <a:schemeClr val="dk2">
+        <a:shade val="80000"/>
+      </a:schemeClr>
+    </dgm:linClrLst>
+    <dgm:effectClrLst/>
+    <dgm:txLinClrLst/>
+    <dgm:txFillClrLst meth="repeat">
+      <a:schemeClr val="tx1"/>
+    </dgm:txFillClrLst>
+    <dgm:txEffectClrLst/>
+  </dgm:styleLbl>
+  <dgm:styleLbl name="fgAcc1">
+    <dgm:fillClrLst meth="repeat">
+      <a:schemeClr val="lt2">
+        <a:alpha val="90000"/>
+      </a:schemeClr>
+    </dgm:fillClrLst>
+    <dgm:linClrLst meth="repeat">
+      <a:schemeClr val="dk2"/>
+    </dgm:linClrLst>
+    <dgm:effectClrLst/>
+    <dgm:txLinClrLst/>
+    <dgm:txFillClrLst meth="repeat">
+      <a:schemeClr val="dk1"/>
+    </dgm:txFillClrLst>
+    <dgm:txEffectClrLst/>
+  </dgm:styleLbl>
+  <dgm:styleLbl name="conFgAcc1">
+    <dgm:fillClrLst meth="repeat">
+      <a:schemeClr val="lt2">
+        <a:alpha val="90000"/>
+      </a:schemeClr>
+    </dgm:fillClrLst>
+    <dgm:linClrLst meth="repeat">
+      <a:schemeClr val="dk2"/>
+    </dgm:linClrLst>
+    <dgm:effectClrLst/>
+    <dgm:txLinClrLst/>
+    <dgm:txFillClrLst meth="repeat">
+      <a:schemeClr val="dk1"/>
+    </dgm:txFillClrLst>
+    <dgm:txEffectClrLst/>
+  </dgm:styleLbl>
+  <dgm:styleLbl name="alignAcc1">
+    <dgm:fillClrLst meth="repeat">
+      <a:schemeClr val="lt2">
+        <a:alpha val="90000"/>
+      </a:schemeClr>
+    </dgm:fillClrLst>
+    <dgm:linClrLst meth="repeat">
+      <a:schemeClr val="dk2"/>
+    </dgm:linClrLst>
+    <dgm:effectClrLst/>
+    <dgm:txLinClrLst/>
+    <dgm:txFillClrLst meth="repeat">
+      <a:schemeClr val="dk1"/>
+    </dgm:txFillClrLst>
+    <dgm:txEffectClrLst/>
+  </dgm:styleLbl>
+  <dgm:styleLbl name="trAlignAcc1">
+    <dgm:fillClrLst meth="repeat">
+      <a:schemeClr val="lt2">
+        <a:alpha val="40000"/>
+      </a:schemeClr>
+    </dgm:fillClrLst>
+    <dgm:linClrLst meth="repeat">
+      <a:schemeClr val="dk2"/>
+    </dgm:linClrLst>
+    <dgm:effectClrLst/>
+    <dgm:txLinClrLst/>
+    <dgm:txFillClrLst meth="repeat">
+      <a:schemeClr val="dk1"/>
+    </dgm:txFillClrLst>
+    <dgm:txEffectClrLst/>
+  </dgm:styleLbl>
+  <dgm:styleLbl name="bgAcc1">
+    <dgm:fillClrLst meth="repeat">
+      <a:schemeClr val="lt2">
+        <a:alpha val="90000"/>
+      </a:schemeClr>
+    </dgm:fillClrLst>
+    <dgm:linClrLst meth="repeat">
+      <a:schemeClr val="dk2"/>
+    </dgm:linClrLst>
+    <dgm:effectClrLst/>
+    <dgm:txLinClrLst/>
+    <dgm:txFillClrLst meth="repeat">
+      <a:schemeClr val="dk1"/>
+    </dgm:txFillClrLst>
+    <dgm:txEffectClrLst/>
+  </dgm:styleLbl>
+  <dgm:styleLbl name="solidFgAcc1">
+    <dgm:fillClrLst meth="repeat">
+      <a:schemeClr val="lt2"/>
+    </dgm:fillClrLst>
+    <dgm:linClrLst meth="repeat">
+      <a:schemeClr val="dk2"/>
+    </dgm:linClrLst>
+    <dgm:effectClrLst/>
+    <dgm:txLinClrLst/>
+    <dgm:txFillClrLst meth="repeat">
+      <a:schemeClr val="dk1"/>
+    </dgm:txFillClrLst>
+    <dgm:txEffectClrLst/>
+  </dgm:styleLbl>
+  <dgm:styleLbl name="solidAlignAcc1">
+    <dgm:fillClrLst meth="repeat">
+      <a:schemeClr val="lt2"/>
+    </dgm:fillClrLst>
+    <dgm:linClrLst meth="repeat">
+      <a:schemeClr val="dk2"/>
+    </dgm:linClrLst>
+    <dgm:effectClrLst/>
+    <dgm:txLinClrLst/>
+    <dgm:txFillClrLst meth="repeat">
+      <a:schemeClr val="dk1"/>
+    </dgm:txFillClrLst>
+    <dgm:txEffectClrLst/>
+  </dgm:styleLbl>
+  <dgm:styleLbl name="solidBgAcc1">
+    <dgm:fillClrLst meth="repeat">
+      <a:schemeClr val="lt2"/>
+    </dgm:fillClrLst>
+    <dgm:linClrLst meth="repeat">
+      <a:schemeClr val="dk2"/>
+    </dgm:linClrLst>
+    <dgm:effectClrLst/>
+    <dgm:txLinClrLst/>
+    <dgm:txFillClrLst meth="repeat">
+      <a:schemeClr val="dk1"/>
+    </dgm:txFillClrLst>
+    <dgm:txEffectClrLst/>
+  </dgm:styleLbl>
+  <dgm:styleLbl name="fgAccFollowNode1">
+    <dgm:fillClrLst meth="repeat">
+      <a:schemeClr val="dk2">
+        <a:alpha val="90000"/>
+        <a:tint val="40000"/>
+      </a:schemeClr>
+    </dgm:fillClrLst>
+    <dgm:linClrLst meth="repeat">
+      <a:schemeClr val="dk2">
+        <a:alpha val="90000"/>
+        <a:tint val="40000"/>
+      </a:schemeClr>
+    </dgm:linClrLst>
+    <dgm:effectClrLst/>
+    <dgm:txLinClrLst/>
+    <dgm:txFillClrLst meth="repeat">
+      <a:schemeClr val="dk1"/>
+    </dgm:txFillClrLst>
+    <dgm:txEffectClrLst/>
+  </dgm:styleLbl>
+  <dgm:styleLbl name="alignAccFollowNode1">
+    <dgm:fillClrLst meth="repeat">
+      <a:schemeClr val="dk2">
+        <a:alpha val="90000"/>
+        <a:tint val="40000"/>
+      </a:schemeClr>
+    </dgm:fillClrLst>
+    <dgm:linClrLst meth="repeat">
+      <a:schemeClr val="dk2">
+        <a:alpha val="90000"/>
+        <a:tint val="40000"/>
+      </a:schemeClr>
+    </dgm:linClrLst>
+    <dgm:effectClrLst/>
+    <dgm:txLinClrLst/>
+    <dgm:txFillClrLst meth="repeat">
+      <a:schemeClr val="dk1"/>
+    </dgm:txFillClrLst>
+    <dgm:txEffectClrLst/>
+  </dgm:styleLbl>
+  <dgm:styleLbl name="bgAccFollowNode1">
+    <dgm:fillClrLst meth="repeat">
+      <a:schemeClr val="dk2">
+        <a:alpha val="90000"/>
+        <a:tint val="40000"/>
+      </a:schemeClr>
+    </dgm:fillClrLst>
+    <dgm:linClrLst meth="repeat">
+      <a:schemeClr val="dk2">
+        <a:alpha val="90000"/>
+        <a:tint val="40000"/>
+      </a:schemeClr>
+    </dgm:linClrLst>
+    <dgm:effectClrLst/>
+    <dgm:txLinClrLst/>
+    <dgm:txFillClrLst meth="repeat">
+      <a:schemeClr val="dk1"/>
+    </dgm:txFillClrLst>
+    <dgm:txEffectClrLst/>
+  </dgm:styleLbl>
+  <dgm:styleLbl name="fgAcc0">
+    <dgm:fillClrLst meth="repeat">
+      <a:schemeClr val="lt2">
+        <a:alpha val="90000"/>
+      </a:schemeClr>
+    </dgm:fillClrLst>
+    <dgm:linClrLst meth="repeat">
+      <a:schemeClr val="dk2"/>
+    </dgm:linClrLst>
+    <dgm:effectClrLst/>
+    <dgm:txLinClrLst/>
+    <dgm:txFillClrLst meth="repeat">
+      <a:schemeClr val="dk1"/>
+    </dgm:txFillClrLst>
+    <dgm:txEffectClrLst/>
+  </dgm:styleLbl>
+  <dgm:styleLbl name="fgAcc2">
+    <dgm:fillClrLst meth="repeat">
+      <a:schemeClr val="lt2">
+        <a:alpha val="90000"/>
+      </a:schemeClr>
+    </dgm:fillClrLst>
+    <dgm:linClrLst meth="repeat">
+      <a:schemeClr val="dk2"/>
+    </dgm:linClrLst>
+    <dgm:effectClrLst/>
+    <dgm:txLinClrLst/>
+    <dgm:txFillClrLst meth="repeat">
+      <a:schemeClr val="dk1"/>
+    </dgm:txFillClrLst>
+    <dgm:txEffectClrLst/>
+  </dgm:styleLbl>
+  <dgm:styleLbl name="fgAcc3">
+    <dgm:fillClrLst meth="repeat">
+      <a:schemeClr val="lt2">
+        <a:alpha val="90000"/>
+      </a:schemeClr>
+    </dgm:fillClrLst>
+    <dgm:linClrLst meth="repeat">
+      <a:schemeClr val="dk2"/>
+    </dgm:linClrLst>
+    <dgm:effectClrLst/>
+    <dgm:txLinClrLst/>
+    <dgm:txFillClrLst meth="repeat">
+      <a:schemeClr val="dk1"/>
+    </dgm:txFillClrLst>
+    <dgm:txEffectClrLst/>
+  </dgm:styleLbl>
+  <dgm:styleLbl name="fgAcc4">
+    <dgm:fillClrLst meth="repeat">
+      <a:schemeClr val="lt2">
+        <a:alpha val="90000"/>
+      </a:schemeClr>
+    </dgm:fillClrLst>
+    <dgm:linClrLst meth="repeat">
+      <a:schemeClr val="dk2"/>
+    </dgm:linClrLst>
+    <dgm:effectClrLst/>
+    <dgm:txLinClrLst/>
+    <dgm:txFillClrLst meth="repeat">
+      <a:schemeClr val="dk1"/>
+    </dgm:txFillClrLst>
+    <dgm:txEffectClrLst/>
+  </dgm:styleLbl>
+  <dgm:styleLbl name="bgShp">
+    <dgm:fillClrLst meth="repeat">
+      <a:schemeClr val="dk2">
+        <a:tint val="40000"/>
+      </a:schemeClr>
+    </dgm:fillClrLst>
+    <dgm:linClrLst meth="repeat">
+      <a:schemeClr val="dk2"/>
+    </dgm:linClrLst>
+    <dgm:effectClrLst/>
+    <dgm:txLinClrLst/>
+    <dgm:txFillClrLst meth="repeat">
+      <a:schemeClr val="dk1"/>
+    </dgm:txFillClrLst>
+    <dgm:txEffectClrLst/>
+  </dgm:styleLbl>
+  <dgm:styleLbl name="dkBgShp">
+    <dgm:fillClrLst meth="repeat">
+      <a:schemeClr val="dk2">
+        <a:shade val="80000"/>
+      </a:schemeClr>
+    </dgm:fillClrLst>
+    <dgm:linClrLst meth="repeat">
+      <a:schemeClr val="dk2"/>
+    </dgm:linClrLst>
+    <dgm:effectClrLst/>
+    <dgm:txLinClrLst/>
+    <dgm:txFillClrLst meth="repeat">
+      <a:schemeClr val="lt1"/>
+    </dgm:txFillClrLst>
+    <dgm:txEffectClrLst/>
+  </dgm:styleLbl>
+  <dgm:styleLbl name="trBgShp">
+    <dgm:fillClrLst meth="repeat">
+      <a:schemeClr val="dk2">
+        <a:tint val="50000"/>
+        <a:alpha val="40000"/>
+      </a:schemeClr>
+    </dgm:fillClrLst>
+    <dgm:linClrLst meth="repeat">
+      <a:schemeClr val="dk2"/>
+    </dgm:linClrLst>
+    <dgm:effectClrLst/>
+    <dgm:txLinClrLst/>
+    <dgm:txFillClrLst meth="repeat">
+      <a:schemeClr val="lt1"/>
+    </dgm:txFillClrLst>
+    <dgm:txEffectClrLst/>
+  </dgm:styleLbl>
+  <dgm:styleLbl name="fgShp">
+    <dgm:fillClrLst meth="repeat">
+      <a:schemeClr val="dk2">
+        <a:tint val="60000"/>
+      </a:schemeClr>
+    </dgm:fillClrLst>
+    <dgm:linClrLst meth="repeat">
+      <a:schemeClr val="lt2"/>
+    </dgm:linClrLst>
+    <dgm:effectClrLst/>
+    <dgm:txLinClrLst/>
+    <dgm:txFillClrLst meth="repeat">
+      <a:schemeClr val="dk1"/>
+    </dgm:txFillClrLst>
+    <dgm:txEffectClrLst/>
+  </dgm:styleLbl>
+  <dgm:styleLbl name="revTx">
+    <dgm:fillClrLst meth="repeat">
+      <a:schemeClr val="lt2">
+        <a:alpha val="0"/>
+      </a:schemeClr>
+    </dgm:fillClrLst>
+    <dgm:linClrLst meth="repeat">
+      <a:schemeClr val="dk1">
+        <a:alpha val="0"/>
+      </a:schemeClr>
+    </dgm:linClrLst>
+    <dgm:effectClrLst/>
+    <dgm:txLinClrLst/>
+    <dgm:txFillClrLst meth="repeat">
+      <a:schemeClr val="tx1"/>
+    </dgm:txFillClrLst>
+    <dgm:txEffectClrLst/>
+  </dgm:styleLbl>
+</dgm:colorsDef>
+</file>
+
+<file path=ppt/diagrams/colors2.xml><?xml version="1.0" encoding="utf-8"?>
+<dgm:colorsDef xmlns:dgm="http://schemas.openxmlformats.org/drawingml/2006/diagram" xmlns:a="http://schemas.openxmlformats.org/drawingml/2006/main" uniqueId="urn:microsoft.com/office/officeart/2005/8/colors/accent0_3">
+  <dgm:title val=""/>
+  <dgm:desc val=""/>
+  <dgm:catLst>
+    <dgm:cat type="mainScheme" pri="10300"/>
+  </dgm:catLst>
+  <dgm:styleLbl name="node0">
+    <dgm:fillClrLst meth="repeat">
+      <a:schemeClr val="dk2"/>
+    </dgm:fillClrLst>
+    <dgm:linClrLst meth="repeat">
+      <a:schemeClr val="lt2"/>
+    </dgm:linClrLst>
+    <dgm:effectClrLst/>
+    <dgm:txLinClrLst/>
+    <dgm:txFillClrLst/>
+    <dgm:txEffectClrLst/>
+  </dgm:styleLbl>
+  <dgm:styleLbl name="alignNode1">
+    <dgm:fillClrLst meth="repeat">
+      <a:schemeClr val="dk2"/>
+    </dgm:fillClrLst>
+    <dgm:linClrLst meth="repeat">
+      <a:schemeClr val="dk2"/>
+    </dgm:linClrLst>
+    <dgm:effectClrLst/>
+    <dgm:txLinClrLst/>
+    <dgm:txFillClrLst/>
+    <dgm:txEffectClrLst/>
+  </dgm:styleLbl>
+  <dgm:styleLbl name="node1">
+    <dgm:fillClrLst meth="repeat">
+      <a:schemeClr val="dk2"/>
+    </dgm:fillClrLst>
+    <dgm:linClrLst meth="repeat">
+      <a:schemeClr val="lt2"/>
+    </dgm:linClrLst>
+    <dgm:effectClrLst/>
+    <dgm:txLinClrLst/>
+    <dgm:txFillClrLst/>
+    <dgm:txEffectClrLst/>
+  </dgm:styleLbl>
+  <dgm:styleLbl name="lnNode1">
+    <dgm:fillClrLst meth="repeat">
+      <a:schemeClr val="dk2"/>
+    </dgm:fillClrLst>
+    <dgm:linClrLst meth="repeat">
+      <a:schemeClr val="lt2"/>
+    </dgm:linClrLst>
+    <dgm:effectClrLst/>
+    <dgm:txLinClrLst/>
+    <dgm:txFillClrLst/>
+    <dgm:txEffectClrLst/>
+  </dgm:styleLbl>
+  <dgm:styleLbl name="vennNode1">
+    <dgm:fillClrLst meth="repeat">
+      <a:schemeClr val="dk2">
+        <a:alpha val="50000"/>
+      </a:schemeClr>
+    </dgm:fillClrLst>
+    <dgm:linClrLst meth="repeat">
+      <a:schemeClr val="lt2"/>
+    </dgm:linClrLst>
+    <dgm:effectClrLst/>
+    <dgm:txLinClrLst/>
+    <dgm:txFillClrLst/>
+    <dgm:txEffectClrLst/>
+  </dgm:styleLbl>
+  <dgm:styleLbl name="node2">
+    <dgm:fillClrLst meth="repeat">
+      <a:schemeClr val="dk2"/>
+    </dgm:fillClrLst>
+    <dgm:linClrLst meth="repeat">
+      <a:schemeClr val="lt2"/>
+    </dgm:linClrLst>
+    <dgm:effectClrLst/>
+    <dgm:txLinClrLst/>
+    <dgm:txFillClrLst/>
+    <dgm:txEffectClrLst/>
+  </dgm:styleLbl>
+  <dgm:styleLbl name="node3">
+    <dgm:fillClrLst meth="repeat">
+      <a:schemeClr val="dk2"/>
+    </dgm:fillClrLst>
+    <dgm:linClrLst meth="repeat">
+      <a:schemeClr val="lt2"/>
+    </dgm:linClrLst>
+    <dgm:effectClrLst/>
+    <dgm:txLinClrLst/>
+    <dgm:txFillClrLst/>
+    <dgm:txEffectClrLst/>
+  </dgm:styleLbl>
+  <dgm:styleLbl name="node4">
+    <dgm:fillClrLst meth="repeat">
+      <a:schemeClr val="dk2"/>
+    </dgm:fillClrLst>
+    <dgm:linClrLst meth="repeat">
+      <a:schemeClr val="lt2"/>
+    </dgm:linClrLst>
+    <dgm:effectClrLst/>
+    <dgm:txLinClrLst/>
+    <dgm:txFillClrLst/>
+    <dgm:txEffectClrLst/>
+  </dgm:styleLbl>
+  <dgm:styleLbl name="fgImgPlace1">
+    <dgm:fillClrLst meth="repeat">
+      <a:schemeClr val="dk2">
+        <a:tint val="50000"/>
+      </a:schemeClr>
+    </dgm:fillClrLst>
+    <dgm:linClrLst meth="repeat">
+      <a:schemeClr val="lt2"/>
+    </dgm:linClrLst>
+    <dgm:effectClrLst/>
+    <dgm:txLinClrLst/>
+    <dgm:txFillClrLst meth="repeat">
+      <a:schemeClr val="lt2"/>
+    </dgm:txFillClrLst>
+    <dgm:txEffectClrLst/>
+  </dgm:styleLbl>
+  <dgm:styleLbl name="alignImgPlace1">
+    <dgm:fillClrLst meth="repeat">
+      <a:schemeClr val="dk2">
+        <a:tint val="50000"/>
+      </a:schemeClr>
+    </dgm:fillClrLst>
+    <dgm:linClrLst meth="repeat">
+      <a:schemeClr val="dk2">
+        <a:shade val="80000"/>
+      </a:schemeClr>
+    </dgm:linClrLst>
+    <dgm:effectClrLst/>
+    <dgm:txLinClrLst/>
+    <dgm:txFillClrLst meth="repeat">
+      <a:schemeClr val="lt2"/>
+    </dgm:txFillClrLst>
+    <dgm:txEffectClrLst/>
+  </dgm:styleLbl>
+  <dgm:styleLbl name="bgImgPlace1">
+    <dgm:fillClrLst meth="repeat">
+      <a:schemeClr val="dk2">
+        <a:tint val="50000"/>
+      </a:schemeClr>
+    </dgm:fillClrLst>
+    <dgm:linClrLst meth="repeat">
+      <a:schemeClr val="dk2">
+        <a:shade val="80000"/>
+      </a:schemeClr>
+    </dgm:linClrLst>
+    <dgm:effectClrLst/>
+    <dgm:txLinClrLst/>
+    <dgm:txFillClrLst meth="repeat">
+      <a:schemeClr val="lt2"/>
+    </dgm:txFillClrLst>
+    <dgm:txEffectClrLst/>
+  </dgm:styleLbl>
+  <dgm:styleLbl name="sibTrans2D1">
+    <dgm:fillClrLst meth="repeat">
+      <a:schemeClr val="dk2">
+        <a:tint val="60000"/>
+      </a:schemeClr>
+    </dgm:fillClrLst>
+    <dgm:linClrLst meth="repeat">
+      <a:schemeClr val="dk2">
+        <a:tint val="60000"/>
+      </a:schemeClr>
+    </dgm:linClrLst>
+    <dgm:effectClrLst/>
+    <dgm:txLinClrLst/>
+    <dgm:txFillClrLst/>
+    <dgm:txEffectClrLst/>
+  </dgm:styleLbl>
+  <dgm:styleLbl name="fgSibTrans2D1">
+    <dgm:fillClrLst meth="repeat">
+      <a:schemeClr val="dk2">
+        <a:tint val="60000"/>
+      </a:schemeClr>
+    </dgm:fillClrLst>
+    <dgm:linClrLst meth="repeat">
+      <a:schemeClr val="dk2">
+        <a:tint val="60000"/>
+      </a:schemeClr>
+    </dgm:linClrLst>
+    <dgm:effectClrLst/>
+    <dgm:txLinClrLst/>
+    <dgm:txFillClrLst/>
+    <dgm:txEffectClrLst/>
+  </dgm:styleLbl>
+  <dgm:styleLbl name="bgSibTrans2D1">
+    <dgm:fillClrLst meth="repeat">
+      <a:schemeClr val="dk2">
+        <a:tint val="60000"/>
+      </a:schemeClr>
+    </dgm:fillClrLst>
+    <dgm:linClrLst meth="repeat">
+      <a:schemeClr val="dk2">
+        <a:tint val="60000"/>
+      </a:schemeClr>
+    </dgm:linClrLst>
+    <dgm:effectClrLst/>
+    <dgm:txLinClrLst/>
+    <dgm:txFillClrLst/>
+    <dgm:txEffectClrLst/>
+  </dgm:styleLbl>
+  <dgm:styleLbl name="sibTrans1D1">
+    <dgm:fillClrLst meth="repeat">
+      <a:schemeClr val="dk2"/>
+    </dgm:fillClrLst>
+    <dgm:linClrLst meth="repeat">
+      <a:schemeClr val="dk2"/>
+    </dgm:linClrLst>
+    <dgm:effectClrLst/>
+    <dgm:txLinClrLst/>
+    <dgm:txFillClrLst meth="repeat">
+      <a:schemeClr val="lt2"/>
+    </dgm:txFillClrLst>
+    <dgm:txEffectClrLst/>
+  </dgm:styleLbl>
+  <dgm:styleLbl name="callout">
+    <dgm:fillClrLst meth="repeat">
+      <a:schemeClr val="dk2"/>
+    </dgm:fillClrLst>
+    <dgm:linClrLst meth="repeat">
+      <a:schemeClr val="dk2">
+        <a:tint val="50000"/>
+      </a:schemeClr>
+    </dgm:linClrLst>
+    <dgm:effectClrLst/>
+    <dgm:txLinClrLst/>
+    <dgm:txFillClrLst meth="repeat">
+      <a:schemeClr val="lt2"/>
+    </dgm:txFillClrLst>
+    <dgm:txEffectClrLst/>
+  </dgm:styleLbl>
+  <dgm:styleLbl name="asst0">
+    <dgm:fillClrLst meth="repeat">
+      <a:schemeClr val="dk2"/>
+    </dgm:fillClrLst>
+    <dgm:linClrLst meth="repeat">
+      <a:schemeClr val="lt2"/>
+    </dgm:linClrLst>
+    <dgm:effectClrLst/>
+    <dgm:txLinClrLst/>
+    <dgm:txFillClrLst/>
+    <dgm:txEffectClrLst/>
+  </dgm:styleLbl>
+  <dgm:styleLbl name="asst1">
+    <dgm:fillClrLst meth="repeat">
+      <a:schemeClr val="dk2"/>
+    </dgm:fillClrLst>
+    <dgm:linClrLst meth="repeat">
+      <a:schemeClr val="lt2"/>
+    </dgm:linClrLst>
+    <dgm:effectClrLst/>
+    <dgm:txLinClrLst/>
+    <dgm:txFillClrLst/>
+    <dgm:txEffectClrLst/>
+  </dgm:styleLbl>
+  <dgm:styleLbl name="asst2">
+    <dgm:fillClrLst meth="repeat">
+      <a:schemeClr val="dk2"/>
+    </dgm:fillClrLst>
+    <dgm:linClrLst meth="repeat">
+      <a:schemeClr val="lt2"/>
+    </dgm:linClrLst>
+    <dgm:effectClrLst/>
+    <dgm:txLinClrLst/>
+    <dgm:txFillClrLst/>
+    <dgm:txEffectClrLst/>
+  </dgm:styleLbl>
+  <dgm:styleLbl name="asst3">
+    <dgm:fillClrLst meth="repeat">
+      <a:schemeClr val="dk2"/>
+    </dgm:fillClrLst>
+    <dgm:linClrLst meth="repeat">
+      <a:schemeClr val="lt2"/>
+    </dgm:linClrLst>
+    <dgm:effectClrLst/>
+    <dgm:txLinClrLst/>
+    <dgm:txFillClrLst/>
+    <dgm:txEffectClrLst/>
+  </dgm:styleLbl>
+  <dgm:styleLbl name="asst4">
+    <dgm:fillClrLst meth="repeat">
+      <a:schemeClr val="dk2"/>
+    </dgm:fillClrLst>
+    <dgm:linClrLst meth="repeat">
+      <a:schemeClr val="lt2"/>
+    </dgm:linClrLst>
+    <dgm:effectClrLst/>
+    <dgm:txLinClrLst/>
+    <dgm:txFillClrLst/>
+    <dgm:txEffectClrLst/>
+  </dgm:styleLbl>
+  <dgm:styleLbl name="parChTrans2D1">
+    <dgm:fillClrLst meth="repeat">
+      <a:schemeClr val="dk2">
+        <a:tint val="60000"/>
+      </a:schemeClr>
+    </dgm:fillClrLst>
+    <dgm:linClrLst meth="repeat">
+      <a:schemeClr val="dk2">
+        <a:tint val="60000"/>
+      </a:schemeClr>
+    </dgm:linClrLst>
+    <dgm:effectClrLst/>
+    <dgm:txLinClrLst/>
+    <dgm:txFillClrLst meth="repeat">
+      <a:schemeClr val="lt2"/>
+    </dgm:txFillClrLst>
+    <dgm:txEffectClrLst/>
+  </dgm:styleLbl>
+  <dgm:styleLbl name="parChTrans2D2">
+    <dgm:fillClrLst meth="repeat">
+      <a:schemeClr val="dk2"/>
+    </dgm:fillClrLst>
+    <dgm:linClrLst meth="repeat">
+      <a:schemeClr val="dk2"/>
+    </dgm:linClrLst>
+    <dgm:effectClrLst/>
+    <dgm:txLinClrLst/>
+    <dgm:txFillClrLst meth="repeat">
+      <a:schemeClr val="lt2"/>
+    </dgm:txFillClrLst>
+    <dgm:txEffectClrLst/>
+  </dgm:styleLbl>
+  <dgm:styleLbl name="parChTrans2D3">
+    <dgm:fillClrLst meth="repeat">
+      <a:schemeClr val="dk2"/>
+    </dgm:fillClrLst>
+    <dgm:linClrLst meth="repeat">
+      <a:schemeClr val="dk2"/>
+    </dgm:linClrLst>
+    <dgm:effectClrLst/>
+    <dgm:txLinClrLst/>
+    <dgm:txFillClrLst meth="repeat">
+      <a:schemeClr val="lt2"/>
+    </dgm:txFillClrLst>
+    <dgm:txEffectClrLst/>
+  </dgm:styleLbl>
+  <dgm:styleLbl name="parChTrans2D4">
+    <dgm:fillClrLst meth="repeat">
+      <a:schemeClr val="dk2"/>
+    </dgm:fillClrLst>
+    <dgm:linClrLst meth="repeat">
+      <a:schemeClr val="dk2"/>
+    </dgm:linClrLst>
+    <dgm:effectClrLst/>
+    <dgm:txLinClrLst/>
+    <dgm:txFillClrLst meth="repeat">
+      <a:schemeClr val="lt2"/>
+    </dgm:txFillClrLst>
+    <dgm:txEffectClrLst/>
+  </dgm:styleLbl>
+  <dgm:styleLbl name="parChTrans1D1">
+    <dgm:fillClrLst meth="repeat">
+      <a:schemeClr val="dk2"/>
+    </dgm:fillClrLst>
+    <dgm:linClrLst meth="repeat">
+      <a:schemeClr val="dk2">
+        <a:shade val="60000"/>
+      </a:schemeClr>
+    </dgm:linClrLst>
+    <dgm:effectClrLst/>
+    <dgm:txLinClrLst/>
+    <dgm:txFillClrLst meth="repeat">
+      <a:schemeClr val="tx1"/>
+    </dgm:txFillClrLst>
+    <dgm:txEffectClrLst/>
+  </dgm:styleLbl>
+  <dgm:styleLbl name="parChTrans1D2">
+    <dgm:fillClrLst meth="repeat">
+      <a:schemeClr val="dk2"/>
+    </dgm:fillClrLst>
+    <dgm:linClrLst meth="repeat">
+      <a:schemeClr val="dk2">
+        <a:shade val="60000"/>
+      </a:schemeClr>
+    </dgm:linClrLst>
+    <dgm:effectClrLst/>
+    <dgm:txLinClrLst/>
+    <dgm:txFillClrLst meth="repeat">
+      <a:schemeClr val="tx1"/>
+    </dgm:txFillClrLst>
+    <dgm:txEffectClrLst/>
+  </dgm:styleLbl>
+  <dgm:styleLbl name="parChTrans1D3">
+    <dgm:fillClrLst meth="repeat">
+      <a:schemeClr val="dk2"/>
+    </dgm:fillClrLst>
+    <dgm:linClrLst meth="repeat">
+      <a:schemeClr val="dk2">
+        <a:shade val="80000"/>
+      </a:schemeClr>
+    </dgm:linClrLst>
+    <dgm:effectClrLst/>
+    <dgm:txLinClrLst/>
+    <dgm:txFillClrLst meth="repeat">
+      <a:schemeClr val="tx1"/>
+    </dgm:txFillClrLst>
+    <dgm:txEffectClrLst/>
+  </dgm:styleLbl>
+  <dgm:styleLbl name="parChTrans1D4">
+    <dgm:fillClrLst meth="repeat">
+      <a:schemeClr val="dk2"/>
+    </dgm:fillClrLst>
+    <dgm:linClrLst meth="repeat">
+      <a:schemeClr val="dk2">
+        <a:shade val="80000"/>
+      </a:schemeClr>
+    </dgm:linClrLst>
+    <dgm:effectClrLst/>
+    <dgm:txLinClrLst/>
+    <dgm:txFillClrLst meth="repeat">
+      <a:schemeClr val="tx1"/>
+    </dgm:txFillClrLst>
+    <dgm:txEffectClrLst/>
+  </dgm:styleLbl>
+  <dgm:styleLbl name="fgAcc1">
+    <dgm:fillClrLst meth="repeat">
+      <a:schemeClr val="lt2">
+        <a:alpha val="90000"/>
+      </a:schemeClr>
+    </dgm:fillClrLst>
+    <dgm:linClrLst meth="repeat">
+      <a:schemeClr val="dk2"/>
+    </dgm:linClrLst>
+    <dgm:effectClrLst/>
+    <dgm:txLinClrLst/>
+    <dgm:txFillClrLst meth="repeat">
+      <a:schemeClr val="dk1"/>
+    </dgm:txFillClrLst>
+    <dgm:txEffectClrLst/>
+  </dgm:styleLbl>
+  <dgm:styleLbl name="conFgAcc1">
+    <dgm:fillClrLst meth="repeat">
+      <a:schemeClr val="lt2">
+        <a:alpha val="90000"/>
+      </a:schemeClr>
+    </dgm:fillClrLst>
+    <dgm:linClrLst meth="repeat">
+      <a:schemeClr val="dk2"/>
+    </dgm:linClrLst>
+    <dgm:effectClrLst/>
+    <dgm:txLinClrLst/>
+    <dgm:txFillClrLst meth="repeat">
+      <a:schemeClr val="dk1"/>
+    </dgm:txFillClrLst>
+    <dgm:txEffectClrLst/>
+  </dgm:styleLbl>
+  <dgm:styleLbl name="alignAcc1">
+    <dgm:fillClrLst meth="repeat">
+      <a:schemeClr val="lt2">
+        <a:alpha val="90000"/>
+      </a:schemeClr>
+    </dgm:fillClrLst>
+    <dgm:linClrLst meth="repeat">
+      <a:schemeClr val="dk2"/>
+    </dgm:linClrLst>
+    <dgm:effectClrLst/>
+    <dgm:txLinClrLst/>
+    <dgm:txFillClrLst meth="repeat">
+      <a:schemeClr val="dk1"/>
+    </dgm:txFillClrLst>
+    <dgm:txEffectClrLst/>
+  </dgm:styleLbl>
+  <dgm:styleLbl name="trAlignAcc1">
+    <dgm:fillClrLst meth="repeat">
+      <a:schemeClr val="lt2">
+        <a:alpha val="40000"/>
+      </a:schemeClr>
+    </dgm:fillClrLst>
+    <dgm:linClrLst meth="repeat">
+      <a:schemeClr val="dk2"/>
+    </dgm:linClrLst>
+    <dgm:effectClrLst/>
+    <dgm:txLinClrLst/>
+    <dgm:txFillClrLst meth="repeat">
+      <a:schemeClr val="dk1"/>
+    </dgm:txFillClrLst>
+    <dgm:txEffectClrLst/>
+  </dgm:styleLbl>
+  <dgm:styleLbl name="bgAcc1">
+    <dgm:fillClrLst meth="repeat">
+      <a:schemeClr val="lt2">
+        <a:alpha val="90000"/>
+      </a:schemeClr>
+    </dgm:fillClrLst>
+    <dgm:linClrLst meth="repeat">
+      <a:schemeClr val="dk2"/>
+    </dgm:linClrLst>
+    <dgm:effectClrLst/>
+    <dgm:txLinClrLst/>
+    <dgm:txFillClrLst meth="repeat">
+      <a:schemeClr val="dk1"/>
+    </dgm:txFillClrLst>
+    <dgm:txEffectClrLst/>
+  </dgm:styleLbl>
+  <dgm:styleLbl name="solidFgAcc1">
+    <dgm:fillClrLst meth="repeat">
+      <a:schemeClr val="lt2"/>
+    </dgm:fillClrLst>
+    <dgm:linClrLst meth="repeat">
+      <a:schemeClr val="dk2"/>
+    </dgm:linClrLst>
+    <dgm:effectClrLst/>
+    <dgm:txLinClrLst/>
+    <dgm:txFillClrLst meth="repeat">
+      <a:schemeClr val="dk1"/>
+    </dgm:txFillClrLst>
+    <dgm:txEffectClrLst/>
+  </dgm:styleLbl>
+  <dgm:styleLbl name="solidAlignAcc1">
+    <dgm:fillClrLst meth="repeat">
+      <a:schemeClr val="lt2"/>
+    </dgm:fillClrLst>
+    <dgm:linClrLst meth="repeat">
+      <a:schemeClr val="dk2"/>
+    </dgm:linClrLst>
+    <dgm:effectClrLst/>
+    <dgm:txLinClrLst/>
+    <dgm:txFillClrLst meth="repeat">
+      <a:schemeClr val="dk1"/>
+    </dgm:txFillClrLst>
+    <dgm:txEffectClrLst/>
+  </dgm:styleLbl>
+  <dgm:styleLbl name="solidBgAcc1">
+    <dgm:fillClrLst meth="repeat">
+      <a:schemeClr val="lt2"/>
+    </dgm:fillClrLst>
+    <dgm:linClrLst meth="repeat">
+      <a:schemeClr val="dk2"/>
+    </dgm:linClrLst>
+    <dgm:effectClrLst/>
+    <dgm:txLinClrLst/>
+    <dgm:txFillClrLst meth="repeat">
+      <a:schemeClr val="dk1"/>
+    </dgm:txFillClrLst>
+    <dgm:txEffectClrLst/>
+  </dgm:styleLbl>
+  <dgm:styleLbl name="fgAccFollowNode1">
+    <dgm:fillClrLst meth="repeat">
+      <a:schemeClr val="dk2">
+        <a:alpha val="90000"/>
+        <a:tint val="40000"/>
+      </a:schemeClr>
+    </dgm:fillClrLst>
+    <dgm:linClrLst meth="repeat">
+      <a:schemeClr val="dk2">
+        <a:alpha val="90000"/>
+        <a:tint val="40000"/>
+      </a:schemeClr>
+    </dgm:linClrLst>
+    <dgm:effectClrLst/>
+    <dgm:txLinClrLst/>
+    <dgm:txFillClrLst meth="repeat">
+      <a:schemeClr val="dk1"/>
+    </dgm:txFillClrLst>
+    <dgm:txEffectClrLst/>
+  </dgm:styleLbl>
+  <dgm:styleLbl name="alignAccFollowNode1">
+    <dgm:fillClrLst meth="repeat">
+      <a:schemeClr val="dk2">
+        <a:alpha val="90000"/>
+        <a:tint val="40000"/>
+      </a:schemeClr>
+    </dgm:fillClrLst>
+    <dgm:linClrLst meth="repeat">
+      <a:schemeClr val="dk2">
+        <a:alpha val="90000"/>
+        <a:tint val="40000"/>
+      </a:schemeClr>
+    </dgm:linClrLst>
+    <dgm:effectClrLst/>
+    <dgm:txLinClrLst/>
+    <dgm:txFillClrLst meth="repeat">
+      <a:schemeClr val="dk1"/>
+    </dgm:txFillClrLst>
+    <dgm:txEffectClrLst/>
+  </dgm:styleLbl>
+  <dgm:styleLbl name="bgAccFollowNode1">
+    <dgm:fillClrLst meth="repeat">
+      <a:schemeClr val="dk2">
+        <a:alpha val="90000"/>
+        <a:tint val="40000"/>
+      </a:schemeClr>
+    </dgm:fillClrLst>
+    <dgm:linClrLst meth="repeat">
+      <a:schemeClr val="dk2">
+        <a:alpha val="90000"/>
+        <a:tint val="40000"/>
+      </a:schemeClr>
+    </dgm:linClrLst>
+    <dgm:effectClrLst/>
+    <dgm:txLinClrLst/>
+    <dgm:txFillClrLst meth="repeat">
+      <a:schemeClr val="dk1"/>
+    </dgm:txFillClrLst>
+    <dgm:txEffectClrLst/>
+  </dgm:styleLbl>
+  <dgm:styleLbl name="fgAcc0">
+    <dgm:fillClrLst meth="repeat">
+      <a:schemeClr val="lt2">
+        <a:alpha val="90000"/>
+      </a:schemeClr>
+    </dgm:fillClrLst>
+    <dgm:linClrLst meth="repeat">
+      <a:schemeClr val="dk2"/>
+    </dgm:linClrLst>
+    <dgm:effectClrLst/>
+    <dgm:txLinClrLst/>
+    <dgm:txFillClrLst meth="repeat">
+      <a:schemeClr val="dk1"/>
+    </dgm:txFillClrLst>
+    <dgm:txEffectClrLst/>
+  </dgm:styleLbl>
+  <dgm:styleLbl name="fgAcc2">
+    <dgm:fillClrLst meth="repeat">
+      <a:schemeClr val="lt2">
+        <a:alpha val="90000"/>
+      </a:schemeClr>
+    </dgm:fillClrLst>
+    <dgm:linClrLst meth="repeat">
+      <a:schemeClr val="dk2"/>
+    </dgm:linClrLst>
+    <dgm:effectClrLst/>
+    <dgm:txLinClrLst/>
+    <dgm:txFillClrLst meth="repeat">
+      <a:schemeClr val="dk1"/>
+    </dgm:txFillClrLst>
+    <dgm:txEffectClrLst/>
+  </dgm:styleLbl>
+  <dgm:styleLbl name="fgAcc3">
+    <dgm:fillClrLst meth="repeat">
+      <a:schemeClr val="lt2">
+        <a:alpha val="90000"/>
+      </a:schemeClr>
+    </dgm:fillClrLst>
+    <dgm:linClrLst meth="repeat">
+      <a:schemeClr val="dk2"/>
+    </dgm:linClrLst>
+    <dgm:effectClrLst/>
+    <dgm:txLinClrLst/>
+    <dgm:txFillClrLst meth="repeat">
+      <a:schemeClr val="dk1"/>
+    </dgm:txFillClrLst>
+    <dgm:txEffectClrLst/>
+  </dgm:styleLbl>
+  <dgm:styleLbl name="fgAcc4">
+    <dgm:fillClrLst meth="repeat">
+      <a:schemeClr val="lt2">
+        <a:alpha val="90000"/>
+      </a:schemeClr>
+    </dgm:fillClrLst>
+    <dgm:linClrLst meth="repeat">
+      <a:schemeClr val="dk2"/>
+    </dgm:linClrLst>
+    <dgm:effectClrLst/>
+    <dgm:txLinClrLst/>
+    <dgm:txFillClrLst meth="repeat">
+      <a:schemeClr val="dk1"/>
+    </dgm:txFillClrLst>
+    <dgm:txEffectClrLst/>
+  </dgm:styleLbl>
+  <dgm:styleLbl name="bgShp">
+    <dgm:fillClrLst meth="repeat">
+      <a:schemeClr val="dk2">
+        <a:tint val="40000"/>
+      </a:schemeClr>
+    </dgm:fillClrLst>
+    <dgm:linClrLst meth="repeat">
+      <a:schemeClr val="dk2"/>
+    </dgm:linClrLst>
+    <dgm:effectClrLst/>
+    <dgm:txLinClrLst/>
+    <dgm:txFillClrLst meth="repeat">
+      <a:schemeClr val="dk1"/>
+    </dgm:txFillClrLst>
+    <dgm:txEffectClrLst/>
+  </dgm:styleLbl>
+  <dgm:styleLbl name="dkBgShp">
+    <dgm:fillClrLst meth="repeat">
+      <a:schemeClr val="dk2">
+        <a:shade val="80000"/>
+      </a:schemeClr>
+    </dgm:fillClrLst>
+    <dgm:linClrLst meth="repeat">
+      <a:schemeClr val="dk2"/>
+    </dgm:linClrLst>
+    <dgm:effectClrLst/>
+    <dgm:txLinClrLst/>
+    <dgm:txFillClrLst meth="repeat">
+      <a:schemeClr val="lt1"/>
+    </dgm:txFillClrLst>
+    <dgm:txEffectClrLst/>
+  </dgm:styleLbl>
+  <dgm:styleLbl name="trBgShp">
+    <dgm:fillClrLst meth="repeat">
+      <a:schemeClr val="dk2">
+        <a:tint val="50000"/>
+        <a:alpha val="40000"/>
+      </a:schemeClr>
+    </dgm:fillClrLst>
+    <dgm:linClrLst meth="repeat">
+      <a:schemeClr val="dk2"/>
+    </dgm:linClrLst>
+    <dgm:effectClrLst/>
+    <dgm:txLinClrLst/>
+    <dgm:txFillClrLst meth="repeat">
+      <a:schemeClr val="lt1"/>
+    </dgm:txFillClrLst>
+    <dgm:txEffectClrLst/>
+  </dgm:styleLbl>
+  <dgm:styleLbl name="fgShp">
+    <dgm:fillClrLst meth="repeat">
+      <a:schemeClr val="dk2">
+        <a:tint val="60000"/>
+      </a:schemeClr>
+    </dgm:fillClrLst>
+    <dgm:linClrLst meth="repeat">
+      <a:schemeClr val="lt2"/>
+    </dgm:linClrLst>
+    <dgm:effectClrLst/>
+    <dgm:txLinClrLst/>
+    <dgm:txFillClrLst meth="repeat">
+      <a:schemeClr val="dk1"/>
+    </dgm:txFillClrLst>
+    <dgm:txEffectClrLst/>
+  </dgm:styleLbl>
+  <dgm:styleLbl name="revTx">
+    <dgm:fillClrLst meth="repeat">
+      <a:schemeClr val="lt2">
+        <a:alpha val="0"/>
+      </a:schemeClr>
+    </dgm:fillClrLst>
+    <dgm:linClrLst meth="repeat">
+      <a:schemeClr val="dk1">
+        <a:alpha val="0"/>
+      </a:schemeClr>
+    </dgm:linClrLst>
+    <dgm:effectClrLst/>
+    <dgm:txLinClrLst/>
+    <dgm:txFillClrLst meth="repeat">
+      <a:schemeClr val="tx1"/>
+    </dgm:txFillClrLst>
+    <dgm:txEffectClrLst/>
+  </dgm:styleLbl>
+</dgm:colorsDef>
+</file>
+
+<file path=ppt/diagrams/data1.xml><?xml version="1.0" encoding="utf-8"?>
+<dgm:dataModel xmlns:dgm="http://schemas.openxmlformats.org/drawingml/2006/diagram" xmlns:a="http://schemas.openxmlformats.org/drawingml/2006/main">
+  <dgm:ptLst>
+    <dgm:pt modelId="{A889CF00-AE9C-40D2-812E-C3CA7B4F4F16}" type="doc">
+      <dgm:prSet loTypeId="urn:microsoft.com/office/officeart/2005/8/layout/default" loCatId="list" qsTypeId="urn:microsoft.com/office/officeart/2005/8/quickstyle/simple1" qsCatId="simple" csTypeId="urn:microsoft.com/office/officeart/2005/8/colors/accent0_3" csCatId="mainScheme" phldr="1"/>
+      <dgm:spPr/>
+      <dgm:t>
+        <a:bodyPr/>
+        <a:lstStyle/>
+        <a:p>
+          <a:endParaRPr lang="en-US"/>
+        </a:p>
+      </dgm:t>
+    </dgm:pt>
+    <dgm:pt modelId="{069212B0-108E-453B-BB3D-4D9AB130C393}">
+      <dgm:prSet phldrT="[Текст]"/>
+      <dgm:spPr/>
+      <dgm:t>
+        <a:bodyPr/>
+        <a:lstStyle/>
+        <a:p>
+          <a:r>
+            <a:rPr lang="ru-RU" dirty="0"/>
+            <a:t>Инверсия зависимостей</a:t>
+          </a:r>
+          <a:endParaRPr lang="en-US" dirty="0"/>
+        </a:p>
+      </dgm:t>
+    </dgm:pt>
+    <dgm:pt modelId="{BA25154C-4CB2-4D8F-8221-CCD78A703267}" type="parTrans" cxnId="{F5A8FD31-D44C-4CAC-BEEC-1ACB8E98D444}">
+      <dgm:prSet/>
+      <dgm:spPr/>
+      <dgm:t>
+        <a:bodyPr/>
+        <a:lstStyle/>
+        <a:p>
+          <a:endParaRPr lang="en-US"/>
+        </a:p>
+      </dgm:t>
+    </dgm:pt>
+    <dgm:pt modelId="{B10F5BC7-FCF3-4829-ACD5-9BF90DF2614C}" type="sibTrans" cxnId="{F5A8FD31-D44C-4CAC-BEEC-1ACB8E98D444}">
+      <dgm:prSet/>
+      <dgm:spPr/>
+      <dgm:t>
+        <a:bodyPr/>
+        <a:lstStyle/>
+        <a:p>
+          <a:endParaRPr lang="en-US"/>
+        </a:p>
+      </dgm:t>
+    </dgm:pt>
+    <dgm:pt modelId="{F2C3E606-3314-4564-B94B-E56A5CE4CBDD}">
+      <dgm:prSet phldrT="[Текст]"/>
+      <dgm:spPr/>
+      <dgm:t>
+        <a:bodyPr/>
+        <a:lstStyle/>
+        <a:p>
+          <a:r>
+            <a:rPr lang="ru-RU" dirty="0"/>
+            <a:t>Инверсия управления</a:t>
+          </a:r>
+          <a:endParaRPr lang="en-US" dirty="0"/>
+        </a:p>
+      </dgm:t>
+    </dgm:pt>
+    <dgm:pt modelId="{5D6B3602-3503-4F82-9C82-05D0D4F3BB52}" type="parTrans" cxnId="{15E814C0-F329-4CEC-AF4D-463DB72BE7E6}">
+      <dgm:prSet/>
+      <dgm:spPr/>
+      <dgm:t>
+        <a:bodyPr/>
+        <a:lstStyle/>
+        <a:p>
+          <a:endParaRPr lang="en-US"/>
+        </a:p>
+      </dgm:t>
+    </dgm:pt>
+    <dgm:pt modelId="{2CC7886F-F03B-47AA-838E-FEAC73D7E56B}" type="sibTrans" cxnId="{15E814C0-F329-4CEC-AF4D-463DB72BE7E6}">
+      <dgm:prSet/>
+      <dgm:spPr/>
+      <dgm:t>
+        <a:bodyPr/>
+        <a:lstStyle/>
+        <a:p>
+          <a:endParaRPr lang="en-US"/>
+        </a:p>
+      </dgm:t>
+    </dgm:pt>
+    <dgm:pt modelId="{5DB8D808-6AB6-4BB3-ADAC-536787033099}">
+      <dgm:prSet phldrT="[Текст]"/>
+      <dgm:spPr/>
+      <dgm:t>
+        <a:bodyPr/>
+        <a:lstStyle/>
+        <a:p>
+          <a:r>
+            <a:rPr lang="ru-RU" dirty="0"/>
+            <a:t>Вливание зависимостей</a:t>
+          </a:r>
+          <a:endParaRPr lang="en-US" dirty="0"/>
+        </a:p>
+      </dgm:t>
+    </dgm:pt>
+    <dgm:pt modelId="{68432CBF-DBA6-4FDE-A0A4-769F02F0F8D4}" type="parTrans" cxnId="{F0431AE7-B537-4CE4-9A3D-301E9734CEC7}">
+      <dgm:prSet/>
+      <dgm:spPr/>
+      <dgm:t>
+        <a:bodyPr/>
+        <a:lstStyle/>
+        <a:p>
+          <a:endParaRPr lang="en-US"/>
+        </a:p>
+      </dgm:t>
+    </dgm:pt>
+    <dgm:pt modelId="{FEE37C3B-1A08-4478-A3E9-E6DA90E128DC}" type="sibTrans" cxnId="{F0431AE7-B537-4CE4-9A3D-301E9734CEC7}">
+      <dgm:prSet/>
+      <dgm:spPr/>
+      <dgm:t>
+        <a:bodyPr/>
+        <a:lstStyle/>
+        <a:p>
+          <a:endParaRPr lang="en-US"/>
+        </a:p>
+      </dgm:t>
+    </dgm:pt>
+    <dgm:pt modelId="{39172C97-6528-4EB9-A7BB-E5EA1B41BC24}">
+      <dgm:prSet phldrT="[Текст]"/>
+      <dgm:spPr/>
+      <dgm:t>
+        <a:bodyPr/>
+        <a:lstStyle/>
+        <a:p>
+          <a:r>
+            <a:rPr lang="ru-RU" dirty="0"/>
+            <a:t>Контейнер вливания зависимостей</a:t>
+          </a:r>
+          <a:endParaRPr lang="en-US" dirty="0"/>
+        </a:p>
+      </dgm:t>
+    </dgm:pt>
+    <dgm:pt modelId="{E229CC68-D6FF-4038-BF07-4BFD117E203D}" type="parTrans" cxnId="{02F2FE5B-D3C1-4482-8380-75731FA65851}">
+      <dgm:prSet/>
+      <dgm:spPr/>
+      <dgm:t>
+        <a:bodyPr/>
+        <a:lstStyle/>
+        <a:p>
+          <a:endParaRPr lang="en-US"/>
+        </a:p>
+      </dgm:t>
+    </dgm:pt>
+    <dgm:pt modelId="{9D6C1A51-8AA9-4094-8F44-3AD757EC64A3}" type="sibTrans" cxnId="{02F2FE5B-D3C1-4482-8380-75731FA65851}">
+      <dgm:prSet/>
+      <dgm:spPr/>
+      <dgm:t>
+        <a:bodyPr/>
+        <a:lstStyle/>
+        <a:p>
+          <a:endParaRPr lang="en-US"/>
+        </a:p>
+      </dgm:t>
+    </dgm:pt>
+    <dgm:pt modelId="{66399D71-D2C1-4043-8779-77B53ACF66F4}">
+      <dgm:prSet phldrT="[Текст]"/>
+      <dgm:spPr/>
+      <dgm:t>
+        <a:bodyPr/>
+        <a:lstStyle/>
+        <a:p>
+          <a:r>
+            <a:rPr lang="ru-RU" dirty="0"/>
+            <a:t>Локатор служб</a:t>
+          </a:r>
+          <a:endParaRPr lang="en-US" dirty="0"/>
+        </a:p>
+      </dgm:t>
+    </dgm:pt>
+    <dgm:pt modelId="{CE2D6C9F-8678-4518-B798-1EE9AE1EDCE8}" type="parTrans" cxnId="{CBD18549-0ABD-426C-8D0A-0D1DB72BAC10}">
+      <dgm:prSet/>
+      <dgm:spPr/>
+      <dgm:t>
+        <a:bodyPr/>
+        <a:lstStyle/>
+        <a:p>
+          <a:endParaRPr lang="en-US"/>
+        </a:p>
+      </dgm:t>
+    </dgm:pt>
+    <dgm:pt modelId="{C9BD4B65-96D3-4B14-95E0-057BCC9CA81D}" type="sibTrans" cxnId="{CBD18549-0ABD-426C-8D0A-0D1DB72BAC10}">
+      <dgm:prSet/>
+      <dgm:spPr/>
+      <dgm:t>
+        <a:bodyPr/>
+        <a:lstStyle/>
+        <a:p>
+          <a:endParaRPr lang="en-US"/>
+        </a:p>
+      </dgm:t>
+    </dgm:pt>
+    <dgm:pt modelId="{A2B22B4D-069C-454E-B7AB-F3AF0D6D79B3}" type="pres">
+      <dgm:prSet presAssocID="{A889CF00-AE9C-40D2-812E-C3CA7B4F4F16}" presName="diagram" presStyleCnt="0">
+        <dgm:presLayoutVars>
+          <dgm:dir/>
+          <dgm:resizeHandles val="exact"/>
+        </dgm:presLayoutVars>
+      </dgm:prSet>
+      <dgm:spPr/>
+    </dgm:pt>
+    <dgm:pt modelId="{0D69B84B-0BCB-42FA-AA49-82DF78468043}" type="pres">
+      <dgm:prSet presAssocID="{069212B0-108E-453B-BB3D-4D9AB130C393}" presName="node" presStyleLbl="node1" presStyleIdx="0" presStyleCnt="5" custLinFactNeighborX="620">
+        <dgm:presLayoutVars>
+          <dgm:bulletEnabled val="1"/>
+        </dgm:presLayoutVars>
+      </dgm:prSet>
+      <dgm:spPr/>
+    </dgm:pt>
+    <dgm:pt modelId="{5CEC2F2E-67EE-4861-9814-B6D5570E250E}" type="pres">
+      <dgm:prSet presAssocID="{B10F5BC7-FCF3-4829-ACD5-9BF90DF2614C}" presName="sibTrans" presStyleCnt="0"/>
+      <dgm:spPr/>
+    </dgm:pt>
+    <dgm:pt modelId="{45063D52-0E9C-4713-9842-D389F48146DD}" type="pres">
+      <dgm:prSet presAssocID="{F2C3E606-3314-4564-B94B-E56A5CE4CBDD}" presName="node" presStyleLbl="node1" presStyleIdx="1" presStyleCnt="5" custLinFactNeighborX="-2480">
+        <dgm:presLayoutVars>
+          <dgm:bulletEnabled val="1"/>
+        </dgm:presLayoutVars>
+      </dgm:prSet>
+      <dgm:spPr/>
+    </dgm:pt>
+    <dgm:pt modelId="{F7119EA4-CC5A-4674-AB2D-5BAE0281F717}" type="pres">
+      <dgm:prSet presAssocID="{2CC7886F-F03B-47AA-838E-FEAC73D7E56B}" presName="sibTrans" presStyleCnt="0"/>
+      <dgm:spPr/>
+    </dgm:pt>
+    <dgm:pt modelId="{4DCB104C-D9D7-48C8-B947-6741FDF12B10}" type="pres">
+      <dgm:prSet presAssocID="{5DB8D808-6AB6-4BB3-ADAC-536787033099}" presName="node" presStyleLbl="node1" presStyleIdx="2" presStyleCnt="5" custLinFactNeighborX="-2480">
+        <dgm:presLayoutVars>
+          <dgm:bulletEnabled val="1"/>
+        </dgm:presLayoutVars>
+      </dgm:prSet>
+      <dgm:spPr/>
+    </dgm:pt>
+    <dgm:pt modelId="{3FDCDB99-AD7F-4472-99DB-655C2B3D2204}" type="pres">
+      <dgm:prSet presAssocID="{FEE37C3B-1A08-4478-A3E9-E6DA90E128DC}" presName="sibTrans" presStyleCnt="0"/>
+      <dgm:spPr/>
+    </dgm:pt>
+    <dgm:pt modelId="{31776B8A-E41B-4F8D-A24A-F0A9776B2E33}" type="pres">
+      <dgm:prSet presAssocID="{39172C97-6528-4EB9-A7BB-E5EA1B41BC24}" presName="node" presStyleLbl="node1" presStyleIdx="3" presStyleCnt="5" custLinFactNeighborX="-3100">
+        <dgm:presLayoutVars>
+          <dgm:bulletEnabled val="1"/>
+        </dgm:presLayoutVars>
+      </dgm:prSet>
+      <dgm:spPr/>
+    </dgm:pt>
+    <dgm:pt modelId="{A16D2D37-C7A3-46AD-AB5B-83F6D0E0F644}" type="pres">
+      <dgm:prSet presAssocID="{9D6C1A51-8AA9-4094-8F44-3AD757EC64A3}" presName="sibTrans" presStyleCnt="0"/>
+      <dgm:spPr/>
+    </dgm:pt>
+    <dgm:pt modelId="{BC0DE435-C6C0-47AC-88D1-F82424019172}" type="pres">
+      <dgm:prSet presAssocID="{66399D71-D2C1-4043-8779-77B53ACF66F4}" presName="node" presStyleLbl="node1" presStyleIdx="4" presStyleCnt="5" custLinFactNeighborX="-3100">
+        <dgm:presLayoutVars>
+          <dgm:bulletEnabled val="1"/>
+        </dgm:presLayoutVars>
+      </dgm:prSet>
+      <dgm:spPr/>
+    </dgm:pt>
+  </dgm:ptLst>
+  <dgm:cxnLst>
+    <dgm:cxn modelId="{F91D6612-01C3-44F8-9031-972F707C63D2}" type="presOf" srcId="{5DB8D808-6AB6-4BB3-ADAC-536787033099}" destId="{4DCB104C-D9D7-48C8-B947-6741FDF12B10}" srcOrd="0" destOrd="0" presId="urn:microsoft.com/office/officeart/2005/8/layout/default"/>
+    <dgm:cxn modelId="{A4ECA131-6535-4F32-BF55-A8673AD34A92}" type="presOf" srcId="{069212B0-108E-453B-BB3D-4D9AB130C393}" destId="{0D69B84B-0BCB-42FA-AA49-82DF78468043}" srcOrd="0" destOrd="0" presId="urn:microsoft.com/office/officeart/2005/8/layout/default"/>
+    <dgm:cxn modelId="{F5A8FD31-D44C-4CAC-BEEC-1ACB8E98D444}" srcId="{A889CF00-AE9C-40D2-812E-C3CA7B4F4F16}" destId="{069212B0-108E-453B-BB3D-4D9AB130C393}" srcOrd="0" destOrd="0" parTransId="{BA25154C-4CB2-4D8F-8221-CCD78A703267}" sibTransId="{B10F5BC7-FCF3-4829-ACD5-9BF90DF2614C}"/>
+    <dgm:cxn modelId="{02F2FE5B-D3C1-4482-8380-75731FA65851}" srcId="{A889CF00-AE9C-40D2-812E-C3CA7B4F4F16}" destId="{39172C97-6528-4EB9-A7BB-E5EA1B41BC24}" srcOrd="3" destOrd="0" parTransId="{E229CC68-D6FF-4038-BF07-4BFD117E203D}" sibTransId="{9D6C1A51-8AA9-4094-8F44-3AD757EC64A3}"/>
+    <dgm:cxn modelId="{E0024362-6BE3-4E86-8DFE-975E5AD54C95}" type="presOf" srcId="{A889CF00-AE9C-40D2-812E-C3CA7B4F4F16}" destId="{A2B22B4D-069C-454E-B7AB-F3AF0D6D79B3}" srcOrd="0" destOrd="0" presId="urn:microsoft.com/office/officeart/2005/8/layout/default"/>
+    <dgm:cxn modelId="{CBD18549-0ABD-426C-8D0A-0D1DB72BAC10}" srcId="{A889CF00-AE9C-40D2-812E-C3CA7B4F4F16}" destId="{66399D71-D2C1-4043-8779-77B53ACF66F4}" srcOrd="4" destOrd="0" parTransId="{CE2D6C9F-8678-4518-B798-1EE9AE1EDCE8}" sibTransId="{C9BD4B65-96D3-4B14-95E0-057BCC9CA81D}"/>
+    <dgm:cxn modelId="{0AA61292-89CC-432A-96DF-3927B2B2F25D}" type="presOf" srcId="{39172C97-6528-4EB9-A7BB-E5EA1B41BC24}" destId="{31776B8A-E41B-4F8D-A24A-F0A9776B2E33}" srcOrd="0" destOrd="0" presId="urn:microsoft.com/office/officeart/2005/8/layout/default"/>
+    <dgm:cxn modelId="{15E814C0-F329-4CEC-AF4D-463DB72BE7E6}" srcId="{A889CF00-AE9C-40D2-812E-C3CA7B4F4F16}" destId="{F2C3E606-3314-4564-B94B-E56A5CE4CBDD}" srcOrd="1" destOrd="0" parTransId="{5D6B3602-3503-4F82-9C82-05D0D4F3BB52}" sibTransId="{2CC7886F-F03B-47AA-838E-FEAC73D7E56B}"/>
+    <dgm:cxn modelId="{853B34C8-3D8D-42F2-B5BD-8FBF4FE4C4A1}" type="presOf" srcId="{F2C3E606-3314-4564-B94B-E56A5CE4CBDD}" destId="{45063D52-0E9C-4713-9842-D389F48146DD}" srcOrd="0" destOrd="0" presId="urn:microsoft.com/office/officeart/2005/8/layout/default"/>
+    <dgm:cxn modelId="{E4D295D0-8741-4ABD-A41C-83F13BF7C16E}" type="presOf" srcId="{66399D71-D2C1-4043-8779-77B53ACF66F4}" destId="{BC0DE435-C6C0-47AC-88D1-F82424019172}" srcOrd="0" destOrd="0" presId="urn:microsoft.com/office/officeart/2005/8/layout/default"/>
+    <dgm:cxn modelId="{F0431AE7-B537-4CE4-9A3D-301E9734CEC7}" srcId="{A889CF00-AE9C-40D2-812E-C3CA7B4F4F16}" destId="{5DB8D808-6AB6-4BB3-ADAC-536787033099}" srcOrd="2" destOrd="0" parTransId="{68432CBF-DBA6-4FDE-A0A4-769F02F0F8D4}" sibTransId="{FEE37C3B-1A08-4478-A3E9-E6DA90E128DC}"/>
+    <dgm:cxn modelId="{722E518A-AD31-4802-B5BC-6D6CDBE84CA5}" type="presParOf" srcId="{A2B22B4D-069C-454E-B7AB-F3AF0D6D79B3}" destId="{0D69B84B-0BCB-42FA-AA49-82DF78468043}" srcOrd="0" destOrd="0" presId="urn:microsoft.com/office/officeart/2005/8/layout/default"/>
+    <dgm:cxn modelId="{8AD814B4-8819-4CAC-AD9A-56800E22D286}" type="presParOf" srcId="{A2B22B4D-069C-454E-B7AB-F3AF0D6D79B3}" destId="{5CEC2F2E-67EE-4861-9814-B6D5570E250E}" srcOrd="1" destOrd="0" presId="urn:microsoft.com/office/officeart/2005/8/layout/default"/>
+    <dgm:cxn modelId="{93285BAC-4909-4195-A66C-7BE704943352}" type="presParOf" srcId="{A2B22B4D-069C-454E-B7AB-F3AF0D6D79B3}" destId="{45063D52-0E9C-4713-9842-D389F48146DD}" srcOrd="2" destOrd="0" presId="urn:microsoft.com/office/officeart/2005/8/layout/default"/>
+    <dgm:cxn modelId="{4BA032A8-0EBB-478A-8C5F-02404A0DC94C}" type="presParOf" srcId="{A2B22B4D-069C-454E-B7AB-F3AF0D6D79B3}" destId="{F7119EA4-CC5A-4674-AB2D-5BAE0281F717}" srcOrd="3" destOrd="0" presId="urn:microsoft.com/office/officeart/2005/8/layout/default"/>
+    <dgm:cxn modelId="{38A4E197-C30C-4AB1-8C6B-D6DA81F136E1}" type="presParOf" srcId="{A2B22B4D-069C-454E-B7AB-F3AF0D6D79B3}" destId="{4DCB104C-D9D7-48C8-B947-6741FDF12B10}" srcOrd="4" destOrd="0" presId="urn:microsoft.com/office/officeart/2005/8/layout/default"/>
+    <dgm:cxn modelId="{158DC84A-273C-4C97-A013-E9F8372B691E}" type="presParOf" srcId="{A2B22B4D-069C-454E-B7AB-F3AF0D6D79B3}" destId="{3FDCDB99-AD7F-4472-99DB-655C2B3D2204}" srcOrd="5" destOrd="0" presId="urn:microsoft.com/office/officeart/2005/8/layout/default"/>
+    <dgm:cxn modelId="{8C0E0703-3B25-4BD8-ABAE-C0778D9EA341}" type="presParOf" srcId="{A2B22B4D-069C-454E-B7AB-F3AF0D6D79B3}" destId="{31776B8A-E41B-4F8D-A24A-F0A9776B2E33}" srcOrd="6" destOrd="0" presId="urn:microsoft.com/office/officeart/2005/8/layout/default"/>
+    <dgm:cxn modelId="{78709BE8-B2BF-41CA-A3AC-5EEF7F4AE859}" type="presParOf" srcId="{A2B22B4D-069C-454E-B7AB-F3AF0D6D79B3}" destId="{A16D2D37-C7A3-46AD-AB5B-83F6D0E0F644}" srcOrd="7" destOrd="0" presId="urn:microsoft.com/office/officeart/2005/8/layout/default"/>
+    <dgm:cxn modelId="{6CE3F963-C110-4CC8-B856-BE1FF33ECC09}" type="presParOf" srcId="{A2B22B4D-069C-454E-B7AB-F3AF0D6D79B3}" destId="{BC0DE435-C6C0-47AC-88D1-F82424019172}" srcOrd="8" destOrd="0" presId="urn:microsoft.com/office/officeart/2005/8/layout/default"/>
+  </dgm:cxnLst>
+  <dgm:bg/>
+  <dgm:whole/>
+  <dgm:extLst>
+    <a:ext uri="http://schemas.microsoft.com/office/drawing/2008/diagram">
+      <dsp:dataModelExt xmlns:dsp="http://schemas.microsoft.com/office/drawing/2008/diagram" relId="rId6" minVer="http://schemas.openxmlformats.org/drawingml/2006/diagram"/>
+    </a:ext>
+  </dgm:extLst>
+</dgm:dataModel>
+</file>
+
+<file path=ppt/diagrams/data2.xml><?xml version="1.0" encoding="utf-8"?>
+<dgm:dataModel xmlns:dgm="http://schemas.openxmlformats.org/drawingml/2006/diagram" xmlns:a="http://schemas.openxmlformats.org/drawingml/2006/main">
+  <dgm:ptLst>
+    <dgm:pt modelId="{A889CF00-AE9C-40D2-812E-C3CA7B4F4F16}" type="doc">
+      <dgm:prSet loTypeId="urn:microsoft.com/office/officeart/2005/8/layout/default" loCatId="list" qsTypeId="urn:microsoft.com/office/officeart/2005/8/quickstyle/simple1" qsCatId="simple" csTypeId="urn:microsoft.com/office/officeart/2005/8/colors/accent0_3" csCatId="mainScheme" phldr="1"/>
+      <dgm:spPr/>
+      <dgm:t>
+        <a:bodyPr/>
+        <a:lstStyle/>
+        <a:p>
+          <a:endParaRPr lang="en-US"/>
+        </a:p>
+      </dgm:t>
+    </dgm:pt>
+    <dgm:pt modelId="{069212B0-108E-453B-BB3D-4D9AB130C393}">
+      <dgm:prSet phldrT="[Текст]"/>
+      <dgm:spPr/>
+      <dgm:t>
+        <a:bodyPr/>
+        <a:lstStyle/>
+        <a:p>
+          <a:r>
+            <a:rPr lang="en-US" dirty="0"/>
+            <a:t>Dependency Inversion</a:t>
+          </a:r>
+        </a:p>
+      </dgm:t>
+    </dgm:pt>
+    <dgm:pt modelId="{BA25154C-4CB2-4D8F-8221-CCD78A703267}" type="parTrans" cxnId="{F5A8FD31-D44C-4CAC-BEEC-1ACB8E98D444}">
+      <dgm:prSet/>
+      <dgm:spPr/>
+      <dgm:t>
+        <a:bodyPr/>
+        <a:lstStyle/>
+        <a:p>
+          <a:endParaRPr lang="en-US"/>
+        </a:p>
+      </dgm:t>
+    </dgm:pt>
+    <dgm:pt modelId="{B10F5BC7-FCF3-4829-ACD5-9BF90DF2614C}" type="sibTrans" cxnId="{F5A8FD31-D44C-4CAC-BEEC-1ACB8E98D444}">
+      <dgm:prSet/>
+      <dgm:spPr/>
+      <dgm:t>
+        <a:bodyPr/>
+        <a:lstStyle/>
+        <a:p>
+          <a:endParaRPr lang="en-US"/>
+        </a:p>
+      </dgm:t>
+    </dgm:pt>
+    <dgm:pt modelId="{F2C3E606-3314-4564-B94B-E56A5CE4CBDD}">
+      <dgm:prSet phldrT="[Текст]"/>
+      <dgm:spPr/>
+      <dgm:t>
+        <a:bodyPr/>
+        <a:lstStyle/>
+        <a:p>
+          <a:r>
+            <a:rPr lang="en-US" dirty="0"/>
+            <a:t>Inverse Of Control</a:t>
+          </a:r>
+        </a:p>
+      </dgm:t>
+    </dgm:pt>
+    <dgm:pt modelId="{5D6B3602-3503-4F82-9C82-05D0D4F3BB52}" type="parTrans" cxnId="{15E814C0-F329-4CEC-AF4D-463DB72BE7E6}">
+      <dgm:prSet/>
+      <dgm:spPr/>
+      <dgm:t>
+        <a:bodyPr/>
+        <a:lstStyle/>
+        <a:p>
+          <a:endParaRPr lang="en-US"/>
+        </a:p>
+      </dgm:t>
+    </dgm:pt>
+    <dgm:pt modelId="{2CC7886F-F03B-47AA-838E-FEAC73D7E56B}" type="sibTrans" cxnId="{15E814C0-F329-4CEC-AF4D-463DB72BE7E6}">
+      <dgm:prSet/>
+      <dgm:spPr/>
+      <dgm:t>
+        <a:bodyPr/>
+        <a:lstStyle/>
+        <a:p>
+          <a:endParaRPr lang="en-US"/>
+        </a:p>
+      </dgm:t>
+    </dgm:pt>
+    <dgm:pt modelId="{5DB8D808-6AB6-4BB3-ADAC-536787033099}">
+      <dgm:prSet phldrT="[Текст]"/>
+      <dgm:spPr/>
+      <dgm:t>
+        <a:bodyPr/>
+        <a:lstStyle/>
+        <a:p>
+          <a:r>
+            <a:rPr lang="en-US" dirty="0"/>
+            <a:t>Dependency Injection</a:t>
+          </a:r>
+        </a:p>
+      </dgm:t>
+    </dgm:pt>
+    <dgm:pt modelId="{68432CBF-DBA6-4FDE-A0A4-769F02F0F8D4}" type="parTrans" cxnId="{F0431AE7-B537-4CE4-9A3D-301E9734CEC7}">
+      <dgm:prSet/>
+      <dgm:spPr/>
+      <dgm:t>
+        <a:bodyPr/>
+        <a:lstStyle/>
+        <a:p>
+          <a:endParaRPr lang="en-US"/>
+        </a:p>
+      </dgm:t>
+    </dgm:pt>
+    <dgm:pt modelId="{FEE37C3B-1A08-4478-A3E9-E6DA90E128DC}" type="sibTrans" cxnId="{F0431AE7-B537-4CE4-9A3D-301E9734CEC7}">
+      <dgm:prSet/>
+      <dgm:spPr/>
+      <dgm:t>
+        <a:bodyPr/>
+        <a:lstStyle/>
+        <a:p>
+          <a:endParaRPr lang="en-US"/>
+        </a:p>
+      </dgm:t>
+    </dgm:pt>
+    <dgm:pt modelId="{39172C97-6528-4EB9-A7BB-E5EA1B41BC24}">
+      <dgm:prSet phldrT="[Текст]"/>
+      <dgm:spPr/>
+      <dgm:t>
+        <a:bodyPr/>
+        <a:lstStyle/>
+        <a:p>
+          <a:r>
+            <a:rPr lang="en-US" dirty="0"/>
+            <a:t>Dependency Injection Container</a:t>
+          </a:r>
+        </a:p>
+      </dgm:t>
+    </dgm:pt>
+    <dgm:pt modelId="{E229CC68-D6FF-4038-BF07-4BFD117E203D}" type="parTrans" cxnId="{02F2FE5B-D3C1-4482-8380-75731FA65851}">
+      <dgm:prSet/>
+      <dgm:spPr/>
+      <dgm:t>
+        <a:bodyPr/>
+        <a:lstStyle/>
+        <a:p>
+          <a:endParaRPr lang="en-US"/>
+        </a:p>
+      </dgm:t>
+    </dgm:pt>
+    <dgm:pt modelId="{9D6C1A51-8AA9-4094-8F44-3AD757EC64A3}" type="sibTrans" cxnId="{02F2FE5B-D3C1-4482-8380-75731FA65851}">
+      <dgm:prSet/>
+      <dgm:spPr/>
+      <dgm:t>
+        <a:bodyPr/>
+        <a:lstStyle/>
+        <a:p>
+          <a:endParaRPr lang="en-US"/>
+        </a:p>
+      </dgm:t>
+    </dgm:pt>
+    <dgm:pt modelId="{66399D71-D2C1-4043-8779-77B53ACF66F4}">
+      <dgm:prSet phldrT="[Текст]"/>
+      <dgm:spPr/>
+      <dgm:t>
+        <a:bodyPr/>
+        <a:lstStyle/>
+        <a:p>
+          <a:r>
+            <a:rPr lang="en-US" dirty="0"/>
+            <a:t>Service Locator</a:t>
+          </a:r>
+        </a:p>
+      </dgm:t>
+    </dgm:pt>
+    <dgm:pt modelId="{CE2D6C9F-8678-4518-B798-1EE9AE1EDCE8}" type="parTrans" cxnId="{CBD18549-0ABD-426C-8D0A-0D1DB72BAC10}">
+      <dgm:prSet/>
+      <dgm:spPr/>
+      <dgm:t>
+        <a:bodyPr/>
+        <a:lstStyle/>
+        <a:p>
+          <a:endParaRPr lang="en-US"/>
+        </a:p>
+      </dgm:t>
+    </dgm:pt>
+    <dgm:pt modelId="{C9BD4B65-96D3-4B14-95E0-057BCC9CA81D}" type="sibTrans" cxnId="{CBD18549-0ABD-426C-8D0A-0D1DB72BAC10}">
+      <dgm:prSet/>
+      <dgm:spPr/>
+      <dgm:t>
+        <a:bodyPr/>
+        <a:lstStyle/>
+        <a:p>
+          <a:endParaRPr lang="en-US"/>
+        </a:p>
+      </dgm:t>
+    </dgm:pt>
+    <dgm:pt modelId="{A2B22B4D-069C-454E-B7AB-F3AF0D6D79B3}" type="pres">
+      <dgm:prSet presAssocID="{A889CF00-AE9C-40D2-812E-C3CA7B4F4F16}" presName="diagram" presStyleCnt="0">
+        <dgm:presLayoutVars>
+          <dgm:dir/>
+          <dgm:resizeHandles val="exact"/>
+        </dgm:presLayoutVars>
+      </dgm:prSet>
+      <dgm:spPr/>
+    </dgm:pt>
+    <dgm:pt modelId="{0D69B84B-0BCB-42FA-AA49-82DF78468043}" type="pres">
+      <dgm:prSet presAssocID="{069212B0-108E-453B-BB3D-4D9AB130C393}" presName="node" presStyleLbl="node1" presStyleIdx="0" presStyleCnt="5">
+        <dgm:presLayoutVars>
+          <dgm:bulletEnabled val="1"/>
+        </dgm:presLayoutVars>
+      </dgm:prSet>
+      <dgm:spPr/>
+    </dgm:pt>
+    <dgm:pt modelId="{5CEC2F2E-67EE-4861-9814-B6D5570E250E}" type="pres">
+      <dgm:prSet presAssocID="{B10F5BC7-FCF3-4829-ACD5-9BF90DF2614C}" presName="sibTrans" presStyleCnt="0"/>
+      <dgm:spPr/>
+    </dgm:pt>
+    <dgm:pt modelId="{45063D52-0E9C-4713-9842-D389F48146DD}" type="pres">
+      <dgm:prSet presAssocID="{F2C3E606-3314-4564-B94B-E56A5CE4CBDD}" presName="node" presStyleLbl="node1" presStyleIdx="1" presStyleCnt="5">
+        <dgm:presLayoutVars>
+          <dgm:bulletEnabled val="1"/>
+        </dgm:presLayoutVars>
+      </dgm:prSet>
+      <dgm:spPr/>
+    </dgm:pt>
+    <dgm:pt modelId="{F7119EA4-CC5A-4674-AB2D-5BAE0281F717}" type="pres">
+      <dgm:prSet presAssocID="{2CC7886F-F03B-47AA-838E-FEAC73D7E56B}" presName="sibTrans" presStyleCnt="0"/>
+      <dgm:spPr/>
+    </dgm:pt>
+    <dgm:pt modelId="{4DCB104C-D9D7-48C8-B947-6741FDF12B10}" type="pres">
+      <dgm:prSet presAssocID="{5DB8D808-6AB6-4BB3-ADAC-536787033099}" presName="node" presStyleLbl="node1" presStyleIdx="2" presStyleCnt="5">
+        <dgm:presLayoutVars>
+          <dgm:bulletEnabled val="1"/>
+        </dgm:presLayoutVars>
+      </dgm:prSet>
+      <dgm:spPr/>
+    </dgm:pt>
+    <dgm:pt modelId="{3FDCDB99-AD7F-4472-99DB-655C2B3D2204}" type="pres">
+      <dgm:prSet presAssocID="{FEE37C3B-1A08-4478-A3E9-E6DA90E128DC}" presName="sibTrans" presStyleCnt="0"/>
+      <dgm:spPr/>
+    </dgm:pt>
+    <dgm:pt modelId="{31776B8A-E41B-4F8D-A24A-F0A9776B2E33}" type="pres">
+      <dgm:prSet presAssocID="{39172C97-6528-4EB9-A7BB-E5EA1B41BC24}" presName="node" presStyleLbl="node1" presStyleIdx="3" presStyleCnt="5">
+        <dgm:presLayoutVars>
+          <dgm:bulletEnabled val="1"/>
+        </dgm:presLayoutVars>
+      </dgm:prSet>
+      <dgm:spPr/>
+    </dgm:pt>
+    <dgm:pt modelId="{A16D2D37-C7A3-46AD-AB5B-83F6D0E0F644}" type="pres">
+      <dgm:prSet presAssocID="{9D6C1A51-8AA9-4094-8F44-3AD757EC64A3}" presName="sibTrans" presStyleCnt="0"/>
+      <dgm:spPr/>
+    </dgm:pt>
+    <dgm:pt modelId="{BC0DE435-C6C0-47AC-88D1-F82424019172}" type="pres">
+      <dgm:prSet presAssocID="{66399D71-D2C1-4043-8779-77B53ACF66F4}" presName="node" presStyleLbl="node1" presStyleIdx="4" presStyleCnt="5">
+        <dgm:presLayoutVars>
+          <dgm:bulletEnabled val="1"/>
+        </dgm:presLayoutVars>
+      </dgm:prSet>
+      <dgm:spPr/>
+    </dgm:pt>
+  </dgm:ptLst>
+  <dgm:cxnLst>
+    <dgm:cxn modelId="{F91D6612-01C3-44F8-9031-972F707C63D2}" type="presOf" srcId="{5DB8D808-6AB6-4BB3-ADAC-536787033099}" destId="{4DCB104C-D9D7-48C8-B947-6741FDF12B10}" srcOrd="0" destOrd="0" presId="urn:microsoft.com/office/officeart/2005/8/layout/default"/>
+    <dgm:cxn modelId="{A4ECA131-6535-4F32-BF55-A8673AD34A92}" type="presOf" srcId="{069212B0-108E-453B-BB3D-4D9AB130C393}" destId="{0D69B84B-0BCB-42FA-AA49-82DF78468043}" srcOrd="0" destOrd="0" presId="urn:microsoft.com/office/officeart/2005/8/layout/default"/>
+    <dgm:cxn modelId="{F5A8FD31-D44C-4CAC-BEEC-1ACB8E98D444}" srcId="{A889CF00-AE9C-40D2-812E-C3CA7B4F4F16}" destId="{069212B0-108E-453B-BB3D-4D9AB130C393}" srcOrd="0" destOrd="0" parTransId="{BA25154C-4CB2-4D8F-8221-CCD78A703267}" sibTransId="{B10F5BC7-FCF3-4829-ACD5-9BF90DF2614C}"/>
+    <dgm:cxn modelId="{02F2FE5B-D3C1-4482-8380-75731FA65851}" srcId="{A889CF00-AE9C-40D2-812E-C3CA7B4F4F16}" destId="{39172C97-6528-4EB9-A7BB-E5EA1B41BC24}" srcOrd="3" destOrd="0" parTransId="{E229CC68-D6FF-4038-BF07-4BFD117E203D}" sibTransId="{9D6C1A51-8AA9-4094-8F44-3AD757EC64A3}"/>
+    <dgm:cxn modelId="{E0024362-6BE3-4E86-8DFE-975E5AD54C95}" type="presOf" srcId="{A889CF00-AE9C-40D2-812E-C3CA7B4F4F16}" destId="{A2B22B4D-069C-454E-B7AB-F3AF0D6D79B3}" srcOrd="0" destOrd="0" presId="urn:microsoft.com/office/officeart/2005/8/layout/default"/>
+    <dgm:cxn modelId="{CBD18549-0ABD-426C-8D0A-0D1DB72BAC10}" srcId="{A889CF00-AE9C-40D2-812E-C3CA7B4F4F16}" destId="{66399D71-D2C1-4043-8779-77B53ACF66F4}" srcOrd="4" destOrd="0" parTransId="{CE2D6C9F-8678-4518-B798-1EE9AE1EDCE8}" sibTransId="{C9BD4B65-96D3-4B14-95E0-057BCC9CA81D}"/>
+    <dgm:cxn modelId="{0AA61292-89CC-432A-96DF-3927B2B2F25D}" type="presOf" srcId="{39172C97-6528-4EB9-A7BB-E5EA1B41BC24}" destId="{31776B8A-E41B-4F8D-A24A-F0A9776B2E33}" srcOrd="0" destOrd="0" presId="urn:microsoft.com/office/officeart/2005/8/layout/default"/>
+    <dgm:cxn modelId="{15E814C0-F329-4CEC-AF4D-463DB72BE7E6}" srcId="{A889CF00-AE9C-40D2-812E-C3CA7B4F4F16}" destId="{F2C3E606-3314-4564-B94B-E56A5CE4CBDD}" srcOrd="1" destOrd="0" parTransId="{5D6B3602-3503-4F82-9C82-05D0D4F3BB52}" sibTransId="{2CC7886F-F03B-47AA-838E-FEAC73D7E56B}"/>
+    <dgm:cxn modelId="{853B34C8-3D8D-42F2-B5BD-8FBF4FE4C4A1}" type="presOf" srcId="{F2C3E606-3314-4564-B94B-E56A5CE4CBDD}" destId="{45063D52-0E9C-4713-9842-D389F48146DD}" srcOrd="0" destOrd="0" presId="urn:microsoft.com/office/officeart/2005/8/layout/default"/>
+    <dgm:cxn modelId="{E4D295D0-8741-4ABD-A41C-83F13BF7C16E}" type="presOf" srcId="{66399D71-D2C1-4043-8779-77B53ACF66F4}" destId="{BC0DE435-C6C0-47AC-88D1-F82424019172}" srcOrd="0" destOrd="0" presId="urn:microsoft.com/office/officeart/2005/8/layout/default"/>
+    <dgm:cxn modelId="{F0431AE7-B537-4CE4-9A3D-301E9734CEC7}" srcId="{A889CF00-AE9C-40D2-812E-C3CA7B4F4F16}" destId="{5DB8D808-6AB6-4BB3-ADAC-536787033099}" srcOrd="2" destOrd="0" parTransId="{68432CBF-DBA6-4FDE-A0A4-769F02F0F8D4}" sibTransId="{FEE37C3B-1A08-4478-A3E9-E6DA90E128DC}"/>
+    <dgm:cxn modelId="{722E518A-AD31-4802-B5BC-6D6CDBE84CA5}" type="presParOf" srcId="{A2B22B4D-069C-454E-B7AB-F3AF0D6D79B3}" destId="{0D69B84B-0BCB-42FA-AA49-82DF78468043}" srcOrd="0" destOrd="0" presId="urn:microsoft.com/office/officeart/2005/8/layout/default"/>
+    <dgm:cxn modelId="{8AD814B4-8819-4CAC-AD9A-56800E22D286}" type="presParOf" srcId="{A2B22B4D-069C-454E-B7AB-F3AF0D6D79B3}" destId="{5CEC2F2E-67EE-4861-9814-B6D5570E250E}" srcOrd="1" destOrd="0" presId="urn:microsoft.com/office/officeart/2005/8/layout/default"/>
+    <dgm:cxn modelId="{93285BAC-4909-4195-A66C-7BE704943352}" type="presParOf" srcId="{A2B22B4D-069C-454E-B7AB-F3AF0D6D79B3}" destId="{45063D52-0E9C-4713-9842-D389F48146DD}" srcOrd="2" destOrd="0" presId="urn:microsoft.com/office/officeart/2005/8/layout/default"/>
+    <dgm:cxn modelId="{4BA032A8-0EBB-478A-8C5F-02404A0DC94C}" type="presParOf" srcId="{A2B22B4D-069C-454E-B7AB-F3AF0D6D79B3}" destId="{F7119EA4-CC5A-4674-AB2D-5BAE0281F717}" srcOrd="3" destOrd="0" presId="urn:microsoft.com/office/officeart/2005/8/layout/default"/>
+    <dgm:cxn modelId="{38A4E197-C30C-4AB1-8C6B-D6DA81F136E1}" type="presParOf" srcId="{A2B22B4D-069C-454E-B7AB-F3AF0D6D79B3}" destId="{4DCB104C-D9D7-48C8-B947-6741FDF12B10}" srcOrd="4" destOrd="0" presId="urn:microsoft.com/office/officeart/2005/8/layout/default"/>
+    <dgm:cxn modelId="{158DC84A-273C-4C97-A013-E9F8372B691E}" type="presParOf" srcId="{A2B22B4D-069C-454E-B7AB-F3AF0D6D79B3}" destId="{3FDCDB99-AD7F-4472-99DB-655C2B3D2204}" srcOrd="5" destOrd="0" presId="urn:microsoft.com/office/officeart/2005/8/layout/default"/>
+    <dgm:cxn modelId="{8C0E0703-3B25-4BD8-ABAE-C0778D9EA341}" type="presParOf" srcId="{A2B22B4D-069C-454E-B7AB-F3AF0D6D79B3}" destId="{31776B8A-E41B-4F8D-A24A-F0A9776B2E33}" srcOrd="6" destOrd="0" presId="urn:microsoft.com/office/officeart/2005/8/layout/default"/>
+    <dgm:cxn modelId="{78709BE8-B2BF-41CA-A3AC-5EEF7F4AE859}" type="presParOf" srcId="{A2B22B4D-069C-454E-B7AB-F3AF0D6D79B3}" destId="{A16D2D37-C7A3-46AD-AB5B-83F6D0E0F644}" srcOrd="7" destOrd="0" presId="urn:microsoft.com/office/officeart/2005/8/layout/default"/>
+    <dgm:cxn modelId="{6CE3F963-C110-4CC8-B856-BE1FF33ECC09}" type="presParOf" srcId="{A2B22B4D-069C-454E-B7AB-F3AF0D6D79B3}" destId="{BC0DE435-C6C0-47AC-88D1-F82424019172}" srcOrd="8" destOrd="0" presId="urn:microsoft.com/office/officeart/2005/8/layout/default"/>
+  </dgm:cxnLst>
+  <dgm:bg/>
+  <dgm:whole/>
+  <dgm:extLst>
+    <a:ext uri="http://schemas.microsoft.com/office/drawing/2008/diagram">
+      <dsp:dataModelExt xmlns:dsp="http://schemas.microsoft.com/office/drawing/2008/diagram" relId="rId6" minVer="http://schemas.openxmlformats.org/drawingml/2006/diagram"/>
+    </a:ext>
+  </dgm:extLst>
+</dgm:dataModel>
+</file>
+
+<file path=ppt/diagrams/drawing1.xml><?xml version="1.0" encoding="utf-8"?>
+<dsp:drawing xmlns:dgm="http://schemas.openxmlformats.org/drawingml/2006/diagram" xmlns:dsp="http://schemas.microsoft.com/office/drawing/2008/diagram" xmlns:a="http://schemas.openxmlformats.org/drawingml/2006/main">
+  <dsp:spTree>
+    <dsp:nvGrpSpPr>
+      <dsp:cNvPr id="0" name=""/>
+      <dsp:cNvGrpSpPr/>
+    </dsp:nvGrpSpPr>
+    <dsp:grpSpPr/>
+    <dsp:sp modelId="{0D69B84B-0BCB-42FA-AA49-82DF78468043}">
+      <dsp:nvSpPr>
+        <dsp:cNvPr id="0" name=""/>
+        <dsp:cNvSpPr/>
+      </dsp:nvSpPr>
+      <dsp:spPr>
+        <a:xfrm>
+          <a:off x="568935" y="453"/>
+          <a:ext cx="2681173" cy="1608703"/>
+        </a:xfrm>
+        <a:prstGeom prst="rect">
+          <a:avLst/>
+        </a:prstGeom>
+        <a:solidFill>
+          <a:schemeClr val="dk2">
+            <a:hueOff val="0"/>
+            <a:satOff val="0"/>
+            <a:lumOff val="0"/>
+            <a:alphaOff val="0"/>
+          </a:schemeClr>
+        </a:solidFill>
+        <a:ln w="12700" cap="flat" cmpd="sng" algn="ctr">
+          <a:solidFill>
+            <a:schemeClr val="lt2">
+              <a:hueOff val="0"/>
+              <a:satOff val="0"/>
+              <a:lumOff val="0"/>
+              <a:alphaOff val="0"/>
+            </a:schemeClr>
+          </a:solidFill>
+          <a:prstDash val="solid"/>
+        </a:ln>
+        <a:effectLst/>
+      </dsp:spPr>
+      <dsp:style>
+        <a:lnRef idx="2">
+          <a:scrgbClr r="0" g="0" b="0"/>
+        </a:lnRef>
+        <a:fillRef idx="1">
+          <a:scrgbClr r="0" g="0" b="0"/>
+        </a:fillRef>
+        <a:effectRef idx="0">
+          <a:scrgbClr r="0" g="0" b="0"/>
+        </a:effectRef>
+        <a:fontRef idx="minor">
+          <a:schemeClr val="lt1"/>
+        </a:fontRef>
+      </dsp:style>
+      <dsp:txBody>
+        <a:bodyPr spcFirstLastPara="0" vert="horz" wrap="square" lIns="114300" tIns="114300" rIns="114300" bIns="114300" numCol="1" spcCol="1270" anchor="ctr" anchorCtr="0">
+          <a:noAutofit/>
+        </a:bodyPr>
+        <a:lstStyle/>
+        <a:p>
+          <a:pPr marL="0" lvl="0" indent="0" algn="ctr" defTabSz="1333500">
+            <a:lnSpc>
+              <a:spcPct val="90000"/>
+            </a:lnSpc>
+            <a:spcBef>
+              <a:spcPct val="0"/>
+            </a:spcBef>
+            <a:spcAft>
+              <a:spcPct val="35000"/>
+            </a:spcAft>
+            <a:buNone/>
+          </a:pPr>
+          <a:r>
+            <a:rPr lang="ru-RU" sz="3000" kern="1200" dirty="0"/>
+            <a:t>Инверсия зависимостей</a:t>
+          </a:r>
+          <a:endParaRPr lang="en-US" sz="3000" kern="1200" dirty="0"/>
+        </a:p>
+      </dsp:txBody>
+      <dsp:txXfrm>
+        <a:off x="568935" y="453"/>
+        <a:ext cx="2681173" cy="1608703"/>
+      </dsp:txXfrm>
+    </dsp:sp>
+    <dsp:sp modelId="{45063D52-0E9C-4713-9842-D389F48146DD}">
+      <dsp:nvSpPr>
+        <dsp:cNvPr id="0" name=""/>
+        <dsp:cNvSpPr/>
+      </dsp:nvSpPr>
+      <dsp:spPr>
+        <a:xfrm>
+          <a:off x="3435109" y="453"/>
+          <a:ext cx="2681173" cy="1608703"/>
+        </a:xfrm>
+        <a:prstGeom prst="rect">
+          <a:avLst/>
+        </a:prstGeom>
+        <a:solidFill>
+          <a:schemeClr val="dk2">
+            <a:hueOff val="0"/>
+            <a:satOff val="0"/>
+            <a:lumOff val="0"/>
+            <a:alphaOff val="0"/>
+          </a:schemeClr>
+        </a:solidFill>
+        <a:ln w="12700" cap="flat" cmpd="sng" algn="ctr">
+          <a:solidFill>
+            <a:schemeClr val="lt2">
+              <a:hueOff val="0"/>
+              <a:satOff val="0"/>
+              <a:lumOff val="0"/>
+              <a:alphaOff val="0"/>
+            </a:schemeClr>
+          </a:solidFill>
+          <a:prstDash val="solid"/>
+        </a:ln>
+        <a:effectLst/>
+      </dsp:spPr>
+      <dsp:style>
+        <a:lnRef idx="2">
+          <a:scrgbClr r="0" g="0" b="0"/>
+        </a:lnRef>
+        <a:fillRef idx="1">
+          <a:scrgbClr r="0" g="0" b="0"/>
+        </a:fillRef>
+        <a:effectRef idx="0">
+          <a:scrgbClr r="0" g="0" b="0"/>
+        </a:effectRef>
+        <a:fontRef idx="minor">
+          <a:schemeClr val="lt1"/>
+        </a:fontRef>
+      </dsp:style>
+      <dsp:txBody>
+        <a:bodyPr spcFirstLastPara="0" vert="horz" wrap="square" lIns="114300" tIns="114300" rIns="114300" bIns="114300" numCol="1" spcCol="1270" anchor="ctr" anchorCtr="0">
+          <a:noAutofit/>
+        </a:bodyPr>
+        <a:lstStyle/>
+        <a:p>
+          <a:pPr marL="0" lvl="0" indent="0" algn="ctr" defTabSz="1333500">
+            <a:lnSpc>
+              <a:spcPct val="90000"/>
+            </a:lnSpc>
+            <a:spcBef>
+              <a:spcPct val="0"/>
+            </a:spcBef>
+            <a:spcAft>
+              <a:spcPct val="35000"/>
+            </a:spcAft>
+            <a:buNone/>
+          </a:pPr>
+          <a:r>
+            <a:rPr lang="ru-RU" sz="3000" kern="1200" dirty="0"/>
+            <a:t>Инверсия управления</a:t>
+          </a:r>
+          <a:endParaRPr lang="en-US" sz="3000" kern="1200" dirty="0"/>
+        </a:p>
+      </dsp:txBody>
+      <dsp:txXfrm>
+        <a:off x="3435109" y="453"/>
+        <a:ext cx="2681173" cy="1608703"/>
+      </dsp:txXfrm>
+    </dsp:sp>
+    <dsp:sp modelId="{4DCB104C-D9D7-48C8-B947-6741FDF12B10}">
+      <dsp:nvSpPr>
+        <dsp:cNvPr id="0" name=""/>
+        <dsp:cNvSpPr/>
+      </dsp:nvSpPr>
+      <dsp:spPr>
+        <a:xfrm>
+          <a:off x="6384400" y="453"/>
+          <a:ext cx="2681173" cy="1608703"/>
+        </a:xfrm>
+        <a:prstGeom prst="rect">
+          <a:avLst/>
+        </a:prstGeom>
+        <a:solidFill>
+          <a:schemeClr val="dk2">
+            <a:hueOff val="0"/>
+            <a:satOff val="0"/>
+            <a:lumOff val="0"/>
+            <a:alphaOff val="0"/>
+          </a:schemeClr>
+        </a:solidFill>
+        <a:ln w="12700" cap="flat" cmpd="sng" algn="ctr">
+          <a:solidFill>
+            <a:schemeClr val="lt2">
+              <a:hueOff val="0"/>
+              <a:satOff val="0"/>
+              <a:lumOff val="0"/>
+              <a:alphaOff val="0"/>
+            </a:schemeClr>
+          </a:solidFill>
+          <a:prstDash val="solid"/>
+        </a:ln>
+        <a:effectLst/>
+      </dsp:spPr>
+      <dsp:style>
+        <a:lnRef idx="2">
+          <a:scrgbClr r="0" g="0" b="0"/>
+        </a:lnRef>
+        <a:fillRef idx="1">
+          <a:scrgbClr r="0" g="0" b="0"/>
+        </a:fillRef>
+        <a:effectRef idx="0">
+          <a:scrgbClr r="0" g="0" b="0"/>
+        </a:effectRef>
+        <a:fontRef idx="minor">
+          <a:schemeClr val="lt1"/>
+        </a:fontRef>
+      </dsp:style>
+      <dsp:txBody>
+        <a:bodyPr spcFirstLastPara="0" vert="horz" wrap="square" lIns="114300" tIns="114300" rIns="114300" bIns="114300" numCol="1" spcCol="1270" anchor="ctr" anchorCtr="0">
+          <a:noAutofit/>
+        </a:bodyPr>
+        <a:lstStyle/>
+        <a:p>
+          <a:pPr marL="0" lvl="0" indent="0" algn="ctr" defTabSz="1333500">
+            <a:lnSpc>
+              <a:spcPct val="90000"/>
+            </a:lnSpc>
+            <a:spcBef>
+              <a:spcPct val="0"/>
+            </a:spcBef>
+            <a:spcAft>
+              <a:spcPct val="35000"/>
+            </a:spcAft>
+            <a:buNone/>
+          </a:pPr>
+          <a:r>
+            <a:rPr lang="ru-RU" sz="3000" kern="1200" dirty="0"/>
+            <a:t>Вливание зависимостей</a:t>
+          </a:r>
+          <a:endParaRPr lang="en-US" sz="3000" kern="1200" dirty="0"/>
+        </a:p>
+      </dsp:txBody>
+      <dsp:txXfrm>
+        <a:off x="6384400" y="453"/>
+        <a:ext cx="2681173" cy="1608703"/>
+      </dsp:txXfrm>
+    </dsp:sp>
+    <dsp:sp modelId="{31776B8A-E41B-4F8D-A24A-F0A9776B2E33}">
+      <dsp:nvSpPr>
+        <dsp:cNvPr id="0" name=""/>
+        <dsp:cNvSpPr/>
+      </dsp:nvSpPr>
+      <dsp:spPr>
+        <a:xfrm>
+          <a:off x="1943841" y="1877274"/>
+          <a:ext cx="2681173" cy="1608703"/>
+        </a:xfrm>
+        <a:prstGeom prst="rect">
+          <a:avLst/>
+        </a:prstGeom>
+        <a:solidFill>
+          <a:schemeClr val="dk2">
+            <a:hueOff val="0"/>
+            <a:satOff val="0"/>
+            <a:lumOff val="0"/>
+            <a:alphaOff val="0"/>
+          </a:schemeClr>
+        </a:solidFill>
+        <a:ln w="12700" cap="flat" cmpd="sng" algn="ctr">
+          <a:solidFill>
+            <a:schemeClr val="lt2">
+              <a:hueOff val="0"/>
+              <a:satOff val="0"/>
+              <a:lumOff val="0"/>
+              <a:alphaOff val="0"/>
+            </a:schemeClr>
+          </a:solidFill>
+          <a:prstDash val="solid"/>
+        </a:ln>
+        <a:effectLst/>
+      </dsp:spPr>
+      <dsp:style>
+        <a:lnRef idx="2">
+          <a:scrgbClr r="0" g="0" b="0"/>
+        </a:lnRef>
+        <a:fillRef idx="1">
+          <a:scrgbClr r="0" g="0" b="0"/>
+        </a:fillRef>
+        <a:effectRef idx="0">
+          <a:scrgbClr r="0" g="0" b="0"/>
+        </a:effectRef>
+        <a:fontRef idx="minor">
+          <a:schemeClr val="lt1"/>
+        </a:fontRef>
+      </dsp:style>
+      <dsp:txBody>
+        <a:bodyPr spcFirstLastPara="0" vert="horz" wrap="square" lIns="114300" tIns="114300" rIns="114300" bIns="114300" numCol="1" spcCol="1270" anchor="ctr" anchorCtr="0">
+          <a:noAutofit/>
+        </a:bodyPr>
+        <a:lstStyle/>
+        <a:p>
+          <a:pPr marL="0" lvl="0" indent="0" algn="ctr" defTabSz="1333500">
+            <a:lnSpc>
+              <a:spcPct val="90000"/>
+            </a:lnSpc>
+            <a:spcBef>
+              <a:spcPct val="0"/>
+            </a:spcBef>
+            <a:spcAft>
+              <a:spcPct val="35000"/>
+            </a:spcAft>
+            <a:buNone/>
+          </a:pPr>
+          <a:r>
+            <a:rPr lang="ru-RU" sz="3000" kern="1200" dirty="0"/>
+            <a:t>Контейнер вливания зависимостей</a:t>
+          </a:r>
+          <a:endParaRPr lang="en-US" sz="3000" kern="1200" dirty="0"/>
+        </a:p>
+      </dsp:txBody>
+      <dsp:txXfrm>
+        <a:off x="1943841" y="1877274"/>
+        <a:ext cx="2681173" cy="1608703"/>
+      </dsp:txXfrm>
+    </dsp:sp>
+    <dsp:sp modelId="{BC0DE435-C6C0-47AC-88D1-F82424019172}">
+      <dsp:nvSpPr>
+        <dsp:cNvPr id="0" name=""/>
+        <dsp:cNvSpPr/>
+      </dsp:nvSpPr>
+      <dsp:spPr>
+        <a:xfrm>
+          <a:off x="4893131" y="1877274"/>
+          <a:ext cx="2681173" cy="1608703"/>
+        </a:xfrm>
+        <a:prstGeom prst="rect">
+          <a:avLst/>
+        </a:prstGeom>
+        <a:solidFill>
+          <a:schemeClr val="dk2">
+            <a:hueOff val="0"/>
+            <a:satOff val="0"/>
+            <a:lumOff val="0"/>
+            <a:alphaOff val="0"/>
+          </a:schemeClr>
+        </a:solidFill>
+        <a:ln w="12700" cap="flat" cmpd="sng" algn="ctr">
+          <a:solidFill>
+            <a:schemeClr val="lt2">
+              <a:hueOff val="0"/>
+              <a:satOff val="0"/>
+              <a:lumOff val="0"/>
+              <a:alphaOff val="0"/>
+            </a:schemeClr>
+          </a:solidFill>
+          <a:prstDash val="solid"/>
+        </a:ln>
+        <a:effectLst/>
+      </dsp:spPr>
+      <dsp:style>
+        <a:lnRef idx="2">
+          <a:scrgbClr r="0" g="0" b="0"/>
+        </a:lnRef>
+        <a:fillRef idx="1">
+          <a:scrgbClr r="0" g="0" b="0"/>
+        </a:fillRef>
+        <a:effectRef idx="0">
+          <a:scrgbClr r="0" g="0" b="0"/>
+        </a:effectRef>
+        <a:fontRef idx="minor">
+          <a:schemeClr val="lt1"/>
+        </a:fontRef>
+      </dsp:style>
+      <dsp:txBody>
+        <a:bodyPr spcFirstLastPara="0" vert="horz" wrap="square" lIns="114300" tIns="114300" rIns="114300" bIns="114300" numCol="1" spcCol="1270" anchor="ctr" anchorCtr="0">
+          <a:noAutofit/>
+        </a:bodyPr>
+        <a:lstStyle/>
+        <a:p>
+          <a:pPr marL="0" lvl="0" indent="0" algn="ctr" defTabSz="1333500">
+            <a:lnSpc>
+              <a:spcPct val="90000"/>
+            </a:lnSpc>
+            <a:spcBef>
+              <a:spcPct val="0"/>
+            </a:spcBef>
+            <a:spcAft>
+              <a:spcPct val="35000"/>
+            </a:spcAft>
+            <a:buNone/>
+          </a:pPr>
+          <a:r>
+            <a:rPr lang="ru-RU" sz="3000" kern="1200" dirty="0"/>
+            <a:t>Локатор служб</a:t>
+          </a:r>
+          <a:endParaRPr lang="en-US" sz="3000" kern="1200" dirty="0"/>
+        </a:p>
+      </dsp:txBody>
+      <dsp:txXfrm>
+        <a:off x="4893131" y="1877274"/>
+        <a:ext cx="2681173" cy="1608703"/>
+      </dsp:txXfrm>
+    </dsp:sp>
+  </dsp:spTree>
+</dsp:drawing>
+</file>
+
+<file path=ppt/diagrams/drawing2.xml><?xml version="1.0" encoding="utf-8"?>
+<dsp:drawing xmlns:dgm="http://schemas.openxmlformats.org/drawingml/2006/diagram" xmlns:dsp="http://schemas.microsoft.com/office/drawing/2008/diagram" xmlns:a="http://schemas.openxmlformats.org/drawingml/2006/main">
+  <dsp:spTree>
+    <dsp:nvGrpSpPr>
+      <dsp:cNvPr id="0" name=""/>
+      <dsp:cNvGrpSpPr/>
+    </dsp:nvGrpSpPr>
+    <dsp:grpSpPr/>
+    <dsp:sp modelId="{0D69B84B-0BCB-42FA-AA49-82DF78468043}">
+      <dsp:nvSpPr>
+        <dsp:cNvPr id="0" name=""/>
+        <dsp:cNvSpPr/>
+      </dsp:nvSpPr>
+      <dsp:spPr>
+        <a:xfrm>
+          <a:off x="552312" y="453"/>
+          <a:ext cx="2681173" cy="1608703"/>
+        </a:xfrm>
+        <a:prstGeom prst="rect">
+          <a:avLst/>
+        </a:prstGeom>
+        <a:solidFill>
+          <a:schemeClr val="dk2">
+            <a:hueOff val="0"/>
+            <a:satOff val="0"/>
+            <a:lumOff val="0"/>
+            <a:alphaOff val="0"/>
+          </a:schemeClr>
+        </a:solidFill>
+        <a:ln w="12700" cap="flat" cmpd="sng" algn="ctr">
+          <a:solidFill>
+            <a:schemeClr val="lt2">
+              <a:hueOff val="0"/>
+              <a:satOff val="0"/>
+              <a:lumOff val="0"/>
+              <a:alphaOff val="0"/>
+            </a:schemeClr>
+          </a:solidFill>
+          <a:prstDash val="solid"/>
+        </a:ln>
+        <a:effectLst/>
+      </dsp:spPr>
+      <dsp:style>
+        <a:lnRef idx="2">
+          <a:scrgbClr r="0" g="0" b="0"/>
+        </a:lnRef>
+        <a:fillRef idx="1">
+          <a:scrgbClr r="0" g="0" b="0"/>
+        </a:fillRef>
+        <a:effectRef idx="0">
+          <a:scrgbClr r="0" g="0" b="0"/>
+        </a:effectRef>
+        <a:fontRef idx="minor">
+          <a:schemeClr val="lt1"/>
+        </a:fontRef>
+      </dsp:style>
+      <dsp:txBody>
+        <a:bodyPr spcFirstLastPara="0" vert="horz" wrap="square" lIns="125730" tIns="125730" rIns="125730" bIns="125730" numCol="1" spcCol="1270" anchor="ctr" anchorCtr="0">
+          <a:noAutofit/>
+        </a:bodyPr>
+        <a:lstStyle/>
+        <a:p>
+          <a:pPr marL="0" lvl="0" indent="0" algn="ctr" defTabSz="1466850">
+            <a:lnSpc>
+              <a:spcPct val="90000"/>
+            </a:lnSpc>
+            <a:spcBef>
+              <a:spcPct val="0"/>
+            </a:spcBef>
+            <a:spcAft>
+              <a:spcPct val="35000"/>
+            </a:spcAft>
+            <a:buNone/>
+          </a:pPr>
+          <a:r>
+            <a:rPr lang="en-US" sz="3300" kern="1200" dirty="0"/>
+            <a:t>Dependency Inversion</a:t>
+          </a:r>
+        </a:p>
+      </dsp:txBody>
+      <dsp:txXfrm>
+        <a:off x="552312" y="453"/>
+        <a:ext cx="2681173" cy="1608703"/>
+      </dsp:txXfrm>
+    </dsp:sp>
+    <dsp:sp modelId="{45063D52-0E9C-4713-9842-D389F48146DD}">
+      <dsp:nvSpPr>
+        <dsp:cNvPr id="0" name=""/>
+        <dsp:cNvSpPr/>
+      </dsp:nvSpPr>
+      <dsp:spPr>
+        <a:xfrm>
+          <a:off x="3501602" y="453"/>
+          <a:ext cx="2681173" cy="1608703"/>
+        </a:xfrm>
+        <a:prstGeom prst="rect">
+          <a:avLst/>
+        </a:prstGeom>
+        <a:solidFill>
+          <a:schemeClr val="dk2">
+            <a:hueOff val="0"/>
+            <a:satOff val="0"/>
+            <a:lumOff val="0"/>
+            <a:alphaOff val="0"/>
+          </a:schemeClr>
+        </a:solidFill>
+        <a:ln w="12700" cap="flat" cmpd="sng" algn="ctr">
+          <a:solidFill>
+            <a:schemeClr val="lt2">
+              <a:hueOff val="0"/>
+              <a:satOff val="0"/>
+              <a:lumOff val="0"/>
+              <a:alphaOff val="0"/>
+            </a:schemeClr>
+          </a:solidFill>
+          <a:prstDash val="solid"/>
+        </a:ln>
+        <a:effectLst/>
+      </dsp:spPr>
+      <dsp:style>
+        <a:lnRef idx="2">
+          <a:scrgbClr r="0" g="0" b="0"/>
+        </a:lnRef>
+        <a:fillRef idx="1">
+          <a:scrgbClr r="0" g="0" b="0"/>
+        </a:fillRef>
+        <a:effectRef idx="0">
+          <a:scrgbClr r="0" g="0" b="0"/>
+        </a:effectRef>
+        <a:fontRef idx="minor">
+          <a:schemeClr val="lt1"/>
+        </a:fontRef>
+      </dsp:style>
+      <dsp:txBody>
+        <a:bodyPr spcFirstLastPara="0" vert="horz" wrap="square" lIns="125730" tIns="125730" rIns="125730" bIns="125730" numCol="1" spcCol="1270" anchor="ctr" anchorCtr="0">
+          <a:noAutofit/>
+        </a:bodyPr>
+        <a:lstStyle/>
+        <a:p>
+          <a:pPr marL="0" lvl="0" indent="0" algn="ctr" defTabSz="1466850">
+            <a:lnSpc>
+              <a:spcPct val="90000"/>
+            </a:lnSpc>
+            <a:spcBef>
+              <a:spcPct val="0"/>
+            </a:spcBef>
+            <a:spcAft>
+              <a:spcPct val="35000"/>
+            </a:spcAft>
+            <a:buNone/>
+          </a:pPr>
+          <a:r>
+            <a:rPr lang="en-US" sz="3300" kern="1200" dirty="0"/>
+            <a:t>Inverse Of Control</a:t>
+          </a:r>
+        </a:p>
+      </dsp:txBody>
+      <dsp:txXfrm>
+        <a:off x="3501602" y="453"/>
+        <a:ext cx="2681173" cy="1608703"/>
+      </dsp:txXfrm>
+    </dsp:sp>
+    <dsp:sp modelId="{4DCB104C-D9D7-48C8-B947-6741FDF12B10}">
+      <dsp:nvSpPr>
+        <dsp:cNvPr id="0" name=""/>
+        <dsp:cNvSpPr/>
+      </dsp:nvSpPr>
+      <dsp:spPr>
+        <a:xfrm>
+          <a:off x="6450893" y="453"/>
+          <a:ext cx="2681173" cy="1608703"/>
+        </a:xfrm>
+        <a:prstGeom prst="rect">
+          <a:avLst/>
+        </a:prstGeom>
+        <a:solidFill>
+          <a:schemeClr val="dk2">
+            <a:hueOff val="0"/>
+            <a:satOff val="0"/>
+            <a:lumOff val="0"/>
+            <a:alphaOff val="0"/>
+          </a:schemeClr>
+        </a:solidFill>
+        <a:ln w="12700" cap="flat" cmpd="sng" algn="ctr">
+          <a:solidFill>
+            <a:schemeClr val="lt2">
+              <a:hueOff val="0"/>
+              <a:satOff val="0"/>
+              <a:lumOff val="0"/>
+              <a:alphaOff val="0"/>
+            </a:schemeClr>
+          </a:solidFill>
+          <a:prstDash val="solid"/>
+        </a:ln>
+        <a:effectLst/>
+      </dsp:spPr>
+      <dsp:style>
+        <a:lnRef idx="2">
+          <a:scrgbClr r="0" g="0" b="0"/>
+        </a:lnRef>
+        <a:fillRef idx="1">
+          <a:scrgbClr r="0" g="0" b="0"/>
+        </a:fillRef>
+        <a:effectRef idx="0">
+          <a:scrgbClr r="0" g="0" b="0"/>
+        </a:effectRef>
+        <a:fontRef idx="minor">
+          <a:schemeClr val="lt1"/>
+        </a:fontRef>
+      </dsp:style>
+      <dsp:txBody>
+        <a:bodyPr spcFirstLastPara="0" vert="horz" wrap="square" lIns="125730" tIns="125730" rIns="125730" bIns="125730" numCol="1" spcCol="1270" anchor="ctr" anchorCtr="0">
+          <a:noAutofit/>
+        </a:bodyPr>
+        <a:lstStyle/>
+        <a:p>
+          <a:pPr marL="0" lvl="0" indent="0" algn="ctr" defTabSz="1466850">
+            <a:lnSpc>
+              <a:spcPct val="90000"/>
+            </a:lnSpc>
+            <a:spcBef>
+              <a:spcPct val="0"/>
+            </a:spcBef>
+            <a:spcAft>
+              <a:spcPct val="35000"/>
+            </a:spcAft>
+            <a:buNone/>
+          </a:pPr>
+          <a:r>
+            <a:rPr lang="en-US" sz="3300" kern="1200" dirty="0"/>
+            <a:t>Dependency Injection</a:t>
+          </a:r>
+        </a:p>
+      </dsp:txBody>
+      <dsp:txXfrm>
+        <a:off x="6450893" y="453"/>
+        <a:ext cx="2681173" cy="1608703"/>
+      </dsp:txXfrm>
+    </dsp:sp>
+    <dsp:sp modelId="{31776B8A-E41B-4F8D-A24A-F0A9776B2E33}">
+      <dsp:nvSpPr>
+        <dsp:cNvPr id="0" name=""/>
+        <dsp:cNvSpPr/>
+      </dsp:nvSpPr>
+      <dsp:spPr>
+        <a:xfrm>
+          <a:off x="2026957" y="1877274"/>
+          <a:ext cx="2681173" cy="1608703"/>
+        </a:xfrm>
+        <a:prstGeom prst="rect">
+          <a:avLst/>
+        </a:prstGeom>
+        <a:solidFill>
+          <a:schemeClr val="dk2">
+            <a:hueOff val="0"/>
+            <a:satOff val="0"/>
+            <a:lumOff val="0"/>
+            <a:alphaOff val="0"/>
+          </a:schemeClr>
+        </a:solidFill>
+        <a:ln w="12700" cap="flat" cmpd="sng" algn="ctr">
+          <a:solidFill>
+            <a:schemeClr val="lt2">
+              <a:hueOff val="0"/>
+              <a:satOff val="0"/>
+              <a:lumOff val="0"/>
+              <a:alphaOff val="0"/>
+            </a:schemeClr>
+          </a:solidFill>
+          <a:prstDash val="solid"/>
+        </a:ln>
+        <a:effectLst/>
+      </dsp:spPr>
+      <dsp:style>
+        <a:lnRef idx="2">
+          <a:scrgbClr r="0" g="0" b="0"/>
+        </a:lnRef>
+        <a:fillRef idx="1">
+          <a:scrgbClr r="0" g="0" b="0"/>
+        </a:fillRef>
+        <a:effectRef idx="0">
+          <a:scrgbClr r="0" g="0" b="0"/>
+        </a:effectRef>
+        <a:fontRef idx="minor">
+          <a:schemeClr val="lt1"/>
+        </a:fontRef>
+      </dsp:style>
+      <dsp:txBody>
+        <a:bodyPr spcFirstLastPara="0" vert="horz" wrap="square" lIns="125730" tIns="125730" rIns="125730" bIns="125730" numCol="1" spcCol="1270" anchor="ctr" anchorCtr="0">
+          <a:noAutofit/>
+        </a:bodyPr>
+        <a:lstStyle/>
+        <a:p>
+          <a:pPr marL="0" lvl="0" indent="0" algn="ctr" defTabSz="1466850">
+            <a:lnSpc>
+              <a:spcPct val="90000"/>
+            </a:lnSpc>
+            <a:spcBef>
+              <a:spcPct val="0"/>
+            </a:spcBef>
+            <a:spcAft>
+              <a:spcPct val="35000"/>
+            </a:spcAft>
+            <a:buNone/>
+          </a:pPr>
+          <a:r>
+            <a:rPr lang="en-US" sz="3300" kern="1200" dirty="0"/>
+            <a:t>Dependency Injection Container</a:t>
+          </a:r>
+        </a:p>
+      </dsp:txBody>
+      <dsp:txXfrm>
+        <a:off x="2026957" y="1877274"/>
+        <a:ext cx="2681173" cy="1608703"/>
+      </dsp:txXfrm>
+    </dsp:sp>
+    <dsp:sp modelId="{BC0DE435-C6C0-47AC-88D1-F82424019172}">
+      <dsp:nvSpPr>
+        <dsp:cNvPr id="0" name=""/>
+        <dsp:cNvSpPr/>
+      </dsp:nvSpPr>
+      <dsp:spPr>
+        <a:xfrm>
+          <a:off x="4976248" y="1877274"/>
+          <a:ext cx="2681173" cy="1608703"/>
+        </a:xfrm>
+        <a:prstGeom prst="rect">
+          <a:avLst/>
+        </a:prstGeom>
+        <a:solidFill>
+          <a:schemeClr val="dk2">
+            <a:hueOff val="0"/>
+            <a:satOff val="0"/>
+            <a:lumOff val="0"/>
+            <a:alphaOff val="0"/>
+          </a:schemeClr>
+        </a:solidFill>
+        <a:ln w="12700" cap="flat" cmpd="sng" algn="ctr">
+          <a:solidFill>
+            <a:schemeClr val="lt2">
+              <a:hueOff val="0"/>
+              <a:satOff val="0"/>
+              <a:lumOff val="0"/>
+              <a:alphaOff val="0"/>
+            </a:schemeClr>
+          </a:solidFill>
+          <a:prstDash val="solid"/>
+        </a:ln>
+        <a:effectLst/>
+      </dsp:spPr>
+      <dsp:style>
+        <a:lnRef idx="2">
+          <a:scrgbClr r="0" g="0" b="0"/>
+        </a:lnRef>
+        <a:fillRef idx="1">
+          <a:scrgbClr r="0" g="0" b="0"/>
+        </a:fillRef>
+        <a:effectRef idx="0">
+          <a:scrgbClr r="0" g="0" b="0"/>
+        </a:effectRef>
+        <a:fontRef idx="minor">
+          <a:schemeClr val="lt1"/>
+        </a:fontRef>
+      </dsp:style>
+      <dsp:txBody>
+        <a:bodyPr spcFirstLastPara="0" vert="horz" wrap="square" lIns="125730" tIns="125730" rIns="125730" bIns="125730" numCol="1" spcCol="1270" anchor="ctr" anchorCtr="0">
+          <a:noAutofit/>
+        </a:bodyPr>
+        <a:lstStyle/>
+        <a:p>
+          <a:pPr marL="0" lvl="0" indent="0" algn="ctr" defTabSz="1466850">
+            <a:lnSpc>
+              <a:spcPct val="90000"/>
+            </a:lnSpc>
+            <a:spcBef>
+              <a:spcPct val="0"/>
+            </a:spcBef>
+            <a:spcAft>
+              <a:spcPct val="35000"/>
+            </a:spcAft>
+            <a:buNone/>
+          </a:pPr>
+          <a:r>
+            <a:rPr lang="en-US" sz="3300" kern="1200" dirty="0"/>
+            <a:t>Service Locator</a:t>
+          </a:r>
+        </a:p>
+      </dsp:txBody>
+      <dsp:txXfrm>
+        <a:off x="4976248" y="1877274"/>
+        <a:ext cx="2681173" cy="1608703"/>
+      </dsp:txXfrm>
+    </dsp:sp>
+  </dsp:spTree>
+</dsp:drawing>
+</file>
+
+<file path=ppt/diagrams/layout1.xml><?xml version="1.0" encoding="utf-8"?>
+<dgm:layoutDef xmlns:dgm="http://schemas.openxmlformats.org/drawingml/2006/diagram" xmlns:a="http://schemas.openxmlformats.org/drawingml/2006/main" uniqueId="urn:microsoft.com/office/officeart/2005/8/layout/default">
+  <dgm:title val=""/>
+  <dgm:desc val=""/>
+  <dgm:catLst>
+    <dgm:cat type="list" pri="400"/>
+  </dgm:catLst>
+  <dgm:sampData>
+    <dgm:dataModel>
+      <dgm:ptLst>
+        <dgm:pt modelId="0" type="doc"/>
+        <dgm:pt modelId="1">
+          <dgm:prSet phldr="1"/>
+        </dgm:pt>
+        <dgm:pt modelId="2">
+          <dgm:prSet phldr="1"/>
+        </dgm:pt>
+        <dgm:pt modelId="3">
+          <dgm:prSet phldr="1"/>
+        </dgm:pt>
+        <dgm:pt modelId="4">
+          <dgm:prSet phldr="1"/>
+        </dgm:pt>
+        <dgm:pt modelId="5">
+          <dgm:prSet phldr="1"/>
+        </dgm:pt>
+      </dgm:ptLst>
+      <dgm:cxnLst>
+        <dgm:cxn modelId="6" srcId="0" destId="1" srcOrd="0" destOrd="0"/>
+        <dgm:cxn modelId="7" srcId="0" destId="2" srcOrd="1" destOrd="0"/>
+        <dgm:cxn modelId="8" srcId="0" destId="3" srcOrd="2" destOrd="0"/>
+        <dgm:cxn modelId="9" srcId="0" destId="4" srcOrd="3" destOrd="0"/>
+        <dgm:cxn modelId="10" srcId="0" destId="5" srcOrd="4" destOrd="0"/>
+      </dgm:cxnLst>
+      <dgm:bg/>
+      <dgm:whole/>
+    </dgm:dataModel>
+  </dgm:sampData>
+  <dgm:styleData>
+    <dgm:dataModel>
+      <dgm:ptLst>
+        <dgm:pt modelId="0" type="doc"/>
+        <dgm:pt modelId="1"/>
+        <dgm:pt modelId="2"/>
+      </dgm:ptLst>
+      <dgm:cxnLst>
+        <dgm:cxn modelId="3" srcId="0" destId="1" srcOrd="0" destOrd="0"/>
+        <dgm:cxn modelId="4" srcId="0" destId="2" srcOrd="1" destOrd="0"/>
+      </dgm:cxnLst>
+      <dgm:bg/>
+      <dgm:whole/>
+    </dgm:dataModel>
+  </dgm:styleData>
+  <dgm:clrData>
+    <dgm:dataModel>
+      <dgm:ptLst>
+        <dgm:pt modelId="0" type="doc"/>
+        <dgm:pt modelId="1"/>
+        <dgm:pt modelId="2"/>
+        <dgm:pt modelId="3"/>
+        <dgm:pt modelId="4"/>
+        <dgm:pt modelId="5"/>
+        <dgm:pt modelId="6"/>
+      </dgm:ptLst>
+      <dgm:cxnLst>
+        <dgm:cxn modelId="7" srcId="0" destId="1" srcOrd="0" destOrd="0"/>
+        <dgm:cxn modelId="8" srcId="0" destId="2" srcOrd="1" destOrd="0"/>
+        <dgm:cxn modelId="9" srcId="0" destId="3" srcOrd="2" destOrd="0"/>
+        <dgm:cxn modelId="10" srcId="0" destId="4" srcOrd="3" destOrd="0"/>
+        <dgm:cxn modelId="11" srcId="0" destId="5" srcOrd="4" destOrd="0"/>
+        <dgm:cxn modelId="12" srcId="0" destId="6" srcOrd="5" destOrd="0"/>
+      </dgm:cxnLst>
+      <dgm:bg/>
+      <dgm:whole/>
+    </dgm:dataModel>
+  </dgm:clrData>
+  <dgm:layoutNode name="diagram">
+    <dgm:varLst>
+      <dgm:dir/>
+      <dgm:resizeHandles val="exact"/>
+    </dgm:varLst>
+    <dgm:choose name="Name0">
+      <dgm:if name="Name1" func="var" arg="dir" op="equ" val="norm">
+        <dgm:alg type="snake">
+          <dgm:param type="grDir" val="tL"/>
+          <dgm:param type="flowDir" val="row"/>
+          <dgm:param type="contDir" val="sameDir"/>
+          <dgm:param type="off" val="ctr"/>
+        </dgm:alg>
+      </dgm:if>
+      <dgm:else name="Name2">
+        <dgm:alg type="snake">
+          <dgm:param type="grDir" val="tR"/>
+          <dgm:param type="flowDir" val="row"/>
+          <dgm:param type="contDir" val="sameDir"/>
+          <dgm:param type="off" val="ctr"/>
+        </dgm:alg>
+      </dgm:else>
+    </dgm:choose>
+    <dgm:shape xmlns:r="http://schemas.openxmlformats.org/officeDocument/2006/relationships" r:blip="">
+      <dgm:adjLst/>
+    </dgm:shape>
+    <dgm:presOf/>
+    <dgm:constrLst>
+      <dgm:constr type="w" for="ch" forName="node" refType="w"/>
+      <dgm:constr type="h" for="ch" forName="node" refType="w" refFor="ch" refForName="node" fact="0.6"/>
+      <dgm:constr type="w" for="ch" forName="sibTrans" refType="w" refFor="ch" refForName="node" fact="0.1"/>
+      <dgm:constr type="sp" refType="w" refFor="ch" refForName="sibTrans"/>
+      <dgm:constr type="primFontSz" for="ch" forName="node" op="equ" val="65"/>
+    </dgm:constrLst>
+    <dgm:ruleLst/>
+    <dgm:forEach name="Name3" axis="ch" ptType="node">
+      <dgm:layoutNode name="node">
+        <dgm:varLst>
+          <dgm:bulletEnabled val="1"/>
+        </dgm:varLst>
+        <dgm:alg type="tx"/>
+        <dgm:shape xmlns:r="http://schemas.openxmlformats.org/officeDocument/2006/relationships" type="rect" r:blip="">
+          <dgm:adjLst/>
+        </dgm:shape>
+        <dgm:presOf axis="desOrSelf" ptType="node"/>
+        <dgm:constrLst>
+          <dgm:constr type="lMarg" refType="primFontSz" fact="0.3"/>
+          <dgm:constr type="rMarg" refType="primFontSz" fact="0.3"/>
+          <dgm:constr type="tMarg" refType="primFontSz" fact="0.3"/>
+          <dgm:constr type="bMarg" refType="primFontSz" fact="0.3"/>
+        </dgm:constrLst>
+        <dgm:ruleLst>
+          <dgm:rule type="primFontSz" val="5" fact="NaN" max="NaN"/>
+        </dgm:ruleLst>
+      </dgm:layoutNode>
+      <dgm:forEach name="Name4" axis="followSib" ptType="sibTrans" cnt="1">
+        <dgm:layoutNode name="sibTrans">
+          <dgm:alg type="sp"/>
+          <dgm:shape xmlns:r="http://schemas.openxmlformats.org/officeDocument/2006/relationships" r:blip="">
+            <dgm:adjLst/>
+          </dgm:shape>
+          <dgm:presOf/>
+          <dgm:constrLst/>
+          <dgm:ruleLst/>
+        </dgm:layoutNode>
+      </dgm:forEach>
+    </dgm:forEach>
+  </dgm:layoutNode>
+</dgm:layoutDef>
+</file>
+
+<file path=ppt/diagrams/layout2.xml><?xml version="1.0" encoding="utf-8"?>
+<dgm:layoutDef xmlns:dgm="http://schemas.openxmlformats.org/drawingml/2006/diagram" xmlns:a="http://schemas.openxmlformats.org/drawingml/2006/main" uniqueId="urn:microsoft.com/office/officeart/2005/8/layout/default">
+  <dgm:title val=""/>
+  <dgm:desc val=""/>
+  <dgm:catLst>
+    <dgm:cat type="list" pri="400"/>
+  </dgm:catLst>
+  <dgm:sampData>
+    <dgm:dataModel>
+      <dgm:ptLst>
+        <dgm:pt modelId="0" type="doc"/>
+        <dgm:pt modelId="1">
+          <dgm:prSet phldr="1"/>
+        </dgm:pt>
+        <dgm:pt modelId="2">
+          <dgm:prSet phldr="1"/>
+        </dgm:pt>
+        <dgm:pt modelId="3">
+          <dgm:prSet phldr="1"/>
+        </dgm:pt>
+        <dgm:pt modelId="4">
+          <dgm:prSet phldr="1"/>
+        </dgm:pt>
+        <dgm:pt modelId="5">
+          <dgm:prSet phldr="1"/>
+        </dgm:pt>
+      </dgm:ptLst>
+      <dgm:cxnLst>
+        <dgm:cxn modelId="6" srcId="0" destId="1" srcOrd="0" destOrd="0"/>
+        <dgm:cxn modelId="7" srcId="0" destId="2" srcOrd="1" destOrd="0"/>
+        <dgm:cxn modelId="8" srcId="0" destId="3" srcOrd="2" destOrd="0"/>
+        <dgm:cxn modelId="9" srcId="0" destId="4" srcOrd="3" destOrd="0"/>
+        <dgm:cxn modelId="10" srcId="0" destId="5" srcOrd="4" destOrd="0"/>
+      </dgm:cxnLst>
+      <dgm:bg/>
+      <dgm:whole/>
+    </dgm:dataModel>
+  </dgm:sampData>
+  <dgm:styleData>
+    <dgm:dataModel>
+      <dgm:ptLst>
+        <dgm:pt modelId="0" type="doc"/>
+        <dgm:pt modelId="1"/>
+        <dgm:pt modelId="2"/>
+      </dgm:ptLst>
+      <dgm:cxnLst>
+        <dgm:cxn modelId="3" srcId="0" destId="1" srcOrd="0" destOrd="0"/>
+        <dgm:cxn modelId="4" srcId="0" destId="2" srcOrd="1" destOrd="0"/>
+      </dgm:cxnLst>
+      <dgm:bg/>
+      <dgm:whole/>
+    </dgm:dataModel>
+  </dgm:styleData>
+  <dgm:clrData>
+    <dgm:dataModel>
+      <dgm:ptLst>
+        <dgm:pt modelId="0" type="doc"/>
+        <dgm:pt modelId="1"/>
+        <dgm:pt modelId="2"/>
+        <dgm:pt modelId="3"/>
+        <dgm:pt modelId="4"/>
+        <dgm:pt modelId="5"/>
+        <dgm:pt modelId="6"/>
+      </dgm:ptLst>
+      <dgm:cxnLst>
+        <dgm:cxn modelId="7" srcId="0" destId="1" srcOrd="0" destOrd="0"/>
+        <dgm:cxn modelId="8" srcId="0" destId="2" srcOrd="1" destOrd="0"/>
+        <dgm:cxn modelId="9" srcId="0" destId="3" srcOrd="2" destOrd="0"/>
+        <dgm:cxn modelId="10" srcId="0" destId="4" srcOrd="3" destOrd="0"/>
+        <dgm:cxn modelId="11" srcId="0" destId="5" srcOrd="4" destOrd="0"/>
+        <dgm:cxn modelId="12" srcId="0" destId="6" srcOrd="5" destOrd="0"/>
+      </dgm:cxnLst>
+      <dgm:bg/>
+      <dgm:whole/>
+    </dgm:dataModel>
+  </dgm:clrData>
+  <dgm:layoutNode name="diagram">
+    <dgm:varLst>
+      <dgm:dir/>
+      <dgm:resizeHandles val="exact"/>
+    </dgm:varLst>
+    <dgm:choose name="Name0">
+      <dgm:if name="Name1" func="var" arg="dir" op="equ" val="norm">
+        <dgm:alg type="snake">
+          <dgm:param type="grDir" val="tL"/>
+          <dgm:param type="flowDir" val="row"/>
+          <dgm:param type="contDir" val="sameDir"/>
+          <dgm:param type="off" val="ctr"/>
+        </dgm:alg>
+      </dgm:if>
+      <dgm:else name="Name2">
+        <dgm:alg type="snake">
+          <dgm:param type="grDir" val="tR"/>
+          <dgm:param type="flowDir" val="row"/>
+          <dgm:param type="contDir" val="sameDir"/>
+          <dgm:param type="off" val="ctr"/>
+        </dgm:alg>
+      </dgm:else>
+    </dgm:choose>
+    <dgm:shape xmlns:r="http://schemas.openxmlformats.org/officeDocument/2006/relationships" r:blip="">
+      <dgm:adjLst/>
+    </dgm:shape>
+    <dgm:presOf/>
+    <dgm:constrLst>
+      <dgm:constr type="w" for="ch" forName="node" refType="w"/>
+      <dgm:constr type="h" for="ch" forName="node" refType="w" refFor="ch" refForName="node" fact="0.6"/>
+      <dgm:constr type="w" for="ch" forName="sibTrans" refType="w" refFor="ch" refForName="node" fact="0.1"/>
+      <dgm:constr type="sp" refType="w" refFor="ch" refForName="sibTrans"/>
+      <dgm:constr type="primFontSz" for="ch" forName="node" op="equ" val="65"/>
+    </dgm:constrLst>
+    <dgm:ruleLst/>
+    <dgm:forEach name="Name3" axis="ch" ptType="node">
+      <dgm:layoutNode name="node">
+        <dgm:varLst>
+          <dgm:bulletEnabled val="1"/>
+        </dgm:varLst>
+        <dgm:alg type="tx"/>
+        <dgm:shape xmlns:r="http://schemas.openxmlformats.org/officeDocument/2006/relationships" type="rect" r:blip="">
+          <dgm:adjLst/>
+        </dgm:shape>
+        <dgm:presOf axis="desOrSelf" ptType="node"/>
+        <dgm:constrLst>
+          <dgm:constr type="lMarg" refType="primFontSz" fact="0.3"/>
+          <dgm:constr type="rMarg" refType="primFontSz" fact="0.3"/>
+          <dgm:constr type="tMarg" refType="primFontSz" fact="0.3"/>
+          <dgm:constr type="bMarg" refType="primFontSz" fact="0.3"/>
+        </dgm:constrLst>
+        <dgm:ruleLst>
+          <dgm:rule type="primFontSz" val="5" fact="NaN" max="NaN"/>
+        </dgm:ruleLst>
+      </dgm:layoutNode>
+      <dgm:forEach name="Name4" axis="followSib" ptType="sibTrans" cnt="1">
+        <dgm:layoutNode name="sibTrans">
+          <dgm:alg type="sp"/>
+          <dgm:shape xmlns:r="http://schemas.openxmlformats.org/officeDocument/2006/relationships" r:blip="">
+            <dgm:adjLst/>
+          </dgm:shape>
+          <dgm:presOf/>
+          <dgm:constrLst/>
+          <dgm:ruleLst/>
+        </dgm:layoutNode>
+      </dgm:forEach>
+    </dgm:forEach>
+  </dgm:layoutNode>
+</dgm:layoutDef>
+</file>
+
+<file path=ppt/diagrams/quickStyle1.xml><?xml version="1.0" encoding="utf-8"?>
+<dgm:styleDef xmlns:dgm="http://schemas.openxmlformats.org/drawingml/2006/diagram" xmlns:a="http://schemas.openxmlformats.org/drawingml/2006/main" uniqueId="urn:microsoft.com/office/officeart/2005/8/quickstyle/simple1">
+  <dgm:title val=""/>
+  <dgm:desc val=""/>
+  <dgm:catLst>
+    <dgm:cat type="simple" pri="10100"/>
+  </dgm:catLst>
+  <dgm:scene3d>
+    <a:camera prst="orthographicFront"/>
+    <a:lightRig rig="threePt" dir="t"/>
+  </dgm:scene3d>
+  <dgm:styleLbl name="node0">
+    <dgm:scene3d>
+      <a:camera prst="orthographicFront"/>
+      <a:lightRig rig="threePt" dir="t"/>
+    </dgm:scene3d>
+    <dgm:sp3d/>
+    <dgm:txPr/>
+    <dgm:style>
+      <a:lnRef idx="2">
+        <a:scrgbClr r="0" g="0" b="0"/>
+      </a:lnRef>
+      <a:fillRef idx="1">
+        <a:scrgbClr r="0" g="0" b="0"/>
+      </a:fillRef>
+      <a:effectRef idx="0">
+        <a:scrgbClr r="0" g="0" b="0"/>
+      </a:effectRef>
+      <a:fontRef idx="minor">
+        <a:schemeClr val="lt1"/>
+      </a:fontRef>
+    </dgm:style>
+  </dgm:styleLbl>
+  <dgm:styleLbl name="lnNode1">
+    <dgm:scene3d>
+      <a:camera prst="orthographicFront"/>
+      <a:lightRig rig="threePt" dir="t"/>
+    </dgm:scene3d>
+    <dgm:sp3d/>
+    <dgm:txPr/>
+    <dgm:style>
+      <a:lnRef idx="2">
+        <a:scrgbClr r="0" g="0" b="0"/>
+      </a:lnRef>
+      <a:fillRef idx="1">
+        <a:scrgbClr r="0" g="0" b="0"/>
+      </a:fillRef>
+      <a:effectRef idx="0">
+        <a:scrgbClr r="0" g="0" b="0"/>
+      </a:effectRef>
+      <a:fontRef idx="minor">
+        <a:schemeClr val="lt1"/>
+      </a:fontRef>
+    </dgm:style>
+  </dgm:styleLbl>
+  <dgm:styleLbl name="vennNode1">
+    <dgm:scene3d>
+      <a:camera prst="orthographicFront"/>
+      <a:lightRig rig="threePt" dir="t"/>
+    </dgm:scene3d>
+    <dgm:sp3d/>
+    <dgm:txPr/>
+    <dgm:style>
+      <a:lnRef idx="2">
+        <a:scrgbClr r="0" g="0" b="0"/>
+      </a:lnRef>
+      <a:fillRef idx="1">
+        <a:scrgbClr r="0" g="0" b="0"/>
+      </a:fillRef>
+      <a:effectRef idx="0">
+        <a:scrgbClr r="0" g="0" b="0"/>
+      </a:effectRef>
+      <a:fontRef idx="minor">
+        <a:schemeClr val="tx1"/>
+      </a:fontRef>
+    </dgm:style>
+  </dgm:styleLbl>
+  <dgm:styleLbl name="alignNode1">
+    <dgm:scene3d>
+      <a:camera prst="orthographicFront"/>
+      <a:lightRig rig="threePt" dir="t"/>
+    </dgm:scene3d>
+    <dgm:sp3d/>
+    <dgm:txPr/>
+    <dgm:style>
+      <a:lnRef idx="2">
+        <a:scrgbClr r="0" g="0" b="0"/>
+      </a:lnRef>
+      <a:fillRef idx="1">
+        <a:scrgbClr r="0" g="0" b="0"/>
+      </a:fillRef>
+      <a:effectRef idx="0">
+        <a:scrgbClr r="0" g="0" b="0"/>
+      </a:effectRef>
+      <a:fontRef idx="minor">
+        <a:schemeClr val="lt1"/>
+      </a:fontRef>
+    </dgm:style>
+  </dgm:styleLbl>
+  <dgm:styleLbl name="node1">
+    <dgm:scene3d>
+      <a:camera prst="orthographicFront"/>
+      <a:lightRig rig="threePt" dir="t"/>
+    </dgm:scene3d>
+    <dgm:sp3d/>
+    <dgm:txPr/>
+    <dgm:style>
+      <a:lnRef idx="2">
+        <a:scrgbClr r="0" g="0" b="0"/>
+      </a:lnRef>
+      <a:fillRef idx="1">
+        <a:scrgbClr r="0" g="0" b="0"/>
+      </a:fillRef>
+      <a:effectRef idx="0">
+        <a:scrgbClr r="0" g="0" b="0"/>
+      </a:effectRef>
+      <a:fontRef idx="minor">
+        <a:schemeClr val="lt1"/>
+      </a:fontRef>
+    </dgm:style>
+  </dgm:styleLbl>
+  <dgm:styleLbl name="node2">
+    <dgm:scene3d>
+      <a:camera prst="orthographicFront"/>
+      <a:lightRig rig="threePt" dir="t"/>
+    </dgm:scene3d>
+    <dgm:sp3d/>
+    <dgm:txPr/>
+    <dgm:style>
+      <a:lnRef idx="2">
+        <a:scrgbClr r="0" g="0" b="0"/>
+      </a:lnRef>
+      <a:fillRef idx="1">
+        <a:scrgbClr r="0" g="0" b="0"/>
+      </a:fillRef>
+      <a:effectRef idx="0">
+        <a:scrgbClr r="0" g="0" b="0"/>
+      </a:effectRef>
+      <a:fontRef idx="minor">
+        <a:schemeClr val="lt1"/>
+      </a:fontRef>
+    </dgm:style>
+  </dgm:styleLbl>
+  <dgm:styleLbl name="node3">
+    <dgm:scene3d>
+      <a:camera prst="orthographicFront"/>
+      <a:lightRig rig="threePt" dir="t"/>
+    </dgm:scene3d>
+    <dgm:sp3d/>
+    <dgm:txPr/>
+    <dgm:style>
+      <a:lnRef idx="2">
+        <a:scrgbClr r="0" g="0" b="0"/>
+      </a:lnRef>
+      <a:fillRef idx="1">
+        <a:scrgbClr r="0" g="0" b="0"/>
+      </a:fillRef>
+      <a:effectRef idx="0">
+        <a:scrgbClr r="0" g="0" b="0"/>
+      </a:effectRef>
+      <a:fontRef idx="minor">
+        <a:schemeClr val="lt1"/>
+      </a:fontRef>
+    </dgm:style>
+  </dgm:styleLbl>
+  <dgm:styleLbl name="node4">
+    <dgm:scene3d>
+      <a:camera prst="orthographicFront"/>
+      <a:lightRig rig="threePt" dir="t"/>
+    </dgm:scene3d>
+    <dgm:sp3d/>
+    <dgm:txPr/>
+    <dgm:style>
+      <a:lnRef idx="2">
+        <a:scrgbClr r="0" g="0" b="0"/>
+      </a:lnRef>
+      <a:fillRef idx="1">
+        <a:scrgbClr r="0" g="0" b="0"/>
+      </a:fillRef>
+      <a:effectRef idx="0">
+        <a:scrgbClr r="0" g="0" b="0"/>
+      </a:effectRef>
+      <a:fontRef idx="minor">
+        <a:schemeClr val="lt1"/>
+      </a:fontRef>
+    </dgm:style>
+  </dgm:styleLbl>
+  <dgm:styleLbl name="fgImgPlace1">
+    <dgm:scene3d>
+      <a:camera prst="orthographicFront"/>
+      <a:lightRig rig="threePt" dir="t"/>
+    </dgm:scene3d>
+    <dgm:sp3d/>
+    <dgm:txPr/>
+    <dgm:style>
+      <a:lnRef idx="2">
+        <a:scrgbClr r="0" g="0" b="0"/>
+      </a:lnRef>
+      <a:fillRef idx="1">
+        <a:scrgbClr r="0" g="0" b="0"/>
+      </a:fillRef>
+      <a:effectRef idx="0">
+        <a:scrgbClr r="0" g="0" b="0"/>
+      </a:effectRef>
+      <a:fontRef idx="minor"/>
+    </dgm:style>
+  </dgm:styleLbl>
+  <dgm:styleLbl name="alignImgPlace1">
+    <dgm:scene3d>
+      <a:camera prst="orthographicFront"/>
+      <a:lightRig rig="threePt" dir="t"/>
+    </dgm:scene3d>
+    <dgm:sp3d/>
+    <dgm:txPr/>
+    <dgm:style>
+      <a:lnRef idx="2">
+        <a:scrgbClr r="0" g="0" b="0"/>
+      </a:lnRef>
+      <a:fillRef idx="1">
+        <a:scrgbClr r="0" g="0" b="0"/>
+      </a:fillRef>
+      <a:effectRef idx="0">
+        <a:scrgbClr r="0" g="0" b="0"/>
+      </a:effectRef>
+      <a:fontRef idx="minor"/>
+    </dgm:style>
+  </dgm:styleLbl>
+  <dgm:styleLbl name="bgImgPlace1">
+    <dgm:scene3d>
+      <a:camera prst="orthographicFront"/>
+      <a:lightRig rig="threePt" dir="t"/>
+    </dgm:scene3d>
+    <dgm:sp3d/>
+    <dgm:txPr/>
+    <dgm:style>
+      <a:lnRef idx="2">
+        <a:scrgbClr r="0" g="0" b="0"/>
+      </a:lnRef>
+      <a:fillRef idx="1">
+        <a:scrgbClr r="0" g="0" b="0"/>
+      </a:fillRef>
+      <a:effectRef idx="0">
+        <a:scrgbClr r="0" g="0" b="0"/>
+      </a:effectRef>
+      <a:fontRef idx="minor"/>
+    </dgm:style>
+  </dgm:styleLbl>
+  <dgm:styleLbl name="sibTrans2D1">
+    <dgm:scene3d>
+      <a:camera prst="orthographicFront"/>
+      <a:lightRig rig="threePt" dir="t"/>
+    </dgm:scene3d>
+    <dgm:sp3d/>
+    <dgm:txPr/>
+    <dgm:style>
+      <a:lnRef idx="0">
+        <a:scrgbClr r="0" g="0" b="0"/>
+      </a:lnRef>
+      <a:fillRef idx="1">
+        <a:scrgbClr r="0" g="0" b="0"/>
+      </a:fillRef>
+      <a:effectRef idx="0">
+        <a:scrgbClr r="0" g="0" b="0"/>
+      </a:effectRef>
+      <a:fontRef idx="minor">
+        <a:schemeClr val="lt1"/>
+      </a:fontRef>
+    </dgm:style>
+  </dgm:styleLbl>
+  <dgm:styleLbl name="fgSibTrans2D1">
+    <dgm:scene3d>
+      <a:camera prst="orthographicFront"/>
+      <a:lightRig rig="threePt" dir="t"/>
+    </dgm:scene3d>
+    <dgm:sp3d/>
+    <dgm:txPr/>
+    <dgm:style>
+      <a:lnRef idx="0">
+        <a:scrgbClr r="0" g="0" b="0"/>
+      </a:lnRef>
+      <a:fillRef idx="1">
+        <a:scrgbClr r="0" g="0" b="0"/>
+      </a:fillRef>
+      <a:effectRef idx="0">
+        <a:scrgbClr r="0" g="0" b="0"/>
+      </a:effectRef>
+      <a:fontRef idx="minor">
+        <a:schemeClr val="lt1"/>
+      </a:fontRef>
+    </dgm:style>
+  </dgm:styleLbl>
+  <dgm:styleLbl name="bgSibTrans2D1">
+    <dgm:scene3d>
+      <a:camera prst="orthographicFront"/>
+      <a:lightRig rig="threePt" dir="t"/>
+    </dgm:scene3d>
+    <dgm:sp3d/>
+    <dgm:txPr/>
+    <dgm:style>
+      <a:lnRef idx="0">
+        <a:scrgbClr r="0" g="0" b="0"/>
+      </a:lnRef>
+      <a:fillRef idx="1">
+        <a:scrgbClr r="0" g="0" b="0"/>
+      </a:fillRef>
+      <a:effectRef idx="0">
+        <a:scrgbClr r="0" g="0" b="0"/>
+      </a:effectRef>
+      <a:fontRef idx="minor">
+        <a:schemeClr val="lt1"/>
+      </a:fontRef>
+    </dgm:style>
+  </dgm:styleLbl>
+  <dgm:styleLbl name="sibTrans1D1">
+    <dgm:scene3d>
+      <a:camera prst="orthographicFront"/>
+      <a:lightRig rig="threePt" dir="t"/>
+    </dgm:scene3d>
+    <dgm:sp3d/>
+    <dgm:txPr/>
+    <dgm:style>
+      <a:lnRef idx="1">
+        <a:scrgbClr r="0" g="0" b="0"/>
+      </a:lnRef>
+      <a:fillRef idx="0">
+        <a:scrgbClr r="0" g="0" b="0"/>
+      </a:fillRef>
+      <a:effectRef idx="0">
+        <a:scrgbClr r="0" g="0" b="0"/>
+      </a:effectRef>
+      <a:fontRef idx="minor"/>
+    </dgm:style>
+  </dgm:styleLbl>
+  <dgm:styleLbl name="callout">
+    <dgm:scene3d>
+      <a:camera prst="orthographicFront"/>
+      <a:lightRig rig="threePt" dir="t"/>
+    </dgm:scene3d>
+    <dgm:sp3d/>
+    <dgm:txPr/>
+    <dgm:style>
+      <a:lnRef idx="2">
+        <a:scrgbClr r="0" g="0" b="0"/>
+      </a:lnRef>
+      <a:fillRef idx="1">
+        <a:scrgbClr r="0" g="0" b="0"/>
+      </a:fillRef>
+      <a:effectRef idx="0">
+        <a:scrgbClr r="0" g="0" b="0"/>
+      </a:effectRef>
+      <a:fontRef idx="minor"/>
+    </dgm:style>
+  </dgm:styleLbl>
+  <dgm:styleLbl name="asst0">
+    <dgm:scene3d>
+      <a:camera prst="orthographicFront"/>
+      <a:lightRig rig="threePt" dir="t"/>
+    </dgm:scene3d>
+    <dgm:sp3d/>
+    <dgm:txPr/>
+    <dgm:style>
+      <a:lnRef idx="2">
+        <a:scrgbClr r="0" g="0" b="0"/>
+      </a:lnRef>
+      <a:fillRef idx="1">
+        <a:scrgbClr r="0" g="0" b="0"/>
+      </a:fillRef>
+      <a:effectRef idx="0">
+        <a:scrgbClr r="0" g="0" b="0"/>
+      </a:effectRef>
+      <a:fontRef idx="minor">
+        <a:schemeClr val="lt1"/>
+      </a:fontRef>
+    </dgm:style>
+  </dgm:styleLbl>
+  <dgm:styleLbl name="asst1">
+    <dgm:scene3d>
+      <a:camera prst="orthographicFront"/>
+      <a:lightRig rig="threePt" dir="t"/>
+    </dgm:scene3d>
+    <dgm:sp3d/>
+    <dgm:txPr/>
+    <dgm:style>
+      <a:lnRef idx="2">
+        <a:scrgbClr r="0" g="0" b="0"/>
+      </a:lnRef>
+      <a:fillRef idx="1">
+        <a:scrgbClr r="0" g="0" b="0"/>
+      </a:fillRef>
+      <a:effectRef idx="0">
+        <a:scrgbClr r="0" g="0" b="0"/>
+      </a:effectRef>
+      <a:fontRef idx="minor">
+        <a:schemeClr val="lt1"/>
+      </a:fontRef>
+    </dgm:style>
+  </dgm:styleLbl>
+  <dgm:styleLbl name="asst2">
+    <dgm:scene3d>
+      <a:camera prst="orthographicFront"/>
+      <a:lightRig rig="threePt" dir="t"/>
+    </dgm:scene3d>
+    <dgm:sp3d/>
+    <dgm:txPr/>
+    <dgm:style>
+      <a:lnRef idx="2">
+        <a:scrgbClr r="0" g="0" b="0"/>
+      </a:lnRef>
+      <a:fillRef idx="1">
+        <a:scrgbClr r="0" g="0" b="0"/>
+      </a:fillRef>
+      <a:effectRef idx="0">
+        <a:scrgbClr r="0" g="0" b="0"/>
+      </a:effectRef>
+      <a:fontRef idx="minor">
+        <a:schemeClr val="lt1"/>
+      </a:fontRef>
+    </dgm:style>
+  </dgm:styleLbl>
+  <dgm:styleLbl name="asst3">
+    <dgm:scene3d>
+      <a:camera prst="orthographicFront"/>
+      <a:lightRig rig="threePt" dir="t"/>
+    </dgm:scene3d>
+    <dgm:sp3d/>
+    <dgm:txPr/>
+    <dgm:style>
+      <a:lnRef idx="2">
+        <a:scrgbClr r="0" g="0" b="0"/>
+      </a:lnRef>
+      <a:fillRef idx="1">
+        <a:scrgbClr r="0" g="0" b="0"/>
+      </a:fillRef>
+      <a:effectRef idx="0">
+        <a:scrgbClr r="0" g="0" b="0"/>
+      </a:effectRef>
+      <a:fontRef idx="minor">
+        <a:schemeClr val="lt1"/>
+      </a:fontRef>
+    </dgm:style>
+  </dgm:styleLbl>
+  <dgm:styleLbl name="asst4">
+    <dgm:scene3d>
+      <a:camera prst="orthographicFront"/>
+      <a:lightRig rig="threePt" dir="t"/>
+    </dgm:scene3d>
+    <dgm:sp3d/>
+    <dgm:txPr/>
+    <dgm:style>
+      <a:lnRef idx="2">
+        <a:scrgbClr r="0" g="0" b="0"/>
+      </a:lnRef>
+      <a:fillRef idx="1">
+        <a:scrgbClr r="0" g="0" b="0"/>
+      </a:fillRef>
+      <a:effectRef idx="0">
+        <a:scrgbClr r="0" g="0" b="0"/>
+      </a:effectRef>
+      <a:fontRef idx="minor">
+        <a:schemeClr val="lt1"/>
+      </a:fontRef>
+    </dgm:style>
+  </dgm:styleLbl>
+  <dgm:styleLbl name="parChTrans2D1">
+    <dgm:scene3d>
+      <a:camera prst="orthographicFront"/>
+      <a:lightRig rig="threePt" dir="t"/>
+    </dgm:scene3d>
+    <dgm:sp3d/>
+    <dgm:txPr/>
+    <dgm:style>
+      <a:lnRef idx="2">
+        <a:scrgbClr r="0" g="0" b="0"/>
+      </a:lnRef>
+      <a:fillRef idx="1">
+        <a:scrgbClr r="0" g="0" b="0"/>
+      </a:fillRef>
+      <a:effectRef idx="0">
+        <a:scrgbClr r="0" g="0" b="0"/>
+      </a:effectRef>
+      <a:fontRef idx="minor">
+        <a:schemeClr val="lt1"/>
+      </a:fontRef>
+    </dgm:style>
+  </dgm:styleLbl>
+  <dgm:styleLbl name="parChTrans2D2">
+    <dgm:scene3d>
+      <a:camera prst="orthographicFront"/>
+      <a:lightRig rig="threePt" dir="t"/>
+    </dgm:scene3d>
+    <dgm:sp3d/>
+    <dgm:txPr/>
+    <dgm:style>
+      <a:lnRef idx="2">
+        <a:scrgbClr r="0" g="0" b="0"/>
+      </a:lnRef>
+      <a:fillRef idx="1">
+        <a:scrgbClr r="0" g="0" b="0"/>
+      </a:fillRef>
+      <a:effectRef idx="0">
+        <a:scrgbClr r="0" g="0" b="0"/>
+      </a:effectRef>
+      <a:fontRef idx="minor">
+        <a:schemeClr val="lt1"/>
+      </a:fontRef>
+    </dgm:style>
+  </dgm:styleLbl>
+  <dgm:styleLbl name="parChTrans2D3">
+    <dgm:scene3d>
+      <a:camera prst="orthographicFront"/>
+      <a:lightRig rig="threePt" dir="t"/>
+    </dgm:scene3d>
+    <dgm:sp3d/>
+    <dgm:txPr/>
+    <dgm:style>
+      <a:lnRef idx="2">
+        <a:scrgbClr r="0" g="0" b="0"/>
+      </a:lnRef>
+      <a:fillRef idx="1">
+        <a:scrgbClr r="0" g="0" b="0"/>
+      </a:fillRef>
+      <a:effectRef idx="0">
+        <a:scrgbClr r="0" g="0" b="0"/>
+      </a:effectRef>
+      <a:fontRef idx="minor">
+        <a:schemeClr val="lt1"/>
+      </a:fontRef>
+    </dgm:style>
+  </dgm:styleLbl>
+  <dgm:styleLbl name="parChTrans2D4">
+    <dgm:scene3d>
+      <a:camera prst="orthographicFront"/>
+      <a:lightRig rig="threePt" dir="t"/>
+    </dgm:scene3d>
+    <dgm:sp3d/>
+    <dgm:txPr/>
+    <dgm:style>
+      <a:lnRef idx="2">
+        <a:scrgbClr r="0" g="0" b="0"/>
+      </a:lnRef>
+      <a:fillRef idx="1">
+        <a:scrgbClr r="0" g="0" b="0"/>
+      </a:fillRef>
+      <a:effectRef idx="0">
+        <a:scrgbClr r="0" g="0" b="0"/>
+      </a:effectRef>
+      <a:fontRef idx="minor">
+        <a:schemeClr val="lt1"/>
+      </a:fontRef>
+    </dgm:style>
+  </dgm:styleLbl>
+  <dgm:styleLbl name="parChTrans1D1">
+    <dgm:scene3d>
+      <a:camera prst="orthographicFront"/>
+      <a:lightRig rig="threePt" dir="t"/>
+    </dgm:scene3d>
+    <dgm:sp3d/>
+    <dgm:txPr/>
+    <dgm:style>
+      <a:lnRef idx="2">
+        <a:scrgbClr r="0" g="0" b="0"/>
+      </a:lnRef>
+      <a:fillRef idx="0">
+        <a:scrgbClr r="0" g="0" b="0"/>
+      </a:fillRef>
+      <a:effectRef idx="0">
+        <a:scrgbClr r="0" g="0" b="0"/>
+      </a:effectRef>
+      <a:fontRef idx="minor"/>
+    </dgm:style>
+  </dgm:styleLbl>
+  <dgm:styleLbl name="parChTrans1D2">
+    <dgm:scene3d>
+      <a:camera prst="orthographicFront"/>
+      <a:lightRig rig="threePt" dir="t"/>
+    </dgm:scene3d>
+    <dgm:sp3d/>
+    <dgm:txPr/>
+    <dgm:style>
+      <a:lnRef idx="2">
+        <a:scrgbClr r="0" g="0" b="0"/>
+      </a:lnRef>
+      <a:fillRef idx="0">
+        <a:scrgbClr r="0" g="0" b="0"/>
+      </a:fillRef>
+      <a:effectRef idx="0">
+        <a:scrgbClr r="0" g="0" b="0"/>
+      </a:effectRef>
+      <a:fontRef idx="minor"/>
+    </dgm:style>
+  </dgm:styleLbl>
+  <dgm:styleLbl name="parChTrans1D3">
+    <dgm:scene3d>
+      <a:camera prst="orthographicFront"/>
+      <a:lightRig rig="threePt" dir="t"/>
+    </dgm:scene3d>
+    <dgm:sp3d/>
+    <dgm:txPr/>
+    <dgm:style>
+      <a:lnRef idx="2">
+        <a:scrgbClr r="0" g="0" b="0"/>
+      </a:lnRef>
+      <a:fillRef idx="0">
+        <a:scrgbClr r="0" g="0" b="0"/>
+      </a:fillRef>
+      <a:effectRef idx="0">
+        <a:scrgbClr r="0" g="0" b="0"/>
+      </a:effectRef>
+      <a:fontRef idx="minor"/>
+    </dgm:style>
+  </dgm:styleLbl>
+  <dgm:styleLbl name="parChTrans1D4">
+    <dgm:scene3d>
+      <a:camera prst="orthographicFront"/>
+      <a:lightRig rig="threePt" dir="t"/>
+    </dgm:scene3d>
+    <dgm:sp3d/>
+    <dgm:txPr/>
+    <dgm:style>
+      <a:lnRef idx="2">
+        <a:scrgbClr r="0" g="0" b="0"/>
+      </a:lnRef>
+      <a:fillRef idx="0">
+        <a:scrgbClr r="0" g="0" b="0"/>
+      </a:fillRef>
+      <a:effectRef idx="0">
+        <a:scrgbClr r="0" g="0" b="0"/>
+      </a:effectRef>
+      <a:fontRef idx="minor"/>
+    </dgm:style>
+  </dgm:styleLbl>
+  <dgm:styleLbl name="fgAcc1">
+    <dgm:scene3d>
+      <a:camera prst="orthographicFront"/>
+      <a:lightRig rig="threePt" dir="t"/>
+    </dgm:scene3d>
+    <dgm:sp3d/>
+    <dgm:txPr/>
+    <dgm:style>
+      <a:lnRef idx="2">
+        <a:scrgbClr r="0" g="0" b="0"/>
+      </a:lnRef>
+      <a:fillRef idx="1">
+        <a:scrgbClr r="0" g="0" b="0"/>
+      </a:fillRef>
+      <a:effectRef idx="0">
+        <a:scrgbClr r="0" g="0" b="0"/>
+      </a:effectRef>
+      <a:fontRef idx="minor"/>
+    </dgm:style>
+  </dgm:styleLbl>
+  <dgm:styleLbl name="conFgAcc1">
+    <dgm:scene3d>
+      <a:camera prst="orthographicFront"/>
+      <a:lightRig rig="threePt" dir="t"/>
+    </dgm:scene3d>
+    <dgm:sp3d/>
+    <dgm:txPr/>
+    <dgm:style>
+      <a:lnRef idx="2">
+        <a:scrgbClr r="0" g="0" b="0"/>
+      </a:lnRef>
+      <a:fillRef idx="1">
+        <a:scrgbClr r="0" g="0" b="0"/>
+      </a:fillRef>
+      <a:effectRef idx="0">
+        <a:scrgbClr r="0" g="0" b="0"/>
+      </a:effectRef>
+      <a:fontRef idx="minor"/>
+    </dgm:style>
+  </dgm:styleLbl>
+  <dgm:styleLbl name="alignAcc1">
+    <dgm:scene3d>
+      <a:camera prst="orthographicFront"/>
+      <a:lightRig rig="threePt" dir="t"/>
+    </dgm:scene3d>
+    <dgm:sp3d/>
+    <dgm:txPr/>
+    <dgm:style>
+      <a:lnRef idx="2">
+        <a:scrgbClr r="0" g="0" b="0"/>
+      </a:lnRef>
+      <a:fillRef idx="1">
+        <a:scrgbClr r="0" g="0" b="0"/>
+      </a:fillRef>
+      <a:effectRef idx="0">
+        <a:scrgbClr r="0" g="0" b="0"/>
+      </a:effectRef>
+      <a:fontRef idx="minor"/>
+    </dgm:style>
+  </dgm:styleLbl>
+  <dgm:styleLbl name="trAlignAcc1">
+    <dgm:scene3d>
+      <a:camera prst="orthographicFront"/>
+      <a:lightRig rig="threePt" dir="t"/>
+    </dgm:scene3d>
+    <dgm:sp3d/>
+    <dgm:txPr/>
+    <dgm:style>
+      <a:lnRef idx="1">
+        <a:scrgbClr r="0" g="0" b="0"/>
+      </a:lnRef>
+      <a:fillRef idx="1">
+        <a:scrgbClr r="0" g="0" b="0"/>
+      </a:fillRef>
+      <a:effectRef idx="0">
+        <a:scrgbClr r="0" g="0" b="0"/>
+      </a:effectRef>
+      <a:fontRef idx="minor"/>
+    </dgm:style>
+  </dgm:styleLbl>
+  <dgm:styleLbl name="bgAcc1">
+    <dgm:scene3d>
+      <a:camera prst="orthographicFront"/>
+      <a:lightRig rig="threePt" dir="t"/>
+    </dgm:scene3d>
+    <dgm:sp3d/>
+    <dgm:txPr/>
+    <dgm:style>
+      <a:lnRef idx="2">
+        <a:scrgbClr r="0" g="0" b="0"/>
+      </a:lnRef>
+      <a:fillRef idx="1">
+        <a:scrgbClr r="0" g="0" b="0"/>
+      </a:fillRef>
+      <a:effectRef idx="0">
+        <a:scrgbClr r="0" g="0" b="0"/>
+      </a:effectRef>
+      <a:fontRef idx="minor"/>
+    </dgm:style>
+  </dgm:styleLbl>
+  <dgm:styleLbl name="solidFgAcc1">
+    <dgm:scene3d>
+      <a:camera prst="orthographicFront"/>
+      <a:lightRig rig="threePt" dir="t"/>
+    </dgm:scene3d>
+    <dgm:sp3d/>
+    <dgm:txPr/>
+    <dgm:style>
+      <a:lnRef idx="2">
+        <a:scrgbClr r="0" g="0" b="0"/>
+      </a:lnRef>
+      <a:fillRef idx="1">
+        <a:scrgbClr r="0" g="0" b="0"/>
+      </a:fillRef>
+      <a:effectRef idx="0">
+        <a:scrgbClr r="0" g="0" b="0"/>
+      </a:effectRef>
+      <a:fontRef idx="minor"/>
+    </dgm:style>
+  </dgm:styleLbl>
+  <dgm:styleLbl name="solidAlignAcc1">
+    <dgm:scene3d>
+      <a:camera prst="orthographicFront"/>
+      <a:lightRig rig="threePt" dir="t"/>
+    </dgm:scene3d>
+    <dgm:sp3d/>
+    <dgm:txPr/>
+    <dgm:style>
+      <a:lnRef idx="2">
+        <a:scrgbClr r="0" g="0" b="0"/>
+      </a:lnRef>
+      <a:fillRef idx="1">
+        <a:scrgbClr r="0" g="0" b="0"/>
+      </a:fillRef>
+      <a:effectRef idx="0">
+        <a:scrgbClr r="0" g="0" b="0"/>
+      </a:effectRef>
+      <a:fontRef idx="minor"/>
+    </dgm:style>
+  </dgm:styleLbl>
+  <dgm:styleLbl name="solidBgAcc1">
+    <dgm:scene3d>
+      <a:camera prst="orthographicFront"/>
+      <a:lightRig rig="threePt" dir="t"/>
+    </dgm:scene3d>
+    <dgm:sp3d/>
+    <dgm:txPr/>
+    <dgm:style>
+      <a:lnRef idx="2">
+        <a:scrgbClr r="0" g="0" b="0"/>
+      </a:lnRef>
+      <a:fillRef idx="1">
+        <a:scrgbClr r="0" g="0" b="0"/>
+      </a:fillRef>
+      <a:effectRef idx="0">
+        <a:scrgbClr r="0" g="0" b="0"/>
+      </a:effectRef>
+      <a:fontRef idx="minor"/>
+    </dgm:style>
+  </dgm:styleLbl>
+  <dgm:styleLbl name="fgAccFollowNode1">
+    <dgm:scene3d>
+      <a:camera prst="orthographicFront"/>
+      <a:lightRig rig="threePt" dir="t"/>
+    </dgm:scene3d>
+    <dgm:sp3d/>
+    <dgm:txPr/>
+    <dgm:style>
+      <a:lnRef idx="2">
+        <a:scrgbClr r="0" g="0" b="0"/>
+      </a:lnRef>
+      <a:fillRef idx="1">
+        <a:scrgbClr r="0" g="0" b="0"/>
+      </a:fillRef>
+      <a:effectRef idx="0">
+        <a:scrgbClr r="0" g="0" b="0"/>
+      </a:effectRef>
+      <a:fontRef idx="minor"/>
+    </dgm:style>
+  </dgm:styleLbl>
+  <dgm:styleLbl name="alignAccFollowNode1">
+    <dgm:scene3d>
+      <a:camera prst="orthographicFront"/>
+      <a:lightRig rig="threePt" dir="t"/>
+    </dgm:scene3d>
+    <dgm:sp3d/>
+    <dgm:txPr/>
+    <dgm:style>
+      <a:lnRef idx="2">
+        <a:scrgbClr r="0" g="0" b="0"/>
+      </a:lnRef>
+      <a:fillRef idx="1">
+        <a:scrgbClr r="0" g="0" b="0"/>
+      </a:fillRef>
+      <a:effectRef idx="0">
+        <a:scrgbClr r="0" g="0" b="0"/>
+      </a:effectRef>
+      <a:fontRef idx="minor"/>
+    </dgm:style>
+  </dgm:styleLbl>
+  <dgm:styleLbl name="bgAccFollowNode1">
+    <dgm:scene3d>
+      <a:camera prst="orthographicFront"/>
+      <a:lightRig rig="threePt" dir="t"/>
+    </dgm:scene3d>
+    <dgm:sp3d/>
+    <dgm:txPr/>
+    <dgm:style>
+      <a:lnRef idx="2">
+        <a:scrgbClr r="0" g="0" b="0"/>
+      </a:lnRef>
+      <a:fillRef idx="1">
+        <a:scrgbClr r="0" g="0" b="0"/>
+      </a:fillRef>
+      <a:effectRef idx="0">
+        <a:scrgbClr r="0" g="0" b="0"/>
+      </a:effectRef>
+      <a:fontRef idx="minor"/>
+    </dgm:style>
+  </dgm:styleLbl>
+  <dgm:styleLbl name="fgAcc0">
+    <dgm:scene3d>
+      <a:camera prst="orthographicFront"/>
+      <a:lightRig rig="threePt" dir="t"/>
+    </dgm:scene3d>
+    <dgm:sp3d/>
+    <dgm:txPr/>
+    <dgm:style>
+      <a:lnRef idx="2">
+        <a:scrgbClr r="0" g="0" b="0"/>
+      </a:lnRef>
+      <a:fillRef idx="1">
+        <a:scrgbClr r="0" g="0" b="0"/>
+      </a:fillRef>
+      <a:effectRef idx="0">
+        <a:scrgbClr r="0" g="0" b="0"/>
+      </a:effectRef>
+      <a:fontRef idx="minor"/>
+    </dgm:style>
+  </dgm:styleLbl>
+  <dgm:styleLbl name="fgAcc2">
+    <dgm:scene3d>
+      <a:camera prst="orthographicFront"/>
+      <a:lightRig rig="threePt" dir="t"/>
+    </dgm:scene3d>
+    <dgm:sp3d/>
+    <dgm:txPr/>
+    <dgm:style>
+      <a:lnRef idx="2">
+        <a:scrgbClr r="0" g="0" b="0"/>
+      </a:lnRef>
+      <a:fillRef idx="1">
+        <a:scrgbClr r="0" g="0" b="0"/>
+      </a:fillRef>
+      <a:effectRef idx="0">
+        <a:scrgbClr r="0" g="0" b="0"/>
+      </a:effectRef>
+      <a:fontRef idx="minor"/>
+    </dgm:style>
+  </dgm:styleLbl>
+  <dgm:styleLbl name="fgAcc3">
+    <dgm:scene3d>
+      <a:camera prst="orthographicFront"/>
+      <a:lightRig rig="threePt" dir="t"/>
+    </dgm:scene3d>
+    <dgm:sp3d/>
+    <dgm:txPr/>
+    <dgm:style>
+      <a:lnRef idx="2">
+        <a:scrgbClr r="0" g="0" b="0"/>
+      </a:lnRef>
+      <a:fillRef idx="1">
+        <a:scrgbClr r="0" g="0" b="0"/>
+      </a:fillRef>
+      <a:effectRef idx="0">
+        <a:scrgbClr r="0" g="0" b="0"/>
+      </a:effectRef>
+      <a:fontRef idx="minor"/>
+    </dgm:style>
+  </dgm:styleLbl>
+  <dgm:styleLbl name="fgAcc4">
+    <dgm:scene3d>
+      <a:camera prst="orthographicFront"/>
+      <a:lightRig rig="threePt" dir="t"/>
+    </dgm:scene3d>
+    <dgm:sp3d/>
+    <dgm:txPr/>
+    <dgm:style>
+      <a:lnRef idx="2">
+        <a:scrgbClr r="0" g="0" b="0"/>
+      </a:lnRef>
+      <a:fillRef idx="1">
+        <a:scrgbClr r="0" g="0" b="0"/>
+      </a:fillRef>
+      <a:effectRef idx="0">
+        <a:scrgbClr r="0" g="0" b="0"/>
+      </a:effectRef>
+      <a:fontRef idx="minor"/>
+    </dgm:style>
+  </dgm:styleLbl>
+  <dgm:styleLbl name="bgShp">
+    <dgm:scene3d>
+      <a:camera prst="orthographicFront"/>
+      <a:lightRig rig="threePt" dir="t"/>
+    </dgm:scene3d>
+    <dgm:sp3d/>
+    <dgm:txPr/>
+    <dgm:style>
+      <a:lnRef idx="0">
+        <a:scrgbClr r="0" g="0" b="0"/>
+      </a:lnRef>
+      <a:fillRef idx="1">
+        <a:scrgbClr r="0" g="0" b="0"/>
+      </a:fillRef>
+      <a:effectRef idx="0">
+        <a:scrgbClr r="0" g="0" b="0"/>
+      </a:effectRef>
+      <a:fontRef idx="minor"/>
+    </dgm:style>
+  </dgm:styleLbl>
+  <dgm:styleLbl name="dkBgShp">
+    <dgm:scene3d>
+      <a:camera prst="orthographicFront"/>
+      <a:lightRig rig="threePt" dir="t"/>
+    </dgm:scene3d>
+    <dgm:sp3d/>
+    <dgm:txPr/>
+    <dgm:style>
+      <a:lnRef idx="0">
+        <a:scrgbClr r="0" g="0" b="0"/>
+      </a:lnRef>
+      <a:fillRef idx="1">
+        <a:scrgbClr r="0" g="0" b="0"/>
+      </a:fillRef>
+      <a:effectRef idx="0">
+        <a:scrgbClr r="0" g="0" b="0"/>
+      </a:effectRef>
+      <a:fontRef idx="minor"/>
+    </dgm:style>
+  </dgm:styleLbl>
+  <dgm:styleLbl name="trBgShp">
+    <dgm:scene3d>
+      <a:camera prst="orthographicFront"/>
+      <a:lightRig rig="threePt" dir="t"/>
+    </dgm:scene3d>
+    <dgm:sp3d/>
+    <dgm:txPr/>
+    <dgm:style>
+      <a:lnRef idx="0">
+        <a:scrgbClr r="0" g="0" b="0"/>
+      </a:lnRef>
+      <a:fillRef idx="1">
+        <a:scrgbClr r="0" g="0" b="0"/>
+      </a:fillRef>
+      <a:effectRef idx="0">
+        <a:scrgbClr r="0" g="0" b="0"/>
+      </a:effectRef>
+      <a:fontRef idx="minor"/>
+    </dgm:style>
+  </dgm:styleLbl>
+  <dgm:styleLbl name="fgShp">
+    <dgm:scene3d>
+      <a:camera prst="orthographicFront"/>
+      <a:lightRig rig="threePt" dir="t"/>
+    </dgm:scene3d>
+    <dgm:sp3d/>
+    <dgm:txPr/>
+    <dgm:style>
+      <a:lnRef idx="2">
+        <a:scrgbClr r="0" g="0" b="0"/>
+      </a:lnRef>
+      <a:fillRef idx="1">
+        <a:scrgbClr r="0" g="0" b="0"/>
+      </a:fillRef>
+      <a:effectRef idx="0">
+        <a:scrgbClr r="0" g="0" b="0"/>
+      </a:effectRef>
+      <a:fontRef idx="minor"/>
+    </dgm:style>
+  </dgm:styleLbl>
+  <dgm:styleLbl name="revTx">
+    <dgm:scene3d>
+      <a:camera prst="orthographicFront"/>
+      <a:lightRig rig="threePt" dir="t"/>
+    </dgm:scene3d>
+    <dgm:sp3d/>
+    <dgm:txPr/>
+    <dgm:style>
+      <a:lnRef idx="0">
+        <a:scrgbClr r="0" g="0" b="0"/>
+      </a:lnRef>
+      <a:fillRef idx="0">
+        <a:scrgbClr r="0" g="0" b="0"/>
+      </a:fillRef>
+      <a:effectRef idx="0">
+        <a:scrgbClr r="0" g="0" b="0"/>
+      </a:effectRef>
+      <a:fontRef idx="minor"/>
+    </dgm:style>
+  </dgm:styleLbl>
+</dgm:styleDef>
+</file>
+
+<file path=ppt/diagrams/quickStyle2.xml><?xml version="1.0" encoding="utf-8"?>
+<dgm:styleDef xmlns:dgm="http://schemas.openxmlformats.org/drawingml/2006/diagram" xmlns:a="http://schemas.openxmlformats.org/drawingml/2006/main" uniqueId="urn:microsoft.com/office/officeart/2005/8/quickstyle/simple1">
+  <dgm:title val=""/>
+  <dgm:desc val=""/>
+  <dgm:catLst>
+    <dgm:cat type="simple" pri="10100"/>
+  </dgm:catLst>
+  <dgm:scene3d>
+    <a:camera prst="orthographicFront"/>
+    <a:lightRig rig="threePt" dir="t"/>
+  </dgm:scene3d>
+  <dgm:styleLbl name="node0">
+    <dgm:scene3d>
+      <a:camera prst="orthographicFront"/>
+      <a:lightRig rig="threePt" dir="t"/>
+    </dgm:scene3d>
+    <dgm:sp3d/>
+    <dgm:txPr/>
+    <dgm:style>
+      <a:lnRef idx="2">
+        <a:scrgbClr r="0" g="0" b="0"/>
+      </a:lnRef>
+      <a:fillRef idx="1">
+        <a:scrgbClr r="0" g="0" b="0"/>
+      </a:fillRef>
+      <a:effectRef idx="0">
+        <a:scrgbClr r="0" g="0" b="0"/>
+      </a:effectRef>
+      <a:fontRef idx="minor">
+        <a:schemeClr val="lt1"/>
+      </a:fontRef>
+    </dgm:style>
+  </dgm:styleLbl>
+  <dgm:styleLbl name="lnNode1">
+    <dgm:scene3d>
+      <a:camera prst="orthographicFront"/>
+      <a:lightRig rig="threePt" dir="t"/>
+    </dgm:scene3d>
+    <dgm:sp3d/>
+    <dgm:txPr/>
+    <dgm:style>
+      <a:lnRef idx="2">
+        <a:scrgbClr r="0" g="0" b="0"/>
+      </a:lnRef>
+      <a:fillRef idx="1">
+        <a:scrgbClr r="0" g="0" b="0"/>
+      </a:fillRef>
+      <a:effectRef idx="0">
+        <a:scrgbClr r="0" g="0" b="0"/>
+      </a:effectRef>
+      <a:fontRef idx="minor">
+        <a:schemeClr val="lt1"/>
+      </a:fontRef>
+    </dgm:style>
+  </dgm:styleLbl>
+  <dgm:styleLbl name="vennNode1">
+    <dgm:scene3d>
+      <a:camera prst="orthographicFront"/>
+      <a:lightRig rig="threePt" dir="t"/>
+    </dgm:scene3d>
+    <dgm:sp3d/>
+    <dgm:txPr/>
+    <dgm:style>
+      <a:lnRef idx="2">
+        <a:scrgbClr r="0" g="0" b="0"/>
+      </a:lnRef>
+      <a:fillRef idx="1">
+        <a:scrgbClr r="0" g="0" b="0"/>
+      </a:fillRef>
+      <a:effectRef idx="0">
+        <a:scrgbClr r="0" g="0" b="0"/>
+      </a:effectRef>
+      <a:fontRef idx="minor">
+        <a:schemeClr val="tx1"/>
+      </a:fontRef>
+    </dgm:style>
+  </dgm:styleLbl>
+  <dgm:styleLbl name="alignNode1">
+    <dgm:scene3d>
+      <a:camera prst="orthographicFront"/>
+      <a:lightRig rig="threePt" dir="t"/>
+    </dgm:scene3d>
+    <dgm:sp3d/>
+    <dgm:txPr/>
+    <dgm:style>
+      <a:lnRef idx="2">
+        <a:scrgbClr r="0" g="0" b="0"/>
+      </a:lnRef>
+      <a:fillRef idx="1">
+        <a:scrgbClr r="0" g="0" b="0"/>
+      </a:fillRef>
+      <a:effectRef idx="0">
+        <a:scrgbClr r="0" g="0" b="0"/>
+      </a:effectRef>
+      <a:fontRef idx="minor">
+        <a:schemeClr val="lt1"/>
+      </a:fontRef>
+    </dgm:style>
+  </dgm:styleLbl>
+  <dgm:styleLbl name="node1">
+    <dgm:scene3d>
+      <a:camera prst="orthographicFront"/>
+      <a:lightRig rig="threePt" dir="t"/>
+    </dgm:scene3d>
+    <dgm:sp3d/>
+    <dgm:txPr/>
+    <dgm:style>
+      <a:lnRef idx="2">
+        <a:scrgbClr r="0" g="0" b="0"/>
+      </a:lnRef>
+      <a:fillRef idx="1">
+        <a:scrgbClr r="0" g="0" b="0"/>
+      </a:fillRef>
+      <a:effectRef idx="0">
+        <a:scrgbClr r="0" g="0" b="0"/>
+      </a:effectRef>
+      <a:fontRef idx="minor">
+        <a:schemeClr val="lt1"/>
+      </a:fontRef>
+    </dgm:style>
+  </dgm:styleLbl>
+  <dgm:styleLbl name="node2">
+    <dgm:scene3d>
+      <a:camera prst="orthographicFront"/>
+      <a:lightRig rig="threePt" dir="t"/>
+    </dgm:scene3d>
+    <dgm:sp3d/>
+    <dgm:txPr/>
+    <dgm:style>
+      <a:lnRef idx="2">
+        <a:scrgbClr r="0" g="0" b="0"/>
+      </a:lnRef>
+      <a:fillRef idx="1">
+        <a:scrgbClr r="0" g="0" b="0"/>
+      </a:fillRef>
+      <a:effectRef idx="0">
+        <a:scrgbClr r="0" g="0" b="0"/>
+      </a:effectRef>
+      <a:fontRef idx="minor">
+        <a:schemeClr val="lt1"/>
+      </a:fontRef>
+    </dgm:style>
+  </dgm:styleLbl>
+  <dgm:styleLbl name="node3">
+    <dgm:scene3d>
+      <a:camera prst="orthographicFront"/>
+      <a:lightRig rig="threePt" dir="t"/>
+    </dgm:scene3d>
+    <dgm:sp3d/>
+    <dgm:txPr/>
+    <dgm:style>
+      <a:lnRef idx="2">
+        <a:scrgbClr r="0" g="0" b="0"/>
+      </a:lnRef>
+      <a:fillRef idx="1">
+        <a:scrgbClr r="0" g="0" b="0"/>
+      </a:fillRef>
+      <a:effectRef idx="0">
+        <a:scrgbClr r="0" g="0" b="0"/>
+      </a:effectRef>
+      <a:fontRef idx="minor">
+        <a:schemeClr val="lt1"/>
+      </a:fontRef>
+    </dgm:style>
+  </dgm:styleLbl>
+  <dgm:styleLbl name="node4">
+    <dgm:scene3d>
+      <a:camera prst="orthographicFront"/>
+      <a:lightRig rig="threePt" dir="t"/>
+    </dgm:scene3d>
+    <dgm:sp3d/>
+    <dgm:txPr/>
+    <dgm:style>
+      <a:lnRef idx="2">
+        <a:scrgbClr r="0" g="0" b="0"/>
+      </a:lnRef>
+      <a:fillRef idx="1">
+        <a:scrgbClr r="0" g="0" b="0"/>
+      </a:fillRef>
+      <a:effectRef idx="0">
+        <a:scrgbClr r="0" g="0" b="0"/>
+      </a:effectRef>
+      <a:fontRef idx="minor">
+        <a:schemeClr val="lt1"/>
+      </a:fontRef>
+    </dgm:style>
+  </dgm:styleLbl>
+  <dgm:styleLbl name="fgImgPlace1">
+    <dgm:scene3d>
+      <a:camera prst="orthographicFront"/>
+      <a:lightRig rig="threePt" dir="t"/>
+    </dgm:scene3d>
+    <dgm:sp3d/>
+    <dgm:txPr/>
+    <dgm:style>
+      <a:lnRef idx="2">
+        <a:scrgbClr r="0" g="0" b="0"/>
+      </a:lnRef>
+      <a:fillRef idx="1">
+        <a:scrgbClr r="0" g="0" b="0"/>
+      </a:fillRef>
+      <a:effectRef idx="0">
+        <a:scrgbClr r="0" g="0" b="0"/>
+      </a:effectRef>
+      <a:fontRef idx="minor"/>
+    </dgm:style>
+  </dgm:styleLbl>
+  <dgm:styleLbl name="alignImgPlace1">
+    <dgm:scene3d>
+      <a:camera prst="orthographicFront"/>
+      <a:lightRig rig="threePt" dir="t"/>
+    </dgm:scene3d>
+    <dgm:sp3d/>
+    <dgm:txPr/>
+    <dgm:style>
+      <a:lnRef idx="2">
+        <a:scrgbClr r="0" g="0" b="0"/>
+      </a:lnRef>
+      <a:fillRef idx="1">
+        <a:scrgbClr r="0" g="0" b="0"/>
+      </a:fillRef>
+      <a:effectRef idx="0">
+        <a:scrgbClr r="0" g="0" b="0"/>
+      </a:effectRef>
+      <a:fontRef idx="minor"/>
+    </dgm:style>
+  </dgm:styleLbl>
+  <dgm:styleLbl name="bgImgPlace1">
+    <dgm:scene3d>
+      <a:camera prst="orthographicFront"/>
+      <a:lightRig rig="threePt" dir="t"/>
+    </dgm:scene3d>
+    <dgm:sp3d/>
+    <dgm:txPr/>
+    <dgm:style>
+      <a:lnRef idx="2">
+        <a:scrgbClr r="0" g="0" b="0"/>
+      </a:lnRef>
+      <a:fillRef idx="1">
+        <a:scrgbClr r="0" g="0" b="0"/>
+      </a:fillRef>
+      <a:effectRef idx="0">
+        <a:scrgbClr r="0" g="0" b="0"/>
+      </a:effectRef>
+      <a:fontRef idx="minor"/>
+    </dgm:style>
+  </dgm:styleLbl>
+  <dgm:styleLbl name="sibTrans2D1">
+    <dgm:scene3d>
+      <a:camera prst="orthographicFront"/>
+      <a:lightRig rig="threePt" dir="t"/>
+    </dgm:scene3d>
+    <dgm:sp3d/>
+    <dgm:txPr/>
+    <dgm:style>
+      <a:lnRef idx="0">
+        <a:scrgbClr r="0" g="0" b="0"/>
+      </a:lnRef>
+      <a:fillRef idx="1">
+        <a:scrgbClr r="0" g="0" b="0"/>
+      </a:fillRef>
+      <a:effectRef idx="0">
+        <a:scrgbClr r="0" g="0" b="0"/>
+      </a:effectRef>
+      <a:fontRef idx="minor">
+        <a:schemeClr val="lt1"/>
+      </a:fontRef>
+    </dgm:style>
+  </dgm:styleLbl>
+  <dgm:styleLbl name="fgSibTrans2D1">
+    <dgm:scene3d>
+      <a:camera prst="orthographicFront"/>
+      <a:lightRig rig="threePt" dir="t"/>
+    </dgm:scene3d>
+    <dgm:sp3d/>
+    <dgm:txPr/>
+    <dgm:style>
+      <a:lnRef idx="0">
+        <a:scrgbClr r="0" g="0" b="0"/>
+      </a:lnRef>
+      <a:fillRef idx="1">
+        <a:scrgbClr r="0" g="0" b="0"/>
+      </a:fillRef>
+      <a:effectRef idx="0">
+        <a:scrgbClr r="0" g="0" b="0"/>
+      </a:effectRef>
+      <a:fontRef idx="minor">
+        <a:schemeClr val="lt1"/>
+      </a:fontRef>
+    </dgm:style>
+  </dgm:styleLbl>
+  <dgm:styleLbl name="bgSibTrans2D1">
+    <dgm:scene3d>
+      <a:camera prst="orthographicFront"/>
+      <a:lightRig rig="threePt" dir="t"/>
+    </dgm:scene3d>
+    <dgm:sp3d/>
+    <dgm:txPr/>
+    <dgm:style>
+      <a:lnRef idx="0">
+        <a:scrgbClr r="0" g="0" b="0"/>
+      </a:lnRef>
+      <a:fillRef idx="1">
+        <a:scrgbClr r="0" g="0" b="0"/>
+      </a:fillRef>
+      <a:effectRef idx="0">
+        <a:scrgbClr r="0" g="0" b="0"/>
+      </a:effectRef>
+      <a:fontRef idx="minor">
+        <a:schemeClr val="lt1"/>
+      </a:fontRef>
+    </dgm:style>
+  </dgm:styleLbl>
+  <dgm:styleLbl name="sibTrans1D1">
+    <dgm:scene3d>
+      <a:camera prst="orthographicFront"/>
+      <a:lightRig rig="threePt" dir="t"/>
+    </dgm:scene3d>
+    <dgm:sp3d/>
+    <dgm:txPr/>
+    <dgm:style>
+      <a:lnRef idx="1">
+        <a:scrgbClr r="0" g="0" b="0"/>
+      </a:lnRef>
+      <a:fillRef idx="0">
+        <a:scrgbClr r="0" g="0" b="0"/>
+      </a:fillRef>
+      <a:effectRef idx="0">
+        <a:scrgbClr r="0" g="0" b="0"/>
+      </a:effectRef>
+      <a:fontRef idx="minor"/>
+    </dgm:style>
+  </dgm:styleLbl>
+  <dgm:styleLbl name="callout">
+    <dgm:scene3d>
+      <a:camera prst="orthographicFront"/>
+      <a:lightRig rig="threePt" dir="t"/>
+    </dgm:scene3d>
+    <dgm:sp3d/>
+    <dgm:txPr/>
+    <dgm:style>
+      <a:lnRef idx="2">
+        <a:scrgbClr r="0" g="0" b="0"/>
+      </a:lnRef>
+      <a:fillRef idx="1">
+        <a:scrgbClr r="0" g="0" b="0"/>
+      </a:fillRef>
+      <a:effectRef idx="0">
+        <a:scrgbClr r="0" g="0" b="0"/>
+      </a:effectRef>
+      <a:fontRef idx="minor"/>
+    </dgm:style>
+  </dgm:styleLbl>
+  <dgm:styleLbl name="asst0">
+    <dgm:scene3d>
+      <a:camera prst="orthographicFront"/>
+      <a:lightRig rig="threePt" dir="t"/>
+    </dgm:scene3d>
+    <dgm:sp3d/>
+    <dgm:txPr/>
+    <dgm:style>
+      <a:lnRef idx="2">
+        <a:scrgbClr r="0" g="0" b="0"/>
+      </a:lnRef>
+      <a:fillRef idx="1">
+        <a:scrgbClr r="0" g="0" b="0"/>
+      </a:fillRef>
+      <a:effectRef idx="0">
+        <a:scrgbClr r="0" g="0" b="0"/>
+      </a:effectRef>
+      <a:fontRef idx="minor">
+        <a:schemeClr val="lt1"/>
+      </a:fontRef>
+    </dgm:style>
+  </dgm:styleLbl>
+  <dgm:styleLbl name="asst1">
+    <dgm:scene3d>
+      <a:camera prst="orthographicFront"/>
+      <a:lightRig rig="threePt" dir="t"/>
+    </dgm:scene3d>
+    <dgm:sp3d/>
+    <dgm:txPr/>
+    <dgm:style>
+      <a:lnRef idx="2">
+        <a:scrgbClr r="0" g="0" b="0"/>
+      </a:lnRef>
+      <a:fillRef idx="1">
+        <a:scrgbClr r="0" g="0" b="0"/>
+      </a:fillRef>
+      <a:effectRef idx="0">
+        <a:scrgbClr r="0" g="0" b="0"/>
+      </a:effectRef>
+      <a:fontRef idx="minor">
+        <a:schemeClr val="lt1"/>
+      </a:fontRef>
+    </dgm:style>
+  </dgm:styleLbl>
+  <dgm:styleLbl name="asst2">
+    <dgm:scene3d>
+      <a:camera prst="orthographicFront"/>
+      <a:lightRig rig="threePt" dir="t"/>
+    </dgm:scene3d>
+    <dgm:sp3d/>
+    <dgm:txPr/>
+    <dgm:style>
+      <a:lnRef idx="2">
+        <a:scrgbClr r="0" g="0" b="0"/>
+      </a:lnRef>
+      <a:fillRef idx="1">
+        <a:scrgbClr r="0" g="0" b="0"/>
+      </a:fillRef>
+      <a:effectRef idx="0">
+        <a:scrgbClr r="0" g="0" b="0"/>
+      </a:effectRef>
+      <a:fontRef idx="minor">
+        <a:schemeClr val="lt1"/>
+      </a:fontRef>
+    </dgm:style>
+  </dgm:styleLbl>
+  <dgm:styleLbl name="asst3">
+    <dgm:scene3d>
+      <a:camera prst="orthographicFront"/>
+      <a:lightRig rig="threePt" dir="t"/>
+    </dgm:scene3d>
+    <dgm:sp3d/>
+    <dgm:txPr/>
+    <dgm:style>
+      <a:lnRef idx="2">
+        <a:scrgbClr r="0" g="0" b="0"/>
+      </a:lnRef>
+      <a:fillRef idx="1">
+        <a:scrgbClr r="0" g="0" b="0"/>
+      </a:fillRef>
+      <a:effectRef idx="0">
+        <a:scrgbClr r="0" g="0" b="0"/>
+      </a:effectRef>
+      <a:fontRef idx="minor">
+        <a:schemeClr val="lt1"/>
+      </a:fontRef>
+    </dgm:style>
+  </dgm:styleLbl>
+  <dgm:styleLbl name="asst4">
+    <dgm:scene3d>
+      <a:camera prst="orthographicFront"/>
+      <a:lightRig rig="threePt" dir="t"/>
+    </dgm:scene3d>
+    <dgm:sp3d/>
+    <dgm:txPr/>
+    <dgm:style>
+      <a:lnRef idx="2">
+        <a:scrgbClr r="0" g="0" b="0"/>
+      </a:lnRef>
+      <a:fillRef idx="1">
+        <a:scrgbClr r="0" g="0" b="0"/>
+      </a:fillRef>
+      <a:effectRef idx="0">
+        <a:scrgbClr r="0" g="0" b="0"/>
+      </a:effectRef>
+      <a:fontRef idx="minor">
+        <a:schemeClr val="lt1"/>
+      </a:fontRef>
+    </dgm:style>
+  </dgm:styleLbl>
+  <dgm:styleLbl name="parChTrans2D1">
+    <dgm:scene3d>
+      <a:camera prst="orthographicFront"/>
+      <a:lightRig rig="threePt" dir="t"/>
+    </dgm:scene3d>
+    <dgm:sp3d/>
+    <dgm:txPr/>
+    <dgm:style>
+      <a:lnRef idx="2">
+        <a:scrgbClr r="0" g="0" b="0"/>
+      </a:lnRef>
+      <a:fillRef idx="1">
+        <a:scrgbClr r="0" g="0" b="0"/>
+      </a:fillRef>
+      <a:effectRef idx="0">
+        <a:scrgbClr r="0" g="0" b="0"/>
+      </a:effectRef>
+      <a:fontRef idx="minor">
+        <a:schemeClr val="lt1"/>
+      </a:fontRef>
+    </dgm:style>
+  </dgm:styleLbl>
+  <dgm:styleLbl name="parChTrans2D2">
+    <dgm:scene3d>
+      <a:camera prst="orthographicFront"/>
+      <a:lightRig rig="threePt" dir="t"/>
+    </dgm:scene3d>
+    <dgm:sp3d/>
+    <dgm:txPr/>
+    <dgm:style>
+      <a:lnRef idx="2">
+        <a:scrgbClr r="0" g="0" b="0"/>
+      </a:lnRef>
+      <a:fillRef idx="1">
+        <a:scrgbClr r="0" g="0" b="0"/>
+      </a:fillRef>
+      <a:effectRef idx="0">
+        <a:scrgbClr r="0" g="0" b="0"/>
+      </a:effectRef>
+      <a:fontRef idx="minor">
+        <a:schemeClr val="lt1"/>
+      </a:fontRef>
+    </dgm:style>
+  </dgm:styleLbl>
+  <dgm:styleLbl name="parChTrans2D3">
+    <dgm:scene3d>
+      <a:camera prst="orthographicFront"/>
+      <a:lightRig rig="threePt" dir="t"/>
+    </dgm:scene3d>
+    <dgm:sp3d/>
+    <dgm:txPr/>
+    <dgm:style>
+      <a:lnRef idx="2">
+        <a:scrgbClr r="0" g="0" b="0"/>
+      </a:lnRef>
+      <a:fillRef idx="1">
+        <a:scrgbClr r="0" g="0" b="0"/>
+      </a:fillRef>
+      <a:effectRef idx="0">
+        <a:scrgbClr r="0" g="0" b="0"/>
+      </a:effectRef>
+      <a:fontRef idx="minor">
+        <a:schemeClr val="lt1"/>
+      </a:fontRef>
+    </dgm:style>
+  </dgm:styleLbl>
+  <dgm:styleLbl name="parChTrans2D4">
+    <dgm:scene3d>
+      <a:camera prst="orthographicFront"/>
+      <a:lightRig rig="threePt" dir="t"/>
+    </dgm:scene3d>
+    <dgm:sp3d/>
+    <dgm:txPr/>
+    <dgm:style>
+      <a:lnRef idx="2">
+        <a:scrgbClr r="0" g="0" b="0"/>
+      </a:lnRef>
+      <a:fillRef idx="1">
+        <a:scrgbClr r="0" g="0" b="0"/>
+      </a:fillRef>
+      <a:effectRef idx="0">
+        <a:scrgbClr r="0" g="0" b="0"/>
+      </a:effectRef>
+      <a:fontRef idx="minor">
+        <a:schemeClr val="lt1"/>
+      </a:fontRef>
+    </dgm:style>
+  </dgm:styleLbl>
+  <dgm:styleLbl name="parChTrans1D1">
+    <dgm:scene3d>
+      <a:camera prst="orthographicFront"/>
+      <a:lightRig rig="threePt" dir="t"/>
+    </dgm:scene3d>
+    <dgm:sp3d/>
+    <dgm:txPr/>
+    <dgm:style>
+      <a:lnRef idx="2">
+        <a:scrgbClr r="0" g="0" b="0"/>
+      </a:lnRef>
+      <a:fillRef idx="0">
+        <a:scrgbClr r="0" g="0" b="0"/>
+      </a:fillRef>
+      <a:effectRef idx="0">
+        <a:scrgbClr r="0" g="0" b="0"/>
+      </a:effectRef>
+      <a:fontRef idx="minor"/>
+    </dgm:style>
+  </dgm:styleLbl>
+  <dgm:styleLbl name="parChTrans1D2">
+    <dgm:scene3d>
+      <a:camera prst="orthographicFront"/>
+      <a:lightRig rig="threePt" dir="t"/>
+    </dgm:scene3d>
+    <dgm:sp3d/>
+    <dgm:txPr/>
+    <dgm:style>
+      <a:lnRef idx="2">
+        <a:scrgbClr r="0" g="0" b="0"/>
+      </a:lnRef>
+      <a:fillRef idx="0">
+        <a:scrgbClr r="0" g="0" b="0"/>
+      </a:fillRef>
+      <a:effectRef idx="0">
+        <a:scrgbClr r="0" g="0" b="0"/>
+      </a:effectRef>
+      <a:fontRef idx="minor"/>
+    </dgm:style>
+  </dgm:styleLbl>
+  <dgm:styleLbl name="parChTrans1D3">
+    <dgm:scene3d>
+      <a:camera prst="orthographicFront"/>
+      <a:lightRig rig="threePt" dir="t"/>
+    </dgm:scene3d>
+    <dgm:sp3d/>
+    <dgm:txPr/>
+    <dgm:style>
+      <a:lnRef idx="2">
+        <a:scrgbClr r="0" g="0" b="0"/>
+      </a:lnRef>
+      <a:fillRef idx="0">
+        <a:scrgbClr r="0" g="0" b="0"/>
+      </a:fillRef>
+      <a:effectRef idx="0">
+        <a:scrgbClr r="0" g="0" b="0"/>
+      </a:effectRef>
+      <a:fontRef idx="minor"/>
+    </dgm:style>
+  </dgm:styleLbl>
+  <dgm:styleLbl name="parChTrans1D4">
+    <dgm:scene3d>
+      <a:camera prst="orthographicFront"/>
+      <a:lightRig rig="threePt" dir="t"/>
+    </dgm:scene3d>
+    <dgm:sp3d/>
+    <dgm:txPr/>
+    <dgm:style>
+      <a:lnRef idx="2">
+        <a:scrgbClr r="0" g="0" b="0"/>
+      </a:lnRef>
+      <a:fillRef idx="0">
+        <a:scrgbClr r="0" g="0" b="0"/>
+      </a:fillRef>
+      <a:effectRef idx="0">
+        <a:scrgbClr r="0" g="0" b="0"/>
+      </a:effectRef>
+      <a:fontRef idx="minor"/>
+    </dgm:style>
+  </dgm:styleLbl>
+  <dgm:styleLbl name="fgAcc1">
+    <dgm:scene3d>
+      <a:camera prst="orthographicFront"/>
+      <a:lightRig rig="threePt" dir="t"/>
+    </dgm:scene3d>
+    <dgm:sp3d/>
+    <dgm:txPr/>
+    <dgm:style>
+      <a:lnRef idx="2">
+        <a:scrgbClr r="0" g="0" b="0"/>
+      </a:lnRef>
+      <a:fillRef idx="1">
+        <a:scrgbClr r="0" g="0" b="0"/>
+      </a:fillRef>
+      <a:effectRef idx="0">
+        <a:scrgbClr r="0" g="0" b="0"/>
+      </a:effectRef>
+      <a:fontRef idx="minor"/>
+    </dgm:style>
+  </dgm:styleLbl>
+  <dgm:styleLbl name="conFgAcc1">
+    <dgm:scene3d>
+      <a:camera prst="orthographicFront"/>
+      <a:lightRig rig="threePt" dir="t"/>
+    </dgm:scene3d>
+    <dgm:sp3d/>
+    <dgm:txPr/>
+    <dgm:style>
+      <a:lnRef idx="2">
+        <a:scrgbClr r="0" g="0" b="0"/>
+      </a:lnRef>
+      <a:fillRef idx="1">
+        <a:scrgbClr r="0" g="0" b="0"/>
+      </a:fillRef>
+      <a:effectRef idx="0">
+        <a:scrgbClr r="0" g="0" b="0"/>
+      </a:effectRef>
+      <a:fontRef idx="minor"/>
+    </dgm:style>
+  </dgm:styleLbl>
+  <dgm:styleLbl name="alignAcc1">
+    <dgm:scene3d>
+      <a:camera prst="orthographicFront"/>
+      <a:lightRig rig="threePt" dir="t"/>
+    </dgm:scene3d>
+    <dgm:sp3d/>
+    <dgm:txPr/>
+    <dgm:style>
+      <a:lnRef idx="2">
+        <a:scrgbClr r="0" g="0" b="0"/>
+      </a:lnRef>
+      <a:fillRef idx="1">
+        <a:scrgbClr r="0" g="0" b="0"/>
+      </a:fillRef>
+      <a:effectRef idx="0">
+        <a:scrgbClr r="0" g="0" b="0"/>
+      </a:effectRef>
+      <a:fontRef idx="minor"/>
+    </dgm:style>
+  </dgm:styleLbl>
+  <dgm:styleLbl name="trAlignAcc1">
+    <dgm:scene3d>
+      <a:camera prst="orthographicFront"/>
+      <a:lightRig rig="threePt" dir="t"/>
+    </dgm:scene3d>
+    <dgm:sp3d/>
+    <dgm:txPr/>
+    <dgm:style>
+      <a:lnRef idx="1">
+        <a:scrgbClr r="0" g="0" b="0"/>
+      </a:lnRef>
+      <a:fillRef idx="1">
+        <a:scrgbClr r="0" g="0" b="0"/>
+      </a:fillRef>
+      <a:effectRef idx="0">
+        <a:scrgbClr r="0" g="0" b="0"/>
+      </a:effectRef>
+      <a:fontRef idx="minor"/>
+    </dgm:style>
+  </dgm:styleLbl>
+  <dgm:styleLbl name="bgAcc1">
+    <dgm:scene3d>
+      <a:camera prst="orthographicFront"/>
+      <a:lightRig rig="threePt" dir="t"/>
+    </dgm:scene3d>
+    <dgm:sp3d/>
+    <dgm:txPr/>
+    <dgm:style>
+      <a:lnRef idx="2">
+        <a:scrgbClr r="0" g="0" b="0"/>
+      </a:lnRef>
+      <a:fillRef idx="1">
+        <a:scrgbClr r="0" g="0" b="0"/>
+      </a:fillRef>
+      <a:effectRef idx="0">
+        <a:scrgbClr r="0" g="0" b="0"/>
+      </a:effectRef>
+      <a:fontRef idx="minor"/>
+    </dgm:style>
+  </dgm:styleLbl>
+  <dgm:styleLbl name="solidFgAcc1">
+    <dgm:scene3d>
+      <a:camera prst="orthographicFront"/>
+      <a:lightRig rig="threePt" dir="t"/>
+    </dgm:scene3d>
+    <dgm:sp3d/>
+    <dgm:txPr/>
+    <dgm:style>
+      <a:lnRef idx="2">
+        <a:scrgbClr r="0" g="0" b="0"/>
+      </a:lnRef>
+      <a:fillRef idx="1">
+        <a:scrgbClr r="0" g="0" b="0"/>
+      </a:fillRef>
+      <a:effectRef idx="0">
+        <a:scrgbClr r="0" g="0" b="0"/>
+      </a:effectRef>
+      <a:fontRef idx="minor"/>
+    </dgm:style>
+  </dgm:styleLbl>
+  <dgm:styleLbl name="solidAlignAcc1">
+    <dgm:scene3d>
+      <a:camera prst="orthographicFront"/>
+      <a:lightRig rig="threePt" dir="t"/>
+    </dgm:scene3d>
+    <dgm:sp3d/>
+    <dgm:txPr/>
+    <dgm:style>
+      <a:lnRef idx="2">
+        <a:scrgbClr r="0" g="0" b="0"/>
+      </a:lnRef>
+      <a:fillRef idx="1">
+        <a:scrgbClr r="0" g="0" b="0"/>
+      </a:fillRef>
+      <a:effectRef idx="0">
+        <a:scrgbClr r="0" g="0" b="0"/>
+      </a:effectRef>
+      <a:fontRef idx="minor"/>
+    </dgm:style>
+  </dgm:styleLbl>
+  <dgm:styleLbl name="solidBgAcc1">
+    <dgm:scene3d>
+      <a:camera prst="orthographicFront"/>
+      <a:lightRig rig="threePt" dir="t"/>
+    </dgm:scene3d>
+    <dgm:sp3d/>
+    <dgm:txPr/>
+    <dgm:style>
+      <a:lnRef idx="2">
+        <a:scrgbClr r="0" g="0" b="0"/>
+      </a:lnRef>
+      <a:fillRef idx="1">
+        <a:scrgbClr r="0" g="0" b="0"/>
+      </a:fillRef>
+      <a:effectRef idx="0">
+        <a:scrgbClr r="0" g="0" b="0"/>
+      </a:effectRef>
+      <a:fontRef idx="minor"/>
+    </dgm:style>
+  </dgm:styleLbl>
+  <dgm:styleLbl name="fgAccFollowNode1">
+    <dgm:scene3d>
+      <a:camera prst="orthographicFront"/>
+      <a:lightRig rig="threePt" dir="t"/>
+    </dgm:scene3d>
+    <dgm:sp3d/>
+    <dgm:txPr/>
+    <dgm:style>
+      <a:lnRef idx="2">
+        <a:scrgbClr r="0" g="0" b="0"/>
+      </a:lnRef>
+      <a:fillRef idx="1">
+        <a:scrgbClr r="0" g="0" b="0"/>
+      </a:fillRef>
+      <a:effectRef idx="0">
+        <a:scrgbClr r="0" g="0" b="0"/>
+      </a:effectRef>
+      <a:fontRef idx="minor"/>
+    </dgm:style>
+  </dgm:styleLbl>
+  <dgm:styleLbl name="alignAccFollowNode1">
+    <dgm:scene3d>
+      <a:camera prst="orthographicFront"/>
+      <a:lightRig rig="threePt" dir="t"/>
+    </dgm:scene3d>
+    <dgm:sp3d/>
+    <dgm:txPr/>
+    <dgm:style>
+      <a:lnRef idx="2">
+        <a:scrgbClr r="0" g="0" b="0"/>
+      </a:lnRef>
+      <a:fillRef idx="1">
+        <a:scrgbClr r="0" g="0" b="0"/>
+      </a:fillRef>
+      <a:effectRef idx="0">
+        <a:scrgbClr r="0" g="0" b="0"/>
+      </a:effectRef>
+      <a:fontRef idx="minor"/>
+    </dgm:style>
+  </dgm:styleLbl>
+  <dgm:styleLbl name="bgAccFollowNode1">
+    <dgm:scene3d>
+      <a:camera prst="orthographicFront"/>
+      <a:lightRig rig="threePt" dir="t"/>
+    </dgm:scene3d>
+    <dgm:sp3d/>
+    <dgm:txPr/>
+    <dgm:style>
+      <a:lnRef idx="2">
+        <a:scrgbClr r="0" g="0" b="0"/>
+      </a:lnRef>
+      <a:fillRef idx="1">
+        <a:scrgbClr r="0" g="0" b="0"/>
+      </a:fillRef>
+      <a:effectRef idx="0">
+        <a:scrgbClr r="0" g="0" b="0"/>
+      </a:effectRef>
+      <a:fontRef idx="minor"/>
+    </dgm:style>
+  </dgm:styleLbl>
+  <dgm:styleLbl name="fgAcc0">
+    <dgm:scene3d>
+      <a:camera prst="orthographicFront"/>
+      <a:lightRig rig="threePt" dir="t"/>
+    </dgm:scene3d>
+    <dgm:sp3d/>
+    <dgm:txPr/>
+    <dgm:style>
+      <a:lnRef idx="2">
+        <a:scrgbClr r="0" g="0" b="0"/>
+      </a:lnRef>
+      <a:fillRef idx="1">
+        <a:scrgbClr r="0" g="0" b="0"/>
+      </a:fillRef>
+      <a:effectRef idx="0">
+        <a:scrgbClr r="0" g="0" b="0"/>
+      </a:effectRef>
+      <a:fontRef idx="minor"/>
+    </dgm:style>
+  </dgm:styleLbl>
+  <dgm:styleLbl name="fgAcc2">
+    <dgm:scene3d>
+      <a:camera prst="orthographicFront"/>
+      <a:lightRig rig="threePt" dir="t"/>
+    </dgm:scene3d>
+    <dgm:sp3d/>
+    <dgm:txPr/>
+    <dgm:style>
+      <a:lnRef idx="2">
+        <a:scrgbClr r="0" g="0" b="0"/>
+      </a:lnRef>
+      <a:fillRef idx="1">
+        <a:scrgbClr r="0" g="0" b="0"/>
+      </a:fillRef>
+      <a:effectRef idx="0">
+        <a:scrgbClr r="0" g="0" b="0"/>
+      </a:effectRef>
+      <a:fontRef idx="minor"/>
+    </dgm:style>
+  </dgm:styleLbl>
+  <dgm:styleLbl name="fgAcc3">
+    <dgm:scene3d>
+      <a:camera prst="orthographicFront"/>
+      <a:lightRig rig="threePt" dir="t"/>
+    </dgm:scene3d>
+    <dgm:sp3d/>
+    <dgm:txPr/>
+    <dgm:style>
+      <a:lnRef idx="2">
+        <a:scrgbClr r="0" g="0" b="0"/>
+      </a:lnRef>
+      <a:fillRef idx="1">
+        <a:scrgbClr r="0" g="0" b="0"/>
+      </a:fillRef>
+      <a:effectRef idx="0">
+        <a:scrgbClr r="0" g="0" b="0"/>
+      </a:effectRef>
+      <a:fontRef idx="minor"/>
+    </dgm:style>
+  </dgm:styleLbl>
+  <dgm:styleLbl name="fgAcc4">
+    <dgm:scene3d>
+      <a:camera prst="orthographicFront"/>
+      <a:lightRig rig="threePt" dir="t"/>
+    </dgm:scene3d>
+    <dgm:sp3d/>
+    <dgm:txPr/>
+    <dgm:style>
+      <a:lnRef idx="2">
+        <a:scrgbClr r="0" g="0" b="0"/>
+      </a:lnRef>
+      <a:fillRef idx="1">
+        <a:scrgbClr r="0" g="0" b="0"/>
+      </a:fillRef>
+      <a:effectRef idx="0">
+        <a:scrgbClr r="0" g="0" b="0"/>
+      </a:effectRef>
+      <a:fontRef idx="minor"/>
+    </dgm:style>
+  </dgm:styleLbl>
+  <dgm:styleLbl name="bgShp">
+    <dgm:scene3d>
+      <a:camera prst="orthographicFront"/>
+      <a:lightRig rig="threePt" dir="t"/>
+    </dgm:scene3d>
+    <dgm:sp3d/>
+    <dgm:txPr/>
+    <dgm:style>
+      <a:lnRef idx="0">
+        <a:scrgbClr r="0" g="0" b="0"/>
+      </a:lnRef>
+      <a:fillRef idx="1">
+        <a:scrgbClr r="0" g="0" b="0"/>
+      </a:fillRef>
+      <a:effectRef idx="0">
+        <a:scrgbClr r="0" g="0" b="0"/>
+      </a:effectRef>
+      <a:fontRef idx="minor"/>
+    </dgm:style>
+  </dgm:styleLbl>
+  <dgm:styleLbl name="dkBgShp">
+    <dgm:scene3d>
+      <a:camera prst="orthographicFront"/>
+      <a:lightRig rig="threePt" dir="t"/>
+    </dgm:scene3d>
+    <dgm:sp3d/>
+    <dgm:txPr/>
+    <dgm:style>
+      <a:lnRef idx="0">
+        <a:scrgbClr r="0" g="0" b="0"/>
+      </a:lnRef>
+      <a:fillRef idx="1">
+        <a:scrgbClr r="0" g="0" b="0"/>
+      </a:fillRef>
+      <a:effectRef idx="0">
+        <a:scrgbClr r="0" g="0" b="0"/>
+      </a:effectRef>
+      <a:fontRef idx="minor"/>
+    </dgm:style>
+  </dgm:styleLbl>
+  <dgm:styleLbl name="trBgShp">
+    <dgm:scene3d>
+      <a:camera prst="orthographicFront"/>
+      <a:lightRig rig="threePt" dir="t"/>
+    </dgm:scene3d>
+    <dgm:sp3d/>
+    <dgm:txPr/>
+    <dgm:style>
+      <a:lnRef idx="0">
+        <a:scrgbClr r="0" g="0" b="0"/>
+      </a:lnRef>
+      <a:fillRef idx="1">
+        <a:scrgbClr r="0" g="0" b="0"/>
+      </a:fillRef>
+      <a:effectRef idx="0">
+        <a:scrgbClr r="0" g="0" b="0"/>
+      </a:effectRef>
+      <a:fontRef idx="minor"/>
+    </dgm:style>
+  </dgm:styleLbl>
+  <dgm:styleLbl name="fgShp">
+    <dgm:scene3d>
+      <a:camera prst="orthographicFront"/>
+      <a:lightRig rig="threePt" dir="t"/>
+    </dgm:scene3d>
+    <dgm:sp3d/>
+    <dgm:txPr/>
+    <dgm:style>
+      <a:lnRef idx="2">
+        <a:scrgbClr r="0" g="0" b="0"/>
+      </a:lnRef>
+      <a:fillRef idx="1">
+        <a:scrgbClr r="0" g="0" b="0"/>
+      </a:fillRef>
+      <a:effectRef idx="0">
+        <a:scrgbClr r="0" g="0" b="0"/>
+      </a:effectRef>
+      <a:fontRef idx="minor"/>
+    </dgm:style>
+  </dgm:styleLbl>
+  <dgm:styleLbl name="revTx">
+    <dgm:scene3d>
+      <a:camera prst="orthographicFront"/>
+      <a:lightRig rig="threePt" dir="t"/>
+    </dgm:scene3d>
+    <dgm:sp3d/>
+    <dgm:txPr/>
+    <dgm:style>
+      <a:lnRef idx="0">
+        <a:scrgbClr r="0" g="0" b="0"/>
+      </a:lnRef>
+      <a:fillRef idx="0">
+        <a:scrgbClr r="0" g="0" b="0"/>
+      </a:fillRef>
+      <a:effectRef idx="0">
+        <a:scrgbClr r="0" g="0" b="0"/>
+      </a:effectRef>
+      <a:fontRef idx="minor"/>
+    </dgm:style>
+  </dgm:styleLbl>
+</dgm:styleDef>
+</file>
+
 <file path=ppt/handoutMasters/handoutMaster1.xml><?xml version="1.0" encoding="utf-8"?>
 <p:handoutMaster xmlns:a="http://schemas.openxmlformats.org/drawingml/2006/main" xmlns:r="http://schemas.openxmlformats.org/officeDocument/2006/relationships" xmlns:p="http://schemas.openxmlformats.org/presentationml/2006/main">
   <p:cSld>
@@ -227,7 +5488,7 @@
           <a:p>
             <a:fld id="{CDDF240B-3CA8-4045-B7C9-8B67F6FA2B5E}" type="datetimeFigureOut">
               <a:rPr lang="en-US" smtClean="0"/>
-              <a:t>2019-03-01</a:t>
+              <a:t>2019-03-14</a:t>
             </a:fld>
             <a:endParaRPr lang="en-US"/>
           </a:p>
@@ -392,7 +5653,7 @@
           <a:p>
             <a:fld id="{8DB41A92-FFF7-46B1-92E3-CDB13879911B}" type="datetimeFigureOut">
               <a:rPr lang="en-US" smtClean="0"/>
-              <a:t>2019-03-01</a:t>
+              <a:t>2019-03-14</a:t>
             </a:fld>
             <a:endParaRPr lang="en-US"/>
           </a:p>
@@ -1693,7 +6954,7 @@
           <a:p>
             <a:fld id="{679D33B1-6C88-4DB6-8F59-77EBF0001DE5}" type="datetimeFigureOut">
               <a:rPr lang="en-US" smtClean="0"/>
-              <a:t>2019-03-01</a:t>
+              <a:t>2019-03-14</a:t>
             </a:fld>
             <a:endParaRPr lang="en-US"/>
           </a:p>
@@ -2603,7 +7864,7 @@
           <a:p>
             <a:fld id="{679D33B1-6C88-4DB6-8F59-77EBF0001DE5}" type="datetimeFigureOut">
               <a:rPr lang="en-US" smtClean="0"/>
-              <a:t>2019-03-01</a:t>
+              <a:t>2019-03-14</a:t>
             </a:fld>
             <a:endParaRPr lang="en-US"/>
           </a:p>
@@ -2909,7 +8170,7 @@
           <a:p>
             <a:fld id="{679D33B1-6C88-4DB6-8F59-77EBF0001DE5}" type="datetimeFigureOut">
               <a:rPr lang="en-US" smtClean="0"/>
-              <a:t>2019-03-01</a:t>
+              <a:t>2019-03-14</a:t>
             </a:fld>
             <a:endParaRPr lang="en-US"/>
           </a:p>
@@ -3295,7 +8556,7 @@
           <a:p>
             <a:fld id="{679D33B1-6C88-4DB6-8F59-77EBF0001DE5}" type="datetimeFigureOut">
               <a:rPr lang="en-US" smtClean="0"/>
-              <a:t>2019-03-01</a:t>
+              <a:t>2019-03-14</a:t>
             </a:fld>
             <a:endParaRPr lang="en-US"/>
           </a:p>
@@ -3668,7 +8929,7 @@
           <a:p>
             <a:fld id="{679D33B1-6C88-4DB6-8F59-77EBF0001DE5}" type="datetimeFigureOut">
               <a:rPr lang="en-US" smtClean="0"/>
-              <a:t>2019-03-01</a:t>
+              <a:t>2019-03-14</a:t>
             </a:fld>
             <a:endParaRPr lang="en-US"/>
           </a:p>
@@ -4171,7 +9432,7 @@
           <a:p>
             <a:fld id="{679D33B1-6C88-4DB6-8F59-77EBF0001DE5}" type="datetimeFigureOut">
               <a:rPr lang="en-US" smtClean="0"/>
-              <a:t>2019-03-01</a:t>
+              <a:t>2019-03-14</a:t>
             </a:fld>
             <a:endParaRPr lang="en-US"/>
           </a:p>
@@ -4425,7 +9686,7 @@
           <a:p>
             <a:fld id="{679D33B1-6C88-4DB6-8F59-77EBF0001DE5}" type="datetimeFigureOut">
               <a:rPr lang="en-US" smtClean="0"/>
-              <a:t>2019-03-01</a:t>
+              <a:t>2019-03-14</a:t>
             </a:fld>
             <a:endParaRPr lang="en-US"/>
           </a:p>
@@ -4588,7 +9849,7 @@
           <a:p>
             <a:fld id="{679D33B1-6C88-4DB6-8F59-77EBF0001DE5}" type="datetimeFigureOut">
               <a:rPr lang="en-US" smtClean="0"/>
-              <a:t>2019-03-01</a:t>
+              <a:t>2019-03-14</a:t>
             </a:fld>
             <a:endParaRPr lang="en-US"/>
           </a:p>
@@ -4975,7 +10236,7 @@
           <a:p>
             <a:fld id="{679D33B1-6C88-4DB6-8F59-77EBF0001DE5}" type="datetimeFigureOut">
               <a:rPr lang="en-US" smtClean="0"/>
-              <a:t>2019-03-01</a:t>
+              <a:t>2019-03-14</a:t>
             </a:fld>
             <a:endParaRPr lang="en-US"/>
           </a:p>
@@ -5381,7 +10642,7 @@
           <a:p>
             <a:fld id="{679D33B1-6C88-4DB6-8F59-77EBF0001DE5}" type="datetimeFigureOut">
               <a:rPr lang="en-US" smtClean="0"/>
-              <a:t>2019-03-01</a:t>
+              <a:t>2019-03-14</a:t>
             </a:fld>
             <a:endParaRPr lang="en-US"/>
           </a:p>
@@ -5594,7 +10855,7 @@
           <a:p>
             <a:fld id="{679D33B1-6C88-4DB6-8F59-77EBF0001DE5}" type="datetimeFigureOut">
               <a:rPr lang="en-US" smtClean="0"/>
-              <a:t>2019-03-01</a:t>
+              <a:t>2019-03-14</a:t>
             </a:fld>
             <a:endParaRPr lang="en-US"/>
           </a:p>
@@ -6389,6 +11650,682 @@
 </p:sld>
 </file>
 
+<file path=ppt/slides/slide10.xml><?xml version="1.0" encoding="utf-8"?>
+<p:sld xmlns:a="http://schemas.openxmlformats.org/drawingml/2006/main" xmlns:r="http://schemas.openxmlformats.org/officeDocument/2006/relationships" xmlns:p="http://schemas.openxmlformats.org/presentationml/2006/main">
+  <p:cSld>
+    <p:spTree>
+      <p:nvGrpSpPr>
+        <p:cNvPr id="1" name=""/>
+        <p:cNvGrpSpPr/>
+        <p:nvPr/>
+      </p:nvGrpSpPr>
+      <p:grpSpPr>
+        <a:xfrm>
+          <a:off x="0" y="0"/>
+          <a:ext cx="0" cy="0"/>
+          <a:chOff x="0" y="0"/>
+          <a:chExt cx="0" cy="0"/>
+        </a:xfrm>
+      </p:grpSpPr>
+      <p:grpSp>
+        <p:nvGrpSpPr>
+          <p:cNvPr id="7" name="Группа 6">
+            <a:extLst>
+              <a:ext uri="{FF2B5EF4-FFF2-40B4-BE49-F238E27FC236}">
+                <a16:creationId xmlns:a16="http://schemas.microsoft.com/office/drawing/2014/main" id="{BCF740B6-A229-4695-A90B-3A23F8394638}"/>
+              </a:ext>
+            </a:extLst>
+          </p:cNvPr>
+          <p:cNvGrpSpPr/>
+          <p:nvPr/>
+        </p:nvGrpSpPr>
+        <p:grpSpPr>
+          <a:xfrm>
+            <a:off x="504837" y="2164677"/>
+            <a:ext cx="2681173" cy="1608703"/>
+            <a:chOff x="2026957" y="1877274"/>
+            <a:chExt cx="2681173" cy="1608703"/>
+          </a:xfrm>
+        </p:grpSpPr>
+        <p:sp>
+          <p:nvSpPr>
+            <p:cNvPr id="12" name="Прямоугольник 11">
+              <a:extLst>
+                <a:ext uri="{FF2B5EF4-FFF2-40B4-BE49-F238E27FC236}">
+                  <a16:creationId xmlns:a16="http://schemas.microsoft.com/office/drawing/2014/main" id="{B9B09259-6DD2-4259-8124-018802043910}"/>
+                </a:ext>
+              </a:extLst>
+            </p:cNvPr>
+            <p:cNvSpPr/>
+            <p:nvPr/>
+          </p:nvSpPr>
+          <p:spPr>
+            <a:xfrm>
+              <a:off x="2026957" y="1877274"/>
+              <a:ext cx="2681173" cy="1608703"/>
+            </a:xfrm>
+            <a:prstGeom prst="rect">
+              <a:avLst/>
+            </a:prstGeom>
+          </p:spPr>
+          <p:style>
+            <a:lnRef idx="2">
+              <a:schemeClr val="lt2">
+                <a:hueOff val="0"/>
+                <a:satOff val="0"/>
+                <a:lumOff val="0"/>
+                <a:alphaOff val="0"/>
+              </a:schemeClr>
+            </a:lnRef>
+            <a:fillRef idx="1">
+              <a:schemeClr val="dk2">
+                <a:hueOff val="0"/>
+                <a:satOff val="0"/>
+                <a:lumOff val="0"/>
+                <a:alphaOff val="0"/>
+              </a:schemeClr>
+            </a:fillRef>
+            <a:effectRef idx="0">
+              <a:schemeClr val="dk2">
+                <a:hueOff val="0"/>
+                <a:satOff val="0"/>
+                <a:lumOff val="0"/>
+                <a:alphaOff val="0"/>
+              </a:schemeClr>
+            </a:effectRef>
+            <a:fontRef idx="minor">
+              <a:schemeClr val="lt1"/>
+            </a:fontRef>
+          </p:style>
+        </p:sp>
+        <p:sp>
+          <p:nvSpPr>
+            <p:cNvPr id="13" name="TextBox 12">
+              <a:extLst>
+                <a:ext uri="{FF2B5EF4-FFF2-40B4-BE49-F238E27FC236}">
+                  <a16:creationId xmlns:a16="http://schemas.microsoft.com/office/drawing/2014/main" id="{9E3227F4-B540-4C19-A590-682912FA65DA}"/>
+                </a:ext>
+              </a:extLst>
+            </p:cNvPr>
+            <p:cNvSpPr txBox="1"/>
+            <p:nvPr/>
+          </p:nvSpPr>
+          <p:spPr>
+            <a:xfrm>
+              <a:off x="2026957" y="1877274"/>
+              <a:ext cx="2681173" cy="1608703"/>
+            </a:xfrm>
+            <a:prstGeom prst="rect">
+              <a:avLst/>
+            </a:prstGeom>
+          </p:spPr>
+          <p:style>
+            <a:lnRef idx="0">
+              <a:scrgbClr r="0" g="0" b="0"/>
+            </a:lnRef>
+            <a:fillRef idx="0">
+              <a:scrgbClr r="0" g="0" b="0"/>
+            </a:fillRef>
+            <a:effectRef idx="0">
+              <a:scrgbClr r="0" g="0" b="0"/>
+            </a:effectRef>
+            <a:fontRef idx="minor">
+              <a:schemeClr val="lt1"/>
+            </a:fontRef>
+          </p:style>
+          <p:txBody>
+            <a:bodyPr spcFirstLastPara="0" vert="horz" wrap="square" lIns="125730" tIns="125730" rIns="125730" bIns="125730" numCol="1" spcCol="1270" anchor="ctr" anchorCtr="0">
+              <a:noAutofit/>
+            </a:bodyPr>
+            <a:lstStyle/>
+            <a:p>
+              <a:pPr marL="0" lvl="0" indent="0" algn="ctr" defTabSz="1466850">
+                <a:lnSpc>
+                  <a:spcPct val="90000"/>
+                </a:lnSpc>
+                <a:spcBef>
+                  <a:spcPct val="0"/>
+                </a:spcBef>
+                <a:spcAft>
+                  <a:spcPct val="35000"/>
+                </a:spcAft>
+                <a:buNone/>
+              </a:pPr>
+              <a:r>
+                <a:rPr lang="en-US" sz="3300" kern="1200" dirty="0"/>
+                <a:t>Dependency Injection Container</a:t>
+              </a:r>
+            </a:p>
+          </p:txBody>
+        </p:sp>
+      </p:grpSp>
+      <p:sp>
+        <p:nvSpPr>
+          <p:cNvPr id="4" name="Заголовок 3">
+            <a:extLst>
+              <a:ext uri="{FF2B5EF4-FFF2-40B4-BE49-F238E27FC236}">
+                <a16:creationId xmlns:a16="http://schemas.microsoft.com/office/drawing/2014/main" id="{56B210DD-3C70-4225-BAC0-26F0709D6072}"/>
+              </a:ext>
+            </a:extLst>
+          </p:cNvPr>
+          <p:cNvSpPr>
+            <a:spLocks noGrp="1"/>
+          </p:cNvSpPr>
+          <p:nvPr>
+            <p:ph type="title"/>
+          </p:nvPr>
+        </p:nvSpPr>
+        <p:spPr/>
+        <p:txBody>
+          <a:bodyPr>
+            <a:normAutofit/>
+          </a:bodyPr>
+          <a:lstStyle/>
+          <a:p>
+            <a:r>
+              <a:rPr lang="ru-RU" b="1" dirty="0"/>
+              <a:t>Принцип инверсии зависимостей</a:t>
+            </a:r>
+            <a:br>
+              <a:rPr lang="en-US" b="1" dirty="0"/>
+            </a:br>
+            <a:r>
+              <a:rPr lang="en-US" sz="3200" i="1" dirty="0"/>
+              <a:t>The Dependency Inversion Principle</a:t>
+            </a:r>
+            <a:endParaRPr lang="en-US" dirty="0"/>
+          </a:p>
+        </p:txBody>
+      </p:sp>
+      <p:sp>
+        <p:nvSpPr>
+          <p:cNvPr id="8" name="TextBox 7">
+            <a:extLst>
+              <a:ext uri="{FF2B5EF4-FFF2-40B4-BE49-F238E27FC236}">
+                <a16:creationId xmlns:a16="http://schemas.microsoft.com/office/drawing/2014/main" id="{63B0901F-4162-4E9E-84F8-461CBF5B8F1D}"/>
+              </a:ext>
+            </a:extLst>
+          </p:cNvPr>
+          <p:cNvSpPr txBox="1"/>
+          <p:nvPr/>
+        </p:nvSpPr>
+        <p:spPr>
+          <a:xfrm>
+            <a:off x="3408218" y="2205644"/>
+            <a:ext cx="7043650" cy="1200329"/>
+          </a:xfrm>
+          <a:prstGeom prst="rect">
+            <a:avLst/>
+          </a:prstGeom>
+          <a:noFill/>
+        </p:spPr>
+        <p:txBody>
+          <a:bodyPr wrap="square" rtlCol="0">
+            <a:spAutoFit/>
+          </a:bodyPr>
+          <a:lstStyle/>
+          <a:p>
+            <a:r>
+              <a:rPr lang="en-US" dirty="0"/>
+              <a:t>Dependency Injection</a:t>
+            </a:r>
+            <a:r>
+              <a:rPr lang="ru-RU" dirty="0"/>
+              <a:t> </a:t>
+            </a:r>
+            <a:r>
+              <a:rPr lang="en-US" dirty="0"/>
+              <a:t>Container </a:t>
+            </a:r>
+            <a:r>
+              <a:rPr lang="ru-RU" dirty="0"/>
+              <a:t>или </a:t>
+            </a:r>
+            <a:r>
+              <a:rPr lang="en-US" dirty="0"/>
+              <a:t>(DI Container) –</a:t>
+            </a:r>
+            <a:r>
+              <a:rPr lang="ru-RU" dirty="0"/>
+              <a:t> это компонент (модуль, контрол, </a:t>
+            </a:r>
+            <a:r>
+              <a:rPr lang="en-US" dirty="0"/>
+              <a:t>unit</a:t>
+            </a:r>
+            <a:r>
+              <a:rPr lang="ru-RU" dirty="0"/>
+              <a:t>), который являет собой реализацию инструмента для достижения целей по внедрению паттерна </a:t>
+            </a:r>
+            <a:r>
+              <a:rPr lang="en-US" b="1" i="1" dirty="0"/>
+              <a:t>Inverse Of Control</a:t>
+            </a:r>
+            <a:r>
+              <a:rPr lang="ru-RU" dirty="0"/>
+              <a:t>. </a:t>
+            </a:r>
+          </a:p>
+        </p:txBody>
+      </p:sp>
+      <p:sp>
+        <p:nvSpPr>
+          <p:cNvPr id="14" name="TextBox 13">
+            <a:extLst>
+              <a:ext uri="{FF2B5EF4-FFF2-40B4-BE49-F238E27FC236}">
+                <a16:creationId xmlns:a16="http://schemas.microsoft.com/office/drawing/2014/main" id="{754B5970-AEAA-4333-A907-3A9819836751}"/>
+              </a:ext>
+            </a:extLst>
+          </p:cNvPr>
+          <p:cNvSpPr txBox="1"/>
+          <p:nvPr/>
+        </p:nvSpPr>
+        <p:spPr>
+          <a:xfrm>
+            <a:off x="388458" y="5920107"/>
+            <a:ext cx="10063409" cy="261610"/>
+          </a:xfrm>
+          <a:prstGeom prst="rect">
+            <a:avLst/>
+          </a:prstGeom>
+          <a:noFill/>
+        </p:spPr>
+        <p:txBody>
+          <a:bodyPr wrap="square" rtlCol="0">
+            <a:spAutoFit/>
+          </a:bodyPr>
+          <a:lstStyle/>
+          <a:p>
+            <a:r>
+              <a:rPr lang="ru-RU" sz="1100" dirty="0">
+                <a:solidFill>
+                  <a:schemeClr val="tx1">
+                    <a:lumMod val="75000"/>
+                  </a:schemeClr>
+                </a:solidFill>
+              </a:rPr>
+              <a:t>Примечание</a:t>
+            </a:r>
+            <a:r>
+              <a:rPr lang="en-US" sz="1100" dirty="0">
+                <a:solidFill>
+                  <a:schemeClr val="tx1">
+                    <a:lumMod val="75000"/>
+                  </a:schemeClr>
+                </a:solidFill>
+              </a:rPr>
+              <a:t>: </a:t>
+            </a:r>
+            <a:r>
+              <a:rPr lang="ru-RU" sz="1100" dirty="0">
+                <a:solidFill>
+                  <a:schemeClr val="tx1">
+                    <a:lumMod val="75000"/>
+                  </a:schemeClr>
+                </a:solidFill>
+              </a:rPr>
+              <a:t>Думаю, что можно этот слайд развить до уровня отдельного видео на эту тему. Что думаете по этому поводу пишите в комментарии.</a:t>
+            </a:r>
+          </a:p>
+        </p:txBody>
+      </p:sp>
+      <p:sp>
+        <p:nvSpPr>
+          <p:cNvPr id="15" name="TextBox 14">
+            <a:extLst>
+              <a:ext uri="{FF2B5EF4-FFF2-40B4-BE49-F238E27FC236}">
+                <a16:creationId xmlns:a16="http://schemas.microsoft.com/office/drawing/2014/main" id="{637B98BC-0475-45CF-B198-81B8D60B0CCE}"/>
+              </a:ext>
+            </a:extLst>
+          </p:cNvPr>
+          <p:cNvSpPr txBox="1"/>
+          <p:nvPr/>
+        </p:nvSpPr>
+        <p:spPr>
+          <a:xfrm>
+            <a:off x="504837" y="4047395"/>
+            <a:ext cx="9789345" cy="923330"/>
+          </a:xfrm>
+          <a:prstGeom prst="rect">
+            <a:avLst/>
+          </a:prstGeom>
+          <a:noFill/>
+        </p:spPr>
+        <p:txBody>
+          <a:bodyPr wrap="square" rtlCol="0">
+            <a:spAutoFit/>
+          </a:bodyPr>
+          <a:lstStyle/>
+          <a:p>
+            <a:r>
+              <a:rPr lang="en-US" dirty="0"/>
+              <a:t>DI-</a:t>
+            </a:r>
+            <a:r>
+              <a:rPr lang="ru-RU" dirty="0"/>
+              <a:t>контейнер - это инструмент, который создает экземпляры классов и следит за их жизненным циклом (и может еще много чего полезного). Другими словами, это инструмент по управлению зависимостями. </a:t>
+            </a:r>
+          </a:p>
+        </p:txBody>
+      </p:sp>
+    </p:spTree>
+    <p:extLst>
+      <p:ext uri="{BB962C8B-B14F-4D97-AF65-F5344CB8AC3E}">
+        <p14:creationId xmlns:p14="http://schemas.microsoft.com/office/powerpoint/2010/main" val="2515181725"/>
+      </p:ext>
+    </p:extLst>
+  </p:cSld>
+  <p:clrMapOvr>
+    <a:masterClrMapping/>
+  </p:clrMapOvr>
+  <p:transition spd="slow">
+    <p:cover/>
+  </p:transition>
+</p:sld>
+</file>
+
+<file path=ppt/slides/slide11.xml><?xml version="1.0" encoding="utf-8"?>
+<p:sld xmlns:a="http://schemas.openxmlformats.org/drawingml/2006/main" xmlns:r="http://schemas.openxmlformats.org/officeDocument/2006/relationships" xmlns:p="http://schemas.openxmlformats.org/presentationml/2006/main">
+  <p:cSld>
+    <p:spTree>
+      <p:nvGrpSpPr>
+        <p:cNvPr id="1" name=""/>
+        <p:cNvGrpSpPr/>
+        <p:nvPr/>
+      </p:nvGrpSpPr>
+      <p:grpSpPr>
+        <a:xfrm>
+          <a:off x="0" y="0"/>
+          <a:ext cx="0" cy="0"/>
+          <a:chOff x="0" y="0"/>
+          <a:chExt cx="0" cy="0"/>
+        </a:xfrm>
+      </p:grpSpPr>
+      <p:grpSp>
+        <p:nvGrpSpPr>
+          <p:cNvPr id="7" name="Группа 6">
+            <a:extLst>
+              <a:ext uri="{FF2B5EF4-FFF2-40B4-BE49-F238E27FC236}">
+                <a16:creationId xmlns:a16="http://schemas.microsoft.com/office/drawing/2014/main" id="{348BFB14-454C-4609-ACD1-0B8EB24D004F}"/>
+              </a:ext>
+            </a:extLst>
+          </p:cNvPr>
+          <p:cNvGrpSpPr/>
+          <p:nvPr/>
+        </p:nvGrpSpPr>
+        <p:grpSpPr>
+          <a:xfrm>
+            <a:off x="504837" y="2162124"/>
+            <a:ext cx="2681173" cy="1608703"/>
+            <a:chOff x="4976248" y="1877274"/>
+            <a:chExt cx="2681173" cy="1608703"/>
+          </a:xfrm>
+        </p:grpSpPr>
+        <p:sp>
+          <p:nvSpPr>
+            <p:cNvPr id="12" name="Прямоугольник 11">
+              <a:extLst>
+                <a:ext uri="{FF2B5EF4-FFF2-40B4-BE49-F238E27FC236}">
+                  <a16:creationId xmlns:a16="http://schemas.microsoft.com/office/drawing/2014/main" id="{FD93E0BB-2DB6-42D3-B8E3-950F6EE8C28F}"/>
+                </a:ext>
+              </a:extLst>
+            </p:cNvPr>
+            <p:cNvSpPr/>
+            <p:nvPr/>
+          </p:nvSpPr>
+          <p:spPr>
+            <a:xfrm>
+              <a:off x="4976248" y="1877274"/>
+              <a:ext cx="2681173" cy="1608703"/>
+            </a:xfrm>
+            <a:prstGeom prst="rect">
+              <a:avLst/>
+            </a:prstGeom>
+          </p:spPr>
+          <p:style>
+            <a:lnRef idx="2">
+              <a:schemeClr val="lt2">
+                <a:hueOff val="0"/>
+                <a:satOff val="0"/>
+                <a:lumOff val="0"/>
+                <a:alphaOff val="0"/>
+              </a:schemeClr>
+            </a:lnRef>
+            <a:fillRef idx="1">
+              <a:schemeClr val="dk2">
+                <a:hueOff val="0"/>
+                <a:satOff val="0"/>
+                <a:lumOff val="0"/>
+                <a:alphaOff val="0"/>
+              </a:schemeClr>
+            </a:fillRef>
+            <a:effectRef idx="0">
+              <a:schemeClr val="dk2">
+                <a:hueOff val="0"/>
+                <a:satOff val="0"/>
+                <a:lumOff val="0"/>
+                <a:alphaOff val="0"/>
+              </a:schemeClr>
+            </a:effectRef>
+            <a:fontRef idx="minor">
+              <a:schemeClr val="lt1"/>
+            </a:fontRef>
+          </p:style>
+        </p:sp>
+        <p:sp>
+          <p:nvSpPr>
+            <p:cNvPr id="13" name="TextBox 12">
+              <a:extLst>
+                <a:ext uri="{FF2B5EF4-FFF2-40B4-BE49-F238E27FC236}">
+                  <a16:creationId xmlns:a16="http://schemas.microsoft.com/office/drawing/2014/main" id="{B2DABBF7-A13A-4CC3-8522-B1BA47C270F5}"/>
+                </a:ext>
+              </a:extLst>
+            </p:cNvPr>
+            <p:cNvSpPr txBox="1"/>
+            <p:nvPr/>
+          </p:nvSpPr>
+          <p:spPr>
+            <a:xfrm>
+              <a:off x="4976248" y="1877274"/>
+              <a:ext cx="2681173" cy="1608703"/>
+            </a:xfrm>
+            <a:prstGeom prst="rect">
+              <a:avLst/>
+            </a:prstGeom>
+          </p:spPr>
+          <p:style>
+            <a:lnRef idx="0">
+              <a:scrgbClr r="0" g="0" b="0"/>
+            </a:lnRef>
+            <a:fillRef idx="0">
+              <a:scrgbClr r="0" g="0" b="0"/>
+            </a:fillRef>
+            <a:effectRef idx="0">
+              <a:scrgbClr r="0" g="0" b="0"/>
+            </a:effectRef>
+            <a:fontRef idx="minor">
+              <a:schemeClr val="lt1"/>
+            </a:fontRef>
+          </p:style>
+          <p:txBody>
+            <a:bodyPr spcFirstLastPara="0" vert="horz" wrap="square" lIns="125730" tIns="125730" rIns="125730" bIns="125730" numCol="1" spcCol="1270" anchor="ctr" anchorCtr="0">
+              <a:noAutofit/>
+            </a:bodyPr>
+            <a:lstStyle/>
+            <a:p>
+              <a:pPr marL="0" lvl="0" indent="0" algn="ctr" defTabSz="1466850">
+                <a:lnSpc>
+                  <a:spcPct val="90000"/>
+                </a:lnSpc>
+                <a:spcBef>
+                  <a:spcPct val="0"/>
+                </a:spcBef>
+                <a:spcAft>
+                  <a:spcPct val="35000"/>
+                </a:spcAft>
+                <a:buNone/>
+              </a:pPr>
+              <a:r>
+                <a:rPr lang="en-US" sz="3300" kern="1200" dirty="0"/>
+                <a:t>Service Locator</a:t>
+              </a:r>
+            </a:p>
+          </p:txBody>
+        </p:sp>
+      </p:grpSp>
+      <p:sp>
+        <p:nvSpPr>
+          <p:cNvPr id="4" name="Заголовок 3">
+            <a:extLst>
+              <a:ext uri="{FF2B5EF4-FFF2-40B4-BE49-F238E27FC236}">
+                <a16:creationId xmlns:a16="http://schemas.microsoft.com/office/drawing/2014/main" id="{56B210DD-3C70-4225-BAC0-26F0709D6072}"/>
+              </a:ext>
+            </a:extLst>
+          </p:cNvPr>
+          <p:cNvSpPr>
+            <a:spLocks noGrp="1"/>
+          </p:cNvSpPr>
+          <p:nvPr>
+            <p:ph type="title"/>
+          </p:nvPr>
+        </p:nvSpPr>
+        <p:spPr/>
+        <p:txBody>
+          <a:bodyPr>
+            <a:normAutofit/>
+          </a:bodyPr>
+          <a:lstStyle/>
+          <a:p>
+            <a:r>
+              <a:rPr lang="ru-RU" b="1" dirty="0"/>
+              <a:t>Принцип инверсии зависимостей</a:t>
+            </a:r>
+            <a:br>
+              <a:rPr lang="en-US" b="1" dirty="0"/>
+            </a:br>
+            <a:r>
+              <a:rPr lang="en-US" sz="3200" i="1" dirty="0"/>
+              <a:t>The Dependency Inversion Principle</a:t>
+            </a:r>
+            <a:endParaRPr lang="en-US" dirty="0"/>
+          </a:p>
+        </p:txBody>
+      </p:sp>
+      <p:sp>
+        <p:nvSpPr>
+          <p:cNvPr id="8" name="TextBox 7">
+            <a:extLst>
+              <a:ext uri="{FF2B5EF4-FFF2-40B4-BE49-F238E27FC236}">
+                <a16:creationId xmlns:a16="http://schemas.microsoft.com/office/drawing/2014/main" id="{63B0901F-4162-4E9E-84F8-461CBF5B8F1D}"/>
+              </a:ext>
+            </a:extLst>
+          </p:cNvPr>
+          <p:cNvSpPr txBox="1"/>
+          <p:nvPr/>
+        </p:nvSpPr>
+        <p:spPr>
+          <a:xfrm>
+            <a:off x="3408217" y="2205644"/>
+            <a:ext cx="7043651" cy="1477328"/>
+          </a:xfrm>
+          <a:prstGeom prst="rect">
+            <a:avLst/>
+          </a:prstGeom>
+          <a:noFill/>
+        </p:spPr>
+        <p:txBody>
+          <a:bodyPr wrap="square" rtlCol="0">
+            <a:spAutoFit/>
+          </a:bodyPr>
+          <a:lstStyle/>
+          <a:p>
+            <a:r>
+              <a:rPr lang="en-US" dirty="0"/>
+              <a:t>Service Locator – </a:t>
+            </a:r>
+            <a:r>
+              <a:rPr lang="ru-RU" dirty="0"/>
+              <a:t>шаблон проектирования или паттерн. И это тоже способ (метод, вариант реализации, техника, процесс, механизм) достижения результата по реализации того самого паттерна или шаблона проектирования, который на одном из предыдущих слайдах мы назвали </a:t>
+            </a:r>
+            <a:r>
+              <a:rPr lang="en-US" b="1" i="1" dirty="0"/>
+              <a:t>Inverse Of Control</a:t>
+            </a:r>
+            <a:r>
+              <a:rPr lang="ru-RU" dirty="0"/>
+              <a:t>.</a:t>
+            </a:r>
+          </a:p>
+        </p:txBody>
+      </p:sp>
+      <p:sp>
+        <p:nvSpPr>
+          <p:cNvPr id="14" name="TextBox 13">
+            <a:extLst>
+              <a:ext uri="{FF2B5EF4-FFF2-40B4-BE49-F238E27FC236}">
+                <a16:creationId xmlns:a16="http://schemas.microsoft.com/office/drawing/2014/main" id="{3082FAB4-9C1B-4A0C-879C-E4D7B3195375}"/>
+              </a:ext>
+            </a:extLst>
+          </p:cNvPr>
+          <p:cNvSpPr txBox="1"/>
+          <p:nvPr/>
+        </p:nvSpPr>
+        <p:spPr>
+          <a:xfrm>
+            <a:off x="454960" y="4098785"/>
+            <a:ext cx="9947031" cy="646331"/>
+          </a:xfrm>
+          <a:prstGeom prst="rect">
+            <a:avLst/>
+          </a:prstGeom>
+          <a:noFill/>
+        </p:spPr>
+        <p:txBody>
+          <a:bodyPr wrap="square" rtlCol="0">
+            <a:spAutoFit/>
+          </a:bodyPr>
+          <a:lstStyle/>
+          <a:p>
+            <a:r>
+              <a:rPr lang="en-US" dirty="0"/>
+              <a:t>Service Locator </a:t>
+            </a:r>
+            <a:r>
+              <a:rPr lang="ru-RU" dirty="0"/>
+              <a:t>еще называют «</a:t>
+            </a:r>
+            <a:r>
+              <a:rPr lang="en-US" dirty="0"/>
+              <a:t>Hollywood Principle</a:t>
+            </a:r>
+            <a:r>
+              <a:rPr lang="ru-RU" dirty="0"/>
+              <a:t>», значение которого сразу понятно из фразы: </a:t>
+            </a:r>
+            <a:r>
+              <a:rPr lang="en-US" dirty="0"/>
+              <a:t>Don't call us, we'll call you".</a:t>
+            </a:r>
+            <a:endParaRPr lang="ru-RU" dirty="0"/>
+          </a:p>
+        </p:txBody>
+      </p:sp>
+    </p:spTree>
+    <p:extLst>
+      <p:ext uri="{BB962C8B-B14F-4D97-AF65-F5344CB8AC3E}">
+        <p14:creationId xmlns:p14="http://schemas.microsoft.com/office/powerpoint/2010/main" val="2457212543"/>
+      </p:ext>
+    </p:extLst>
+  </p:cSld>
+  <p:clrMapOvr>
+    <a:masterClrMapping/>
+  </p:clrMapOvr>
+  <p:transition spd="slow">
+    <p:cover/>
+  </p:transition>
+</p:sld>
+</file>
+
 <file path=ppt/slides/slide2.xml><?xml version="1.0" encoding="utf-8"?>
 <p:sld xmlns:a="http://schemas.openxmlformats.org/drawingml/2006/main" xmlns:r="http://schemas.openxmlformats.org/officeDocument/2006/relationships" xmlns:p="http://schemas.openxmlformats.org/presentationml/2006/main">
   <p:cSld>
@@ -6511,11 +12448,7 @@
             </a:r>
             <a:r>
               <a:rPr lang="ru-RU" sz="2000" dirty="0"/>
-              <a:t>, DIP) — важный принцип объектно-ориентированного программирования, используемый для уменьшения зацепления в компьютерных программах. </a:t>
-            </a:r>
-            <a:r>
-              <a:rPr lang="ru-RU" sz="2000"/>
-              <a:t>Входит в пятёрку принципов SOLID.</a:t>
+              <a:t>, DIP) — важный принцип объектно-ориентированного программирования, используемый для уменьшения зацепления в компьютерных программах. Входит в пятёрку принципов SOLID.</a:t>
             </a:r>
             <a:endParaRPr lang="en-US" sz="2000" dirty="0"/>
           </a:p>
@@ -6525,6 +12458,3227 @@
     <p:extLst>
       <p:ext uri="{BB962C8B-B14F-4D97-AF65-F5344CB8AC3E}">
         <p14:creationId xmlns:p14="http://schemas.microsoft.com/office/powerpoint/2010/main" val="2251797272"/>
+      </p:ext>
+    </p:extLst>
+  </p:cSld>
+  <p:clrMapOvr>
+    <a:masterClrMapping/>
+  </p:clrMapOvr>
+  <p:transition spd="slow">
+    <p:cover/>
+  </p:transition>
+</p:sld>
+</file>
+
+<file path=ppt/slides/slide3.xml><?xml version="1.0" encoding="utf-8"?>
+<p:sld xmlns:a="http://schemas.openxmlformats.org/drawingml/2006/main" xmlns:r="http://schemas.openxmlformats.org/officeDocument/2006/relationships" xmlns:p="http://schemas.openxmlformats.org/presentationml/2006/main">
+  <p:cSld>
+    <p:spTree>
+      <p:nvGrpSpPr>
+        <p:cNvPr id="1" name=""/>
+        <p:cNvGrpSpPr/>
+        <p:nvPr/>
+      </p:nvGrpSpPr>
+      <p:grpSpPr>
+        <a:xfrm>
+          <a:off x="0" y="0"/>
+          <a:ext cx="0" cy="0"/>
+          <a:chOff x="0" y="0"/>
+          <a:chExt cx="0" cy="0"/>
+        </a:xfrm>
+      </p:grpSpPr>
+      <p:sp>
+        <p:nvSpPr>
+          <p:cNvPr id="4" name="Заголовок 3">
+            <a:extLst>
+              <a:ext uri="{FF2B5EF4-FFF2-40B4-BE49-F238E27FC236}">
+                <a16:creationId xmlns:a16="http://schemas.microsoft.com/office/drawing/2014/main" id="{56B210DD-3C70-4225-BAC0-26F0709D6072}"/>
+              </a:ext>
+            </a:extLst>
+          </p:cNvPr>
+          <p:cNvSpPr>
+            <a:spLocks noGrp="1"/>
+          </p:cNvSpPr>
+          <p:nvPr>
+            <p:ph type="title"/>
+          </p:nvPr>
+        </p:nvSpPr>
+        <p:spPr/>
+        <p:txBody>
+          <a:bodyPr>
+            <a:normAutofit/>
+          </a:bodyPr>
+          <a:lstStyle/>
+          <a:p>
+            <a:r>
+              <a:rPr lang="ru-RU" b="1" dirty="0"/>
+              <a:t>Принцип инверсии зависимостей</a:t>
+            </a:r>
+            <a:br>
+              <a:rPr lang="en-US" b="1" dirty="0"/>
+            </a:br>
+            <a:r>
+              <a:rPr lang="en-US" sz="3200" i="1" dirty="0"/>
+              <a:t>The Dependency Inversion Principle</a:t>
+            </a:r>
+            <a:endParaRPr lang="en-US" dirty="0"/>
+          </a:p>
+        </p:txBody>
+      </p:sp>
+      <p:sp>
+        <p:nvSpPr>
+          <p:cNvPr id="3" name="TextBox 2">
+            <a:extLst>
+              <a:ext uri="{FF2B5EF4-FFF2-40B4-BE49-F238E27FC236}">
+                <a16:creationId xmlns:a16="http://schemas.microsoft.com/office/drawing/2014/main" id="{E2033C19-F6E3-4D93-9DFB-30667C14D781}"/>
+              </a:ext>
+            </a:extLst>
+          </p:cNvPr>
+          <p:cNvSpPr txBox="1"/>
+          <p:nvPr/>
+        </p:nvSpPr>
+        <p:spPr>
+          <a:xfrm>
+            <a:off x="576263" y="2233613"/>
+            <a:ext cx="9836982" cy="3724096"/>
+          </a:xfrm>
+          <a:prstGeom prst="rect">
+            <a:avLst/>
+          </a:prstGeom>
+          <a:noFill/>
+        </p:spPr>
+        <p:txBody>
+          <a:bodyPr wrap="square" rtlCol="0">
+            <a:spAutoFit/>
+          </a:bodyPr>
+          <a:lstStyle/>
+          <a:p>
+            <a:r>
+              <a:rPr lang="ru-RU" sz="2800" dirty="0">
+                <a:solidFill>
+                  <a:srgbClr val="FFFF00"/>
+                </a:solidFill>
+              </a:rPr>
+              <a:t>Глобальная тема</a:t>
+            </a:r>
+          </a:p>
+          <a:p>
+            <a:endParaRPr lang="ru-RU" sz="2800" dirty="0"/>
+          </a:p>
+          <a:p>
+            <a:r>
+              <a:rPr lang="ru-RU" sz="2000" dirty="0"/>
+              <a:t>Уже неоднократно каждый из вас слышал (видел, читал, использовал и т.д.) понятия и термины, которые будут описаны в этом ролике. Не удивлюсь, если каждый напишет в комментариях расхожее с моим своё мнение по правилами и принципам их понимания и использования.</a:t>
+            </a:r>
+          </a:p>
+          <a:p>
+            <a:endParaRPr lang="ru-RU" sz="2000" dirty="0"/>
+          </a:p>
+          <a:p>
+            <a:r>
+              <a:rPr lang="ru-RU" sz="2000" dirty="0"/>
+              <a:t>При подборе материала к видео, я понял, что существует не мало, путаницы относительно терминологии и значений. Я расскажу и покажу обобщение по всем материалам, которые мне удалось проштудировать и выскажу свою точку зрения по этому поводу.</a:t>
+            </a:r>
+            <a:endParaRPr lang="en-US" sz="2000" dirty="0"/>
+          </a:p>
+        </p:txBody>
+      </p:sp>
+    </p:spTree>
+    <p:extLst>
+      <p:ext uri="{BB962C8B-B14F-4D97-AF65-F5344CB8AC3E}">
+        <p14:creationId xmlns:p14="http://schemas.microsoft.com/office/powerpoint/2010/main" val="2855300188"/>
+      </p:ext>
+    </p:extLst>
+  </p:cSld>
+  <p:clrMapOvr>
+    <a:masterClrMapping/>
+  </p:clrMapOvr>
+  <p:transition spd="slow">
+    <p:cover/>
+  </p:transition>
+</p:sld>
+</file>
+
+<file path=ppt/slides/slide4.xml><?xml version="1.0" encoding="utf-8"?>
+<p:sld xmlns:a="http://schemas.openxmlformats.org/drawingml/2006/main" xmlns:r="http://schemas.openxmlformats.org/officeDocument/2006/relationships" xmlns:p="http://schemas.openxmlformats.org/presentationml/2006/main">
+  <p:cSld>
+    <p:spTree>
+      <p:nvGrpSpPr>
+        <p:cNvPr id="1" name=""/>
+        <p:cNvGrpSpPr/>
+        <p:nvPr/>
+      </p:nvGrpSpPr>
+      <p:grpSpPr>
+        <a:xfrm>
+          <a:off x="0" y="0"/>
+          <a:ext cx="0" cy="0"/>
+          <a:chOff x="0" y="0"/>
+          <a:chExt cx="0" cy="0"/>
+        </a:xfrm>
+      </p:grpSpPr>
+      <p:sp>
+        <p:nvSpPr>
+          <p:cNvPr id="4" name="Заголовок 3">
+            <a:extLst>
+              <a:ext uri="{FF2B5EF4-FFF2-40B4-BE49-F238E27FC236}">
+                <a16:creationId xmlns:a16="http://schemas.microsoft.com/office/drawing/2014/main" id="{56B210DD-3C70-4225-BAC0-26F0709D6072}"/>
+              </a:ext>
+            </a:extLst>
+          </p:cNvPr>
+          <p:cNvSpPr>
+            <a:spLocks noGrp="1"/>
+          </p:cNvSpPr>
+          <p:nvPr>
+            <p:ph type="title"/>
+          </p:nvPr>
+        </p:nvSpPr>
+        <p:spPr/>
+        <p:txBody>
+          <a:bodyPr>
+            <a:normAutofit/>
+          </a:bodyPr>
+          <a:lstStyle/>
+          <a:p>
+            <a:r>
+              <a:rPr lang="ru-RU" b="1" dirty="0"/>
+              <a:t>Принцип инверсии зависимостей</a:t>
+            </a:r>
+            <a:br>
+              <a:rPr lang="en-US" b="1" dirty="0"/>
+            </a:br>
+            <a:r>
+              <a:rPr lang="en-US" sz="3200" i="1" dirty="0"/>
+              <a:t>The Dependency Inversion Principle</a:t>
+            </a:r>
+            <a:endParaRPr lang="en-US" dirty="0"/>
+          </a:p>
+        </p:txBody>
+      </p:sp>
+      <p:sp>
+        <p:nvSpPr>
+          <p:cNvPr id="3" name="TextBox 2">
+            <a:extLst>
+              <a:ext uri="{FF2B5EF4-FFF2-40B4-BE49-F238E27FC236}">
+                <a16:creationId xmlns:a16="http://schemas.microsoft.com/office/drawing/2014/main" id="{E2033C19-F6E3-4D93-9DFB-30667C14D781}"/>
+              </a:ext>
+            </a:extLst>
+          </p:cNvPr>
+          <p:cNvSpPr txBox="1"/>
+          <p:nvPr/>
+        </p:nvSpPr>
+        <p:spPr>
+          <a:xfrm>
+            <a:off x="576263" y="2233613"/>
+            <a:ext cx="9836982" cy="523220"/>
+          </a:xfrm>
+          <a:prstGeom prst="rect">
+            <a:avLst/>
+          </a:prstGeom>
+          <a:noFill/>
+        </p:spPr>
+        <p:txBody>
+          <a:bodyPr wrap="square" rtlCol="0">
+            <a:spAutoFit/>
+          </a:bodyPr>
+          <a:lstStyle/>
+          <a:p>
+            <a:r>
+              <a:rPr lang="ru-RU" sz="2800" dirty="0">
+                <a:solidFill>
+                  <a:srgbClr val="FFFF00"/>
+                </a:solidFill>
+              </a:rPr>
+              <a:t>Предмет обсуждения</a:t>
+            </a:r>
+          </a:p>
+        </p:txBody>
+      </p:sp>
+      <p:pic>
+        <p:nvPicPr>
+          <p:cNvPr id="2" name="Рисунок 1">
+            <a:extLst>
+              <a:ext uri="{FF2B5EF4-FFF2-40B4-BE49-F238E27FC236}">
+                <a16:creationId xmlns:a16="http://schemas.microsoft.com/office/drawing/2014/main" id="{A6CF5881-385F-4FFE-9788-BC254D342198}"/>
+              </a:ext>
+            </a:extLst>
+          </p:cNvPr>
+          <p:cNvPicPr>
+            <a:picLocks noChangeAspect="1"/>
+          </p:cNvPicPr>
+          <p:nvPr/>
+        </p:nvPicPr>
+        <p:blipFill>
+          <a:blip r:embed="rId2"/>
+          <a:stretch>
+            <a:fillRect/>
+          </a:stretch>
+        </p:blipFill>
+        <p:spPr>
+          <a:xfrm>
+            <a:off x="576263" y="3156280"/>
+            <a:ext cx="2005144" cy="2646391"/>
+          </a:xfrm>
+          <a:prstGeom prst="rect">
+            <a:avLst/>
+          </a:prstGeom>
+        </p:spPr>
+      </p:pic>
+      <p:pic>
+        <p:nvPicPr>
+          <p:cNvPr id="5" name="Рисунок 4">
+            <a:extLst>
+              <a:ext uri="{FF2B5EF4-FFF2-40B4-BE49-F238E27FC236}">
+                <a16:creationId xmlns:a16="http://schemas.microsoft.com/office/drawing/2014/main" id="{B9EAA679-2EFF-4D0A-A208-A01556ECE379}"/>
+              </a:ext>
+            </a:extLst>
+          </p:cNvPr>
+          <p:cNvPicPr>
+            <a:picLocks noChangeAspect="1"/>
+          </p:cNvPicPr>
+          <p:nvPr/>
+        </p:nvPicPr>
+        <p:blipFill>
+          <a:blip r:embed="rId3"/>
+          <a:stretch>
+            <a:fillRect/>
+          </a:stretch>
+        </p:blipFill>
+        <p:spPr>
+          <a:xfrm>
+            <a:off x="1994429" y="3517443"/>
+            <a:ext cx="5129250" cy="1924064"/>
+          </a:xfrm>
+          <a:prstGeom prst="rect">
+            <a:avLst/>
+          </a:prstGeom>
+        </p:spPr>
+      </p:pic>
+      <p:pic>
+        <p:nvPicPr>
+          <p:cNvPr id="6" name="Рисунок 5">
+            <a:extLst>
+              <a:ext uri="{FF2B5EF4-FFF2-40B4-BE49-F238E27FC236}">
+                <a16:creationId xmlns:a16="http://schemas.microsoft.com/office/drawing/2014/main" id="{2E00BC37-2581-442B-951D-36CAF21D02EE}"/>
+              </a:ext>
+            </a:extLst>
+          </p:cNvPr>
+          <p:cNvPicPr>
+            <a:picLocks noChangeAspect="1"/>
+          </p:cNvPicPr>
+          <p:nvPr/>
+        </p:nvPicPr>
+        <p:blipFill>
+          <a:blip r:embed="rId4"/>
+          <a:stretch>
+            <a:fillRect/>
+          </a:stretch>
+        </p:blipFill>
+        <p:spPr>
+          <a:xfrm>
+            <a:off x="3590566" y="2687639"/>
+            <a:ext cx="3640268" cy="3742173"/>
+          </a:xfrm>
+          <a:prstGeom prst="rect">
+            <a:avLst/>
+          </a:prstGeom>
+        </p:spPr>
+      </p:pic>
+      <p:pic>
+        <p:nvPicPr>
+          <p:cNvPr id="7" name="Рисунок 6">
+            <a:extLst>
+              <a:ext uri="{FF2B5EF4-FFF2-40B4-BE49-F238E27FC236}">
+                <a16:creationId xmlns:a16="http://schemas.microsoft.com/office/drawing/2014/main" id="{4AC8991D-30F6-4E3E-980E-906942AE883F}"/>
+              </a:ext>
+            </a:extLst>
+          </p:cNvPr>
+          <p:cNvPicPr>
+            <a:picLocks noChangeAspect="1"/>
+          </p:cNvPicPr>
+          <p:nvPr/>
+        </p:nvPicPr>
+        <p:blipFill>
+          <a:blip r:embed="rId5"/>
+          <a:stretch>
+            <a:fillRect/>
+          </a:stretch>
+        </p:blipFill>
+        <p:spPr>
+          <a:xfrm>
+            <a:off x="5118535" y="2503587"/>
+            <a:ext cx="5294710" cy="1525381"/>
+          </a:xfrm>
+          <a:prstGeom prst="rect">
+            <a:avLst/>
+          </a:prstGeom>
+        </p:spPr>
+      </p:pic>
+      <p:pic>
+        <p:nvPicPr>
+          <p:cNvPr id="8" name="Рисунок 7">
+            <a:extLst>
+              <a:ext uri="{FF2B5EF4-FFF2-40B4-BE49-F238E27FC236}">
+                <a16:creationId xmlns:a16="http://schemas.microsoft.com/office/drawing/2014/main" id="{8C683FF1-8A97-4608-A09A-22E3C5FF0BE4}"/>
+              </a:ext>
+            </a:extLst>
+          </p:cNvPr>
+          <p:cNvPicPr>
+            <a:picLocks noChangeAspect="1"/>
+          </p:cNvPicPr>
+          <p:nvPr/>
+        </p:nvPicPr>
+        <p:blipFill>
+          <a:blip r:embed="rId6"/>
+          <a:stretch>
+            <a:fillRect/>
+          </a:stretch>
+        </p:blipFill>
+        <p:spPr>
+          <a:xfrm>
+            <a:off x="4644147" y="4282214"/>
+            <a:ext cx="5386713" cy="1921135"/>
+          </a:xfrm>
+          <a:prstGeom prst="rect">
+            <a:avLst/>
+          </a:prstGeom>
+        </p:spPr>
+      </p:pic>
+    </p:spTree>
+    <p:extLst>
+      <p:ext uri="{BB962C8B-B14F-4D97-AF65-F5344CB8AC3E}">
+        <p14:creationId xmlns:p14="http://schemas.microsoft.com/office/powerpoint/2010/main" val="57740667"/>
+      </p:ext>
+    </p:extLst>
+  </p:cSld>
+  <p:clrMapOvr>
+    <a:masterClrMapping/>
+  </p:clrMapOvr>
+  <p:transition spd="slow">
+    <p:cover/>
+  </p:transition>
+  <p:timing>
+    <p:tnLst>
+      <p:par>
+        <p:cTn id="1" dur="indefinite" restart="never" nodeType="tmRoot">
+          <p:childTnLst>
+            <p:seq concurrent="1" nextAc="seek">
+              <p:cTn id="2" dur="indefinite" nodeType="mainSeq">
+                <p:childTnLst>
+                  <p:par>
+                    <p:cTn id="3" fill="hold">
+                      <p:stCondLst>
+                        <p:cond delay="indefinite"/>
+                      </p:stCondLst>
+                      <p:childTnLst>
+                        <p:par>
+                          <p:cTn id="4" fill="hold">
+                            <p:stCondLst>
+                              <p:cond delay="0"/>
+                            </p:stCondLst>
+                            <p:childTnLst>
+                              <p:par>
+                                <p:cTn id="5" presetID="42" presetClass="entr" presetSubtype="0" fill="hold" nodeType="clickEffect">
+                                  <p:stCondLst>
+                                    <p:cond delay="0"/>
+                                  </p:stCondLst>
+                                  <p:childTnLst>
+                                    <p:set>
+                                      <p:cBhvr>
+                                        <p:cTn id="6" dur="1" fill="hold">
+                                          <p:stCondLst>
+                                            <p:cond delay="0"/>
+                                          </p:stCondLst>
+                                        </p:cTn>
+                                        <p:tgtEl>
+                                          <p:spTgt spid="2"/>
+                                        </p:tgtEl>
+                                        <p:attrNameLst>
+                                          <p:attrName>style.visibility</p:attrName>
+                                        </p:attrNameLst>
+                                      </p:cBhvr>
+                                      <p:to>
+                                        <p:strVal val="visible"/>
+                                      </p:to>
+                                    </p:set>
+                                    <p:animEffect transition="in" filter="fade">
+                                      <p:cBhvr>
+                                        <p:cTn id="7" dur="1000"/>
+                                        <p:tgtEl>
+                                          <p:spTgt spid="2"/>
+                                        </p:tgtEl>
+                                      </p:cBhvr>
+                                    </p:animEffect>
+                                    <p:anim calcmode="lin" valueType="num">
+                                      <p:cBhvr>
+                                        <p:cTn id="8" dur="1000" fill="hold"/>
+                                        <p:tgtEl>
+                                          <p:spTgt spid="2"/>
+                                        </p:tgtEl>
+                                        <p:attrNameLst>
+                                          <p:attrName>ppt_x</p:attrName>
+                                        </p:attrNameLst>
+                                      </p:cBhvr>
+                                      <p:tavLst>
+                                        <p:tav tm="0">
+                                          <p:val>
+                                            <p:strVal val="#ppt_x"/>
+                                          </p:val>
+                                        </p:tav>
+                                        <p:tav tm="100000">
+                                          <p:val>
+                                            <p:strVal val="#ppt_x"/>
+                                          </p:val>
+                                        </p:tav>
+                                      </p:tavLst>
+                                    </p:anim>
+                                    <p:anim calcmode="lin" valueType="num">
+                                      <p:cBhvr>
+                                        <p:cTn id="9" dur="1000" fill="hold"/>
+                                        <p:tgtEl>
+                                          <p:spTgt spid="2"/>
+                                        </p:tgtEl>
+                                        <p:attrNameLst>
+                                          <p:attrName>ppt_y</p:attrName>
+                                        </p:attrNameLst>
+                                      </p:cBhvr>
+                                      <p:tavLst>
+                                        <p:tav tm="0">
+                                          <p:val>
+                                            <p:strVal val="#ppt_y+.1"/>
+                                          </p:val>
+                                        </p:tav>
+                                        <p:tav tm="100000">
+                                          <p:val>
+                                            <p:strVal val="#ppt_y"/>
+                                          </p:val>
+                                        </p:tav>
+                                      </p:tavLst>
+                                    </p:anim>
+                                  </p:childTnLst>
+                                </p:cTn>
+                              </p:par>
+                            </p:childTnLst>
+                          </p:cTn>
+                        </p:par>
+                      </p:childTnLst>
+                    </p:cTn>
+                  </p:par>
+                  <p:par>
+                    <p:cTn id="10" fill="hold">
+                      <p:stCondLst>
+                        <p:cond delay="indefinite"/>
+                      </p:stCondLst>
+                      <p:childTnLst>
+                        <p:par>
+                          <p:cTn id="11" fill="hold">
+                            <p:stCondLst>
+                              <p:cond delay="0"/>
+                            </p:stCondLst>
+                            <p:childTnLst>
+                              <p:par>
+                                <p:cTn id="12" presetID="42" presetClass="entr" presetSubtype="0" fill="hold" nodeType="clickEffect">
+                                  <p:stCondLst>
+                                    <p:cond delay="0"/>
+                                  </p:stCondLst>
+                                  <p:childTnLst>
+                                    <p:set>
+                                      <p:cBhvr>
+                                        <p:cTn id="13" dur="1" fill="hold">
+                                          <p:stCondLst>
+                                            <p:cond delay="0"/>
+                                          </p:stCondLst>
+                                        </p:cTn>
+                                        <p:tgtEl>
+                                          <p:spTgt spid="5"/>
+                                        </p:tgtEl>
+                                        <p:attrNameLst>
+                                          <p:attrName>style.visibility</p:attrName>
+                                        </p:attrNameLst>
+                                      </p:cBhvr>
+                                      <p:to>
+                                        <p:strVal val="visible"/>
+                                      </p:to>
+                                    </p:set>
+                                    <p:animEffect transition="in" filter="fade">
+                                      <p:cBhvr>
+                                        <p:cTn id="14" dur="1000"/>
+                                        <p:tgtEl>
+                                          <p:spTgt spid="5"/>
+                                        </p:tgtEl>
+                                      </p:cBhvr>
+                                    </p:animEffect>
+                                    <p:anim calcmode="lin" valueType="num">
+                                      <p:cBhvr>
+                                        <p:cTn id="15" dur="1000" fill="hold"/>
+                                        <p:tgtEl>
+                                          <p:spTgt spid="5"/>
+                                        </p:tgtEl>
+                                        <p:attrNameLst>
+                                          <p:attrName>ppt_x</p:attrName>
+                                        </p:attrNameLst>
+                                      </p:cBhvr>
+                                      <p:tavLst>
+                                        <p:tav tm="0">
+                                          <p:val>
+                                            <p:strVal val="#ppt_x"/>
+                                          </p:val>
+                                        </p:tav>
+                                        <p:tav tm="100000">
+                                          <p:val>
+                                            <p:strVal val="#ppt_x"/>
+                                          </p:val>
+                                        </p:tav>
+                                      </p:tavLst>
+                                    </p:anim>
+                                    <p:anim calcmode="lin" valueType="num">
+                                      <p:cBhvr>
+                                        <p:cTn id="16" dur="1000" fill="hold"/>
+                                        <p:tgtEl>
+                                          <p:spTgt spid="5"/>
+                                        </p:tgtEl>
+                                        <p:attrNameLst>
+                                          <p:attrName>ppt_y</p:attrName>
+                                        </p:attrNameLst>
+                                      </p:cBhvr>
+                                      <p:tavLst>
+                                        <p:tav tm="0">
+                                          <p:val>
+                                            <p:strVal val="#ppt_y+.1"/>
+                                          </p:val>
+                                        </p:tav>
+                                        <p:tav tm="100000">
+                                          <p:val>
+                                            <p:strVal val="#ppt_y"/>
+                                          </p:val>
+                                        </p:tav>
+                                      </p:tavLst>
+                                    </p:anim>
+                                  </p:childTnLst>
+                                </p:cTn>
+                              </p:par>
+                            </p:childTnLst>
+                          </p:cTn>
+                        </p:par>
+                      </p:childTnLst>
+                    </p:cTn>
+                  </p:par>
+                  <p:par>
+                    <p:cTn id="17" fill="hold">
+                      <p:stCondLst>
+                        <p:cond delay="indefinite"/>
+                      </p:stCondLst>
+                      <p:childTnLst>
+                        <p:par>
+                          <p:cTn id="18" fill="hold">
+                            <p:stCondLst>
+                              <p:cond delay="0"/>
+                            </p:stCondLst>
+                            <p:childTnLst>
+                              <p:par>
+                                <p:cTn id="19" presetID="42" presetClass="entr" presetSubtype="0" fill="hold" nodeType="clickEffect">
+                                  <p:stCondLst>
+                                    <p:cond delay="0"/>
+                                  </p:stCondLst>
+                                  <p:childTnLst>
+                                    <p:set>
+                                      <p:cBhvr>
+                                        <p:cTn id="20" dur="1" fill="hold">
+                                          <p:stCondLst>
+                                            <p:cond delay="0"/>
+                                          </p:stCondLst>
+                                        </p:cTn>
+                                        <p:tgtEl>
+                                          <p:spTgt spid="6"/>
+                                        </p:tgtEl>
+                                        <p:attrNameLst>
+                                          <p:attrName>style.visibility</p:attrName>
+                                        </p:attrNameLst>
+                                      </p:cBhvr>
+                                      <p:to>
+                                        <p:strVal val="visible"/>
+                                      </p:to>
+                                    </p:set>
+                                    <p:animEffect transition="in" filter="fade">
+                                      <p:cBhvr>
+                                        <p:cTn id="21" dur="1000"/>
+                                        <p:tgtEl>
+                                          <p:spTgt spid="6"/>
+                                        </p:tgtEl>
+                                      </p:cBhvr>
+                                    </p:animEffect>
+                                    <p:anim calcmode="lin" valueType="num">
+                                      <p:cBhvr>
+                                        <p:cTn id="22" dur="1000" fill="hold"/>
+                                        <p:tgtEl>
+                                          <p:spTgt spid="6"/>
+                                        </p:tgtEl>
+                                        <p:attrNameLst>
+                                          <p:attrName>ppt_x</p:attrName>
+                                        </p:attrNameLst>
+                                      </p:cBhvr>
+                                      <p:tavLst>
+                                        <p:tav tm="0">
+                                          <p:val>
+                                            <p:strVal val="#ppt_x"/>
+                                          </p:val>
+                                        </p:tav>
+                                        <p:tav tm="100000">
+                                          <p:val>
+                                            <p:strVal val="#ppt_x"/>
+                                          </p:val>
+                                        </p:tav>
+                                      </p:tavLst>
+                                    </p:anim>
+                                    <p:anim calcmode="lin" valueType="num">
+                                      <p:cBhvr>
+                                        <p:cTn id="23" dur="1000" fill="hold"/>
+                                        <p:tgtEl>
+                                          <p:spTgt spid="6"/>
+                                        </p:tgtEl>
+                                        <p:attrNameLst>
+                                          <p:attrName>ppt_y</p:attrName>
+                                        </p:attrNameLst>
+                                      </p:cBhvr>
+                                      <p:tavLst>
+                                        <p:tav tm="0">
+                                          <p:val>
+                                            <p:strVal val="#ppt_y+.1"/>
+                                          </p:val>
+                                        </p:tav>
+                                        <p:tav tm="100000">
+                                          <p:val>
+                                            <p:strVal val="#ppt_y"/>
+                                          </p:val>
+                                        </p:tav>
+                                      </p:tavLst>
+                                    </p:anim>
+                                  </p:childTnLst>
+                                </p:cTn>
+                              </p:par>
+                            </p:childTnLst>
+                          </p:cTn>
+                        </p:par>
+                      </p:childTnLst>
+                    </p:cTn>
+                  </p:par>
+                  <p:par>
+                    <p:cTn id="24" fill="hold">
+                      <p:stCondLst>
+                        <p:cond delay="indefinite"/>
+                      </p:stCondLst>
+                      <p:childTnLst>
+                        <p:par>
+                          <p:cTn id="25" fill="hold">
+                            <p:stCondLst>
+                              <p:cond delay="0"/>
+                            </p:stCondLst>
+                            <p:childTnLst>
+                              <p:par>
+                                <p:cTn id="26" presetID="42" presetClass="entr" presetSubtype="0" fill="hold" nodeType="clickEffect">
+                                  <p:stCondLst>
+                                    <p:cond delay="0"/>
+                                  </p:stCondLst>
+                                  <p:childTnLst>
+                                    <p:set>
+                                      <p:cBhvr>
+                                        <p:cTn id="27" dur="1" fill="hold">
+                                          <p:stCondLst>
+                                            <p:cond delay="0"/>
+                                          </p:stCondLst>
+                                        </p:cTn>
+                                        <p:tgtEl>
+                                          <p:spTgt spid="7"/>
+                                        </p:tgtEl>
+                                        <p:attrNameLst>
+                                          <p:attrName>style.visibility</p:attrName>
+                                        </p:attrNameLst>
+                                      </p:cBhvr>
+                                      <p:to>
+                                        <p:strVal val="visible"/>
+                                      </p:to>
+                                    </p:set>
+                                    <p:animEffect transition="in" filter="fade">
+                                      <p:cBhvr>
+                                        <p:cTn id="28" dur="1000"/>
+                                        <p:tgtEl>
+                                          <p:spTgt spid="7"/>
+                                        </p:tgtEl>
+                                      </p:cBhvr>
+                                    </p:animEffect>
+                                    <p:anim calcmode="lin" valueType="num">
+                                      <p:cBhvr>
+                                        <p:cTn id="29" dur="1000" fill="hold"/>
+                                        <p:tgtEl>
+                                          <p:spTgt spid="7"/>
+                                        </p:tgtEl>
+                                        <p:attrNameLst>
+                                          <p:attrName>ppt_x</p:attrName>
+                                        </p:attrNameLst>
+                                      </p:cBhvr>
+                                      <p:tavLst>
+                                        <p:tav tm="0">
+                                          <p:val>
+                                            <p:strVal val="#ppt_x"/>
+                                          </p:val>
+                                        </p:tav>
+                                        <p:tav tm="100000">
+                                          <p:val>
+                                            <p:strVal val="#ppt_x"/>
+                                          </p:val>
+                                        </p:tav>
+                                      </p:tavLst>
+                                    </p:anim>
+                                    <p:anim calcmode="lin" valueType="num">
+                                      <p:cBhvr>
+                                        <p:cTn id="30" dur="1000" fill="hold"/>
+                                        <p:tgtEl>
+                                          <p:spTgt spid="7"/>
+                                        </p:tgtEl>
+                                        <p:attrNameLst>
+                                          <p:attrName>ppt_y</p:attrName>
+                                        </p:attrNameLst>
+                                      </p:cBhvr>
+                                      <p:tavLst>
+                                        <p:tav tm="0">
+                                          <p:val>
+                                            <p:strVal val="#ppt_y+.1"/>
+                                          </p:val>
+                                        </p:tav>
+                                        <p:tav tm="100000">
+                                          <p:val>
+                                            <p:strVal val="#ppt_y"/>
+                                          </p:val>
+                                        </p:tav>
+                                      </p:tavLst>
+                                    </p:anim>
+                                  </p:childTnLst>
+                                </p:cTn>
+                              </p:par>
+                            </p:childTnLst>
+                          </p:cTn>
+                        </p:par>
+                      </p:childTnLst>
+                    </p:cTn>
+                  </p:par>
+                  <p:par>
+                    <p:cTn id="31" fill="hold">
+                      <p:stCondLst>
+                        <p:cond delay="indefinite"/>
+                      </p:stCondLst>
+                      <p:childTnLst>
+                        <p:par>
+                          <p:cTn id="32" fill="hold">
+                            <p:stCondLst>
+                              <p:cond delay="0"/>
+                            </p:stCondLst>
+                            <p:childTnLst>
+                              <p:par>
+                                <p:cTn id="33" presetID="42" presetClass="entr" presetSubtype="0" fill="hold" nodeType="clickEffect">
+                                  <p:stCondLst>
+                                    <p:cond delay="0"/>
+                                  </p:stCondLst>
+                                  <p:childTnLst>
+                                    <p:set>
+                                      <p:cBhvr>
+                                        <p:cTn id="34" dur="1" fill="hold">
+                                          <p:stCondLst>
+                                            <p:cond delay="0"/>
+                                          </p:stCondLst>
+                                        </p:cTn>
+                                        <p:tgtEl>
+                                          <p:spTgt spid="8"/>
+                                        </p:tgtEl>
+                                        <p:attrNameLst>
+                                          <p:attrName>style.visibility</p:attrName>
+                                        </p:attrNameLst>
+                                      </p:cBhvr>
+                                      <p:to>
+                                        <p:strVal val="visible"/>
+                                      </p:to>
+                                    </p:set>
+                                    <p:animEffect transition="in" filter="fade">
+                                      <p:cBhvr>
+                                        <p:cTn id="35" dur="1000"/>
+                                        <p:tgtEl>
+                                          <p:spTgt spid="8"/>
+                                        </p:tgtEl>
+                                      </p:cBhvr>
+                                    </p:animEffect>
+                                    <p:anim calcmode="lin" valueType="num">
+                                      <p:cBhvr>
+                                        <p:cTn id="36" dur="1000" fill="hold"/>
+                                        <p:tgtEl>
+                                          <p:spTgt spid="8"/>
+                                        </p:tgtEl>
+                                        <p:attrNameLst>
+                                          <p:attrName>ppt_x</p:attrName>
+                                        </p:attrNameLst>
+                                      </p:cBhvr>
+                                      <p:tavLst>
+                                        <p:tav tm="0">
+                                          <p:val>
+                                            <p:strVal val="#ppt_x"/>
+                                          </p:val>
+                                        </p:tav>
+                                        <p:tav tm="100000">
+                                          <p:val>
+                                            <p:strVal val="#ppt_x"/>
+                                          </p:val>
+                                        </p:tav>
+                                      </p:tavLst>
+                                    </p:anim>
+                                    <p:anim calcmode="lin" valueType="num">
+                                      <p:cBhvr>
+                                        <p:cTn id="37" dur="1000" fill="hold"/>
+                                        <p:tgtEl>
+                                          <p:spTgt spid="8"/>
+                                        </p:tgtEl>
+                                        <p:attrNameLst>
+                                          <p:attrName>ppt_y</p:attrName>
+                                        </p:attrNameLst>
+                                      </p:cBhvr>
+                                      <p:tavLst>
+                                        <p:tav tm="0">
+                                          <p:val>
+                                            <p:strVal val="#ppt_y+.1"/>
+                                          </p:val>
+                                        </p:tav>
+                                        <p:tav tm="100000">
+                                          <p:val>
+                                            <p:strVal val="#ppt_y"/>
+                                          </p:val>
+                                        </p:tav>
+                                      </p:tavLst>
+                                    </p:anim>
+                                  </p:childTnLst>
+                                </p:cTn>
+                              </p:par>
+                            </p:childTnLst>
+                          </p:cTn>
+                        </p:par>
+                      </p:childTnLst>
+                    </p:cTn>
+                  </p:par>
+                </p:childTnLst>
+              </p:cTn>
+              <p:prevCondLst>
+                <p:cond evt="onPrev" delay="0">
+                  <p:tgtEl>
+                    <p:sldTgt/>
+                  </p:tgtEl>
+                </p:cond>
+              </p:prevCondLst>
+              <p:nextCondLst>
+                <p:cond evt="onNext" delay="0">
+                  <p:tgtEl>
+                    <p:sldTgt/>
+                  </p:tgtEl>
+                </p:cond>
+              </p:nextCondLst>
+            </p:seq>
+          </p:childTnLst>
+        </p:cTn>
+      </p:par>
+    </p:tnLst>
+  </p:timing>
+</p:sld>
+</file>
+
+<file path=ppt/slides/slide5.xml><?xml version="1.0" encoding="utf-8"?>
+<p:sld xmlns:a="http://schemas.openxmlformats.org/drawingml/2006/main" xmlns:r="http://schemas.openxmlformats.org/officeDocument/2006/relationships" xmlns:p="http://schemas.openxmlformats.org/presentationml/2006/main">
+  <p:cSld>
+    <p:spTree>
+      <p:nvGrpSpPr>
+        <p:cNvPr id="1" name=""/>
+        <p:cNvGrpSpPr/>
+        <p:nvPr/>
+      </p:nvGrpSpPr>
+      <p:grpSpPr>
+        <a:xfrm>
+          <a:off x="0" y="0"/>
+          <a:ext cx="0" cy="0"/>
+          <a:chOff x="0" y="0"/>
+          <a:chExt cx="0" cy="0"/>
+        </a:xfrm>
+      </p:grpSpPr>
+      <p:sp>
+        <p:nvSpPr>
+          <p:cNvPr id="4" name="Заголовок 3">
+            <a:extLst>
+              <a:ext uri="{FF2B5EF4-FFF2-40B4-BE49-F238E27FC236}">
+                <a16:creationId xmlns:a16="http://schemas.microsoft.com/office/drawing/2014/main" id="{56B210DD-3C70-4225-BAC0-26F0709D6072}"/>
+              </a:ext>
+            </a:extLst>
+          </p:cNvPr>
+          <p:cNvSpPr>
+            <a:spLocks noGrp="1"/>
+          </p:cNvSpPr>
+          <p:nvPr>
+            <p:ph type="title"/>
+          </p:nvPr>
+        </p:nvSpPr>
+        <p:spPr/>
+        <p:txBody>
+          <a:bodyPr>
+            <a:normAutofit/>
+          </a:bodyPr>
+          <a:lstStyle/>
+          <a:p>
+            <a:r>
+              <a:rPr lang="ru-RU" b="1" dirty="0"/>
+              <a:t>Принцип инверсии зависимостей</a:t>
+            </a:r>
+            <a:br>
+              <a:rPr lang="en-US" b="1" dirty="0"/>
+            </a:br>
+            <a:r>
+              <a:rPr lang="en-US" sz="3200" i="1" dirty="0"/>
+              <a:t>The Dependency Inversion Principle</a:t>
+            </a:r>
+            <a:endParaRPr lang="en-US" dirty="0"/>
+          </a:p>
+        </p:txBody>
+      </p:sp>
+      <p:sp>
+        <p:nvSpPr>
+          <p:cNvPr id="3" name="TextBox 2">
+            <a:extLst>
+              <a:ext uri="{FF2B5EF4-FFF2-40B4-BE49-F238E27FC236}">
+                <a16:creationId xmlns:a16="http://schemas.microsoft.com/office/drawing/2014/main" id="{E2033C19-F6E3-4D93-9DFB-30667C14D781}"/>
+              </a:ext>
+            </a:extLst>
+          </p:cNvPr>
+          <p:cNvSpPr txBox="1"/>
+          <p:nvPr/>
+        </p:nvSpPr>
+        <p:spPr>
+          <a:xfrm>
+            <a:off x="576263" y="2233613"/>
+            <a:ext cx="9836982" cy="523220"/>
+          </a:xfrm>
+          <a:prstGeom prst="rect">
+            <a:avLst/>
+          </a:prstGeom>
+          <a:noFill/>
+        </p:spPr>
+        <p:txBody>
+          <a:bodyPr wrap="square" rtlCol="0">
+            <a:spAutoFit/>
+          </a:bodyPr>
+          <a:lstStyle/>
+          <a:p>
+            <a:r>
+              <a:rPr lang="ru-RU" sz="2800" dirty="0">
+                <a:solidFill>
+                  <a:srgbClr val="FFFF00"/>
+                </a:solidFill>
+              </a:rPr>
+              <a:t>Терминология</a:t>
+            </a:r>
+          </a:p>
+        </p:txBody>
+      </p:sp>
+      <p:graphicFrame>
+        <p:nvGraphicFramePr>
+          <p:cNvPr id="2" name="Схема 1">
+            <a:extLst>
+              <a:ext uri="{FF2B5EF4-FFF2-40B4-BE49-F238E27FC236}">
+                <a16:creationId xmlns:a16="http://schemas.microsoft.com/office/drawing/2014/main" id="{4E73190F-3B80-4AE7-BD52-2EC867829156}"/>
+              </a:ext>
+            </a:extLst>
+          </p:cNvPr>
+          <p:cNvGraphicFramePr/>
+          <p:nvPr>
+            <p:extLst>
+              <p:ext uri="{D42A27DB-BD31-4B8C-83A1-F6EECF244321}">
+                <p14:modId xmlns:p14="http://schemas.microsoft.com/office/powerpoint/2010/main" val="4005718971"/>
+              </p:ext>
+            </p:extLst>
+          </p:nvPr>
+        </p:nvGraphicFramePr>
+        <p:xfrm>
+          <a:off x="680321" y="2909864"/>
+          <a:ext cx="9684379" cy="3486432"/>
+        </p:xfrm>
+        <a:graphic>
+          <a:graphicData uri="http://schemas.openxmlformats.org/drawingml/2006/diagram">
+            <dgm:relIds xmlns:dgm="http://schemas.openxmlformats.org/drawingml/2006/diagram" xmlns:r="http://schemas.openxmlformats.org/officeDocument/2006/relationships" r:dm="rId2" r:lo="rId3" r:qs="rId4" r:cs="rId5"/>
+          </a:graphicData>
+        </a:graphic>
+      </p:graphicFrame>
+    </p:spTree>
+    <p:extLst>
+      <p:ext uri="{BB962C8B-B14F-4D97-AF65-F5344CB8AC3E}">
+        <p14:creationId xmlns:p14="http://schemas.microsoft.com/office/powerpoint/2010/main" val="876068491"/>
+      </p:ext>
+    </p:extLst>
+  </p:cSld>
+  <p:clrMapOvr>
+    <a:masterClrMapping/>
+  </p:clrMapOvr>
+  <p:transition spd="slow">
+    <p:cover/>
+  </p:transition>
+  <p:timing>
+    <p:tnLst>
+      <p:par>
+        <p:cTn id="1" dur="indefinite" restart="never" nodeType="tmRoot">
+          <p:childTnLst>
+            <p:seq concurrent="1" nextAc="seek">
+              <p:cTn id="2" dur="indefinite" nodeType="mainSeq">
+                <p:childTnLst>
+                  <p:par>
+                    <p:cTn id="3" fill="hold">
+                      <p:stCondLst>
+                        <p:cond delay="indefinite"/>
+                      </p:stCondLst>
+                      <p:childTnLst>
+                        <p:par>
+                          <p:cTn id="4" fill="hold">
+                            <p:stCondLst>
+                              <p:cond delay="0"/>
+                            </p:stCondLst>
+                            <p:childTnLst>
+                              <p:par>
+                                <p:cTn id="5" presetID="42" presetClass="entr" presetSubtype="0" fill="hold" grpId="0" nodeType="clickEffect">
+                                  <p:stCondLst>
+                                    <p:cond delay="0"/>
+                                  </p:stCondLst>
+                                  <p:childTnLst>
+                                    <p:set>
+                                      <p:cBhvr>
+                                        <p:cTn id="6" dur="1" fill="hold">
+                                          <p:stCondLst>
+                                            <p:cond delay="0"/>
+                                          </p:stCondLst>
+                                        </p:cTn>
+                                        <p:tgtEl>
+                                          <p:spTgt spid="2">
+                                            <p:graphicEl>
+                                              <a:dgm id="{0D69B84B-0BCB-42FA-AA49-82DF78468043}"/>
+                                            </p:graphicEl>
+                                          </p:spTgt>
+                                        </p:tgtEl>
+                                        <p:attrNameLst>
+                                          <p:attrName>style.visibility</p:attrName>
+                                        </p:attrNameLst>
+                                      </p:cBhvr>
+                                      <p:to>
+                                        <p:strVal val="visible"/>
+                                      </p:to>
+                                    </p:set>
+                                    <p:animEffect transition="in" filter="fade">
+                                      <p:cBhvr>
+                                        <p:cTn id="7" dur="1000"/>
+                                        <p:tgtEl>
+                                          <p:spTgt spid="2">
+                                            <p:graphicEl>
+                                              <a:dgm id="{0D69B84B-0BCB-42FA-AA49-82DF78468043}"/>
+                                            </p:graphicEl>
+                                          </p:spTgt>
+                                        </p:tgtEl>
+                                      </p:cBhvr>
+                                    </p:animEffect>
+                                    <p:anim calcmode="lin" valueType="num">
+                                      <p:cBhvr>
+                                        <p:cTn id="8" dur="1000" fill="hold"/>
+                                        <p:tgtEl>
+                                          <p:spTgt spid="2">
+                                            <p:graphicEl>
+                                              <a:dgm id="{0D69B84B-0BCB-42FA-AA49-82DF78468043}"/>
+                                            </p:graphicEl>
+                                          </p:spTgt>
+                                        </p:tgtEl>
+                                        <p:attrNameLst>
+                                          <p:attrName>ppt_x</p:attrName>
+                                        </p:attrNameLst>
+                                      </p:cBhvr>
+                                      <p:tavLst>
+                                        <p:tav tm="0">
+                                          <p:val>
+                                            <p:strVal val="#ppt_x"/>
+                                          </p:val>
+                                        </p:tav>
+                                        <p:tav tm="100000">
+                                          <p:val>
+                                            <p:strVal val="#ppt_x"/>
+                                          </p:val>
+                                        </p:tav>
+                                      </p:tavLst>
+                                    </p:anim>
+                                    <p:anim calcmode="lin" valueType="num">
+                                      <p:cBhvr>
+                                        <p:cTn id="9" dur="1000" fill="hold"/>
+                                        <p:tgtEl>
+                                          <p:spTgt spid="2">
+                                            <p:graphicEl>
+                                              <a:dgm id="{0D69B84B-0BCB-42FA-AA49-82DF78468043}"/>
+                                            </p:graphicEl>
+                                          </p:spTgt>
+                                        </p:tgtEl>
+                                        <p:attrNameLst>
+                                          <p:attrName>ppt_y</p:attrName>
+                                        </p:attrNameLst>
+                                      </p:cBhvr>
+                                      <p:tavLst>
+                                        <p:tav tm="0">
+                                          <p:val>
+                                            <p:strVal val="#ppt_y+.1"/>
+                                          </p:val>
+                                        </p:tav>
+                                        <p:tav tm="100000">
+                                          <p:val>
+                                            <p:strVal val="#ppt_y"/>
+                                          </p:val>
+                                        </p:tav>
+                                      </p:tavLst>
+                                    </p:anim>
+                                  </p:childTnLst>
+                                </p:cTn>
+                              </p:par>
+                            </p:childTnLst>
+                          </p:cTn>
+                        </p:par>
+                      </p:childTnLst>
+                    </p:cTn>
+                  </p:par>
+                  <p:par>
+                    <p:cTn id="10" fill="hold">
+                      <p:stCondLst>
+                        <p:cond delay="indefinite"/>
+                      </p:stCondLst>
+                      <p:childTnLst>
+                        <p:par>
+                          <p:cTn id="11" fill="hold">
+                            <p:stCondLst>
+                              <p:cond delay="0"/>
+                            </p:stCondLst>
+                            <p:childTnLst>
+                              <p:par>
+                                <p:cTn id="12" presetID="42" presetClass="entr" presetSubtype="0" fill="hold" grpId="0" nodeType="clickEffect">
+                                  <p:stCondLst>
+                                    <p:cond delay="0"/>
+                                  </p:stCondLst>
+                                  <p:childTnLst>
+                                    <p:set>
+                                      <p:cBhvr>
+                                        <p:cTn id="13" dur="1" fill="hold">
+                                          <p:stCondLst>
+                                            <p:cond delay="0"/>
+                                          </p:stCondLst>
+                                        </p:cTn>
+                                        <p:tgtEl>
+                                          <p:spTgt spid="2">
+                                            <p:graphicEl>
+                                              <a:dgm id="{45063D52-0E9C-4713-9842-D389F48146DD}"/>
+                                            </p:graphicEl>
+                                          </p:spTgt>
+                                        </p:tgtEl>
+                                        <p:attrNameLst>
+                                          <p:attrName>style.visibility</p:attrName>
+                                        </p:attrNameLst>
+                                      </p:cBhvr>
+                                      <p:to>
+                                        <p:strVal val="visible"/>
+                                      </p:to>
+                                    </p:set>
+                                    <p:animEffect transition="in" filter="fade">
+                                      <p:cBhvr>
+                                        <p:cTn id="14" dur="1000"/>
+                                        <p:tgtEl>
+                                          <p:spTgt spid="2">
+                                            <p:graphicEl>
+                                              <a:dgm id="{45063D52-0E9C-4713-9842-D389F48146DD}"/>
+                                            </p:graphicEl>
+                                          </p:spTgt>
+                                        </p:tgtEl>
+                                      </p:cBhvr>
+                                    </p:animEffect>
+                                    <p:anim calcmode="lin" valueType="num">
+                                      <p:cBhvr>
+                                        <p:cTn id="15" dur="1000" fill="hold"/>
+                                        <p:tgtEl>
+                                          <p:spTgt spid="2">
+                                            <p:graphicEl>
+                                              <a:dgm id="{45063D52-0E9C-4713-9842-D389F48146DD}"/>
+                                            </p:graphicEl>
+                                          </p:spTgt>
+                                        </p:tgtEl>
+                                        <p:attrNameLst>
+                                          <p:attrName>ppt_x</p:attrName>
+                                        </p:attrNameLst>
+                                      </p:cBhvr>
+                                      <p:tavLst>
+                                        <p:tav tm="0">
+                                          <p:val>
+                                            <p:strVal val="#ppt_x"/>
+                                          </p:val>
+                                        </p:tav>
+                                        <p:tav tm="100000">
+                                          <p:val>
+                                            <p:strVal val="#ppt_x"/>
+                                          </p:val>
+                                        </p:tav>
+                                      </p:tavLst>
+                                    </p:anim>
+                                    <p:anim calcmode="lin" valueType="num">
+                                      <p:cBhvr>
+                                        <p:cTn id="16" dur="1000" fill="hold"/>
+                                        <p:tgtEl>
+                                          <p:spTgt spid="2">
+                                            <p:graphicEl>
+                                              <a:dgm id="{45063D52-0E9C-4713-9842-D389F48146DD}"/>
+                                            </p:graphicEl>
+                                          </p:spTgt>
+                                        </p:tgtEl>
+                                        <p:attrNameLst>
+                                          <p:attrName>ppt_y</p:attrName>
+                                        </p:attrNameLst>
+                                      </p:cBhvr>
+                                      <p:tavLst>
+                                        <p:tav tm="0">
+                                          <p:val>
+                                            <p:strVal val="#ppt_y+.1"/>
+                                          </p:val>
+                                        </p:tav>
+                                        <p:tav tm="100000">
+                                          <p:val>
+                                            <p:strVal val="#ppt_y"/>
+                                          </p:val>
+                                        </p:tav>
+                                      </p:tavLst>
+                                    </p:anim>
+                                  </p:childTnLst>
+                                </p:cTn>
+                              </p:par>
+                            </p:childTnLst>
+                          </p:cTn>
+                        </p:par>
+                      </p:childTnLst>
+                    </p:cTn>
+                  </p:par>
+                  <p:par>
+                    <p:cTn id="17" fill="hold">
+                      <p:stCondLst>
+                        <p:cond delay="indefinite"/>
+                      </p:stCondLst>
+                      <p:childTnLst>
+                        <p:par>
+                          <p:cTn id="18" fill="hold">
+                            <p:stCondLst>
+                              <p:cond delay="0"/>
+                            </p:stCondLst>
+                            <p:childTnLst>
+                              <p:par>
+                                <p:cTn id="19" presetID="42" presetClass="entr" presetSubtype="0" fill="hold" grpId="0" nodeType="clickEffect">
+                                  <p:stCondLst>
+                                    <p:cond delay="0"/>
+                                  </p:stCondLst>
+                                  <p:childTnLst>
+                                    <p:set>
+                                      <p:cBhvr>
+                                        <p:cTn id="20" dur="1" fill="hold">
+                                          <p:stCondLst>
+                                            <p:cond delay="0"/>
+                                          </p:stCondLst>
+                                        </p:cTn>
+                                        <p:tgtEl>
+                                          <p:spTgt spid="2">
+                                            <p:graphicEl>
+                                              <a:dgm id="{4DCB104C-D9D7-48C8-B947-6741FDF12B10}"/>
+                                            </p:graphicEl>
+                                          </p:spTgt>
+                                        </p:tgtEl>
+                                        <p:attrNameLst>
+                                          <p:attrName>style.visibility</p:attrName>
+                                        </p:attrNameLst>
+                                      </p:cBhvr>
+                                      <p:to>
+                                        <p:strVal val="visible"/>
+                                      </p:to>
+                                    </p:set>
+                                    <p:animEffect transition="in" filter="fade">
+                                      <p:cBhvr>
+                                        <p:cTn id="21" dur="1000"/>
+                                        <p:tgtEl>
+                                          <p:spTgt spid="2">
+                                            <p:graphicEl>
+                                              <a:dgm id="{4DCB104C-D9D7-48C8-B947-6741FDF12B10}"/>
+                                            </p:graphicEl>
+                                          </p:spTgt>
+                                        </p:tgtEl>
+                                      </p:cBhvr>
+                                    </p:animEffect>
+                                    <p:anim calcmode="lin" valueType="num">
+                                      <p:cBhvr>
+                                        <p:cTn id="22" dur="1000" fill="hold"/>
+                                        <p:tgtEl>
+                                          <p:spTgt spid="2">
+                                            <p:graphicEl>
+                                              <a:dgm id="{4DCB104C-D9D7-48C8-B947-6741FDF12B10}"/>
+                                            </p:graphicEl>
+                                          </p:spTgt>
+                                        </p:tgtEl>
+                                        <p:attrNameLst>
+                                          <p:attrName>ppt_x</p:attrName>
+                                        </p:attrNameLst>
+                                      </p:cBhvr>
+                                      <p:tavLst>
+                                        <p:tav tm="0">
+                                          <p:val>
+                                            <p:strVal val="#ppt_x"/>
+                                          </p:val>
+                                        </p:tav>
+                                        <p:tav tm="100000">
+                                          <p:val>
+                                            <p:strVal val="#ppt_x"/>
+                                          </p:val>
+                                        </p:tav>
+                                      </p:tavLst>
+                                    </p:anim>
+                                    <p:anim calcmode="lin" valueType="num">
+                                      <p:cBhvr>
+                                        <p:cTn id="23" dur="1000" fill="hold"/>
+                                        <p:tgtEl>
+                                          <p:spTgt spid="2">
+                                            <p:graphicEl>
+                                              <a:dgm id="{4DCB104C-D9D7-48C8-B947-6741FDF12B10}"/>
+                                            </p:graphicEl>
+                                          </p:spTgt>
+                                        </p:tgtEl>
+                                        <p:attrNameLst>
+                                          <p:attrName>ppt_y</p:attrName>
+                                        </p:attrNameLst>
+                                      </p:cBhvr>
+                                      <p:tavLst>
+                                        <p:tav tm="0">
+                                          <p:val>
+                                            <p:strVal val="#ppt_y+.1"/>
+                                          </p:val>
+                                        </p:tav>
+                                        <p:tav tm="100000">
+                                          <p:val>
+                                            <p:strVal val="#ppt_y"/>
+                                          </p:val>
+                                        </p:tav>
+                                      </p:tavLst>
+                                    </p:anim>
+                                  </p:childTnLst>
+                                </p:cTn>
+                              </p:par>
+                            </p:childTnLst>
+                          </p:cTn>
+                        </p:par>
+                      </p:childTnLst>
+                    </p:cTn>
+                  </p:par>
+                  <p:par>
+                    <p:cTn id="24" fill="hold">
+                      <p:stCondLst>
+                        <p:cond delay="indefinite"/>
+                      </p:stCondLst>
+                      <p:childTnLst>
+                        <p:par>
+                          <p:cTn id="25" fill="hold">
+                            <p:stCondLst>
+                              <p:cond delay="0"/>
+                            </p:stCondLst>
+                            <p:childTnLst>
+                              <p:par>
+                                <p:cTn id="26" presetID="42" presetClass="entr" presetSubtype="0" fill="hold" grpId="0" nodeType="clickEffect">
+                                  <p:stCondLst>
+                                    <p:cond delay="0"/>
+                                  </p:stCondLst>
+                                  <p:childTnLst>
+                                    <p:set>
+                                      <p:cBhvr>
+                                        <p:cTn id="27" dur="1" fill="hold">
+                                          <p:stCondLst>
+                                            <p:cond delay="0"/>
+                                          </p:stCondLst>
+                                        </p:cTn>
+                                        <p:tgtEl>
+                                          <p:spTgt spid="2">
+                                            <p:graphicEl>
+                                              <a:dgm id="{31776B8A-E41B-4F8D-A24A-F0A9776B2E33}"/>
+                                            </p:graphicEl>
+                                          </p:spTgt>
+                                        </p:tgtEl>
+                                        <p:attrNameLst>
+                                          <p:attrName>style.visibility</p:attrName>
+                                        </p:attrNameLst>
+                                      </p:cBhvr>
+                                      <p:to>
+                                        <p:strVal val="visible"/>
+                                      </p:to>
+                                    </p:set>
+                                    <p:animEffect transition="in" filter="fade">
+                                      <p:cBhvr>
+                                        <p:cTn id="28" dur="1000"/>
+                                        <p:tgtEl>
+                                          <p:spTgt spid="2">
+                                            <p:graphicEl>
+                                              <a:dgm id="{31776B8A-E41B-4F8D-A24A-F0A9776B2E33}"/>
+                                            </p:graphicEl>
+                                          </p:spTgt>
+                                        </p:tgtEl>
+                                      </p:cBhvr>
+                                    </p:animEffect>
+                                    <p:anim calcmode="lin" valueType="num">
+                                      <p:cBhvr>
+                                        <p:cTn id="29" dur="1000" fill="hold"/>
+                                        <p:tgtEl>
+                                          <p:spTgt spid="2">
+                                            <p:graphicEl>
+                                              <a:dgm id="{31776B8A-E41B-4F8D-A24A-F0A9776B2E33}"/>
+                                            </p:graphicEl>
+                                          </p:spTgt>
+                                        </p:tgtEl>
+                                        <p:attrNameLst>
+                                          <p:attrName>ppt_x</p:attrName>
+                                        </p:attrNameLst>
+                                      </p:cBhvr>
+                                      <p:tavLst>
+                                        <p:tav tm="0">
+                                          <p:val>
+                                            <p:strVal val="#ppt_x"/>
+                                          </p:val>
+                                        </p:tav>
+                                        <p:tav tm="100000">
+                                          <p:val>
+                                            <p:strVal val="#ppt_x"/>
+                                          </p:val>
+                                        </p:tav>
+                                      </p:tavLst>
+                                    </p:anim>
+                                    <p:anim calcmode="lin" valueType="num">
+                                      <p:cBhvr>
+                                        <p:cTn id="30" dur="1000" fill="hold"/>
+                                        <p:tgtEl>
+                                          <p:spTgt spid="2">
+                                            <p:graphicEl>
+                                              <a:dgm id="{31776B8A-E41B-4F8D-A24A-F0A9776B2E33}"/>
+                                            </p:graphicEl>
+                                          </p:spTgt>
+                                        </p:tgtEl>
+                                        <p:attrNameLst>
+                                          <p:attrName>ppt_y</p:attrName>
+                                        </p:attrNameLst>
+                                      </p:cBhvr>
+                                      <p:tavLst>
+                                        <p:tav tm="0">
+                                          <p:val>
+                                            <p:strVal val="#ppt_y+.1"/>
+                                          </p:val>
+                                        </p:tav>
+                                        <p:tav tm="100000">
+                                          <p:val>
+                                            <p:strVal val="#ppt_y"/>
+                                          </p:val>
+                                        </p:tav>
+                                      </p:tavLst>
+                                    </p:anim>
+                                  </p:childTnLst>
+                                </p:cTn>
+                              </p:par>
+                            </p:childTnLst>
+                          </p:cTn>
+                        </p:par>
+                      </p:childTnLst>
+                    </p:cTn>
+                  </p:par>
+                  <p:par>
+                    <p:cTn id="31" fill="hold">
+                      <p:stCondLst>
+                        <p:cond delay="indefinite"/>
+                      </p:stCondLst>
+                      <p:childTnLst>
+                        <p:par>
+                          <p:cTn id="32" fill="hold">
+                            <p:stCondLst>
+                              <p:cond delay="0"/>
+                            </p:stCondLst>
+                            <p:childTnLst>
+                              <p:par>
+                                <p:cTn id="33" presetID="42" presetClass="entr" presetSubtype="0" fill="hold" grpId="0" nodeType="clickEffect">
+                                  <p:stCondLst>
+                                    <p:cond delay="0"/>
+                                  </p:stCondLst>
+                                  <p:childTnLst>
+                                    <p:set>
+                                      <p:cBhvr>
+                                        <p:cTn id="34" dur="1" fill="hold">
+                                          <p:stCondLst>
+                                            <p:cond delay="0"/>
+                                          </p:stCondLst>
+                                        </p:cTn>
+                                        <p:tgtEl>
+                                          <p:spTgt spid="2">
+                                            <p:graphicEl>
+                                              <a:dgm id="{BC0DE435-C6C0-47AC-88D1-F82424019172}"/>
+                                            </p:graphicEl>
+                                          </p:spTgt>
+                                        </p:tgtEl>
+                                        <p:attrNameLst>
+                                          <p:attrName>style.visibility</p:attrName>
+                                        </p:attrNameLst>
+                                      </p:cBhvr>
+                                      <p:to>
+                                        <p:strVal val="visible"/>
+                                      </p:to>
+                                    </p:set>
+                                    <p:animEffect transition="in" filter="fade">
+                                      <p:cBhvr>
+                                        <p:cTn id="35" dur="1000"/>
+                                        <p:tgtEl>
+                                          <p:spTgt spid="2">
+                                            <p:graphicEl>
+                                              <a:dgm id="{BC0DE435-C6C0-47AC-88D1-F82424019172}"/>
+                                            </p:graphicEl>
+                                          </p:spTgt>
+                                        </p:tgtEl>
+                                      </p:cBhvr>
+                                    </p:animEffect>
+                                    <p:anim calcmode="lin" valueType="num">
+                                      <p:cBhvr>
+                                        <p:cTn id="36" dur="1000" fill="hold"/>
+                                        <p:tgtEl>
+                                          <p:spTgt spid="2">
+                                            <p:graphicEl>
+                                              <a:dgm id="{BC0DE435-C6C0-47AC-88D1-F82424019172}"/>
+                                            </p:graphicEl>
+                                          </p:spTgt>
+                                        </p:tgtEl>
+                                        <p:attrNameLst>
+                                          <p:attrName>ppt_x</p:attrName>
+                                        </p:attrNameLst>
+                                      </p:cBhvr>
+                                      <p:tavLst>
+                                        <p:tav tm="0">
+                                          <p:val>
+                                            <p:strVal val="#ppt_x"/>
+                                          </p:val>
+                                        </p:tav>
+                                        <p:tav tm="100000">
+                                          <p:val>
+                                            <p:strVal val="#ppt_x"/>
+                                          </p:val>
+                                        </p:tav>
+                                      </p:tavLst>
+                                    </p:anim>
+                                    <p:anim calcmode="lin" valueType="num">
+                                      <p:cBhvr>
+                                        <p:cTn id="37" dur="1000" fill="hold"/>
+                                        <p:tgtEl>
+                                          <p:spTgt spid="2">
+                                            <p:graphicEl>
+                                              <a:dgm id="{BC0DE435-C6C0-47AC-88D1-F82424019172}"/>
+                                            </p:graphicEl>
+                                          </p:spTgt>
+                                        </p:tgtEl>
+                                        <p:attrNameLst>
+                                          <p:attrName>ppt_y</p:attrName>
+                                        </p:attrNameLst>
+                                      </p:cBhvr>
+                                      <p:tavLst>
+                                        <p:tav tm="0">
+                                          <p:val>
+                                            <p:strVal val="#ppt_y+.1"/>
+                                          </p:val>
+                                        </p:tav>
+                                        <p:tav tm="100000">
+                                          <p:val>
+                                            <p:strVal val="#ppt_y"/>
+                                          </p:val>
+                                        </p:tav>
+                                      </p:tavLst>
+                                    </p:anim>
+                                  </p:childTnLst>
+                                </p:cTn>
+                              </p:par>
+                            </p:childTnLst>
+                          </p:cTn>
+                        </p:par>
+                      </p:childTnLst>
+                    </p:cTn>
+                  </p:par>
+                </p:childTnLst>
+              </p:cTn>
+              <p:prevCondLst>
+                <p:cond evt="onPrev" delay="0">
+                  <p:tgtEl>
+                    <p:sldTgt/>
+                  </p:tgtEl>
+                </p:cond>
+              </p:prevCondLst>
+              <p:nextCondLst>
+                <p:cond evt="onNext" delay="0">
+                  <p:tgtEl>
+                    <p:sldTgt/>
+                  </p:tgtEl>
+                </p:cond>
+              </p:nextCondLst>
+            </p:seq>
+          </p:childTnLst>
+        </p:cTn>
+      </p:par>
+    </p:tnLst>
+    <p:bldLst>
+      <p:bldGraphic spid="2" grpId="0" uiExpand="1">
+        <p:bldSub>
+          <a:bldDgm bld="one"/>
+        </p:bldSub>
+      </p:bldGraphic>
+    </p:bldLst>
+  </p:timing>
+</p:sld>
+</file>
+
+<file path=ppt/slides/slide6.xml><?xml version="1.0" encoding="utf-8"?>
+<p:sld xmlns:a="http://schemas.openxmlformats.org/drawingml/2006/main" xmlns:r="http://schemas.openxmlformats.org/officeDocument/2006/relationships" xmlns:p="http://schemas.openxmlformats.org/presentationml/2006/main">
+  <p:cSld>
+    <p:spTree>
+      <p:nvGrpSpPr>
+        <p:cNvPr id="1" name=""/>
+        <p:cNvGrpSpPr/>
+        <p:nvPr/>
+      </p:nvGrpSpPr>
+      <p:grpSpPr>
+        <a:xfrm>
+          <a:off x="0" y="0"/>
+          <a:ext cx="0" cy="0"/>
+          <a:chOff x="0" y="0"/>
+          <a:chExt cx="0" cy="0"/>
+        </a:xfrm>
+      </p:grpSpPr>
+      <p:sp>
+        <p:nvSpPr>
+          <p:cNvPr id="4" name="Заголовок 3">
+            <a:extLst>
+              <a:ext uri="{FF2B5EF4-FFF2-40B4-BE49-F238E27FC236}">
+                <a16:creationId xmlns:a16="http://schemas.microsoft.com/office/drawing/2014/main" id="{56B210DD-3C70-4225-BAC0-26F0709D6072}"/>
+              </a:ext>
+            </a:extLst>
+          </p:cNvPr>
+          <p:cNvSpPr>
+            <a:spLocks noGrp="1"/>
+          </p:cNvSpPr>
+          <p:nvPr>
+            <p:ph type="title"/>
+          </p:nvPr>
+        </p:nvSpPr>
+        <p:spPr/>
+        <p:txBody>
+          <a:bodyPr>
+            <a:normAutofit/>
+          </a:bodyPr>
+          <a:lstStyle/>
+          <a:p>
+            <a:r>
+              <a:rPr lang="ru-RU" b="1" dirty="0"/>
+              <a:t>Принцип инверсии зависимостей</a:t>
+            </a:r>
+            <a:br>
+              <a:rPr lang="en-US" b="1" dirty="0"/>
+            </a:br>
+            <a:r>
+              <a:rPr lang="en-US" sz="3200" i="1" dirty="0"/>
+              <a:t>The Dependency Inversion Principle</a:t>
+            </a:r>
+            <a:endParaRPr lang="en-US" dirty="0"/>
+          </a:p>
+        </p:txBody>
+      </p:sp>
+      <p:sp>
+        <p:nvSpPr>
+          <p:cNvPr id="3" name="TextBox 2">
+            <a:extLst>
+              <a:ext uri="{FF2B5EF4-FFF2-40B4-BE49-F238E27FC236}">
+                <a16:creationId xmlns:a16="http://schemas.microsoft.com/office/drawing/2014/main" id="{E2033C19-F6E3-4D93-9DFB-30667C14D781}"/>
+              </a:ext>
+            </a:extLst>
+          </p:cNvPr>
+          <p:cNvSpPr txBox="1"/>
+          <p:nvPr/>
+        </p:nvSpPr>
+        <p:spPr>
+          <a:xfrm>
+            <a:off x="576263" y="2233613"/>
+            <a:ext cx="9836982" cy="523220"/>
+          </a:xfrm>
+          <a:prstGeom prst="rect">
+            <a:avLst/>
+          </a:prstGeom>
+          <a:noFill/>
+        </p:spPr>
+        <p:txBody>
+          <a:bodyPr wrap="square" rtlCol="0">
+            <a:spAutoFit/>
+          </a:bodyPr>
+          <a:lstStyle/>
+          <a:p>
+            <a:r>
+              <a:rPr lang="ru-RU" sz="2800" dirty="0">
+                <a:solidFill>
+                  <a:srgbClr val="FFFF00"/>
+                </a:solidFill>
+              </a:rPr>
+              <a:t>Терминология</a:t>
+            </a:r>
+          </a:p>
+        </p:txBody>
+      </p:sp>
+      <p:graphicFrame>
+        <p:nvGraphicFramePr>
+          <p:cNvPr id="2" name="Схема 1">
+            <a:extLst>
+              <a:ext uri="{FF2B5EF4-FFF2-40B4-BE49-F238E27FC236}">
+                <a16:creationId xmlns:a16="http://schemas.microsoft.com/office/drawing/2014/main" id="{4E73190F-3B80-4AE7-BD52-2EC867829156}"/>
+              </a:ext>
+            </a:extLst>
+          </p:cNvPr>
+          <p:cNvGraphicFramePr/>
+          <p:nvPr>
+            <p:extLst>
+              <p:ext uri="{D42A27DB-BD31-4B8C-83A1-F6EECF244321}">
+                <p14:modId xmlns:p14="http://schemas.microsoft.com/office/powerpoint/2010/main" val="3496383006"/>
+              </p:ext>
+            </p:extLst>
+          </p:nvPr>
+        </p:nvGraphicFramePr>
+        <p:xfrm>
+          <a:off x="680321" y="2909864"/>
+          <a:ext cx="9684379" cy="3486432"/>
+        </p:xfrm>
+        <a:graphic>
+          <a:graphicData uri="http://schemas.openxmlformats.org/drawingml/2006/diagram">
+            <dgm:relIds xmlns:dgm="http://schemas.openxmlformats.org/drawingml/2006/diagram" xmlns:r="http://schemas.openxmlformats.org/officeDocument/2006/relationships" r:dm="rId2" r:lo="rId3" r:qs="rId4" r:cs="rId5"/>
+          </a:graphicData>
+        </a:graphic>
+      </p:graphicFrame>
+    </p:spTree>
+    <p:extLst>
+      <p:ext uri="{BB962C8B-B14F-4D97-AF65-F5344CB8AC3E}">
+        <p14:creationId xmlns:p14="http://schemas.microsoft.com/office/powerpoint/2010/main" val="244033693"/>
+      </p:ext>
+    </p:extLst>
+  </p:cSld>
+  <p:clrMapOvr>
+    <a:masterClrMapping/>
+  </p:clrMapOvr>
+  <p:transition spd="slow">
+    <p:cover/>
+  </p:transition>
+  <p:timing>
+    <p:tnLst>
+      <p:par>
+        <p:cTn id="1" dur="indefinite" restart="never" nodeType="tmRoot">
+          <p:childTnLst>
+            <p:seq concurrent="1" nextAc="seek">
+              <p:cTn id="2" dur="indefinite" nodeType="mainSeq">
+                <p:childTnLst>
+                  <p:par>
+                    <p:cTn id="3" fill="hold">
+                      <p:stCondLst>
+                        <p:cond delay="indefinite"/>
+                      </p:stCondLst>
+                      <p:childTnLst>
+                        <p:par>
+                          <p:cTn id="4" fill="hold">
+                            <p:stCondLst>
+                              <p:cond delay="0"/>
+                            </p:stCondLst>
+                            <p:childTnLst>
+                              <p:par>
+                                <p:cTn id="5" presetID="2" presetClass="exit" presetSubtype="8" fill="hold" grpId="0" nodeType="clickEffect">
+                                  <p:stCondLst>
+                                    <p:cond delay="0"/>
+                                  </p:stCondLst>
+                                  <p:childTnLst>
+                                    <p:anim calcmode="lin" valueType="num">
+                                      <p:cBhvr additive="base">
+                                        <p:cTn id="6" dur="500"/>
+                                        <p:tgtEl>
+                                          <p:spTgt spid="2">
+                                            <p:graphicEl>
+                                              <a:dgm id="{0D69B84B-0BCB-42FA-AA49-82DF78468043}"/>
+                                            </p:graphicEl>
+                                          </p:spTgt>
+                                        </p:tgtEl>
+                                        <p:attrNameLst>
+                                          <p:attrName>ppt_x</p:attrName>
+                                        </p:attrNameLst>
+                                      </p:cBhvr>
+                                      <p:tavLst>
+                                        <p:tav tm="0">
+                                          <p:val>
+                                            <p:strVal val="ppt_x"/>
+                                          </p:val>
+                                        </p:tav>
+                                        <p:tav tm="100000">
+                                          <p:val>
+                                            <p:strVal val="0-ppt_w/2"/>
+                                          </p:val>
+                                        </p:tav>
+                                      </p:tavLst>
+                                    </p:anim>
+                                    <p:anim calcmode="lin" valueType="num">
+                                      <p:cBhvr additive="base">
+                                        <p:cTn id="7" dur="500"/>
+                                        <p:tgtEl>
+                                          <p:spTgt spid="2">
+                                            <p:graphicEl>
+                                              <a:dgm id="{0D69B84B-0BCB-42FA-AA49-82DF78468043}"/>
+                                            </p:graphicEl>
+                                          </p:spTgt>
+                                        </p:tgtEl>
+                                        <p:attrNameLst>
+                                          <p:attrName>ppt_y</p:attrName>
+                                        </p:attrNameLst>
+                                      </p:cBhvr>
+                                      <p:tavLst>
+                                        <p:tav tm="0">
+                                          <p:val>
+                                            <p:strVal val="ppt_y"/>
+                                          </p:val>
+                                        </p:tav>
+                                        <p:tav tm="100000">
+                                          <p:val>
+                                            <p:strVal val="ppt_y"/>
+                                          </p:val>
+                                        </p:tav>
+                                      </p:tavLst>
+                                    </p:anim>
+                                    <p:set>
+                                      <p:cBhvr>
+                                        <p:cTn id="8" dur="1" fill="hold">
+                                          <p:stCondLst>
+                                            <p:cond delay="499"/>
+                                          </p:stCondLst>
+                                        </p:cTn>
+                                        <p:tgtEl>
+                                          <p:spTgt spid="2">
+                                            <p:graphicEl>
+                                              <a:dgm id="{0D69B84B-0BCB-42FA-AA49-82DF78468043}"/>
+                                            </p:graphicEl>
+                                          </p:spTgt>
+                                        </p:tgtEl>
+                                        <p:attrNameLst>
+                                          <p:attrName>style.visibility</p:attrName>
+                                        </p:attrNameLst>
+                                      </p:cBhvr>
+                                      <p:to>
+                                        <p:strVal val="hidden"/>
+                                      </p:to>
+                                    </p:set>
+                                  </p:childTnLst>
+                                </p:cTn>
+                              </p:par>
+                            </p:childTnLst>
+                          </p:cTn>
+                        </p:par>
+                      </p:childTnLst>
+                    </p:cTn>
+                  </p:par>
+                  <p:par>
+                    <p:cTn id="9" fill="hold">
+                      <p:stCondLst>
+                        <p:cond delay="indefinite"/>
+                      </p:stCondLst>
+                      <p:childTnLst>
+                        <p:par>
+                          <p:cTn id="10" fill="hold">
+                            <p:stCondLst>
+                              <p:cond delay="0"/>
+                            </p:stCondLst>
+                            <p:childTnLst>
+                              <p:par>
+                                <p:cTn id="11" presetID="2" presetClass="exit" presetSubtype="8" fill="hold" grpId="0" nodeType="clickEffect">
+                                  <p:stCondLst>
+                                    <p:cond delay="0"/>
+                                  </p:stCondLst>
+                                  <p:childTnLst>
+                                    <p:anim calcmode="lin" valueType="num">
+                                      <p:cBhvr additive="base">
+                                        <p:cTn id="12" dur="500"/>
+                                        <p:tgtEl>
+                                          <p:spTgt spid="2">
+                                            <p:graphicEl>
+                                              <a:dgm id="{45063D52-0E9C-4713-9842-D389F48146DD}"/>
+                                            </p:graphicEl>
+                                          </p:spTgt>
+                                        </p:tgtEl>
+                                        <p:attrNameLst>
+                                          <p:attrName>ppt_x</p:attrName>
+                                        </p:attrNameLst>
+                                      </p:cBhvr>
+                                      <p:tavLst>
+                                        <p:tav tm="0">
+                                          <p:val>
+                                            <p:strVal val="ppt_x"/>
+                                          </p:val>
+                                        </p:tav>
+                                        <p:tav tm="100000">
+                                          <p:val>
+                                            <p:strVal val="0-ppt_w/2"/>
+                                          </p:val>
+                                        </p:tav>
+                                      </p:tavLst>
+                                    </p:anim>
+                                    <p:anim calcmode="lin" valueType="num">
+                                      <p:cBhvr additive="base">
+                                        <p:cTn id="13" dur="500"/>
+                                        <p:tgtEl>
+                                          <p:spTgt spid="2">
+                                            <p:graphicEl>
+                                              <a:dgm id="{45063D52-0E9C-4713-9842-D389F48146DD}"/>
+                                            </p:graphicEl>
+                                          </p:spTgt>
+                                        </p:tgtEl>
+                                        <p:attrNameLst>
+                                          <p:attrName>ppt_y</p:attrName>
+                                        </p:attrNameLst>
+                                      </p:cBhvr>
+                                      <p:tavLst>
+                                        <p:tav tm="0">
+                                          <p:val>
+                                            <p:strVal val="ppt_y"/>
+                                          </p:val>
+                                        </p:tav>
+                                        <p:tav tm="100000">
+                                          <p:val>
+                                            <p:strVal val="ppt_y"/>
+                                          </p:val>
+                                        </p:tav>
+                                      </p:tavLst>
+                                    </p:anim>
+                                    <p:set>
+                                      <p:cBhvr>
+                                        <p:cTn id="14" dur="1" fill="hold">
+                                          <p:stCondLst>
+                                            <p:cond delay="499"/>
+                                          </p:stCondLst>
+                                        </p:cTn>
+                                        <p:tgtEl>
+                                          <p:spTgt spid="2">
+                                            <p:graphicEl>
+                                              <a:dgm id="{45063D52-0E9C-4713-9842-D389F48146DD}"/>
+                                            </p:graphicEl>
+                                          </p:spTgt>
+                                        </p:tgtEl>
+                                        <p:attrNameLst>
+                                          <p:attrName>style.visibility</p:attrName>
+                                        </p:attrNameLst>
+                                      </p:cBhvr>
+                                      <p:to>
+                                        <p:strVal val="hidden"/>
+                                      </p:to>
+                                    </p:set>
+                                  </p:childTnLst>
+                                </p:cTn>
+                              </p:par>
+                            </p:childTnLst>
+                          </p:cTn>
+                        </p:par>
+                      </p:childTnLst>
+                    </p:cTn>
+                  </p:par>
+                  <p:par>
+                    <p:cTn id="15" fill="hold">
+                      <p:stCondLst>
+                        <p:cond delay="indefinite"/>
+                      </p:stCondLst>
+                      <p:childTnLst>
+                        <p:par>
+                          <p:cTn id="16" fill="hold">
+                            <p:stCondLst>
+                              <p:cond delay="0"/>
+                            </p:stCondLst>
+                            <p:childTnLst>
+                              <p:par>
+                                <p:cTn id="17" presetID="2" presetClass="exit" presetSubtype="8" fill="hold" grpId="0" nodeType="clickEffect">
+                                  <p:stCondLst>
+                                    <p:cond delay="0"/>
+                                  </p:stCondLst>
+                                  <p:childTnLst>
+                                    <p:anim calcmode="lin" valueType="num">
+                                      <p:cBhvr additive="base">
+                                        <p:cTn id="18" dur="500"/>
+                                        <p:tgtEl>
+                                          <p:spTgt spid="2">
+                                            <p:graphicEl>
+                                              <a:dgm id="{4DCB104C-D9D7-48C8-B947-6741FDF12B10}"/>
+                                            </p:graphicEl>
+                                          </p:spTgt>
+                                        </p:tgtEl>
+                                        <p:attrNameLst>
+                                          <p:attrName>ppt_x</p:attrName>
+                                        </p:attrNameLst>
+                                      </p:cBhvr>
+                                      <p:tavLst>
+                                        <p:tav tm="0">
+                                          <p:val>
+                                            <p:strVal val="ppt_x"/>
+                                          </p:val>
+                                        </p:tav>
+                                        <p:tav tm="100000">
+                                          <p:val>
+                                            <p:strVal val="0-ppt_w/2"/>
+                                          </p:val>
+                                        </p:tav>
+                                      </p:tavLst>
+                                    </p:anim>
+                                    <p:anim calcmode="lin" valueType="num">
+                                      <p:cBhvr additive="base">
+                                        <p:cTn id="19" dur="500"/>
+                                        <p:tgtEl>
+                                          <p:spTgt spid="2">
+                                            <p:graphicEl>
+                                              <a:dgm id="{4DCB104C-D9D7-48C8-B947-6741FDF12B10}"/>
+                                            </p:graphicEl>
+                                          </p:spTgt>
+                                        </p:tgtEl>
+                                        <p:attrNameLst>
+                                          <p:attrName>ppt_y</p:attrName>
+                                        </p:attrNameLst>
+                                      </p:cBhvr>
+                                      <p:tavLst>
+                                        <p:tav tm="0">
+                                          <p:val>
+                                            <p:strVal val="ppt_y"/>
+                                          </p:val>
+                                        </p:tav>
+                                        <p:tav tm="100000">
+                                          <p:val>
+                                            <p:strVal val="ppt_y"/>
+                                          </p:val>
+                                        </p:tav>
+                                      </p:tavLst>
+                                    </p:anim>
+                                    <p:set>
+                                      <p:cBhvr>
+                                        <p:cTn id="20" dur="1" fill="hold">
+                                          <p:stCondLst>
+                                            <p:cond delay="499"/>
+                                          </p:stCondLst>
+                                        </p:cTn>
+                                        <p:tgtEl>
+                                          <p:spTgt spid="2">
+                                            <p:graphicEl>
+                                              <a:dgm id="{4DCB104C-D9D7-48C8-B947-6741FDF12B10}"/>
+                                            </p:graphicEl>
+                                          </p:spTgt>
+                                        </p:tgtEl>
+                                        <p:attrNameLst>
+                                          <p:attrName>style.visibility</p:attrName>
+                                        </p:attrNameLst>
+                                      </p:cBhvr>
+                                      <p:to>
+                                        <p:strVal val="hidden"/>
+                                      </p:to>
+                                    </p:set>
+                                  </p:childTnLst>
+                                </p:cTn>
+                              </p:par>
+                            </p:childTnLst>
+                          </p:cTn>
+                        </p:par>
+                      </p:childTnLst>
+                    </p:cTn>
+                  </p:par>
+                  <p:par>
+                    <p:cTn id="21" fill="hold">
+                      <p:stCondLst>
+                        <p:cond delay="indefinite"/>
+                      </p:stCondLst>
+                      <p:childTnLst>
+                        <p:par>
+                          <p:cTn id="22" fill="hold">
+                            <p:stCondLst>
+                              <p:cond delay="0"/>
+                            </p:stCondLst>
+                            <p:childTnLst>
+                              <p:par>
+                                <p:cTn id="23" presetID="2" presetClass="exit" presetSubtype="8" fill="hold" grpId="0" nodeType="clickEffect">
+                                  <p:stCondLst>
+                                    <p:cond delay="0"/>
+                                  </p:stCondLst>
+                                  <p:childTnLst>
+                                    <p:anim calcmode="lin" valueType="num">
+                                      <p:cBhvr additive="base">
+                                        <p:cTn id="24" dur="500"/>
+                                        <p:tgtEl>
+                                          <p:spTgt spid="2">
+                                            <p:graphicEl>
+                                              <a:dgm id="{31776B8A-E41B-4F8D-A24A-F0A9776B2E33}"/>
+                                            </p:graphicEl>
+                                          </p:spTgt>
+                                        </p:tgtEl>
+                                        <p:attrNameLst>
+                                          <p:attrName>ppt_x</p:attrName>
+                                        </p:attrNameLst>
+                                      </p:cBhvr>
+                                      <p:tavLst>
+                                        <p:tav tm="0">
+                                          <p:val>
+                                            <p:strVal val="ppt_x"/>
+                                          </p:val>
+                                        </p:tav>
+                                        <p:tav tm="100000">
+                                          <p:val>
+                                            <p:strVal val="0-ppt_w/2"/>
+                                          </p:val>
+                                        </p:tav>
+                                      </p:tavLst>
+                                    </p:anim>
+                                    <p:anim calcmode="lin" valueType="num">
+                                      <p:cBhvr additive="base">
+                                        <p:cTn id="25" dur="500"/>
+                                        <p:tgtEl>
+                                          <p:spTgt spid="2">
+                                            <p:graphicEl>
+                                              <a:dgm id="{31776B8A-E41B-4F8D-A24A-F0A9776B2E33}"/>
+                                            </p:graphicEl>
+                                          </p:spTgt>
+                                        </p:tgtEl>
+                                        <p:attrNameLst>
+                                          <p:attrName>ppt_y</p:attrName>
+                                        </p:attrNameLst>
+                                      </p:cBhvr>
+                                      <p:tavLst>
+                                        <p:tav tm="0">
+                                          <p:val>
+                                            <p:strVal val="ppt_y"/>
+                                          </p:val>
+                                        </p:tav>
+                                        <p:tav tm="100000">
+                                          <p:val>
+                                            <p:strVal val="ppt_y"/>
+                                          </p:val>
+                                        </p:tav>
+                                      </p:tavLst>
+                                    </p:anim>
+                                    <p:set>
+                                      <p:cBhvr>
+                                        <p:cTn id="26" dur="1" fill="hold">
+                                          <p:stCondLst>
+                                            <p:cond delay="499"/>
+                                          </p:stCondLst>
+                                        </p:cTn>
+                                        <p:tgtEl>
+                                          <p:spTgt spid="2">
+                                            <p:graphicEl>
+                                              <a:dgm id="{31776B8A-E41B-4F8D-A24A-F0A9776B2E33}"/>
+                                            </p:graphicEl>
+                                          </p:spTgt>
+                                        </p:tgtEl>
+                                        <p:attrNameLst>
+                                          <p:attrName>style.visibility</p:attrName>
+                                        </p:attrNameLst>
+                                      </p:cBhvr>
+                                      <p:to>
+                                        <p:strVal val="hidden"/>
+                                      </p:to>
+                                    </p:set>
+                                  </p:childTnLst>
+                                </p:cTn>
+                              </p:par>
+                            </p:childTnLst>
+                          </p:cTn>
+                        </p:par>
+                      </p:childTnLst>
+                    </p:cTn>
+                  </p:par>
+                  <p:par>
+                    <p:cTn id="27" fill="hold">
+                      <p:stCondLst>
+                        <p:cond delay="indefinite"/>
+                      </p:stCondLst>
+                      <p:childTnLst>
+                        <p:par>
+                          <p:cTn id="28" fill="hold">
+                            <p:stCondLst>
+                              <p:cond delay="0"/>
+                            </p:stCondLst>
+                            <p:childTnLst>
+                              <p:par>
+                                <p:cTn id="29" presetID="2" presetClass="exit" presetSubtype="8" fill="hold" grpId="0" nodeType="clickEffect">
+                                  <p:stCondLst>
+                                    <p:cond delay="0"/>
+                                  </p:stCondLst>
+                                  <p:childTnLst>
+                                    <p:anim calcmode="lin" valueType="num">
+                                      <p:cBhvr additive="base">
+                                        <p:cTn id="30" dur="500"/>
+                                        <p:tgtEl>
+                                          <p:spTgt spid="2">
+                                            <p:graphicEl>
+                                              <a:dgm id="{BC0DE435-C6C0-47AC-88D1-F82424019172}"/>
+                                            </p:graphicEl>
+                                          </p:spTgt>
+                                        </p:tgtEl>
+                                        <p:attrNameLst>
+                                          <p:attrName>ppt_x</p:attrName>
+                                        </p:attrNameLst>
+                                      </p:cBhvr>
+                                      <p:tavLst>
+                                        <p:tav tm="0">
+                                          <p:val>
+                                            <p:strVal val="ppt_x"/>
+                                          </p:val>
+                                        </p:tav>
+                                        <p:tav tm="100000">
+                                          <p:val>
+                                            <p:strVal val="0-ppt_w/2"/>
+                                          </p:val>
+                                        </p:tav>
+                                      </p:tavLst>
+                                    </p:anim>
+                                    <p:anim calcmode="lin" valueType="num">
+                                      <p:cBhvr additive="base">
+                                        <p:cTn id="31" dur="500"/>
+                                        <p:tgtEl>
+                                          <p:spTgt spid="2">
+                                            <p:graphicEl>
+                                              <a:dgm id="{BC0DE435-C6C0-47AC-88D1-F82424019172}"/>
+                                            </p:graphicEl>
+                                          </p:spTgt>
+                                        </p:tgtEl>
+                                        <p:attrNameLst>
+                                          <p:attrName>ppt_y</p:attrName>
+                                        </p:attrNameLst>
+                                      </p:cBhvr>
+                                      <p:tavLst>
+                                        <p:tav tm="0">
+                                          <p:val>
+                                            <p:strVal val="ppt_y"/>
+                                          </p:val>
+                                        </p:tav>
+                                        <p:tav tm="100000">
+                                          <p:val>
+                                            <p:strVal val="ppt_y"/>
+                                          </p:val>
+                                        </p:tav>
+                                      </p:tavLst>
+                                    </p:anim>
+                                    <p:set>
+                                      <p:cBhvr>
+                                        <p:cTn id="32" dur="1" fill="hold">
+                                          <p:stCondLst>
+                                            <p:cond delay="499"/>
+                                          </p:stCondLst>
+                                        </p:cTn>
+                                        <p:tgtEl>
+                                          <p:spTgt spid="2">
+                                            <p:graphicEl>
+                                              <a:dgm id="{BC0DE435-C6C0-47AC-88D1-F82424019172}"/>
+                                            </p:graphicEl>
+                                          </p:spTgt>
+                                        </p:tgtEl>
+                                        <p:attrNameLst>
+                                          <p:attrName>style.visibility</p:attrName>
+                                        </p:attrNameLst>
+                                      </p:cBhvr>
+                                      <p:to>
+                                        <p:strVal val="hidden"/>
+                                      </p:to>
+                                    </p:set>
+                                  </p:childTnLst>
+                                </p:cTn>
+                              </p:par>
+                            </p:childTnLst>
+                          </p:cTn>
+                        </p:par>
+                      </p:childTnLst>
+                    </p:cTn>
+                  </p:par>
+                </p:childTnLst>
+              </p:cTn>
+              <p:prevCondLst>
+                <p:cond evt="onPrev" delay="0">
+                  <p:tgtEl>
+                    <p:sldTgt/>
+                  </p:tgtEl>
+                </p:cond>
+              </p:prevCondLst>
+              <p:nextCondLst>
+                <p:cond evt="onNext" delay="0">
+                  <p:tgtEl>
+                    <p:sldTgt/>
+                  </p:tgtEl>
+                </p:cond>
+              </p:nextCondLst>
+            </p:seq>
+          </p:childTnLst>
+        </p:cTn>
+      </p:par>
+    </p:tnLst>
+    <p:bldLst>
+      <p:bldGraphic spid="2" grpId="0">
+        <p:bldSub>
+          <a:bldDgm bld="one"/>
+        </p:bldSub>
+      </p:bldGraphic>
+    </p:bldLst>
+  </p:timing>
+</p:sld>
+</file>
+
+<file path=ppt/slides/slide7.xml><?xml version="1.0" encoding="utf-8"?>
+<p:sld xmlns:a="http://schemas.openxmlformats.org/drawingml/2006/main" xmlns:r="http://schemas.openxmlformats.org/officeDocument/2006/relationships" xmlns:p="http://schemas.openxmlformats.org/presentationml/2006/main">
+  <p:cSld>
+    <p:spTree>
+      <p:nvGrpSpPr>
+        <p:cNvPr id="1" name=""/>
+        <p:cNvGrpSpPr/>
+        <p:nvPr/>
+      </p:nvGrpSpPr>
+      <p:grpSpPr>
+        <a:xfrm>
+          <a:off x="0" y="0"/>
+          <a:ext cx="0" cy="0"/>
+          <a:chOff x="0" y="0"/>
+          <a:chExt cx="0" cy="0"/>
+        </a:xfrm>
+      </p:grpSpPr>
+      <p:sp>
+        <p:nvSpPr>
+          <p:cNvPr id="4" name="Заголовок 3">
+            <a:extLst>
+              <a:ext uri="{FF2B5EF4-FFF2-40B4-BE49-F238E27FC236}">
+                <a16:creationId xmlns:a16="http://schemas.microsoft.com/office/drawing/2014/main" id="{56B210DD-3C70-4225-BAC0-26F0709D6072}"/>
+              </a:ext>
+            </a:extLst>
+          </p:cNvPr>
+          <p:cNvSpPr>
+            <a:spLocks noGrp="1"/>
+          </p:cNvSpPr>
+          <p:nvPr>
+            <p:ph type="title"/>
+          </p:nvPr>
+        </p:nvSpPr>
+        <p:spPr/>
+        <p:txBody>
+          <a:bodyPr>
+            <a:normAutofit/>
+          </a:bodyPr>
+          <a:lstStyle/>
+          <a:p>
+            <a:r>
+              <a:rPr lang="ru-RU" b="1" dirty="0"/>
+              <a:t>Принцип инверсии зависимостей</a:t>
+            </a:r>
+            <a:br>
+              <a:rPr lang="en-US" b="1" dirty="0"/>
+            </a:br>
+            <a:r>
+              <a:rPr lang="en-US" sz="3200" i="1" dirty="0"/>
+              <a:t>The Dependency Inversion Principle</a:t>
+            </a:r>
+            <a:endParaRPr lang="en-US" dirty="0"/>
+          </a:p>
+        </p:txBody>
+      </p:sp>
+      <p:grpSp>
+        <p:nvGrpSpPr>
+          <p:cNvPr id="5" name="Группа 4">
+            <a:extLst>
+              <a:ext uri="{FF2B5EF4-FFF2-40B4-BE49-F238E27FC236}">
+                <a16:creationId xmlns:a16="http://schemas.microsoft.com/office/drawing/2014/main" id="{05ED8039-7367-4190-9EB3-3D7DE51AC3EC}"/>
+              </a:ext>
+            </a:extLst>
+          </p:cNvPr>
+          <p:cNvGrpSpPr/>
+          <p:nvPr/>
+        </p:nvGrpSpPr>
+        <p:grpSpPr>
+          <a:xfrm>
+            <a:off x="504838" y="2164677"/>
+            <a:ext cx="2681173" cy="1608703"/>
+            <a:chOff x="552312" y="453"/>
+            <a:chExt cx="2681173" cy="1608703"/>
+          </a:xfrm>
+        </p:grpSpPr>
+        <p:sp>
+          <p:nvSpPr>
+            <p:cNvPr id="6" name="Прямоугольник 5">
+              <a:extLst>
+                <a:ext uri="{FF2B5EF4-FFF2-40B4-BE49-F238E27FC236}">
+                  <a16:creationId xmlns:a16="http://schemas.microsoft.com/office/drawing/2014/main" id="{03CECA10-7456-4119-A8FE-BC45BAF7A504}"/>
+                </a:ext>
+              </a:extLst>
+            </p:cNvPr>
+            <p:cNvSpPr/>
+            <p:nvPr/>
+          </p:nvSpPr>
+          <p:spPr>
+            <a:xfrm>
+              <a:off x="552312" y="453"/>
+              <a:ext cx="2681173" cy="1608703"/>
+            </a:xfrm>
+            <a:prstGeom prst="rect">
+              <a:avLst/>
+            </a:prstGeom>
+          </p:spPr>
+          <p:style>
+            <a:lnRef idx="2">
+              <a:schemeClr val="lt2">
+                <a:hueOff val="0"/>
+                <a:satOff val="0"/>
+                <a:lumOff val="0"/>
+                <a:alphaOff val="0"/>
+              </a:schemeClr>
+            </a:lnRef>
+            <a:fillRef idx="1">
+              <a:schemeClr val="dk2">
+                <a:hueOff val="0"/>
+                <a:satOff val="0"/>
+                <a:lumOff val="0"/>
+                <a:alphaOff val="0"/>
+              </a:schemeClr>
+            </a:fillRef>
+            <a:effectRef idx="0">
+              <a:schemeClr val="dk2">
+                <a:hueOff val="0"/>
+                <a:satOff val="0"/>
+                <a:lumOff val="0"/>
+                <a:alphaOff val="0"/>
+              </a:schemeClr>
+            </a:effectRef>
+            <a:fontRef idx="minor">
+              <a:schemeClr val="lt1"/>
+            </a:fontRef>
+          </p:style>
+        </p:sp>
+        <p:sp>
+          <p:nvSpPr>
+            <p:cNvPr id="7" name="TextBox 6">
+              <a:extLst>
+                <a:ext uri="{FF2B5EF4-FFF2-40B4-BE49-F238E27FC236}">
+                  <a16:creationId xmlns:a16="http://schemas.microsoft.com/office/drawing/2014/main" id="{9D63D8C8-01C2-44D0-97B7-56A0ECE34C69}"/>
+                </a:ext>
+              </a:extLst>
+            </p:cNvPr>
+            <p:cNvSpPr txBox="1"/>
+            <p:nvPr/>
+          </p:nvSpPr>
+          <p:spPr>
+            <a:xfrm>
+              <a:off x="552312" y="453"/>
+              <a:ext cx="2681173" cy="1608703"/>
+            </a:xfrm>
+            <a:prstGeom prst="rect">
+              <a:avLst/>
+            </a:prstGeom>
+          </p:spPr>
+          <p:style>
+            <a:lnRef idx="0">
+              <a:scrgbClr r="0" g="0" b="0"/>
+            </a:lnRef>
+            <a:fillRef idx="0">
+              <a:scrgbClr r="0" g="0" b="0"/>
+            </a:fillRef>
+            <a:effectRef idx="0">
+              <a:scrgbClr r="0" g="0" b="0"/>
+            </a:effectRef>
+            <a:fontRef idx="minor">
+              <a:schemeClr val="lt1"/>
+            </a:fontRef>
+          </p:style>
+          <p:txBody>
+            <a:bodyPr spcFirstLastPara="0" vert="horz" wrap="square" lIns="125730" tIns="125730" rIns="125730" bIns="125730" numCol="1" spcCol="1270" anchor="ctr" anchorCtr="0">
+              <a:noAutofit/>
+            </a:bodyPr>
+            <a:lstStyle/>
+            <a:p>
+              <a:pPr marL="0" lvl="0" indent="0" algn="ctr" defTabSz="1466850">
+                <a:lnSpc>
+                  <a:spcPct val="90000"/>
+                </a:lnSpc>
+                <a:spcBef>
+                  <a:spcPct val="0"/>
+                </a:spcBef>
+                <a:spcAft>
+                  <a:spcPct val="35000"/>
+                </a:spcAft>
+                <a:buNone/>
+              </a:pPr>
+              <a:r>
+                <a:rPr lang="en-US" sz="3300" kern="1200" dirty="0"/>
+                <a:t>Dependency Inversion</a:t>
+              </a:r>
+            </a:p>
+          </p:txBody>
+        </p:sp>
+      </p:grpSp>
+      <p:sp>
+        <p:nvSpPr>
+          <p:cNvPr id="8" name="TextBox 7">
+            <a:extLst>
+              <a:ext uri="{FF2B5EF4-FFF2-40B4-BE49-F238E27FC236}">
+                <a16:creationId xmlns:a16="http://schemas.microsoft.com/office/drawing/2014/main" id="{63B0901F-4162-4E9E-84F8-461CBF5B8F1D}"/>
+              </a:ext>
+            </a:extLst>
+          </p:cNvPr>
+          <p:cNvSpPr txBox="1"/>
+          <p:nvPr/>
+        </p:nvSpPr>
+        <p:spPr>
+          <a:xfrm>
+            <a:off x="3408217" y="2205644"/>
+            <a:ext cx="7043651" cy="1754326"/>
+          </a:xfrm>
+          <a:prstGeom prst="rect">
+            <a:avLst/>
+          </a:prstGeom>
+          <a:noFill/>
+        </p:spPr>
+        <p:txBody>
+          <a:bodyPr wrap="square" rtlCol="0">
+            <a:spAutoFit/>
+          </a:bodyPr>
+          <a:lstStyle/>
+          <a:p>
+            <a:r>
+              <a:rPr lang="en-US" dirty="0"/>
+              <a:t>Dependency Inversion Principle – </a:t>
+            </a:r>
+            <a:r>
+              <a:rPr lang="ru-RU" dirty="0"/>
+              <a:t>это принцип, который глобально описывает стратегию и принципы построения </a:t>
+            </a:r>
+            <a:r>
+              <a:rPr lang="ru-RU" dirty="0" err="1"/>
+              <a:t>архитерктуры</a:t>
+            </a:r>
+            <a:r>
+              <a:rPr lang="ru-RU" dirty="0"/>
+              <a:t> любого программного продукта на любой платформе.</a:t>
+            </a:r>
+          </a:p>
+          <a:p>
+            <a:endParaRPr lang="ru-RU" dirty="0"/>
+          </a:p>
+          <a:p>
+            <a:r>
+              <a:rPr lang="ru-RU" dirty="0"/>
+              <a:t>Этот принцип и упоминается в аббревиатуре </a:t>
+            </a:r>
+            <a:r>
+              <a:rPr lang="en-US" dirty="0"/>
+              <a:t>SOLID.</a:t>
+            </a:r>
+          </a:p>
+        </p:txBody>
+      </p:sp>
+      <p:sp>
+        <p:nvSpPr>
+          <p:cNvPr id="9" name="Прямоугольник 8">
+            <a:extLst>
+              <a:ext uri="{FF2B5EF4-FFF2-40B4-BE49-F238E27FC236}">
+                <a16:creationId xmlns:a16="http://schemas.microsoft.com/office/drawing/2014/main" id="{DF4AC7C6-3BD0-461C-A8BD-B448AC5E10D1}"/>
+              </a:ext>
+            </a:extLst>
+          </p:cNvPr>
+          <p:cNvSpPr/>
+          <p:nvPr/>
+        </p:nvSpPr>
+        <p:spPr>
+          <a:xfrm>
+            <a:off x="343590" y="4382558"/>
+            <a:ext cx="9687099" cy="369332"/>
+          </a:xfrm>
+          <a:prstGeom prst="rect">
+            <a:avLst/>
+          </a:prstGeom>
+        </p:spPr>
+        <p:txBody>
+          <a:bodyPr wrap="square">
+            <a:spAutoFit/>
+          </a:bodyPr>
+          <a:lstStyle/>
+          <a:p>
+            <a:r>
+              <a:rPr lang="ru-RU" dirty="0">
+                <a:solidFill>
+                  <a:srgbClr val="FFFF00"/>
+                </a:solidFill>
+              </a:rPr>
+              <a:t>Зависимость на Абстракциях. Нет зависимости на что-то конкретное.</a:t>
+            </a:r>
+          </a:p>
+        </p:txBody>
+      </p:sp>
+    </p:spTree>
+    <p:extLst>
+      <p:ext uri="{BB962C8B-B14F-4D97-AF65-F5344CB8AC3E}">
+        <p14:creationId xmlns:p14="http://schemas.microsoft.com/office/powerpoint/2010/main" val="4195286917"/>
+      </p:ext>
+    </p:extLst>
+  </p:cSld>
+  <p:clrMapOvr>
+    <a:masterClrMapping/>
+  </p:clrMapOvr>
+  <p:transition spd="slow">
+    <p:cover/>
+  </p:transition>
+</p:sld>
+</file>
+
+<file path=ppt/slides/slide8.xml><?xml version="1.0" encoding="utf-8"?>
+<p:sld xmlns:a="http://schemas.openxmlformats.org/drawingml/2006/main" xmlns:r="http://schemas.openxmlformats.org/officeDocument/2006/relationships" xmlns:p="http://schemas.openxmlformats.org/presentationml/2006/main">
+  <p:cSld>
+    <p:spTree>
+      <p:nvGrpSpPr>
+        <p:cNvPr id="1" name=""/>
+        <p:cNvGrpSpPr/>
+        <p:nvPr/>
+      </p:nvGrpSpPr>
+      <p:grpSpPr>
+        <a:xfrm>
+          <a:off x="0" y="0"/>
+          <a:ext cx="0" cy="0"/>
+          <a:chOff x="0" y="0"/>
+          <a:chExt cx="0" cy="0"/>
+        </a:xfrm>
+      </p:grpSpPr>
+      <p:grpSp>
+        <p:nvGrpSpPr>
+          <p:cNvPr id="9" name="Группа 8">
+            <a:extLst>
+              <a:ext uri="{FF2B5EF4-FFF2-40B4-BE49-F238E27FC236}">
+                <a16:creationId xmlns:a16="http://schemas.microsoft.com/office/drawing/2014/main" id="{1B272F33-67CA-4758-878F-EC3D94F48450}"/>
+              </a:ext>
+            </a:extLst>
+          </p:cNvPr>
+          <p:cNvGrpSpPr/>
+          <p:nvPr/>
+        </p:nvGrpSpPr>
+        <p:grpSpPr>
+          <a:xfrm>
+            <a:off x="504838" y="2164676"/>
+            <a:ext cx="2681173" cy="1608703"/>
+            <a:chOff x="3501602" y="453"/>
+            <a:chExt cx="2681173" cy="1608703"/>
+          </a:xfrm>
+        </p:grpSpPr>
+        <p:sp>
+          <p:nvSpPr>
+            <p:cNvPr id="10" name="Прямоугольник 9">
+              <a:extLst>
+                <a:ext uri="{FF2B5EF4-FFF2-40B4-BE49-F238E27FC236}">
+                  <a16:creationId xmlns:a16="http://schemas.microsoft.com/office/drawing/2014/main" id="{5C3AAB54-ABE2-47D5-80D8-980F29C9DE89}"/>
+                </a:ext>
+              </a:extLst>
+            </p:cNvPr>
+            <p:cNvSpPr/>
+            <p:nvPr/>
+          </p:nvSpPr>
+          <p:spPr>
+            <a:xfrm>
+              <a:off x="3501602" y="453"/>
+              <a:ext cx="2681173" cy="1608703"/>
+            </a:xfrm>
+            <a:prstGeom prst="rect">
+              <a:avLst/>
+            </a:prstGeom>
+          </p:spPr>
+          <p:style>
+            <a:lnRef idx="2">
+              <a:schemeClr val="lt2">
+                <a:hueOff val="0"/>
+                <a:satOff val="0"/>
+                <a:lumOff val="0"/>
+                <a:alphaOff val="0"/>
+              </a:schemeClr>
+            </a:lnRef>
+            <a:fillRef idx="1">
+              <a:schemeClr val="dk2">
+                <a:hueOff val="0"/>
+                <a:satOff val="0"/>
+                <a:lumOff val="0"/>
+                <a:alphaOff val="0"/>
+              </a:schemeClr>
+            </a:fillRef>
+            <a:effectRef idx="0">
+              <a:schemeClr val="dk2">
+                <a:hueOff val="0"/>
+                <a:satOff val="0"/>
+                <a:lumOff val="0"/>
+                <a:alphaOff val="0"/>
+              </a:schemeClr>
+            </a:effectRef>
+            <a:fontRef idx="minor">
+              <a:schemeClr val="lt1"/>
+            </a:fontRef>
+          </p:style>
+        </p:sp>
+        <p:sp>
+          <p:nvSpPr>
+            <p:cNvPr id="11" name="TextBox 10">
+              <a:extLst>
+                <a:ext uri="{FF2B5EF4-FFF2-40B4-BE49-F238E27FC236}">
+                  <a16:creationId xmlns:a16="http://schemas.microsoft.com/office/drawing/2014/main" id="{D425454C-74BA-4F93-9650-6BE2DF22D58E}"/>
+                </a:ext>
+              </a:extLst>
+            </p:cNvPr>
+            <p:cNvSpPr txBox="1"/>
+            <p:nvPr/>
+          </p:nvSpPr>
+          <p:spPr>
+            <a:xfrm>
+              <a:off x="3501602" y="453"/>
+              <a:ext cx="2681173" cy="1608703"/>
+            </a:xfrm>
+            <a:prstGeom prst="rect">
+              <a:avLst/>
+            </a:prstGeom>
+          </p:spPr>
+          <p:style>
+            <a:lnRef idx="0">
+              <a:scrgbClr r="0" g="0" b="0"/>
+            </a:lnRef>
+            <a:fillRef idx="0">
+              <a:scrgbClr r="0" g="0" b="0"/>
+            </a:fillRef>
+            <a:effectRef idx="0">
+              <a:scrgbClr r="0" g="0" b="0"/>
+            </a:effectRef>
+            <a:fontRef idx="minor">
+              <a:schemeClr val="lt1"/>
+            </a:fontRef>
+          </p:style>
+          <p:txBody>
+            <a:bodyPr spcFirstLastPara="0" vert="horz" wrap="square" lIns="125730" tIns="125730" rIns="125730" bIns="125730" numCol="1" spcCol="1270" anchor="ctr" anchorCtr="0">
+              <a:noAutofit/>
+            </a:bodyPr>
+            <a:lstStyle/>
+            <a:p>
+              <a:pPr marL="0" lvl="0" indent="0" algn="ctr" defTabSz="1466850">
+                <a:lnSpc>
+                  <a:spcPct val="90000"/>
+                </a:lnSpc>
+                <a:spcBef>
+                  <a:spcPct val="0"/>
+                </a:spcBef>
+                <a:spcAft>
+                  <a:spcPct val="35000"/>
+                </a:spcAft>
+                <a:buNone/>
+              </a:pPr>
+              <a:r>
+                <a:rPr lang="en-US" sz="3300" kern="1200" dirty="0"/>
+                <a:t>Inverse Of Control</a:t>
+              </a:r>
+            </a:p>
+          </p:txBody>
+        </p:sp>
+      </p:grpSp>
+      <p:sp>
+        <p:nvSpPr>
+          <p:cNvPr id="4" name="Заголовок 3">
+            <a:extLst>
+              <a:ext uri="{FF2B5EF4-FFF2-40B4-BE49-F238E27FC236}">
+                <a16:creationId xmlns:a16="http://schemas.microsoft.com/office/drawing/2014/main" id="{56B210DD-3C70-4225-BAC0-26F0709D6072}"/>
+              </a:ext>
+            </a:extLst>
+          </p:cNvPr>
+          <p:cNvSpPr>
+            <a:spLocks noGrp="1"/>
+          </p:cNvSpPr>
+          <p:nvPr>
+            <p:ph type="title"/>
+          </p:nvPr>
+        </p:nvSpPr>
+        <p:spPr/>
+        <p:txBody>
+          <a:bodyPr>
+            <a:normAutofit/>
+          </a:bodyPr>
+          <a:lstStyle/>
+          <a:p>
+            <a:r>
+              <a:rPr lang="ru-RU" b="1" dirty="0"/>
+              <a:t>Принцип инверсии зависимостей</a:t>
+            </a:r>
+            <a:br>
+              <a:rPr lang="en-US" b="1" dirty="0"/>
+            </a:br>
+            <a:r>
+              <a:rPr lang="en-US" sz="3200" i="1" dirty="0"/>
+              <a:t>The Dependency Inversion Principle</a:t>
+            </a:r>
+            <a:endParaRPr lang="en-US" dirty="0"/>
+          </a:p>
+        </p:txBody>
+      </p:sp>
+      <p:sp>
+        <p:nvSpPr>
+          <p:cNvPr id="8" name="TextBox 7">
+            <a:extLst>
+              <a:ext uri="{FF2B5EF4-FFF2-40B4-BE49-F238E27FC236}">
+                <a16:creationId xmlns:a16="http://schemas.microsoft.com/office/drawing/2014/main" id="{63B0901F-4162-4E9E-84F8-461CBF5B8F1D}"/>
+              </a:ext>
+            </a:extLst>
+          </p:cNvPr>
+          <p:cNvSpPr txBox="1"/>
+          <p:nvPr/>
+        </p:nvSpPr>
+        <p:spPr>
+          <a:xfrm>
+            <a:off x="3408217" y="2205644"/>
+            <a:ext cx="7043651" cy="2308324"/>
+          </a:xfrm>
+          <a:prstGeom prst="rect">
+            <a:avLst/>
+          </a:prstGeom>
+          <a:noFill/>
+        </p:spPr>
+        <p:txBody>
+          <a:bodyPr wrap="square" rtlCol="0">
+            <a:spAutoFit/>
+          </a:bodyPr>
+          <a:lstStyle/>
+          <a:p>
+            <a:r>
+              <a:rPr lang="en-US" dirty="0"/>
+              <a:t>Inverse Of Control – </a:t>
+            </a:r>
+            <a:r>
+              <a:rPr lang="ru-RU" dirty="0"/>
+              <a:t>это один из шаблонов программирования (паттерн), который применяется при разработке </a:t>
+            </a:r>
+            <a:r>
+              <a:rPr lang="ru-RU" dirty="0" err="1"/>
+              <a:t>програмного</a:t>
+            </a:r>
+            <a:r>
+              <a:rPr lang="ru-RU" dirty="0"/>
+              <a:t> обеспечения.</a:t>
+            </a:r>
+          </a:p>
+          <a:p>
+            <a:endParaRPr lang="ru-RU" dirty="0"/>
+          </a:p>
+          <a:p>
+            <a:r>
+              <a:rPr lang="ru-RU" dirty="0"/>
+              <a:t>Паттерн - это повторяемая архитектурная единица (конструкция), представляющая собой решение проблемы проектирования в пределах конкретного бизнес-процесса (контекста).</a:t>
+            </a:r>
+            <a:endParaRPr lang="en-US" dirty="0"/>
+          </a:p>
+        </p:txBody>
+      </p:sp>
+      <p:sp>
+        <p:nvSpPr>
+          <p:cNvPr id="12" name="TextBox 11">
+            <a:extLst>
+              <a:ext uri="{FF2B5EF4-FFF2-40B4-BE49-F238E27FC236}">
+                <a16:creationId xmlns:a16="http://schemas.microsoft.com/office/drawing/2014/main" id="{27DDD324-9F74-414C-8156-C874465F6B9C}"/>
+              </a:ext>
+            </a:extLst>
+          </p:cNvPr>
+          <p:cNvSpPr txBox="1"/>
+          <p:nvPr/>
+        </p:nvSpPr>
+        <p:spPr>
+          <a:xfrm>
+            <a:off x="459436" y="4680407"/>
+            <a:ext cx="10055630" cy="1754326"/>
+          </a:xfrm>
+          <a:prstGeom prst="rect">
+            <a:avLst/>
+          </a:prstGeom>
+          <a:noFill/>
+        </p:spPr>
+        <p:txBody>
+          <a:bodyPr wrap="square" rtlCol="0">
+            <a:spAutoFit/>
+          </a:bodyPr>
+          <a:lstStyle/>
+          <a:p>
+            <a:r>
+              <a:rPr lang="ru-RU" dirty="0"/>
+              <a:t>Паттерн обычно не является законченным кодом (образцом кода), который может быть внедрен в приложение (то есть преобразован в код).</a:t>
+            </a:r>
+          </a:p>
+          <a:p>
+            <a:endParaRPr lang="ru-RU" dirty="0"/>
+          </a:p>
+          <a:p>
+            <a:r>
+              <a:rPr lang="ru-RU" dirty="0"/>
+              <a:t>На мой взгляд, это предопределенные правила и законы, которые должны быть реализованы, чтобы соблюсти правильность построения архитектуры </a:t>
+            </a:r>
+            <a:r>
+              <a:rPr lang="ru-RU" dirty="0" err="1"/>
+              <a:t>програграммного</a:t>
+            </a:r>
+            <a:r>
+              <a:rPr lang="ru-RU" dirty="0"/>
+              <a:t> обеспечения, и, в частности, принципы </a:t>
+            </a:r>
+            <a:r>
+              <a:rPr lang="en-US" dirty="0"/>
+              <a:t>SOLID.</a:t>
+            </a:r>
+          </a:p>
+        </p:txBody>
+      </p:sp>
+    </p:spTree>
+    <p:extLst>
+      <p:ext uri="{BB962C8B-B14F-4D97-AF65-F5344CB8AC3E}">
+        <p14:creationId xmlns:p14="http://schemas.microsoft.com/office/powerpoint/2010/main" val="3722210145"/>
+      </p:ext>
+    </p:extLst>
+  </p:cSld>
+  <p:clrMapOvr>
+    <a:masterClrMapping/>
+  </p:clrMapOvr>
+  <p:transition spd="slow">
+    <p:cover/>
+  </p:transition>
+</p:sld>
+</file>
+
+<file path=ppt/slides/slide9.xml><?xml version="1.0" encoding="utf-8"?>
+<p:sld xmlns:a="http://schemas.openxmlformats.org/drawingml/2006/main" xmlns:r="http://schemas.openxmlformats.org/officeDocument/2006/relationships" xmlns:p="http://schemas.openxmlformats.org/presentationml/2006/main">
+  <p:cSld>
+    <p:spTree>
+      <p:nvGrpSpPr>
+        <p:cNvPr id="1" name=""/>
+        <p:cNvGrpSpPr/>
+        <p:nvPr/>
+      </p:nvGrpSpPr>
+      <p:grpSpPr>
+        <a:xfrm>
+          <a:off x="0" y="0"/>
+          <a:ext cx="0" cy="0"/>
+          <a:chOff x="0" y="0"/>
+          <a:chExt cx="0" cy="0"/>
+        </a:xfrm>
+      </p:grpSpPr>
+      <p:grpSp>
+        <p:nvGrpSpPr>
+          <p:cNvPr id="9" name="Группа 8">
+            <a:extLst>
+              <a:ext uri="{FF2B5EF4-FFF2-40B4-BE49-F238E27FC236}">
+                <a16:creationId xmlns:a16="http://schemas.microsoft.com/office/drawing/2014/main" id="{1B3F1B8E-5058-40F1-8CBE-A3E0242CF5C9}"/>
+              </a:ext>
+            </a:extLst>
+          </p:cNvPr>
+          <p:cNvGrpSpPr/>
+          <p:nvPr/>
+        </p:nvGrpSpPr>
+        <p:grpSpPr>
+          <a:xfrm>
+            <a:off x="504838" y="2164677"/>
+            <a:ext cx="2681173" cy="1608703"/>
+            <a:chOff x="6450893" y="453"/>
+            <a:chExt cx="2681173" cy="1608703"/>
+          </a:xfrm>
+        </p:grpSpPr>
+        <p:sp>
+          <p:nvSpPr>
+            <p:cNvPr id="10" name="Прямоугольник 9">
+              <a:extLst>
+                <a:ext uri="{FF2B5EF4-FFF2-40B4-BE49-F238E27FC236}">
+                  <a16:creationId xmlns:a16="http://schemas.microsoft.com/office/drawing/2014/main" id="{0A166CE4-59EB-46CB-B140-A7E8A621A78E}"/>
+                </a:ext>
+              </a:extLst>
+            </p:cNvPr>
+            <p:cNvSpPr/>
+            <p:nvPr/>
+          </p:nvSpPr>
+          <p:spPr>
+            <a:xfrm>
+              <a:off x="6450893" y="453"/>
+              <a:ext cx="2681173" cy="1608703"/>
+            </a:xfrm>
+            <a:prstGeom prst="rect">
+              <a:avLst/>
+            </a:prstGeom>
+          </p:spPr>
+          <p:style>
+            <a:lnRef idx="2">
+              <a:schemeClr val="lt2">
+                <a:hueOff val="0"/>
+                <a:satOff val="0"/>
+                <a:lumOff val="0"/>
+                <a:alphaOff val="0"/>
+              </a:schemeClr>
+            </a:lnRef>
+            <a:fillRef idx="1">
+              <a:schemeClr val="dk2">
+                <a:hueOff val="0"/>
+                <a:satOff val="0"/>
+                <a:lumOff val="0"/>
+                <a:alphaOff val="0"/>
+              </a:schemeClr>
+            </a:fillRef>
+            <a:effectRef idx="0">
+              <a:schemeClr val="dk2">
+                <a:hueOff val="0"/>
+                <a:satOff val="0"/>
+                <a:lumOff val="0"/>
+                <a:alphaOff val="0"/>
+              </a:schemeClr>
+            </a:effectRef>
+            <a:fontRef idx="minor">
+              <a:schemeClr val="lt1"/>
+            </a:fontRef>
+          </p:style>
+        </p:sp>
+        <p:sp>
+          <p:nvSpPr>
+            <p:cNvPr id="11" name="TextBox 10">
+              <a:extLst>
+                <a:ext uri="{FF2B5EF4-FFF2-40B4-BE49-F238E27FC236}">
+                  <a16:creationId xmlns:a16="http://schemas.microsoft.com/office/drawing/2014/main" id="{6B399189-2F9B-4075-9DCD-0CF75A2D8CC7}"/>
+                </a:ext>
+              </a:extLst>
+            </p:cNvPr>
+            <p:cNvSpPr txBox="1"/>
+            <p:nvPr/>
+          </p:nvSpPr>
+          <p:spPr>
+            <a:xfrm>
+              <a:off x="6450893" y="453"/>
+              <a:ext cx="2681173" cy="1608703"/>
+            </a:xfrm>
+            <a:prstGeom prst="rect">
+              <a:avLst/>
+            </a:prstGeom>
+          </p:spPr>
+          <p:style>
+            <a:lnRef idx="0">
+              <a:scrgbClr r="0" g="0" b="0"/>
+            </a:lnRef>
+            <a:fillRef idx="0">
+              <a:scrgbClr r="0" g="0" b="0"/>
+            </a:fillRef>
+            <a:effectRef idx="0">
+              <a:scrgbClr r="0" g="0" b="0"/>
+            </a:effectRef>
+            <a:fontRef idx="minor">
+              <a:schemeClr val="lt1"/>
+            </a:fontRef>
+          </p:style>
+          <p:txBody>
+            <a:bodyPr spcFirstLastPara="0" vert="horz" wrap="square" lIns="125730" tIns="125730" rIns="125730" bIns="125730" numCol="1" spcCol="1270" anchor="ctr" anchorCtr="0">
+              <a:noAutofit/>
+            </a:bodyPr>
+            <a:lstStyle/>
+            <a:p>
+              <a:pPr marL="0" lvl="0" indent="0" algn="ctr" defTabSz="1466850">
+                <a:lnSpc>
+                  <a:spcPct val="90000"/>
+                </a:lnSpc>
+                <a:spcBef>
+                  <a:spcPct val="0"/>
+                </a:spcBef>
+                <a:spcAft>
+                  <a:spcPct val="35000"/>
+                </a:spcAft>
+                <a:buNone/>
+              </a:pPr>
+              <a:r>
+                <a:rPr lang="en-US" sz="3300" kern="1200" dirty="0"/>
+                <a:t>Dependency Injection</a:t>
+              </a:r>
+            </a:p>
+          </p:txBody>
+        </p:sp>
+      </p:grpSp>
+      <p:sp>
+        <p:nvSpPr>
+          <p:cNvPr id="4" name="Заголовок 3">
+            <a:extLst>
+              <a:ext uri="{FF2B5EF4-FFF2-40B4-BE49-F238E27FC236}">
+                <a16:creationId xmlns:a16="http://schemas.microsoft.com/office/drawing/2014/main" id="{56B210DD-3C70-4225-BAC0-26F0709D6072}"/>
+              </a:ext>
+            </a:extLst>
+          </p:cNvPr>
+          <p:cNvSpPr>
+            <a:spLocks noGrp="1"/>
+          </p:cNvSpPr>
+          <p:nvPr>
+            <p:ph type="title"/>
+          </p:nvPr>
+        </p:nvSpPr>
+        <p:spPr/>
+        <p:txBody>
+          <a:bodyPr>
+            <a:normAutofit/>
+          </a:bodyPr>
+          <a:lstStyle/>
+          <a:p>
+            <a:r>
+              <a:rPr lang="ru-RU" b="1" dirty="0"/>
+              <a:t>Принцип инверсии зависимостей</a:t>
+            </a:r>
+            <a:br>
+              <a:rPr lang="en-US" b="1" dirty="0"/>
+            </a:br>
+            <a:r>
+              <a:rPr lang="en-US" sz="3200" i="1" dirty="0"/>
+              <a:t>The Dependency Inversion Principle</a:t>
+            </a:r>
+            <a:endParaRPr lang="en-US" dirty="0"/>
+          </a:p>
+        </p:txBody>
+      </p:sp>
+      <p:sp>
+        <p:nvSpPr>
+          <p:cNvPr id="8" name="TextBox 7">
+            <a:extLst>
+              <a:ext uri="{FF2B5EF4-FFF2-40B4-BE49-F238E27FC236}">
+                <a16:creationId xmlns:a16="http://schemas.microsoft.com/office/drawing/2014/main" id="{63B0901F-4162-4E9E-84F8-461CBF5B8F1D}"/>
+              </a:ext>
+            </a:extLst>
+          </p:cNvPr>
+          <p:cNvSpPr txBox="1"/>
+          <p:nvPr/>
+        </p:nvSpPr>
+        <p:spPr>
+          <a:xfrm>
+            <a:off x="3408217" y="2205644"/>
+            <a:ext cx="7043651" cy="1477328"/>
+          </a:xfrm>
+          <a:prstGeom prst="rect">
+            <a:avLst/>
+          </a:prstGeom>
+          <a:noFill/>
+        </p:spPr>
+        <p:txBody>
+          <a:bodyPr wrap="square" rtlCol="0">
+            <a:spAutoFit/>
+          </a:bodyPr>
+          <a:lstStyle/>
+          <a:p>
+            <a:r>
+              <a:rPr lang="en-US" dirty="0"/>
+              <a:t>Dependency Injection – </a:t>
+            </a:r>
+            <a:r>
+              <a:rPr lang="ru-RU" dirty="0"/>
+              <a:t>это способ (метод, вариант реализации, техника, процесс, механизм) достижения результата по реализации того самого паттерна или шаблона проектирования, который на прошлом слайде мы назвали </a:t>
+            </a:r>
+            <a:r>
+              <a:rPr lang="en-US" b="1" i="1" dirty="0"/>
+              <a:t>Inverse Of Control</a:t>
+            </a:r>
+            <a:r>
+              <a:rPr lang="ru-RU" dirty="0"/>
+              <a:t>.</a:t>
+            </a:r>
+          </a:p>
+        </p:txBody>
+      </p:sp>
+    </p:spTree>
+    <p:extLst>
+      <p:ext uri="{BB962C8B-B14F-4D97-AF65-F5344CB8AC3E}">
+        <p14:creationId xmlns:p14="http://schemas.microsoft.com/office/powerpoint/2010/main" val="3409511609"/>
       </p:ext>
     </p:extLst>
   </p:cSld>

--- a/Powerpoint/5.SOLID_D.pptx
+++ b/Powerpoint/5.SOLID_D.pptx
@@ -5,10 +5,10 @@
     <p:sldMasterId id="2147483762" r:id="rId1"/>
   </p:sldMasterIdLst>
   <p:notesMasterIdLst>
-    <p:notesMasterId r:id="rId13"/>
+    <p:notesMasterId r:id="rId18"/>
   </p:notesMasterIdLst>
   <p:handoutMasterIdLst>
-    <p:handoutMasterId r:id="rId14"/>
+    <p:handoutMasterId r:id="rId19"/>
   </p:handoutMasterIdLst>
   <p:sldIdLst>
     <p:sldId id="269" r:id="rId2"/>
@@ -22,6 +22,11 @@
     <p:sldId id="276" r:id="rId10"/>
     <p:sldId id="277" r:id="rId11"/>
     <p:sldId id="278" r:id="rId12"/>
+    <p:sldId id="282" r:id="rId13"/>
+    <p:sldId id="279" r:id="rId14"/>
+    <p:sldId id="281" r:id="rId15"/>
+    <p:sldId id="280" r:id="rId16"/>
+    <p:sldId id="283" r:id="rId17"/>
   </p:sldIdLst>
   <p:sldSz cx="12192000" cy="6858000"/>
   <p:notesSz cx="6858000" cy="9144000"/>
@@ -1638,6 +1643,1500 @@
   <dgm:styleLbl name="revTx">
     <dgm:fillClrLst meth="repeat">
       <a:schemeClr val="lt2">
+        <a:alpha val="0"/>
+      </a:schemeClr>
+    </dgm:fillClrLst>
+    <dgm:linClrLst meth="repeat">
+      <a:schemeClr val="dk1">
+        <a:alpha val="0"/>
+      </a:schemeClr>
+    </dgm:linClrLst>
+    <dgm:effectClrLst/>
+    <dgm:txLinClrLst/>
+    <dgm:txFillClrLst meth="repeat">
+      <a:schemeClr val="tx1"/>
+    </dgm:txFillClrLst>
+    <dgm:txEffectClrLst/>
+  </dgm:styleLbl>
+</dgm:colorsDef>
+</file>
+
+<file path=ppt/diagrams/colors3.xml><?xml version="1.0" encoding="utf-8"?>
+<dgm:colorsDef xmlns:dgm="http://schemas.openxmlformats.org/drawingml/2006/diagram" xmlns:a="http://schemas.openxmlformats.org/drawingml/2006/main" uniqueId="urn:microsoft.com/office/officeart/2005/8/colors/accent1_2">
+  <dgm:title val=""/>
+  <dgm:desc val=""/>
+  <dgm:catLst>
+    <dgm:cat type="accent1" pri="11200"/>
+  </dgm:catLst>
+  <dgm:styleLbl name="node0">
+    <dgm:fillClrLst meth="repeat">
+      <a:schemeClr val="accent1"/>
+    </dgm:fillClrLst>
+    <dgm:linClrLst meth="repeat">
+      <a:schemeClr val="lt1"/>
+    </dgm:linClrLst>
+    <dgm:effectClrLst/>
+    <dgm:txLinClrLst/>
+    <dgm:txFillClrLst/>
+    <dgm:txEffectClrLst/>
+  </dgm:styleLbl>
+  <dgm:styleLbl name="alignNode1">
+    <dgm:fillClrLst meth="repeat">
+      <a:schemeClr val="accent1"/>
+    </dgm:fillClrLst>
+    <dgm:linClrLst meth="repeat">
+      <a:schemeClr val="accent1"/>
+    </dgm:linClrLst>
+    <dgm:effectClrLst/>
+    <dgm:txLinClrLst/>
+    <dgm:txFillClrLst/>
+    <dgm:txEffectClrLst/>
+  </dgm:styleLbl>
+  <dgm:styleLbl name="node1">
+    <dgm:fillClrLst meth="repeat">
+      <a:schemeClr val="accent1"/>
+    </dgm:fillClrLst>
+    <dgm:linClrLst meth="repeat">
+      <a:schemeClr val="lt1"/>
+    </dgm:linClrLst>
+    <dgm:effectClrLst/>
+    <dgm:txLinClrLst/>
+    <dgm:txFillClrLst/>
+    <dgm:txEffectClrLst/>
+  </dgm:styleLbl>
+  <dgm:styleLbl name="lnNode1">
+    <dgm:fillClrLst meth="repeat">
+      <a:schemeClr val="accent1"/>
+    </dgm:fillClrLst>
+    <dgm:linClrLst meth="repeat">
+      <a:schemeClr val="lt1"/>
+    </dgm:linClrLst>
+    <dgm:effectClrLst/>
+    <dgm:txLinClrLst/>
+    <dgm:txFillClrLst/>
+    <dgm:txEffectClrLst/>
+  </dgm:styleLbl>
+  <dgm:styleLbl name="vennNode1">
+    <dgm:fillClrLst meth="repeat">
+      <a:schemeClr val="accent1">
+        <a:alpha val="50000"/>
+      </a:schemeClr>
+    </dgm:fillClrLst>
+    <dgm:linClrLst meth="repeat">
+      <a:schemeClr val="lt1"/>
+    </dgm:linClrLst>
+    <dgm:effectClrLst/>
+    <dgm:txLinClrLst/>
+    <dgm:txFillClrLst/>
+    <dgm:txEffectClrLst/>
+  </dgm:styleLbl>
+  <dgm:styleLbl name="node2">
+    <dgm:fillClrLst meth="repeat">
+      <a:schemeClr val="accent1"/>
+    </dgm:fillClrLst>
+    <dgm:linClrLst meth="repeat">
+      <a:schemeClr val="lt1"/>
+    </dgm:linClrLst>
+    <dgm:effectClrLst/>
+    <dgm:txLinClrLst/>
+    <dgm:txFillClrLst/>
+    <dgm:txEffectClrLst/>
+  </dgm:styleLbl>
+  <dgm:styleLbl name="node3">
+    <dgm:fillClrLst meth="repeat">
+      <a:schemeClr val="accent1"/>
+    </dgm:fillClrLst>
+    <dgm:linClrLst meth="repeat">
+      <a:schemeClr val="lt1"/>
+    </dgm:linClrLst>
+    <dgm:effectClrLst/>
+    <dgm:txLinClrLst/>
+    <dgm:txFillClrLst/>
+    <dgm:txEffectClrLst/>
+  </dgm:styleLbl>
+  <dgm:styleLbl name="node4">
+    <dgm:fillClrLst meth="repeat">
+      <a:schemeClr val="accent1"/>
+    </dgm:fillClrLst>
+    <dgm:linClrLst meth="repeat">
+      <a:schemeClr val="lt1"/>
+    </dgm:linClrLst>
+    <dgm:effectClrLst/>
+    <dgm:txLinClrLst/>
+    <dgm:txFillClrLst/>
+    <dgm:txEffectClrLst/>
+  </dgm:styleLbl>
+  <dgm:styleLbl name="fgImgPlace1">
+    <dgm:fillClrLst meth="repeat">
+      <a:schemeClr val="accent1">
+        <a:tint val="50000"/>
+      </a:schemeClr>
+    </dgm:fillClrLst>
+    <dgm:linClrLst meth="repeat">
+      <a:schemeClr val="lt1"/>
+    </dgm:linClrLst>
+    <dgm:effectClrLst/>
+    <dgm:txLinClrLst/>
+    <dgm:txFillClrLst meth="repeat">
+      <a:schemeClr val="lt1"/>
+    </dgm:txFillClrLst>
+    <dgm:txEffectClrLst/>
+  </dgm:styleLbl>
+  <dgm:styleLbl name="alignImgPlace1">
+    <dgm:fillClrLst meth="repeat">
+      <a:schemeClr val="accent1">
+        <a:tint val="50000"/>
+      </a:schemeClr>
+    </dgm:fillClrLst>
+    <dgm:linClrLst meth="repeat">
+      <a:schemeClr val="lt1"/>
+    </dgm:linClrLst>
+    <dgm:effectClrLst/>
+    <dgm:txLinClrLst/>
+    <dgm:txFillClrLst meth="repeat">
+      <a:schemeClr val="lt1"/>
+    </dgm:txFillClrLst>
+    <dgm:txEffectClrLst/>
+  </dgm:styleLbl>
+  <dgm:styleLbl name="bgImgPlace1">
+    <dgm:fillClrLst meth="repeat">
+      <a:schemeClr val="accent1">
+        <a:tint val="50000"/>
+      </a:schemeClr>
+    </dgm:fillClrLst>
+    <dgm:linClrLst meth="repeat">
+      <a:schemeClr val="lt1"/>
+    </dgm:linClrLst>
+    <dgm:effectClrLst/>
+    <dgm:txLinClrLst/>
+    <dgm:txFillClrLst meth="repeat">
+      <a:schemeClr val="lt1"/>
+    </dgm:txFillClrLst>
+    <dgm:txEffectClrLst/>
+  </dgm:styleLbl>
+  <dgm:styleLbl name="sibTrans2D1">
+    <dgm:fillClrLst meth="repeat">
+      <a:schemeClr val="accent1">
+        <a:tint val="60000"/>
+      </a:schemeClr>
+    </dgm:fillClrLst>
+    <dgm:linClrLst meth="repeat">
+      <a:schemeClr val="accent1">
+        <a:tint val="60000"/>
+      </a:schemeClr>
+    </dgm:linClrLst>
+    <dgm:effectClrLst/>
+    <dgm:txLinClrLst/>
+    <dgm:txFillClrLst/>
+    <dgm:txEffectClrLst/>
+  </dgm:styleLbl>
+  <dgm:styleLbl name="fgSibTrans2D1">
+    <dgm:fillClrLst meth="repeat">
+      <a:schemeClr val="accent1">
+        <a:tint val="60000"/>
+      </a:schemeClr>
+    </dgm:fillClrLst>
+    <dgm:linClrLst meth="repeat">
+      <a:schemeClr val="accent1">
+        <a:tint val="60000"/>
+      </a:schemeClr>
+    </dgm:linClrLst>
+    <dgm:effectClrLst/>
+    <dgm:txLinClrLst/>
+    <dgm:txFillClrLst/>
+    <dgm:txEffectClrLst/>
+  </dgm:styleLbl>
+  <dgm:styleLbl name="bgSibTrans2D1">
+    <dgm:fillClrLst meth="repeat">
+      <a:schemeClr val="accent1">
+        <a:tint val="60000"/>
+      </a:schemeClr>
+    </dgm:fillClrLst>
+    <dgm:linClrLst meth="repeat">
+      <a:schemeClr val="accent1">
+        <a:tint val="60000"/>
+      </a:schemeClr>
+    </dgm:linClrLst>
+    <dgm:effectClrLst/>
+    <dgm:txLinClrLst/>
+    <dgm:txFillClrLst/>
+    <dgm:txEffectClrLst/>
+  </dgm:styleLbl>
+  <dgm:styleLbl name="sibTrans1D1">
+    <dgm:fillClrLst meth="repeat">
+      <a:schemeClr val="accent1"/>
+    </dgm:fillClrLst>
+    <dgm:linClrLst meth="repeat">
+      <a:schemeClr val="accent1"/>
+    </dgm:linClrLst>
+    <dgm:effectClrLst/>
+    <dgm:txLinClrLst/>
+    <dgm:txFillClrLst meth="repeat">
+      <a:schemeClr val="tx1"/>
+    </dgm:txFillClrLst>
+    <dgm:txEffectClrLst/>
+  </dgm:styleLbl>
+  <dgm:styleLbl name="callout">
+    <dgm:fillClrLst meth="repeat">
+      <a:schemeClr val="accent1"/>
+    </dgm:fillClrLst>
+    <dgm:linClrLst meth="repeat">
+      <a:schemeClr val="accent1">
+        <a:tint val="50000"/>
+      </a:schemeClr>
+    </dgm:linClrLst>
+    <dgm:effectClrLst/>
+    <dgm:txLinClrLst/>
+    <dgm:txFillClrLst meth="repeat">
+      <a:schemeClr val="tx1"/>
+    </dgm:txFillClrLst>
+    <dgm:txEffectClrLst/>
+  </dgm:styleLbl>
+  <dgm:styleLbl name="asst0">
+    <dgm:fillClrLst meth="repeat">
+      <a:schemeClr val="accent1"/>
+    </dgm:fillClrLst>
+    <dgm:linClrLst meth="repeat">
+      <a:schemeClr val="lt1"/>
+    </dgm:linClrLst>
+    <dgm:effectClrLst/>
+    <dgm:txLinClrLst/>
+    <dgm:txFillClrLst/>
+    <dgm:txEffectClrLst/>
+  </dgm:styleLbl>
+  <dgm:styleLbl name="asst1">
+    <dgm:fillClrLst meth="repeat">
+      <a:schemeClr val="accent1"/>
+    </dgm:fillClrLst>
+    <dgm:linClrLst meth="repeat">
+      <a:schemeClr val="lt1"/>
+    </dgm:linClrLst>
+    <dgm:effectClrLst/>
+    <dgm:txLinClrLst/>
+    <dgm:txFillClrLst/>
+    <dgm:txEffectClrLst/>
+  </dgm:styleLbl>
+  <dgm:styleLbl name="asst2">
+    <dgm:fillClrLst meth="repeat">
+      <a:schemeClr val="accent1"/>
+    </dgm:fillClrLst>
+    <dgm:linClrLst meth="repeat">
+      <a:schemeClr val="lt1"/>
+    </dgm:linClrLst>
+    <dgm:effectClrLst/>
+    <dgm:txLinClrLst/>
+    <dgm:txFillClrLst/>
+    <dgm:txEffectClrLst/>
+  </dgm:styleLbl>
+  <dgm:styleLbl name="asst3">
+    <dgm:fillClrLst meth="repeat">
+      <a:schemeClr val="accent1"/>
+    </dgm:fillClrLst>
+    <dgm:linClrLst meth="repeat">
+      <a:schemeClr val="lt1"/>
+    </dgm:linClrLst>
+    <dgm:effectClrLst/>
+    <dgm:txLinClrLst/>
+    <dgm:txFillClrLst/>
+    <dgm:txEffectClrLst/>
+  </dgm:styleLbl>
+  <dgm:styleLbl name="asst4">
+    <dgm:fillClrLst meth="repeat">
+      <a:schemeClr val="accent1"/>
+    </dgm:fillClrLst>
+    <dgm:linClrLst meth="repeat">
+      <a:schemeClr val="lt1"/>
+    </dgm:linClrLst>
+    <dgm:effectClrLst/>
+    <dgm:txLinClrLst/>
+    <dgm:txFillClrLst/>
+    <dgm:txEffectClrLst/>
+  </dgm:styleLbl>
+  <dgm:styleLbl name="parChTrans2D1">
+    <dgm:fillClrLst meth="repeat">
+      <a:schemeClr val="accent1">
+        <a:tint val="60000"/>
+      </a:schemeClr>
+    </dgm:fillClrLst>
+    <dgm:linClrLst meth="repeat">
+      <a:schemeClr val="accent1">
+        <a:tint val="60000"/>
+      </a:schemeClr>
+    </dgm:linClrLst>
+    <dgm:effectClrLst/>
+    <dgm:txLinClrLst/>
+    <dgm:txFillClrLst meth="repeat">
+      <a:schemeClr val="lt1"/>
+    </dgm:txFillClrLst>
+    <dgm:txEffectClrLst/>
+  </dgm:styleLbl>
+  <dgm:styleLbl name="parChTrans2D2">
+    <dgm:fillClrLst meth="repeat">
+      <a:schemeClr val="accent1"/>
+    </dgm:fillClrLst>
+    <dgm:linClrLst meth="repeat">
+      <a:schemeClr val="accent1"/>
+    </dgm:linClrLst>
+    <dgm:effectClrLst/>
+    <dgm:txLinClrLst/>
+    <dgm:txFillClrLst meth="repeat">
+      <a:schemeClr val="lt1"/>
+    </dgm:txFillClrLst>
+    <dgm:txEffectClrLst/>
+  </dgm:styleLbl>
+  <dgm:styleLbl name="parChTrans2D3">
+    <dgm:fillClrLst meth="repeat">
+      <a:schemeClr val="accent1"/>
+    </dgm:fillClrLst>
+    <dgm:linClrLst meth="repeat">
+      <a:schemeClr val="accent1"/>
+    </dgm:linClrLst>
+    <dgm:effectClrLst/>
+    <dgm:txLinClrLst/>
+    <dgm:txFillClrLst meth="repeat">
+      <a:schemeClr val="lt1"/>
+    </dgm:txFillClrLst>
+    <dgm:txEffectClrLst/>
+  </dgm:styleLbl>
+  <dgm:styleLbl name="parChTrans2D4">
+    <dgm:fillClrLst meth="repeat">
+      <a:schemeClr val="accent1"/>
+    </dgm:fillClrLst>
+    <dgm:linClrLst meth="repeat">
+      <a:schemeClr val="accent1"/>
+    </dgm:linClrLst>
+    <dgm:effectClrLst/>
+    <dgm:txLinClrLst/>
+    <dgm:txFillClrLst meth="repeat">
+      <a:schemeClr val="lt1"/>
+    </dgm:txFillClrLst>
+    <dgm:txEffectClrLst/>
+  </dgm:styleLbl>
+  <dgm:styleLbl name="parChTrans1D1">
+    <dgm:fillClrLst meth="repeat">
+      <a:schemeClr val="accent1"/>
+    </dgm:fillClrLst>
+    <dgm:linClrLst meth="repeat">
+      <a:schemeClr val="accent1">
+        <a:shade val="60000"/>
+      </a:schemeClr>
+    </dgm:linClrLst>
+    <dgm:effectClrLst/>
+    <dgm:txLinClrLst/>
+    <dgm:txFillClrLst meth="repeat">
+      <a:schemeClr val="tx1"/>
+    </dgm:txFillClrLst>
+    <dgm:txEffectClrLst/>
+  </dgm:styleLbl>
+  <dgm:styleLbl name="parChTrans1D2">
+    <dgm:fillClrLst meth="repeat">
+      <a:schemeClr val="accent1"/>
+    </dgm:fillClrLst>
+    <dgm:linClrLst meth="repeat">
+      <a:schemeClr val="accent1">
+        <a:shade val="60000"/>
+      </a:schemeClr>
+    </dgm:linClrLst>
+    <dgm:effectClrLst/>
+    <dgm:txLinClrLst/>
+    <dgm:txFillClrLst meth="repeat">
+      <a:schemeClr val="tx1"/>
+    </dgm:txFillClrLst>
+    <dgm:txEffectClrLst/>
+  </dgm:styleLbl>
+  <dgm:styleLbl name="parChTrans1D3">
+    <dgm:fillClrLst meth="repeat">
+      <a:schemeClr val="accent1"/>
+    </dgm:fillClrLst>
+    <dgm:linClrLst meth="repeat">
+      <a:schemeClr val="accent1">
+        <a:shade val="80000"/>
+      </a:schemeClr>
+    </dgm:linClrLst>
+    <dgm:effectClrLst/>
+    <dgm:txLinClrLst/>
+    <dgm:txFillClrLst meth="repeat">
+      <a:schemeClr val="tx1"/>
+    </dgm:txFillClrLst>
+    <dgm:txEffectClrLst/>
+  </dgm:styleLbl>
+  <dgm:styleLbl name="parChTrans1D4">
+    <dgm:fillClrLst meth="repeat">
+      <a:schemeClr val="accent1"/>
+    </dgm:fillClrLst>
+    <dgm:linClrLst meth="repeat">
+      <a:schemeClr val="accent1">
+        <a:shade val="80000"/>
+      </a:schemeClr>
+    </dgm:linClrLst>
+    <dgm:effectClrLst/>
+    <dgm:txLinClrLst/>
+    <dgm:txFillClrLst meth="repeat">
+      <a:schemeClr val="tx1"/>
+    </dgm:txFillClrLst>
+    <dgm:txEffectClrLst/>
+  </dgm:styleLbl>
+  <dgm:styleLbl name="fgAcc1">
+    <dgm:fillClrLst meth="repeat">
+      <a:schemeClr val="lt1">
+        <a:alpha val="90000"/>
+      </a:schemeClr>
+    </dgm:fillClrLst>
+    <dgm:linClrLst meth="repeat">
+      <a:schemeClr val="accent1"/>
+    </dgm:linClrLst>
+    <dgm:effectClrLst/>
+    <dgm:txLinClrLst/>
+    <dgm:txFillClrLst meth="repeat">
+      <a:schemeClr val="dk1"/>
+    </dgm:txFillClrLst>
+    <dgm:txEffectClrLst/>
+  </dgm:styleLbl>
+  <dgm:styleLbl name="conFgAcc1">
+    <dgm:fillClrLst meth="repeat">
+      <a:schemeClr val="lt1">
+        <a:alpha val="90000"/>
+      </a:schemeClr>
+    </dgm:fillClrLst>
+    <dgm:linClrLst meth="repeat">
+      <a:schemeClr val="accent1"/>
+    </dgm:linClrLst>
+    <dgm:effectClrLst/>
+    <dgm:txLinClrLst/>
+    <dgm:txFillClrLst meth="repeat">
+      <a:schemeClr val="dk1"/>
+    </dgm:txFillClrLst>
+    <dgm:txEffectClrLst/>
+  </dgm:styleLbl>
+  <dgm:styleLbl name="alignAcc1">
+    <dgm:fillClrLst meth="repeat">
+      <a:schemeClr val="lt1">
+        <a:alpha val="90000"/>
+      </a:schemeClr>
+    </dgm:fillClrLst>
+    <dgm:linClrLst meth="repeat">
+      <a:schemeClr val="accent1"/>
+    </dgm:linClrLst>
+    <dgm:effectClrLst/>
+    <dgm:txLinClrLst/>
+    <dgm:txFillClrLst meth="repeat">
+      <a:schemeClr val="dk1"/>
+    </dgm:txFillClrLst>
+    <dgm:txEffectClrLst/>
+  </dgm:styleLbl>
+  <dgm:styleLbl name="trAlignAcc1">
+    <dgm:fillClrLst meth="repeat">
+      <a:schemeClr val="lt1">
+        <a:alpha val="40000"/>
+      </a:schemeClr>
+    </dgm:fillClrLst>
+    <dgm:linClrLst meth="repeat">
+      <a:schemeClr val="accent1"/>
+    </dgm:linClrLst>
+    <dgm:effectClrLst/>
+    <dgm:txLinClrLst/>
+    <dgm:txFillClrLst meth="repeat">
+      <a:schemeClr val="dk1"/>
+    </dgm:txFillClrLst>
+    <dgm:txEffectClrLst/>
+  </dgm:styleLbl>
+  <dgm:styleLbl name="bgAcc1">
+    <dgm:fillClrLst meth="repeat">
+      <a:schemeClr val="lt1">
+        <a:alpha val="90000"/>
+      </a:schemeClr>
+    </dgm:fillClrLst>
+    <dgm:linClrLst meth="repeat">
+      <a:schemeClr val="accent1"/>
+    </dgm:linClrLst>
+    <dgm:effectClrLst/>
+    <dgm:txLinClrLst/>
+    <dgm:txFillClrLst meth="repeat">
+      <a:schemeClr val="dk1"/>
+    </dgm:txFillClrLst>
+    <dgm:txEffectClrLst/>
+  </dgm:styleLbl>
+  <dgm:styleLbl name="solidFgAcc1">
+    <dgm:fillClrLst meth="repeat">
+      <a:schemeClr val="lt1"/>
+    </dgm:fillClrLst>
+    <dgm:linClrLst meth="repeat">
+      <a:schemeClr val="accent1"/>
+    </dgm:linClrLst>
+    <dgm:effectClrLst/>
+    <dgm:txLinClrLst/>
+    <dgm:txFillClrLst meth="repeat">
+      <a:schemeClr val="dk1"/>
+    </dgm:txFillClrLst>
+    <dgm:txEffectClrLst/>
+  </dgm:styleLbl>
+  <dgm:styleLbl name="solidAlignAcc1">
+    <dgm:fillClrLst meth="repeat">
+      <a:schemeClr val="lt1"/>
+    </dgm:fillClrLst>
+    <dgm:linClrLst meth="repeat">
+      <a:schemeClr val="accent1"/>
+    </dgm:linClrLst>
+    <dgm:effectClrLst/>
+    <dgm:txLinClrLst/>
+    <dgm:txFillClrLst meth="repeat">
+      <a:schemeClr val="dk1"/>
+    </dgm:txFillClrLst>
+    <dgm:txEffectClrLst/>
+  </dgm:styleLbl>
+  <dgm:styleLbl name="solidBgAcc1">
+    <dgm:fillClrLst meth="repeat">
+      <a:schemeClr val="lt1"/>
+    </dgm:fillClrLst>
+    <dgm:linClrLst meth="repeat">
+      <a:schemeClr val="accent1"/>
+    </dgm:linClrLst>
+    <dgm:effectClrLst/>
+    <dgm:txLinClrLst/>
+    <dgm:txFillClrLst meth="repeat">
+      <a:schemeClr val="dk1"/>
+    </dgm:txFillClrLst>
+    <dgm:txEffectClrLst/>
+  </dgm:styleLbl>
+  <dgm:styleLbl name="fgAccFollowNode1">
+    <dgm:fillClrLst meth="repeat">
+      <a:schemeClr val="accent1">
+        <a:alpha val="90000"/>
+        <a:tint val="40000"/>
+      </a:schemeClr>
+    </dgm:fillClrLst>
+    <dgm:linClrLst meth="repeat">
+      <a:schemeClr val="accent1">
+        <a:alpha val="90000"/>
+        <a:tint val="40000"/>
+      </a:schemeClr>
+    </dgm:linClrLst>
+    <dgm:effectClrLst/>
+    <dgm:txLinClrLst/>
+    <dgm:txFillClrLst meth="repeat">
+      <a:schemeClr val="dk1"/>
+    </dgm:txFillClrLst>
+    <dgm:txEffectClrLst/>
+  </dgm:styleLbl>
+  <dgm:styleLbl name="alignAccFollowNode1">
+    <dgm:fillClrLst meth="repeat">
+      <a:schemeClr val="accent1">
+        <a:alpha val="90000"/>
+        <a:tint val="40000"/>
+      </a:schemeClr>
+    </dgm:fillClrLst>
+    <dgm:linClrLst meth="repeat">
+      <a:schemeClr val="accent1">
+        <a:alpha val="90000"/>
+        <a:tint val="40000"/>
+      </a:schemeClr>
+    </dgm:linClrLst>
+    <dgm:effectClrLst/>
+    <dgm:txLinClrLst/>
+    <dgm:txFillClrLst meth="repeat">
+      <a:schemeClr val="dk1"/>
+    </dgm:txFillClrLst>
+    <dgm:txEffectClrLst/>
+  </dgm:styleLbl>
+  <dgm:styleLbl name="bgAccFollowNode1">
+    <dgm:fillClrLst meth="repeat">
+      <a:schemeClr val="accent1">
+        <a:alpha val="90000"/>
+        <a:tint val="40000"/>
+      </a:schemeClr>
+    </dgm:fillClrLst>
+    <dgm:linClrLst meth="repeat">
+      <a:schemeClr val="accent1">
+        <a:alpha val="90000"/>
+        <a:tint val="40000"/>
+      </a:schemeClr>
+    </dgm:linClrLst>
+    <dgm:effectClrLst/>
+    <dgm:txLinClrLst/>
+    <dgm:txFillClrLst meth="repeat">
+      <a:schemeClr val="dk1"/>
+    </dgm:txFillClrLst>
+    <dgm:txEffectClrLst/>
+  </dgm:styleLbl>
+  <dgm:styleLbl name="fgAcc0">
+    <dgm:fillClrLst meth="repeat">
+      <a:schemeClr val="lt1">
+        <a:alpha val="90000"/>
+      </a:schemeClr>
+    </dgm:fillClrLst>
+    <dgm:linClrLst meth="repeat">
+      <a:schemeClr val="accent1"/>
+    </dgm:linClrLst>
+    <dgm:effectClrLst/>
+    <dgm:txLinClrLst/>
+    <dgm:txFillClrLst meth="repeat">
+      <a:schemeClr val="dk1"/>
+    </dgm:txFillClrLst>
+    <dgm:txEffectClrLst/>
+  </dgm:styleLbl>
+  <dgm:styleLbl name="fgAcc2">
+    <dgm:fillClrLst meth="repeat">
+      <a:schemeClr val="lt1">
+        <a:alpha val="90000"/>
+      </a:schemeClr>
+    </dgm:fillClrLst>
+    <dgm:linClrLst meth="repeat">
+      <a:schemeClr val="accent1"/>
+    </dgm:linClrLst>
+    <dgm:effectClrLst/>
+    <dgm:txLinClrLst/>
+    <dgm:txFillClrLst meth="repeat">
+      <a:schemeClr val="dk1"/>
+    </dgm:txFillClrLst>
+    <dgm:txEffectClrLst/>
+  </dgm:styleLbl>
+  <dgm:styleLbl name="fgAcc3">
+    <dgm:fillClrLst meth="repeat">
+      <a:schemeClr val="lt1">
+        <a:alpha val="90000"/>
+      </a:schemeClr>
+    </dgm:fillClrLst>
+    <dgm:linClrLst meth="repeat">
+      <a:schemeClr val="accent1"/>
+    </dgm:linClrLst>
+    <dgm:effectClrLst/>
+    <dgm:txLinClrLst/>
+    <dgm:txFillClrLst meth="repeat">
+      <a:schemeClr val="dk1"/>
+    </dgm:txFillClrLst>
+    <dgm:txEffectClrLst/>
+  </dgm:styleLbl>
+  <dgm:styleLbl name="fgAcc4">
+    <dgm:fillClrLst meth="repeat">
+      <a:schemeClr val="lt1">
+        <a:alpha val="90000"/>
+      </a:schemeClr>
+    </dgm:fillClrLst>
+    <dgm:linClrLst meth="repeat">
+      <a:schemeClr val="accent1"/>
+    </dgm:linClrLst>
+    <dgm:effectClrLst/>
+    <dgm:txLinClrLst/>
+    <dgm:txFillClrLst meth="repeat">
+      <a:schemeClr val="dk1"/>
+    </dgm:txFillClrLst>
+    <dgm:txEffectClrLst/>
+  </dgm:styleLbl>
+  <dgm:styleLbl name="bgShp">
+    <dgm:fillClrLst meth="repeat">
+      <a:schemeClr val="accent1">
+        <a:tint val="40000"/>
+      </a:schemeClr>
+    </dgm:fillClrLst>
+    <dgm:linClrLst meth="repeat">
+      <a:schemeClr val="accent1"/>
+    </dgm:linClrLst>
+    <dgm:effectClrLst/>
+    <dgm:txLinClrLst/>
+    <dgm:txFillClrLst meth="repeat">
+      <a:schemeClr val="dk1"/>
+    </dgm:txFillClrLst>
+    <dgm:txEffectClrLst/>
+  </dgm:styleLbl>
+  <dgm:styleLbl name="dkBgShp">
+    <dgm:fillClrLst meth="repeat">
+      <a:schemeClr val="accent1">
+        <a:shade val="80000"/>
+      </a:schemeClr>
+    </dgm:fillClrLst>
+    <dgm:linClrLst meth="repeat">
+      <a:schemeClr val="accent1"/>
+    </dgm:linClrLst>
+    <dgm:effectClrLst/>
+    <dgm:txLinClrLst/>
+    <dgm:txFillClrLst meth="repeat">
+      <a:schemeClr val="lt1"/>
+    </dgm:txFillClrLst>
+    <dgm:txEffectClrLst/>
+  </dgm:styleLbl>
+  <dgm:styleLbl name="trBgShp">
+    <dgm:fillClrLst meth="repeat">
+      <a:schemeClr val="accent1">
+        <a:tint val="50000"/>
+        <a:alpha val="40000"/>
+      </a:schemeClr>
+    </dgm:fillClrLst>
+    <dgm:linClrLst meth="repeat">
+      <a:schemeClr val="accent1"/>
+    </dgm:linClrLst>
+    <dgm:effectClrLst/>
+    <dgm:txLinClrLst/>
+    <dgm:txFillClrLst meth="repeat">
+      <a:schemeClr val="lt1"/>
+    </dgm:txFillClrLst>
+    <dgm:txEffectClrLst/>
+  </dgm:styleLbl>
+  <dgm:styleLbl name="fgShp">
+    <dgm:fillClrLst meth="repeat">
+      <a:schemeClr val="accent1">
+        <a:tint val="60000"/>
+      </a:schemeClr>
+    </dgm:fillClrLst>
+    <dgm:linClrLst meth="repeat">
+      <a:schemeClr val="lt1"/>
+    </dgm:linClrLst>
+    <dgm:effectClrLst/>
+    <dgm:txLinClrLst/>
+    <dgm:txFillClrLst meth="repeat">
+      <a:schemeClr val="dk1"/>
+    </dgm:txFillClrLst>
+    <dgm:txEffectClrLst/>
+  </dgm:styleLbl>
+  <dgm:styleLbl name="revTx">
+    <dgm:fillClrLst meth="repeat">
+      <a:schemeClr val="lt1">
+        <a:alpha val="0"/>
+      </a:schemeClr>
+    </dgm:fillClrLst>
+    <dgm:linClrLst meth="repeat">
+      <a:schemeClr val="dk1">
+        <a:alpha val="0"/>
+      </a:schemeClr>
+    </dgm:linClrLst>
+    <dgm:effectClrLst/>
+    <dgm:txLinClrLst/>
+    <dgm:txFillClrLst meth="repeat">
+      <a:schemeClr val="tx1"/>
+    </dgm:txFillClrLst>
+    <dgm:txEffectClrLst/>
+  </dgm:styleLbl>
+</dgm:colorsDef>
+</file>
+
+<file path=ppt/diagrams/colors4.xml><?xml version="1.0" encoding="utf-8"?>
+<dgm:colorsDef xmlns:dgm="http://schemas.openxmlformats.org/drawingml/2006/diagram" xmlns:a="http://schemas.openxmlformats.org/drawingml/2006/main" uniqueId="urn:microsoft.com/office/officeart/2005/8/colors/accent1_2">
+  <dgm:title val=""/>
+  <dgm:desc val=""/>
+  <dgm:catLst>
+    <dgm:cat type="accent1" pri="11200"/>
+  </dgm:catLst>
+  <dgm:styleLbl name="node0">
+    <dgm:fillClrLst meth="repeat">
+      <a:schemeClr val="accent1"/>
+    </dgm:fillClrLst>
+    <dgm:linClrLst meth="repeat">
+      <a:schemeClr val="lt1"/>
+    </dgm:linClrLst>
+    <dgm:effectClrLst/>
+    <dgm:txLinClrLst/>
+    <dgm:txFillClrLst/>
+    <dgm:txEffectClrLst/>
+  </dgm:styleLbl>
+  <dgm:styleLbl name="alignNode1">
+    <dgm:fillClrLst meth="repeat">
+      <a:schemeClr val="accent1"/>
+    </dgm:fillClrLst>
+    <dgm:linClrLst meth="repeat">
+      <a:schemeClr val="accent1"/>
+    </dgm:linClrLst>
+    <dgm:effectClrLst/>
+    <dgm:txLinClrLst/>
+    <dgm:txFillClrLst/>
+    <dgm:txEffectClrLst/>
+  </dgm:styleLbl>
+  <dgm:styleLbl name="node1">
+    <dgm:fillClrLst meth="repeat">
+      <a:schemeClr val="accent1"/>
+    </dgm:fillClrLst>
+    <dgm:linClrLst meth="repeat">
+      <a:schemeClr val="lt1"/>
+    </dgm:linClrLst>
+    <dgm:effectClrLst/>
+    <dgm:txLinClrLst/>
+    <dgm:txFillClrLst/>
+    <dgm:txEffectClrLst/>
+  </dgm:styleLbl>
+  <dgm:styleLbl name="lnNode1">
+    <dgm:fillClrLst meth="repeat">
+      <a:schemeClr val="accent1"/>
+    </dgm:fillClrLst>
+    <dgm:linClrLst meth="repeat">
+      <a:schemeClr val="lt1"/>
+    </dgm:linClrLst>
+    <dgm:effectClrLst/>
+    <dgm:txLinClrLst/>
+    <dgm:txFillClrLst/>
+    <dgm:txEffectClrLst/>
+  </dgm:styleLbl>
+  <dgm:styleLbl name="vennNode1">
+    <dgm:fillClrLst meth="repeat">
+      <a:schemeClr val="accent1">
+        <a:alpha val="50000"/>
+      </a:schemeClr>
+    </dgm:fillClrLst>
+    <dgm:linClrLst meth="repeat">
+      <a:schemeClr val="lt1"/>
+    </dgm:linClrLst>
+    <dgm:effectClrLst/>
+    <dgm:txLinClrLst/>
+    <dgm:txFillClrLst/>
+    <dgm:txEffectClrLst/>
+  </dgm:styleLbl>
+  <dgm:styleLbl name="node2">
+    <dgm:fillClrLst meth="repeat">
+      <a:schemeClr val="accent1"/>
+    </dgm:fillClrLst>
+    <dgm:linClrLst meth="repeat">
+      <a:schemeClr val="lt1"/>
+    </dgm:linClrLst>
+    <dgm:effectClrLst/>
+    <dgm:txLinClrLst/>
+    <dgm:txFillClrLst/>
+    <dgm:txEffectClrLst/>
+  </dgm:styleLbl>
+  <dgm:styleLbl name="node3">
+    <dgm:fillClrLst meth="repeat">
+      <a:schemeClr val="accent1"/>
+    </dgm:fillClrLst>
+    <dgm:linClrLst meth="repeat">
+      <a:schemeClr val="lt1"/>
+    </dgm:linClrLst>
+    <dgm:effectClrLst/>
+    <dgm:txLinClrLst/>
+    <dgm:txFillClrLst/>
+    <dgm:txEffectClrLst/>
+  </dgm:styleLbl>
+  <dgm:styleLbl name="node4">
+    <dgm:fillClrLst meth="repeat">
+      <a:schemeClr val="accent1"/>
+    </dgm:fillClrLst>
+    <dgm:linClrLst meth="repeat">
+      <a:schemeClr val="lt1"/>
+    </dgm:linClrLst>
+    <dgm:effectClrLst/>
+    <dgm:txLinClrLst/>
+    <dgm:txFillClrLst/>
+    <dgm:txEffectClrLst/>
+  </dgm:styleLbl>
+  <dgm:styleLbl name="fgImgPlace1">
+    <dgm:fillClrLst meth="repeat">
+      <a:schemeClr val="accent1">
+        <a:tint val="50000"/>
+      </a:schemeClr>
+    </dgm:fillClrLst>
+    <dgm:linClrLst meth="repeat">
+      <a:schemeClr val="lt1"/>
+    </dgm:linClrLst>
+    <dgm:effectClrLst/>
+    <dgm:txLinClrLst/>
+    <dgm:txFillClrLst meth="repeat">
+      <a:schemeClr val="lt1"/>
+    </dgm:txFillClrLst>
+    <dgm:txEffectClrLst/>
+  </dgm:styleLbl>
+  <dgm:styleLbl name="alignImgPlace1">
+    <dgm:fillClrLst meth="repeat">
+      <a:schemeClr val="accent1">
+        <a:tint val="50000"/>
+      </a:schemeClr>
+    </dgm:fillClrLst>
+    <dgm:linClrLst meth="repeat">
+      <a:schemeClr val="lt1"/>
+    </dgm:linClrLst>
+    <dgm:effectClrLst/>
+    <dgm:txLinClrLst/>
+    <dgm:txFillClrLst meth="repeat">
+      <a:schemeClr val="lt1"/>
+    </dgm:txFillClrLst>
+    <dgm:txEffectClrLst/>
+  </dgm:styleLbl>
+  <dgm:styleLbl name="bgImgPlace1">
+    <dgm:fillClrLst meth="repeat">
+      <a:schemeClr val="accent1">
+        <a:tint val="50000"/>
+      </a:schemeClr>
+    </dgm:fillClrLst>
+    <dgm:linClrLst meth="repeat">
+      <a:schemeClr val="lt1"/>
+    </dgm:linClrLst>
+    <dgm:effectClrLst/>
+    <dgm:txLinClrLst/>
+    <dgm:txFillClrLst meth="repeat">
+      <a:schemeClr val="lt1"/>
+    </dgm:txFillClrLst>
+    <dgm:txEffectClrLst/>
+  </dgm:styleLbl>
+  <dgm:styleLbl name="sibTrans2D1">
+    <dgm:fillClrLst meth="repeat">
+      <a:schemeClr val="accent1">
+        <a:tint val="60000"/>
+      </a:schemeClr>
+    </dgm:fillClrLst>
+    <dgm:linClrLst meth="repeat">
+      <a:schemeClr val="accent1">
+        <a:tint val="60000"/>
+      </a:schemeClr>
+    </dgm:linClrLst>
+    <dgm:effectClrLst/>
+    <dgm:txLinClrLst/>
+    <dgm:txFillClrLst/>
+    <dgm:txEffectClrLst/>
+  </dgm:styleLbl>
+  <dgm:styleLbl name="fgSibTrans2D1">
+    <dgm:fillClrLst meth="repeat">
+      <a:schemeClr val="accent1">
+        <a:tint val="60000"/>
+      </a:schemeClr>
+    </dgm:fillClrLst>
+    <dgm:linClrLst meth="repeat">
+      <a:schemeClr val="accent1">
+        <a:tint val="60000"/>
+      </a:schemeClr>
+    </dgm:linClrLst>
+    <dgm:effectClrLst/>
+    <dgm:txLinClrLst/>
+    <dgm:txFillClrLst/>
+    <dgm:txEffectClrLst/>
+  </dgm:styleLbl>
+  <dgm:styleLbl name="bgSibTrans2D1">
+    <dgm:fillClrLst meth="repeat">
+      <a:schemeClr val="accent1">
+        <a:tint val="60000"/>
+      </a:schemeClr>
+    </dgm:fillClrLst>
+    <dgm:linClrLst meth="repeat">
+      <a:schemeClr val="accent1">
+        <a:tint val="60000"/>
+      </a:schemeClr>
+    </dgm:linClrLst>
+    <dgm:effectClrLst/>
+    <dgm:txLinClrLst/>
+    <dgm:txFillClrLst/>
+    <dgm:txEffectClrLst/>
+  </dgm:styleLbl>
+  <dgm:styleLbl name="sibTrans1D1">
+    <dgm:fillClrLst meth="repeat">
+      <a:schemeClr val="accent1"/>
+    </dgm:fillClrLst>
+    <dgm:linClrLst meth="repeat">
+      <a:schemeClr val="accent1"/>
+    </dgm:linClrLst>
+    <dgm:effectClrLst/>
+    <dgm:txLinClrLst/>
+    <dgm:txFillClrLst meth="repeat">
+      <a:schemeClr val="tx1"/>
+    </dgm:txFillClrLst>
+    <dgm:txEffectClrLst/>
+  </dgm:styleLbl>
+  <dgm:styleLbl name="callout">
+    <dgm:fillClrLst meth="repeat">
+      <a:schemeClr val="accent1"/>
+    </dgm:fillClrLst>
+    <dgm:linClrLst meth="repeat">
+      <a:schemeClr val="accent1">
+        <a:tint val="50000"/>
+      </a:schemeClr>
+    </dgm:linClrLst>
+    <dgm:effectClrLst/>
+    <dgm:txLinClrLst/>
+    <dgm:txFillClrLst meth="repeat">
+      <a:schemeClr val="tx1"/>
+    </dgm:txFillClrLst>
+    <dgm:txEffectClrLst/>
+  </dgm:styleLbl>
+  <dgm:styleLbl name="asst0">
+    <dgm:fillClrLst meth="repeat">
+      <a:schemeClr val="accent1"/>
+    </dgm:fillClrLst>
+    <dgm:linClrLst meth="repeat">
+      <a:schemeClr val="lt1"/>
+    </dgm:linClrLst>
+    <dgm:effectClrLst/>
+    <dgm:txLinClrLst/>
+    <dgm:txFillClrLst/>
+    <dgm:txEffectClrLst/>
+  </dgm:styleLbl>
+  <dgm:styleLbl name="asst1">
+    <dgm:fillClrLst meth="repeat">
+      <a:schemeClr val="accent1"/>
+    </dgm:fillClrLst>
+    <dgm:linClrLst meth="repeat">
+      <a:schemeClr val="lt1"/>
+    </dgm:linClrLst>
+    <dgm:effectClrLst/>
+    <dgm:txLinClrLst/>
+    <dgm:txFillClrLst/>
+    <dgm:txEffectClrLst/>
+  </dgm:styleLbl>
+  <dgm:styleLbl name="asst2">
+    <dgm:fillClrLst meth="repeat">
+      <a:schemeClr val="accent1"/>
+    </dgm:fillClrLst>
+    <dgm:linClrLst meth="repeat">
+      <a:schemeClr val="lt1"/>
+    </dgm:linClrLst>
+    <dgm:effectClrLst/>
+    <dgm:txLinClrLst/>
+    <dgm:txFillClrLst/>
+    <dgm:txEffectClrLst/>
+  </dgm:styleLbl>
+  <dgm:styleLbl name="asst3">
+    <dgm:fillClrLst meth="repeat">
+      <a:schemeClr val="accent1"/>
+    </dgm:fillClrLst>
+    <dgm:linClrLst meth="repeat">
+      <a:schemeClr val="lt1"/>
+    </dgm:linClrLst>
+    <dgm:effectClrLst/>
+    <dgm:txLinClrLst/>
+    <dgm:txFillClrLst/>
+    <dgm:txEffectClrLst/>
+  </dgm:styleLbl>
+  <dgm:styleLbl name="asst4">
+    <dgm:fillClrLst meth="repeat">
+      <a:schemeClr val="accent1"/>
+    </dgm:fillClrLst>
+    <dgm:linClrLst meth="repeat">
+      <a:schemeClr val="lt1"/>
+    </dgm:linClrLst>
+    <dgm:effectClrLst/>
+    <dgm:txLinClrLst/>
+    <dgm:txFillClrLst/>
+    <dgm:txEffectClrLst/>
+  </dgm:styleLbl>
+  <dgm:styleLbl name="parChTrans2D1">
+    <dgm:fillClrLst meth="repeat">
+      <a:schemeClr val="accent1">
+        <a:tint val="60000"/>
+      </a:schemeClr>
+    </dgm:fillClrLst>
+    <dgm:linClrLst meth="repeat">
+      <a:schemeClr val="accent1">
+        <a:tint val="60000"/>
+      </a:schemeClr>
+    </dgm:linClrLst>
+    <dgm:effectClrLst/>
+    <dgm:txLinClrLst/>
+    <dgm:txFillClrLst meth="repeat">
+      <a:schemeClr val="lt1"/>
+    </dgm:txFillClrLst>
+    <dgm:txEffectClrLst/>
+  </dgm:styleLbl>
+  <dgm:styleLbl name="parChTrans2D2">
+    <dgm:fillClrLst meth="repeat">
+      <a:schemeClr val="accent1"/>
+    </dgm:fillClrLst>
+    <dgm:linClrLst meth="repeat">
+      <a:schemeClr val="accent1"/>
+    </dgm:linClrLst>
+    <dgm:effectClrLst/>
+    <dgm:txLinClrLst/>
+    <dgm:txFillClrLst meth="repeat">
+      <a:schemeClr val="lt1"/>
+    </dgm:txFillClrLst>
+    <dgm:txEffectClrLst/>
+  </dgm:styleLbl>
+  <dgm:styleLbl name="parChTrans2D3">
+    <dgm:fillClrLst meth="repeat">
+      <a:schemeClr val="accent1"/>
+    </dgm:fillClrLst>
+    <dgm:linClrLst meth="repeat">
+      <a:schemeClr val="accent1"/>
+    </dgm:linClrLst>
+    <dgm:effectClrLst/>
+    <dgm:txLinClrLst/>
+    <dgm:txFillClrLst meth="repeat">
+      <a:schemeClr val="lt1"/>
+    </dgm:txFillClrLst>
+    <dgm:txEffectClrLst/>
+  </dgm:styleLbl>
+  <dgm:styleLbl name="parChTrans2D4">
+    <dgm:fillClrLst meth="repeat">
+      <a:schemeClr val="accent1"/>
+    </dgm:fillClrLst>
+    <dgm:linClrLst meth="repeat">
+      <a:schemeClr val="accent1"/>
+    </dgm:linClrLst>
+    <dgm:effectClrLst/>
+    <dgm:txLinClrLst/>
+    <dgm:txFillClrLst meth="repeat">
+      <a:schemeClr val="lt1"/>
+    </dgm:txFillClrLst>
+    <dgm:txEffectClrLst/>
+  </dgm:styleLbl>
+  <dgm:styleLbl name="parChTrans1D1">
+    <dgm:fillClrLst meth="repeat">
+      <a:schemeClr val="accent1"/>
+    </dgm:fillClrLst>
+    <dgm:linClrLst meth="repeat">
+      <a:schemeClr val="accent1">
+        <a:shade val="60000"/>
+      </a:schemeClr>
+    </dgm:linClrLst>
+    <dgm:effectClrLst/>
+    <dgm:txLinClrLst/>
+    <dgm:txFillClrLst meth="repeat">
+      <a:schemeClr val="tx1"/>
+    </dgm:txFillClrLst>
+    <dgm:txEffectClrLst/>
+  </dgm:styleLbl>
+  <dgm:styleLbl name="parChTrans1D2">
+    <dgm:fillClrLst meth="repeat">
+      <a:schemeClr val="accent1"/>
+    </dgm:fillClrLst>
+    <dgm:linClrLst meth="repeat">
+      <a:schemeClr val="accent1">
+        <a:shade val="60000"/>
+      </a:schemeClr>
+    </dgm:linClrLst>
+    <dgm:effectClrLst/>
+    <dgm:txLinClrLst/>
+    <dgm:txFillClrLst meth="repeat">
+      <a:schemeClr val="tx1"/>
+    </dgm:txFillClrLst>
+    <dgm:txEffectClrLst/>
+  </dgm:styleLbl>
+  <dgm:styleLbl name="parChTrans1D3">
+    <dgm:fillClrLst meth="repeat">
+      <a:schemeClr val="accent1"/>
+    </dgm:fillClrLst>
+    <dgm:linClrLst meth="repeat">
+      <a:schemeClr val="accent1">
+        <a:shade val="80000"/>
+      </a:schemeClr>
+    </dgm:linClrLst>
+    <dgm:effectClrLst/>
+    <dgm:txLinClrLst/>
+    <dgm:txFillClrLst meth="repeat">
+      <a:schemeClr val="tx1"/>
+    </dgm:txFillClrLst>
+    <dgm:txEffectClrLst/>
+  </dgm:styleLbl>
+  <dgm:styleLbl name="parChTrans1D4">
+    <dgm:fillClrLst meth="repeat">
+      <a:schemeClr val="accent1"/>
+    </dgm:fillClrLst>
+    <dgm:linClrLst meth="repeat">
+      <a:schemeClr val="accent1">
+        <a:shade val="80000"/>
+      </a:schemeClr>
+    </dgm:linClrLst>
+    <dgm:effectClrLst/>
+    <dgm:txLinClrLst/>
+    <dgm:txFillClrLst meth="repeat">
+      <a:schemeClr val="tx1"/>
+    </dgm:txFillClrLst>
+    <dgm:txEffectClrLst/>
+  </dgm:styleLbl>
+  <dgm:styleLbl name="fgAcc1">
+    <dgm:fillClrLst meth="repeat">
+      <a:schemeClr val="lt1">
+        <a:alpha val="90000"/>
+      </a:schemeClr>
+    </dgm:fillClrLst>
+    <dgm:linClrLst meth="repeat">
+      <a:schemeClr val="accent1"/>
+    </dgm:linClrLst>
+    <dgm:effectClrLst/>
+    <dgm:txLinClrLst/>
+    <dgm:txFillClrLst meth="repeat">
+      <a:schemeClr val="dk1"/>
+    </dgm:txFillClrLst>
+    <dgm:txEffectClrLst/>
+  </dgm:styleLbl>
+  <dgm:styleLbl name="conFgAcc1">
+    <dgm:fillClrLst meth="repeat">
+      <a:schemeClr val="lt1">
+        <a:alpha val="90000"/>
+      </a:schemeClr>
+    </dgm:fillClrLst>
+    <dgm:linClrLst meth="repeat">
+      <a:schemeClr val="accent1"/>
+    </dgm:linClrLst>
+    <dgm:effectClrLst/>
+    <dgm:txLinClrLst/>
+    <dgm:txFillClrLst meth="repeat">
+      <a:schemeClr val="dk1"/>
+    </dgm:txFillClrLst>
+    <dgm:txEffectClrLst/>
+  </dgm:styleLbl>
+  <dgm:styleLbl name="alignAcc1">
+    <dgm:fillClrLst meth="repeat">
+      <a:schemeClr val="lt1">
+        <a:alpha val="90000"/>
+      </a:schemeClr>
+    </dgm:fillClrLst>
+    <dgm:linClrLst meth="repeat">
+      <a:schemeClr val="accent1"/>
+    </dgm:linClrLst>
+    <dgm:effectClrLst/>
+    <dgm:txLinClrLst/>
+    <dgm:txFillClrLst meth="repeat">
+      <a:schemeClr val="dk1"/>
+    </dgm:txFillClrLst>
+    <dgm:txEffectClrLst/>
+  </dgm:styleLbl>
+  <dgm:styleLbl name="trAlignAcc1">
+    <dgm:fillClrLst meth="repeat">
+      <a:schemeClr val="lt1">
+        <a:alpha val="40000"/>
+      </a:schemeClr>
+    </dgm:fillClrLst>
+    <dgm:linClrLst meth="repeat">
+      <a:schemeClr val="accent1"/>
+    </dgm:linClrLst>
+    <dgm:effectClrLst/>
+    <dgm:txLinClrLst/>
+    <dgm:txFillClrLst meth="repeat">
+      <a:schemeClr val="dk1"/>
+    </dgm:txFillClrLst>
+    <dgm:txEffectClrLst/>
+  </dgm:styleLbl>
+  <dgm:styleLbl name="bgAcc1">
+    <dgm:fillClrLst meth="repeat">
+      <a:schemeClr val="lt1">
+        <a:alpha val="90000"/>
+      </a:schemeClr>
+    </dgm:fillClrLst>
+    <dgm:linClrLst meth="repeat">
+      <a:schemeClr val="accent1"/>
+    </dgm:linClrLst>
+    <dgm:effectClrLst/>
+    <dgm:txLinClrLst/>
+    <dgm:txFillClrLst meth="repeat">
+      <a:schemeClr val="dk1"/>
+    </dgm:txFillClrLst>
+    <dgm:txEffectClrLst/>
+  </dgm:styleLbl>
+  <dgm:styleLbl name="solidFgAcc1">
+    <dgm:fillClrLst meth="repeat">
+      <a:schemeClr val="lt1"/>
+    </dgm:fillClrLst>
+    <dgm:linClrLst meth="repeat">
+      <a:schemeClr val="accent1"/>
+    </dgm:linClrLst>
+    <dgm:effectClrLst/>
+    <dgm:txLinClrLst/>
+    <dgm:txFillClrLst meth="repeat">
+      <a:schemeClr val="dk1"/>
+    </dgm:txFillClrLst>
+    <dgm:txEffectClrLst/>
+  </dgm:styleLbl>
+  <dgm:styleLbl name="solidAlignAcc1">
+    <dgm:fillClrLst meth="repeat">
+      <a:schemeClr val="lt1"/>
+    </dgm:fillClrLst>
+    <dgm:linClrLst meth="repeat">
+      <a:schemeClr val="accent1"/>
+    </dgm:linClrLst>
+    <dgm:effectClrLst/>
+    <dgm:txLinClrLst/>
+    <dgm:txFillClrLst meth="repeat">
+      <a:schemeClr val="dk1"/>
+    </dgm:txFillClrLst>
+    <dgm:txEffectClrLst/>
+  </dgm:styleLbl>
+  <dgm:styleLbl name="solidBgAcc1">
+    <dgm:fillClrLst meth="repeat">
+      <a:schemeClr val="lt1"/>
+    </dgm:fillClrLst>
+    <dgm:linClrLst meth="repeat">
+      <a:schemeClr val="accent1"/>
+    </dgm:linClrLst>
+    <dgm:effectClrLst/>
+    <dgm:txLinClrLst/>
+    <dgm:txFillClrLst meth="repeat">
+      <a:schemeClr val="dk1"/>
+    </dgm:txFillClrLst>
+    <dgm:txEffectClrLst/>
+  </dgm:styleLbl>
+  <dgm:styleLbl name="fgAccFollowNode1">
+    <dgm:fillClrLst meth="repeat">
+      <a:schemeClr val="accent1">
+        <a:alpha val="90000"/>
+        <a:tint val="40000"/>
+      </a:schemeClr>
+    </dgm:fillClrLst>
+    <dgm:linClrLst meth="repeat">
+      <a:schemeClr val="accent1">
+        <a:alpha val="90000"/>
+        <a:tint val="40000"/>
+      </a:schemeClr>
+    </dgm:linClrLst>
+    <dgm:effectClrLst/>
+    <dgm:txLinClrLst/>
+    <dgm:txFillClrLst meth="repeat">
+      <a:schemeClr val="dk1"/>
+    </dgm:txFillClrLst>
+    <dgm:txEffectClrLst/>
+  </dgm:styleLbl>
+  <dgm:styleLbl name="alignAccFollowNode1">
+    <dgm:fillClrLst meth="repeat">
+      <a:schemeClr val="accent1">
+        <a:alpha val="90000"/>
+        <a:tint val="40000"/>
+      </a:schemeClr>
+    </dgm:fillClrLst>
+    <dgm:linClrLst meth="repeat">
+      <a:schemeClr val="accent1">
+        <a:alpha val="90000"/>
+        <a:tint val="40000"/>
+      </a:schemeClr>
+    </dgm:linClrLst>
+    <dgm:effectClrLst/>
+    <dgm:txLinClrLst/>
+    <dgm:txFillClrLst meth="repeat">
+      <a:schemeClr val="dk1"/>
+    </dgm:txFillClrLst>
+    <dgm:txEffectClrLst/>
+  </dgm:styleLbl>
+  <dgm:styleLbl name="bgAccFollowNode1">
+    <dgm:fillClrLst meth="repeat">
+      <a:schemeClr val="accent1">
+        <a:alpha val="90000"/>
+        <a:tint val="40000"/>
+      </a:schemeClr>
+    </dgm:fillClrLst>
+    <dgm:linClrLst meth="repeat">
+      <a:schemeClr val="accent1">
+        <a:alpha val="90000"/>
+        <a:tint val="40000"/>
+      </a:schemeClr>
+    </dgm:linClrLst>
+    <dgm:effectClrLst/>
+    <dgm:txLinClrLst/>
+    <dgm:txFillClrLst meth="repeat">
+      <a:schemeClr val="dk1"/>
+    </dgm:txFillClrLst>
+    <dgm:txEffectClrLst/>
+  </dgm:styleLbl>
+  <dgm:styleLbl name="fgAcc0">
+    <dgm:fillClrLst meth="repeat">
+      <a:schemeClr val="lt1">
+        <a:alpha val="90000"/>
+      </a:schemeClr>
+    </dgm:fillClrLst>
+    <dgm:linClrLst meth="repeat">
+      <a:schemeClr val="accent1"/>
+    </dgm:linClrLst>
+    <dgm:effectClrLst/>
+    <dgm:txLinClrLst/>
+    <dgm:txFillClrLst meth="repeat">
+      <a:schemeClr val="dk1"/>
+    </dgm:txFillClrLst>
+    <dgm:txEffectClrLst/>
+  </dgm:styleLbl>
+  <dgm:styleLbl name="fgAcc2">
+    <dgm:fillClrLst meth="repeat">
+      <a:schemeClr val="lt1">
+        <a:alpha val="90000"/>
+      </a:schemeClr>
+    </dgm:fillClrLst>
+    <dgm:linClrLst meth="repeat">
+      <a:schemeClr val="accent1"/>
+    </dgm:linClrLst>
+    <dgm:effectClrLst/>
+    <dgm:txLinClrLst/>
+    <dgm:txFillClrLst meth="repeat">
+      <a:schemeClr val="dk1"/>
+    </dgm:txFillClrLst>
+    <dgm:txEffectClrLst/>
+  </dgm:styleLbl>
+  <dgm:styleLbl name="fgAcc3">
+    <dgm:fillClrLst meth="repeat">
+      <a:schemeClr val="lt1">
+        <a:alpha val="90000"/>
+      </a:schemeClr>
+    </dgm:fillClrLst>
+    <dgm:linClrLst meth="repeat">
+      <a:schemeClr val="accent1"/>
+    </dgm:linClrLst>
+    <dgm:effectClrLst/>
+    <dgm:txLinClrLst/>
+    <dgm:txFillClrLst meth="repeat">
+      <a:schemeClr val="dk1"/>
+    </dgm:txFillClrLst>
+    <dgm:txEffectClrLst/>
+  </dgm:styleLbl>
+  <dgm:styleLbl name="fgAcc4">
+    <dgm:fillClrLst meth="repeat">
+      <a:schemeClr val="lt1">
+        <a:alpha val="90000"/>
+      </a:schemeClr>
+    </dgm:fillClrLst>
+    <dgm:linClrLst meth="repeat">
+      <a:schemeClr val="accent1"/>
+    </dgm:linClrLst>
+    <dgm:effectClrLst/>
+    <dgm:txLinClrLst/>
+    <dgm:txFillClrLst meth="repeat">
+      <a:schemeClr val="dk1"/>
+    </dgm:txFillClrLst>
+    <dgm:txEffectClrLst/>
+  </dgm:styleLbl>
+  <dgm:styleLbl name="bgShp">
+    <dgm:fillClrLst meth="repeat">
+      <a:schemeClr val="accent1">
+        <a:tint val="40000"/>
+      </a:schemeClr>
+    </dgm:fillClrLst>
+    <dgm:linClrLst meth="repeat">
+      <a:schemeClr val="accent1"/>
+    </dgm:linClrLst>
+    <dgm:effectClrLst/>
+    <dgm:txLinClrLst/>
+    <dgm:txFillClrLst meth="repeat">
+      <a:schemeClr val="dk1"/>
+    </dgm:txFillClrLst>
+    <dgm:txEffectClrLst/>
+  </dgm:styleLbl>
+  <dgm:styleLbl name="dkBgShp">
+    <dgm:fillClrLst meth="repeat">
+      <a:schemeClr val="accent1">
+        <a:shade val="80000"/>
+      </a:schemeClr>
+    </dgm:fillClrLst>
+    <dgm:linClrLst meth="repeat">
+      <a:schemeClr val="accent1"/>
+    </dgm:linClrLst>
+    <dgm:effectClrLst/>
+    <dgm:txLinClrLst/>
+    <dgm:txFillClrLst meth="repeat">
+      <a:schemeClr val="lt1"/>
+    </dgm:txFillClrLst>
+    <dgm:txEffectClrLst/>
+  </dgm:styleLbl>
+  <dgm:styleLbl name="trBgShp">
+    <dgm:fillClrLst meth="repeat">
+      <a:schemeClr val="accent1">
+        <a:tint val="50000"/>
+        <a:alpha val="40000"/>
+      </a:schemeClr>
+    </dgm:fillClrLst>
+    <dgm:linClrLst meth="repeat">
+      <a:schemeClr val="accent1"/>
+    </dgm:linClrLst>
+    <dgm:effectClrLst/>
+    <dgm:txLinClrLst/>
+    <dgm:txFillClrLst meth="repeat">
+      <a:schemeClr val="lt1"/>
+    </dgm:txFillClrLst>
+    <dgm:txEffectClrLst/>
+  </dgm:styleLbl>
+  <dgm:styleLbl name="fgShp">
+    <dgm:fillClrLst meth="repeat">
+      <a:schemeClr val="accent1">
+        <a:tint val="60000"/>
+      </a:schemeClr>
+    </dgm:fillClrLst>
+    <dgm:linClrLst meth="repeat">
+      <a:schemeClr val="lt1"/>
+    </dgm:linClrLst>
+    <dgm:effectClrLst/>
+    <dgm:txLinClrLst/>
+    <dgm:txFillClrLst meth="repeat">
+      <a:schemeClr val="dk1"/>
+    </dgm:txFillClrLst>
+    <dgm:txEffectClrLst/>
+  </dgm:styleLbl>
+  <dgm:styleLbl name="revTx">
+    <dgm:fillClrLst meth="repeat">
+      <a:schemeClr val="lt1">
         <a:alpha val="0"/>
       </a:schemeClr>
     </dgm:fillClrLst>
@@ -2234,6 +3733,487 @@
     <dgm:cxn modelId="{8C0E0703-3B25-4BD8-ABAE-C0778D9EA341}" type="presParOf" srcId="{A2B22B4D-069C-454E-B7AB-F3AF0D6D79B3}" destId="{31776B8A-E41B-4F8D-A24A-F0A9776B2E33}" srcOrd="6" destOrd="0" presId="urn:microsoft.com/office/officeart/2005/8/layout/default"/>
     <dgm:cxn modelId="{78709BE8-B2BF-41CA-A3AC-5EEF7F4AE859}" type="presParOf" srcId="{A2B22B4D-069C-454E-B7AB-F3AF0D6D79B3}" destId="{A16D2D37-C7A3-46AD-AB5B-83F6D0E0F644}" srcOrd="7" destOrd="0" presId="urn:microsoft.com/office/officeart/2005/8/layout/default"/>
     <dgm:cxn modelId="{6CE3F963-C110-4CC8-B856-BE1FF33ECC09}" type="presParOf" srcId="{A2B22B4D-069C-454E-B7AB-F3AF0D6D79B3}" destId="{BC0DE435-C6C0-47AC-88D1-F82424019172}" srcOrd="8" destOrd="0" presId="urn:microsoft.com/office/officeart/2005/8/layout/default"/>
+  </dgm:cxnLst>
+  <dgm:bg/>
+  <dgm:whole/>
+  <dgm:extLst>
+    <a:ext uri="http://schemas.microsoft.com/office/drawing/2008/diagram">
+      <dsp:dataModelExt xmlns:dsp="http://schemas.microsoft.com/office/drawing/2008/diagram" relId="rId6" minVer="http://schemas.openxmlformats.org/drawingml/2006/diagram"/>
+    </a:ext>
+  </dgm:extLst>
+</dgm:dataModel>
+</file>
+
+<file path=ppt/diagrams/data3.xml><?xml version="1.0" encoding="utf-8"?>
+<dgm:dataModel xmlns:dgm="http://schemas.openxmlformats.org/drawingml/2006/diagram" xmlns:a="http://schemas.openxmlformats.org/drawingml/2006/main">
+  <dgm:ptLst>
+    <dgm:pt modelId="{390AA425-E35F-498E-A346-DA97066E95E9}" type="doc">
+      <dgm:prSet loTypeId="urn:microsoft.com/office/officeart/2005/8/layout/hierarchy4" loCatId="list" qsTypeId="urn:microsoft.com/office/officeart/2005/8/quickstyle/simple1" qsCatId="simple" csTypeId="urn:microsoft.com/office/officeart/2005/8/colors/accent1_2" csCatId="accent1" phldr="1"/>
+      <dgm:spPr/>
+      <dgm:t>
+        <a:bodyPr/>
+        <a:lstStyle/>
+        <a:p>
+          <a:endParaRPr lang="en-US"/>
+        </a:p>
+      </dgm:t>
+    </dgm:pt>
+    <dgm:pt modelId="{B42B3F74-D1BE-4EE3-A944-F3467048B810}">
+      <dgm:prSet phldrT="[Текст]"/>
+      <dgm:spPr/>
+      <dgm:t>
+        <a:bodyPr/>
+        <a:lstStyle/>
+        <a:p>
+          <a:r>
+            <a:rPr lang="en-US" dirty="0"/>
+            <a:t>Constructor injection</a:t>
+          </a:r>
+        </a:p>
+      </dgm:t>
+    </dgm:pt>
+    <dgm:pt modelId="{11B1BD6E-D938-4AC1-93F2-6CBDA5E90337}" type="parTrans" cxnId="{E132C2EB-187C-492F-B5BC-037A82A381D8}">
+      <dgm:prSet/>
+      <dgm:spPr/>
+      <dgm:t>
+        <a:bodyPr/>
+        <a:lstStyle/>
+        <a:p>
+          <a:endParaRPr lang="en-US"/>
+        </a:p>
+      </dgm:t>
+    </dgm:pt>
+    <dgm:pt modelId="{52096B2D-428A-4DDF-BAFC-D15D09AE324E}" type="sibTrans" cxnId="{E132C2EB-187C-492F-B5BC-037A82A381D8}">
+      <dgm:prSet/>
+      <dgm:spPr/>
+      <dgm:t>
+        <a:bodyPr/>
+        <a:lstStyle/>
+        <a:p>
+          <a:endParaRPr lang="en-US"/>
+        </a:p>
+      </dgm:t>
+    </dgm:pt>
+    <dgm:pt modelId="{694190C9-495E-4F05-AA5E-63F625BDAF41}">
+      <dgm:prSet phldrT="[Текст]"/>
+      <dgm:spPr/>
+      <dgm:t>
+        <a:bodyPr/>
+        <a:lstStyle/>
+        <a:p>
+          <a:r>
+            <a:rPr lang="en-US" dirty="0"/>
+            <a:t>Property injection</a:t>
+          </a:r>
+        </a:p>
+      </dgm:t>
+    </dgm:pt>
+    <dgm:pt modelId="{833FF792-B0D9-43B6-B98F-5A5A133CD3BD}" type="parTrans" cxnId="{CDF0E4D9-9B4F-4D57-A9D3-2C0411518CCF}">
+      <dgm:prSet/>
+      <dgm:spPr/>
+      <dgm:t>
+        <a:bodyPr/>
+        <a:lstStyle/>
+        <a:p>
+          <a:endParaRPr lang="en-US"/>
+        </a:p>
+      </dgm:t>
+    </dgm:pt>
+    <dgm:pt modelId="{30CB8ED2-7EAE-485F-9EE4-F097175BBCCA}" type="sibTrans" cxnId="{CDF0E4D9-9B4F-4D57-A9D3-2C0411518CCF}">
+      <dgm:prSet/>
+      <dgm:spPr/>
+      <dgm:t>
+        <a:bodyPr/>
+        <a:lstStyle/>
+        <a:p>
+          <a:endParaRPr lang="en-US"/>
+        </a:p>
+      </dgm:t>
+    </dgm:pt>
+    <dgm:pt modelId="{AEA184B3-CCCB-4858-A67A-C50B45C5D56B}">
+      <dgm:prSet phldrT="[Текст]"/>
+      <dgm:spPr/>
+      <dgm:t>
+        <a:bodyPr/>
+        <a:lstStyle/>
+        <a:p>
+          <a:r>
+            <a:rPr lang="en-US" dirty="0"/>
+            <a:t>Method injection</a:t>
+          </a:r>
+        </a:p>
+      </dgm:t>
+    </dgm:pt>
+    <dgm:pt modelId="{86EFF16C-72E5-46E4-B5CF-B17D6CE0EABC}" type="parTrans" cxnId="{C91043B8-42EB-4BB0-8605-435AF1FAD5FC}">
+      <dgm:prSet/>
+      <dgm:spPr/>
+      <dgm:t>
+        <a:bodyPr/>
+        <a:lstStyle/>
+        <a:p>
+          <a:endParaRPr lang="en-US"/>
+        </a:p>
+      </dgm:t>
+    </dgm:pt>
+    <dgm:pt modelId="{C45060D0-9233-4E45-B32F-E769D54679E3}" type="sibTrans" cxnId="{C91043B8-42EB-4BB0-8605-435AF1FAD5FC}">
+      <dgm:prSet/>
+      <dgm:spPr/>
+      <dgm:t>
+        <a:bodyPr/>
+        <a:lstStyle/>
+        <a:p>
+          <a:endParaRPr lang="en-US"/>
+        </a:p>
+      </dgm:t>
+    </dgm:pt>
+    <dgm:pt modelId="{E69512B6-D5A5-4812-BCFC-BA60C4ABC0D0}">
+      <dgm:prSet phldrT="[Текст]" custT="1"/>
+      <dgm:spPr/>
+      <dgm:t>
+        <a:bodyPr/>
+        <a:lstStyle/>
+        <a:p>
+          <a:r>
+            <a:rPr lang="en-US" sz="2700" kern="1200" dirty="0">
+              <a:solidFill>
+                <a:prstClr val="white"/>
+              </a:solidFill>
+              <a:latin typeface="Trebuchet MS" panose="020B0603020202020204"/>
+              <a:ea typeface="+mn-ea"/>
+              <a:cs typeface="+mn-cs"/>
+            </a:rPr>
+            <a:t>Ambient Context Injection</a:t>
+          </a:r>
+        </a:p>
+      </dgm:t>
+    </dgm:pt>
+    <dgm:pt modelId="{57BDE8DC-7E22-4519-A961-EE75FC129AE7}" type="parTrans" cxnId="{65621F54-34D7-484F-9334-D653504ABCBD}">
+      <dgm:prSet/>
+      <dgm:spPr/>
+      <dgm:t>
+        <a:bodyPr/>
+        <a:lstStyle/>
+        <a:p>
+          <a:endParaRPr lang="en-US"/>
+        </a:p>
+      </dgm:t>
+    </dgm:pt>
+    <dgm:pt modelId="{97A1C9C6-AE3A-48BB-940B-51B6E0863534}" type="sibTrans" cxnId="{65621F54-34D7-484F-9334-D653504ABCBD}">
+      <dgm:prSet/>
+      <dgm:spPr/>
+      <dgm:t>
+        <a:bodyPr/>
+        <a:lstStyle/>
+        <a:p>
+          <a:endParaRPr lang="en-US"/>
+        </a:p>
+      </dgm:t>
+    </dgm:pt>
+    <dgm:pt modelId="{312BE433-E21A-4CED-998B-3B6B14522052}" type="pres">
+      <dgm:prSet presAssocID="{390AA425-E35F-498E-A346-DA97066E95E9}" presName="Name0" presStyleCnt="0">
+        <dgm:presLayoutVars>
+          <dgm:chPref val="1"/>
+          <dgm:dir/>
+          <dgm:animOne val="branch"/>
+          <dgm:animLvl val="lvl"/>
+          <dgm:resizeHandles/>
+        </dgm:presLayoutVars>
+      </dgm:prSet>
+      <dgm:spPr/>
+    </dgm:pt>
+    <dgm:pt modelId="{576E450B-283C-4B17-A973-0A8E09D251C0}" type="pres">
+      <dgm:prSet presAssocID="{B42B3F74-D1BE-4EE3-A944-F3467048B810}" presName="vertOne" presStyleCnt="0"/>
+      <dgm:spPr/>
+    </dgm:pt>
+    <dgm:pt modelId="{FEF55015-946A-4E5D-AB6E-D46E56F5F16D}" type="pres">
+      <dgm:prSet presAssocID="{B42B3F74-D1BE-4EE3-A944-F3467048B810}" presName="txOne" presStyleLbl="node0" presStyleIdx="0" presStyleCnt="4">
+        <dgm:presLayoutVars>
+          <dgm:chPref val="3"/>
+        </dgm:presLayoutVars>
+      </dgm:prSet>
+      <dgm:spPr/>
+    </dgm:pt>
+    <dgm:pt modelId="{7D129FA5-5885-4781-A17A-A4D8C276B805}" type="pres">
+      <dgm:prSet presAssocID="{B42B3F74-D1BE-4EE3-A944-F3467048B810}" presName="horzOne" presStyleCnt="0"/>
+      <dgm:spPr/>
+    </dgm:pt>
+    <dgm:pt modelId="{80DA632E-5CDD-44C8-BCF0-B0E72FD77F5A}" type="pres">
+      <dgm:prSet presAssocID="{52096B2D-428A-4DDF-BAFC-D15D09AE324E}" presName="sibSpaceOne" presStyleCnt="0"/>
+      <dgm:spPr/>
+    </dgm:pt>
+    <dgm:pt modelId="{F8917982-5921-4A00-B9EC-9BE39B616298}" type="pres">
+      <dgm:prSet presAssocID="{694190C9-495E-4F05-AA5E-63F625BDAF41}" presName="vertOne" presStyleCnt="0"/>
+      <dgm:spPr/>
+    </dgm:pt>
+    <dgm:pt modelId="{70474F05-0754-4E75-B77C-5E54340213A7}" type="pres">
+      <dgm:prSet presAssocID="{694190C9-495E-4F05-AA5E-63F625BDAF41}" presName="txOne" presStyleLbl="node0" presStyleIdx="1" presStyleCnt="4">
+        <dgm:presLayoutVars>
+          <dgm:chPref val="3"/>
+        </dgm:presLayoutVars>
+      </dgm:prSet>
+      <dgm:spPr/>
+    </dgm:pt>
+    <dgm:pt modelId="{F682A432-8A2E-49C3-AD60-396D7CD13E5D}" type="pres">
+      <dgm:prSet presAssocID="{694190C9-495E-4F05-AA5E-63F625BDAF41}" presName="horzOne" presStyleCnt="0"/>
+      <dgm:spPr/>
+    </dgm:pt>
+    <dgm:pt modelId="{1A85677A-D6FB-419E-9161-8C830618CC80}" type="pres">
+      <dgm:prSet presAssocID="{30CB8ED2-7EAE-485F-9EE4-F097175BBCCA}" presName="sibSpaceOne" presStyleCnt="0"/>
+      <dgm:spPr/>
+    </dgm:pt>
+    <dgm:pt modelId="{B473F340-C88B-4C2E-A5B4-C4888BC6F009}" type="pres">
+      <dgm:prSet presAssocID="{AEA184B3-CCCB-4858-A67A-C50B45C5D56B}" presName="vertOne" presStyleCnt="0"/>
+      <dgm:spPr/>
+    </dgm:pt>
+    <dgm:pt modelId="{6E964B99-4370-425E-B22A-113D6E725A24}" type="pres">
+      <dgm:prSet presAssocID="{AEA184B3-CCCB-4858-A67A-C50B45C5D56B}" presName="txOne" presStyleLbl="node0" presStyleIdx="2" presStyleCnt="4">
+        <dgm:presLayoutVars>
+          <dgm:chPref val="3"/>
+        </dgm:presLayoutVars>
+      </dgm:prSet>
+      <dgm:spPr/>
+    </dgm:pt>
+    <dgm:pt modelId="{77388EEE-2856-46E7-B9EC-66B3B0B68D4C}" type="pres">
+      <dgm:prSet presAssocID="{AEA184B3-CCCB-4858-A67A-C50B45C5D56B}" presName="horzOne" presStyleCnt="0"/>
+      <dgm:spPr/>
+    </dgm:pt>
+    <dgm:pt modelId="{6BDED4ED-40DB-4B51-9DB3-707102665541}" type="pres">
+      <dgm:prSet presAssocID="{C45060D0-9233-4E45-B32F-E769D54679E3}" presName="sibSpaceOne" presStyleCnt="0"/>
+      <dgm:spPr/>
+    </dgm:pt>
+    <dgm:pt modelId="{95EF9DAD-EF6B-4E82-8502-294F120643D7}" type="pres">
+      <dgm:prSet presAssocID="{E69512B6-D5A5-4812-BCFC-BA60C4ABC0D0}" presName="vertOne" presStyleCnt="0"/>
+      <dgm:spPr/>
+    </dgm:pt>
+    <dgm:pt modelId="{848E5D3B-05FE-458B-B569-F731B9E1757F}" type="pres">
+      <dgm:prSet presAssocID="{E69512B6-D5A5-4812-BCFC-BA60C4ABC0D0}" presName="txOne" presStyleLbl="node0" presStyleIdx="3" presStyleCnt="4">
+        <dgm:presLayoutVars>
+          <dgm:chPref val="3"/>
+        </dgm:presLayoutVars>
+      </dgm:prSet>
+      <dgm:spPr/>
+    </dgm:pt>
+    <dgm:pt modelId="{4A1D3FE4-0E02-45BB-A870-55D28978B30D}" type="pres">
+      <dgm:prSet presAssocID="{E69512B6-D5A5-4812-BCFC-BA60C4ABC0D0}" presName="horzOne" presStyleCnt="0"/>
+      <dgm:spPr/>
+    </dgm:pt>
+  </dgm:ptLst>
+  <dgm:cxnLst>
+    <dgm:cxn modelId="{9607D321-9B90-48C0-B63B-9B00468F7E35}" type="presOf" srcId="{B42B3F74-D1BE-4EE3-A944-F3467048B810}" destId="{FEF55015-946A-4E5D-AB6E-D46E56F5F16D}" srcOrd="0" destOrd="0" presId="urn:microsoft.com/office/officeart/2005/8/layout/hierarchy4"/>
+    <dgm:cxn modelId="{7BAC3226-BDE3-40F7-9645-0DF74C26857F}" type="presOf" srcId="{AEA184B3-CCCB-4858-A67A-C50B45C5D56B}" destId="{6E964B99-4370-425E-B22A-113D6E725A24}" srcOrd="0" destOrd="0" presId="urn:microsoft.com/office/officeart/2005/8/layout/hierarchy4"/>
+    <dgm:cxn modelId="{65621F54-34D7-484F-9334-D653504ABCBD}" srcId="{390AA425-E35F-498E-A346-DA97066E95E9}" destId="{E69512B6-D5A5-4812-BCFC-BA60C4ABC0D0}" srcOrd="3" destOrd="0" parTransId="{57BDE8DC-7E22-4519-A961-EE75FC129AE7}" sibTransId="{97A1C9C6-AE3A-48BB-940B-51B6E0863534}"/>
+    <dgm:cxn modelId="{056E4B9E-4BD5-4092-9A8E-C2A48BD354AF}" type="presOf" srcId="{E69512B6-D5A5-4812-BCFC-BA60C4ABC0D0}" destId="{848E5D3B-05FE-458B-B569-F731B9E1757F}" srcOrd="0" destOrd="0" presId="urn:microsoft.com/office/officeart/2005/8/layout/hierarchy4"/>
+    <dgm:cxn modelId="{9DEAB2A3-E8DC-4D47-9846-FA4AC65A52F4}" type="presOf" srcId="{390AA425-E35F-498E-A346-DA97066E95E9}" destId="{312BE433-E21A-4CED-998B-3B6B14522052}" srcOrd="0" destOrd="0" presId="urn:microsoft.com/office/officeart/2005/8/layout/hierarchy4"/>
+    <dgm:cxn modelId="{C91043B8-42EB-4BB0-8605-435AF1FAD5FC}" srcId="{390AA425-E35F-498E-A346-DA97066E95E9}" destId="{AEA184B3-CCCB-4858-A67A-C50B45C5D56B}" srcOrd="2" destOrd="0" parTransId="{86EFF16C-72E5-46E4-B5CF-B17D6CE0EABC}" sibTransId="{C45060D0-9233-4E45-B32F-E769D54679E3}"/>
+    <dgm:cxn modelId="{CDF0E4D9-9B4F-4D57-A9D3-2C0411518CCF}" srcId="{390AA425-E35F-498E-A346-DA97066E95E9}" destId="{694190C9-495E-4F05-AA5E-63F625BDAF41}" srcOrd="1" destOrd="0" parTransId="{833FF792-B0D9-43B6-B98F-5A5A133CD3BD}" sibTransId="{30CB8ED2-7EAE-485F-9EE4-F097175BBCCA}"/>
+    <dgm:cxn modelId="{E132C2EB-187C-492F-B5BC-037A82A381D8}" srcId="{390AA425-E35F-498E-A346-DA97066E95E9}" destId="{B42B3F74-D1BE-4EE3-A944-F3467048B810}" srcOrd="0" destOrd="0" parTransId="{11B1BD6E-D938-4AC1-93F2-6CBDA5E90337}" sibTransId="{52096B2D-428A-4DDF-BAFC-D15D09AE324E}"/>
+    <dgm:cxn modelId="{46B4EEF3-9730-41BD-99D7-F5979F9DC0A5}" type="presOf" srcId="{694190C9-495E-4F05-AA5E-63F625BDAF41}" destId="{70474F05-0754-4E75-B77C-5E54340213A7}" srcOrd="0" destOrd="0" presId="urn:microsoft.com/office/officeart/2005/8/layout/hierarchy4"/>
+    <dgm:cxn modelId="{3660680F-1DF1-4693-AB97-493BE29A8A12}" type="presParOf" srcId="{312BE433-E21A-4CED-998B-3B6B14522052}" destId="{576E450B-283C-4B17-A973-0A8E09D251C0}" srcOrd="0" destOrd="0" presId="urn:microsoft.com/office/officeart/2005/8/layout/hierarchy4"/>
+    <dgm:cxn modelId="{B6968D55-A5F2-4D0A-AB86-D2D6A1058963}" type="presParOf" srcId="{576E450B-283C-4B17-A973-0A8E09D251C0}" destId="{FEF55015-946A-4E5D-AB6E-D46E56F5F16D}" srcOrd="0" destOrd="0" presId="urn:microsoft.com/office/officeart/2005/8/layout/hierarchy4"/>
+    <dgm:cxn modelId="{BC4230A6-5876-494E-9349-F0584227AE28}" type="presParOf" srcId="{576E450B-283C-4B17-A973-0A8E09D251C0}" destId="{7D129FA5-5885-4781-A17A-A4D8C276B805}" srcOrd="1" destOrd="0" presId="urn:microsoft.com/office/officeart/2005/8/layout/hierarchy4"/>
+    <dgm:cxn modelId="{3721977C-13A3-4267-AA79-8622BF827B9E}" type="presParOf" srcId="{312BE433-E21A-4CED-998B-3B6B14522052}" destId="{80DA632E-5CDD-44C8-BCF0-B0E72FD77F5A}" srcOrd="1" destOrd="0" presId="urn:microsoft.com/office/officeart/2005/8/layout/hierarchy4"/>
+    <dgm:cxn modelId="{EB3FA6DC-6AF2-4C13-AE53-F7DC21A469F7}" type="presParOf" srcId="{312BE433-E21A-4CED-998B-3B6B14522052}" destId="{F8917982-5921-4A00-B9EC-9BE39B616298}" srcOrd="2" destOrd="0" presId="urn:microsoft.com/office/officeart/2005/8/layout/hierarchy4"/>
+    <dgm:cxn modelId="{B2B9C965-8D3A-4FCC-9A05-2FCB2326CFEC}" type="presParOf" srcId="{F8917982-5921-4A00-B9EC-9BE39B616298}" destId="{70474F05-0754-4E75-B77C-5E54340213A7}" srcOrd="0" destOrd="0" presId="urn:microsoft.com/office/officeart/2005/8/layout/hierarchy4"/>
+    <dgm:cxn modelId="{69A4D3C5-DD03-49A1-B3FB-F65B2D9802FD}" type="presParOf" srcId="{F8917982-5921-4A00-B9EC-9BE39B616298}" destId="{F682A432-8A2E-49C3-AD60-396D7CD13E5D}" srcOrd="1" destOrd="0" presId="urn:microsoft.com/office/officeart/2005/8/layout/hierarchy4"/>
+    <dgm:cxn modelId="{3A76F1E0-20B0-402C-8498-67FFCC95127F}" type="presParOf" srcId="{312BE433-E21A-4CED-998B-3B6B14522052}" destId="{1A85677A-D6FB-419E-9161-8C830618CC80}" srcOrd="3" destOrd="0" presId="urn:microsoft.com/office/officeart/2005/8/layout/hierarchy4"/>
+    <dgm:cxn modelId="{461E3937-4D94-4CF3-AA0F-7ED204162093}" type="presParOf" srcId="{312BE433-E21A-4CED-998B-3B6B14522052}" destId="{B473F340-C88B-4C2E-A5B4-C4888BC6F009}" srcOrd="4" destOrd="0" presId="urn:microsoft.com/office/officeart/2005/8/layout/hierarchy4"/>
+    <dgm:cxn modelId="{8A27A72D-B9AA-4893-95B0-027125A561D0}" type="presParOf" srcId="{B473F340-C88B-4C2E-A5B4-C4888BC6F009}" destId="{6E964B99-4370-425E-B22A-113D6E725A24}" srcOrd="0" destOrd="0" presId="urn:microsoft.com/office/officeart/2005/8/layout/hierarchy4"/>
+    <dgm:cxn modelId="{0074453F-F36E-44F5-BB77-C85DE3177372}" type="presParOf" srcId="{B473F340-C88B-4C2E-A5B4-C4888BC6F009}" destId="{77388EEE-2856-46E7-B9EC-66B3B0B68D4C}" srcOrd="1" destOrd="0" presId="urn:microsoft.com/office/officeart/2005/8/layout/hierarchy4"/>
+    <dgm:cxn modelId="{FE23B176-2052-48A1-A1BC-599D0FCD4194}" type="presParOf" srcId="{312BE433-E21A-4CED-998B-3B6B14522052}" destId="{6BDED4ED-40DB-4B51-9DB3-707102665541}" srcOrd="5" destOrd="0" presId="urn:microsoft.com/office/officeart/2005/8/layout/hierarchy4"/>
+    <dgm:cxn modelId="{88405265-7877-4F9B-8452-37FD39A00BB0}" type="presParOf" srcId="{312BE433-E21A-4CED-998B-3B6B14522052}" destId="{95EF9DAD-EF6B-4E82-8502-294F120643D7}" srcOrd="6" destOrd="0" presId="urn:microsoft.com/office/officeart/2005/8/layout/hierarchy4"/>
+    <dgm:cxn modelId="{8596ED3D-7290-454D-834D-229660829417}" type="presParOf" srcId="{95EF9DAD-EF6B-4E82-8502-294F120643D7}" destId="{848E5D3B-05FE-458B-B569-F731B9E1757F}" srcOrd="0" destOrd="0" presId="urn:microsoft.com/office/officeart/2005/8/layout/hierarchy4"/>
+    <dgm:cxn modelId="{D927CFBB-F0C7-463E-80CD-768498CBD459}" type="presParOf" srcId="{95EF9DAD-EF6B-4E82-8502-294F120643D7}" destId="{4A1D3FE4-0E02-45BB-A870-55D28978B30D}" srcOrd="1" destOrd="0" presId="urn:microsoft.com/office/officeart/2005/8/layout/hierarchy4"/>
+  </dgm:cxnLst>
+  <dgm:bg/>
+  <dgm:whole/>
+  <dgm:extLst>
+    <a:ext uri="http://schemas.microsoft.com/office/drawing/2008/diagram">
+      <dsp:dataModelExt xmlns:dsp="http://schemas.microsoft.com/office/drawing/2008/diagram" relId="rId6" minVer="http://schemas.openxmlformats.org/drawingml/2006/diagram"/>
+    </a:ext>
+  </dgm:extLst>
+</dgm:dataModel>
+</file>
+
+<file path=ppt/diagrams/data4.xml><?xml version="1.0" encoding="utf-8"?>
+<dgm:dataModel xmlns:dgm="http://schemas.openxmlformats.org/drawingml/2006/diagram" xmlns:a="http://schemas.openxmlformats.org/drawingml/2006/main">
+  <dgm:ptLst>
+    <dgm:pt modelId="{9AF7EDE6-D779-4D5D-9E1C-254B7DA6E28D}" type="doc">
+      <dgm:prSet loTypeId="urn:microsoft.com/office/officeart/2005/8/layout/default" loCatId="list" qsTypeId="urn:microsoft.com/office/officeart/2005/8/quickstyle/simple1" qsCatId="simple" csTypeId="urn:microsoft.com/office/officeart/2005/8/colors/accent1_2" csCatId="accent1" phldr="1"/>
+      <dgm:spPr/>
+      <dgm:t>
+        <a:bodyPr/>
+        <a:lstStyle/>
+        <a:p>
+          <a:endParaRPr lang="en-US"/>
+        </a:p>
+      </dgm:t>
+    </dgm:pt>
+    <dgm:pt modelId="{2A3EB5CF-AA11-4883-AACF-FF00CF444C91}">
+      <dgm:prSet phldrT="[Текст]"/>
+      <dgm:spPr/>
+      <dgm:t>
+        <a:bodyPr/>
+        <a:lstStyle/>
+        <a:p>
+          <a:r>
+            <a:rPr lang="ru-RU" b="1" i="0" u="none" dirty="0"/>
+            <a:t>Неясный контракт класса</a:t>
+          </a:r>
+          <a:endParaRPr lang="en-US" dirty="0"/>
+        </a:p>
+      </dgm:t>
+    </dgm:pt>
+    <dgm:pt modelId="{AA73F2F2-02BB-46FA-92E0-CCFD476CDD5F}" type="parTrans" cxnId="{F96E01D0-5E17-435C-96F8-D27DC57FDB8B}">
+      <dgm:prSet/>
+      <dgm:spPr/>
+      <dgm:t>
+        <a:bodyPr/>
+        <a:lstStyle/>
+        <a:p>
+          <a:endParaRPr lang="en-US"/>
+        </a:p>
+      </dgm:t>
+    </dgm:pt>
+    <dgm:pt modelId="{39847A36-D9AB-42F6-BAA9-21F11DCFB431}" type="sibTrans" cxnId="{F96E01D0-5E17-435C-96F8-D27DC57FDB8B}">
+      <dgm:prSet/>
+      <dgm:spPr/>
+      <dgm:t>
+        <a:bodyPr/>
+        <a:lstStyle/>
+        <a:p>
+          <a:endParaRPr lang="en-US"/>
+        </a:p>
+      </dgm:t>
+    </dgm:pt>
+    <dgm:pt modelId="{F8C64AC6-20D3-4BA8-9E4B-83CCA5003290}">
+      <dgm:prSet phldrT="[Текст]"/>
+      <dgm:spPr/>
+      <dgm:t>
+        <a:bodyPr/>
+        <a:lstStyle/>
+        <a:p>
+          <a:r>
+            <a:rPr lang="ru-RU" b="1" i="0" u="none" dirty="0"/>
+            <a:t>Неопределенная сложность класса</a:t>
+          </a:r>
+          <a:endParaRPr lang="en-US" dirty="0"/>
+        </a:p>
+      </dgm:t>
+    </dgm:pt>
+    <dgm:pt modelId="{92EB2A96-1E9C-418F-84B4-D88771699F9E}" type="parTrans" cxnId="{8B365896-6652-4CBD-B04B-D8435ACEACFC}">
+      <dgm:prSet/>
+      <dgm:spPr/>
+      <dgm:t>
+        <a:bodyPr/>
+        <a:lstStyle/>
+        <a:p>
+          <a:endParaRPr lang="en-US"/>
+        </a:p>
+      </dgm:t>
+    </dgm:pt>
+    <dgm:pt modelId="{E6862157-3A58-4655-A2E1-26D62250EA26}" type="sibTrans" cxnId="{8B365896-6652-4CBD-B04B-D8435ACEACFC}">
+      <dgm:prSet/>
+      <dgm:spPr/>
+      <dgm:t>
+        <a:bodyPr/>
+        <a:lstStyle/>
+        <a:p>
+          <a:endParaRPr lang="en-US"/>
+        </a:p>
+      </dgm:t>
+    </dgm:pt>
+    <dgm:pt modelId="{D92FA169-645E-4FA8-902D-4B648249A997}">
+      <dgm:prSet phldrT="[Текст]"/>
+      <dgm:spPr/>
+      <dgm:t>
+        <a:bodyPr/>
+        <a:lstStyle/>
+        <a:p>
+          <a:r>
+            <a:rPr lang="ru-RU" b="1" i="0" u="none" dirty="0"/>
+            <a:t>Отсутствие строгой типизации</a:t>
+          </a:r>
+          <a:endParaRPr lang="en-US" dirty="0"/>
+        </a:p>
+      </dgm:t>
+    </dgm:pt>
+    <dgm:pt modelId="{53BCA054-C73F-4803-B417-4B9C65A50B46}" type="parTrans" cxnId="{1523D1A1-2F5C-4BF0-89FA-263946865704}">
+      <dgm:prSet/>
+      <dgm:spPr/>
+      <dgm:t>
+        <a:bodyPr/>
+        <a:lstStyle/>
+        <a:p>
+          <a:endParaRPr lang="en-US"/>
+        </a:p>
+      </dgm:t>
+    </dgm:pt>
+    <dgm:pt modelId="{68B0D036-02D6-426E-96D6-E7E1D79E073A}" type="sibTrans" cxnId="{1523D1A1-2F5C-4BF0-89FA-263946865704}">
+      <dgm:prSet/>
+      <dgm:spPr/>
+      <dgm:t>
+        <a:bodyPr/>
+        <a:lstStyle/>
+        <a:p>
+          <a:endParaRPr lang="en-US"/>
+        </a:p>
+      </dgm:t>
+    </dgm:pt>
+    <dgm:pt modelId="{56571F9C-93A5-4C7B-AB1F-0A22A842920A}" type="pres">
+      <dgm:prSet presAssocID="{9AF7EDE6-D779-4D5D-9E1C-254B7DA6E28D}" presName="diagram" presStyleCnt="0">
+        <dgm:presLayoutVars>
+          <dgm:dir/>
+          <dgm:resizeHandles val="exact"/>
+        </dgm:presLayoutVars>
+      </dgm:prSet>
+      <dgm:spPr/>
+    </dgm:pt>
+    <dgm:pt modelId="{ADDEA870-BDA5-46EB-92CA-66C203E993D7}" type="pres">
+      <dgm:prSet presAssocID="{2A3EB5CF-AA11-4883-AACF-FF00CF444C91}" presName="node" presStyleLbl="node1" presStyleIdx="0" presStyleCnt="3">
+        <dgm:presLayoutVars>
+          <dgm:bulletEnabled val="1"/>
+        </dgm:presLayoutVars>
+      </dgm:prSet>
+      <dgm:spPr/>
+    </dgm:pt>
+    <dgm:pt modelId="{B4D25E0F-FE9C-41A0-8A14-1262DD0E3645}" type="pres">
+      <dgm:prSet presAssocID="{39847A36-D9AB-42F6-BAA9-21F11DCFB431}" presName="sibTrans" presStyleCnt="0"/>
+      <dgm:spPr/>
+    </dgm:pt>
+    <dgm:pt modelId="{37327914-6F6D-4EDC-9C28-31805249FE32}" type="pres">
+      <dgm:prSet presAssocID="{F8C64AC6-20D3-4BA8-9E4B-83CCA5003290}" presName="node" presStyleLbl="node1" presStyleIdx="1" presStyleCnt="3">
+        <dgm:presLayoutVars>
+          <dgm:bulletEnabled val="1"/>
+        </dgm:presLayoutVars>
+      </dgm:prSet>
+      <dgm:spPr/>
+    </dgm:pt>
+    <dgm:pt modelId="{B6F67864-6553-416B-ABE6-A93CD49B2782}" type="pres">
+      <dgm:prSet presAssocID="{E6862157-3A58-4655-A2E1-26D62250EA26}" presName="sibTrans" presStyleCnt="0"/>
+      <dgm:spPr/>
+    </dgm:pt>
+    <dgm:pt modelId="{9BA1C7B6-A55A-4A4E-A2F7-12D9320E854D}" type="pres">
+      <dgm:prSet presAssocID="{D92FA169-645E-4FA8-902D-4B648249A997}" presName="node" presStyleLbl="node1" presStyleIdx="2" presStyleCnt="3">
+        <dgm:presLayoutVars>
+          <dgm:bulletEnabled val="1"/>
+        </dgm:presLayoutVars>
+      </dgm:prSet>
+      <dgm:spPr/>
+    </dgm:pt>
+  </dgm:ptLst>
+  <dgm:cxnLst>
+    <dgm:cxn modelId="{1E227F19-9936-4FB5-A7F5-9172640B6CB0}" type="presOf" srcId="{2A3EB5CF-AA11-4883-AACF-FF00CF444C91}" destId="{ADDEA870-BDA5-46EB-92CA-66C203E993D7}" srcOrd="0" destOrd="0" presId="urn:microsoft.com/office/officeart/2005/8/layout/default"/>
+    <dgm:cxn modelId="{C860A544-A8FC-49E5-8B1B-EFC443021713}" type="presOf" srcId="{9AF7EDE6-D779-4D5D-9E1C-254B7DA6E28D}" destId="{56571F9C-93A5-4C7B-AB1F-0A22A842920A}" srcOrd="0" destOrd="0" presId="urn:microsoft.com/office/officeart/2005/8/layout/default"/>
+    <dgm:cxn modelId="{64290992-27A1-4366-B725-AD16C9CE8EF7}" type="presOf" srcId="{D92FA169-645E-4FA8-902D-4B648249A997}" destId="{9BA1C7B6-A55A-4A4E-A2F7-12D9320E854D}" srcOrd="0" destOrd="0" presId="urn:microsoft.com/office/officeart/2005/8/layout/default"/>
+    <dgm:cxn modelId="{8B365896-6652-4CBD-B04B-D8435ACEACFC}" srcId="{9AF7EDE6-D779-4D5D-9E1C-254B7DA6E28D}" destId="{F8C64AC6-20D3-4BA8-9E4B-83CCA5003290}" srcOrd="1" destOrd="0" parTransId="{92EB2A96-1E9C-418F-84B4-D88771699F9E}" sibTransId="{E6862157-3A58-4655-A2E1-26D62250EA26}"/>
+    <dgm:cxn modelId="{C05E56A0-9F94-4F0C-B51D-983F9723B5ED}" type="presOf" srcId="{F8C64AC6-20D3-4BA8-9E4B-83CCA5003290}" destId="{37327914-6F6D-4EDC-9C28-31805249FE32}" srcOrd="0" destOrd="0" presId="urn:microsoft.com/office/officeart/2005/8/layout/default"/>
+    <dgm:cxn modelId="{1523D1A1-2F5C-4BF0-89FA-263946865704}" srcId="{9AF7EDE6-D779-4D5D-9E1C-254B7DA6E28D}" destId="{D92FA169-645E-4FA8-902D-4B648249A997}" srcOrd="2" destOrd="0" parTransId="{53BCA054-C73F-4803-B417-4B9C65A50B46}" sibTransId="{68B0D036-02D6-426E-96D6-E7E1D79E073A}"/>
+    <dgm:cxn modelId="{F96E01D0-5E17-435C-96F8-D27DC57FDB8B}" srcId="{9AF7EDE6-D779-4D5D-9E1C-254B7DA6E28D}" destId="{2A3EB5CF-AA11-4883-AACF-FF00CF444C91}" srcOrd="0" destOrd="0" parTransId="{AA73F2F2-02BB-46FA-92E0-CCFD476CDD5F}" sibTransId="{39847A36-D9AB-42F6-BAA9-21F11DCFB431}"/>
+    <dgm:cxn modelId="{32A2F3AD-72CA-4251-A0F9-D36605510A68}" type="presParOf" srcId="{56571F9C-93A5-4C7B-AB1F-0A22A842920A}" destId="{ADDEA870-BDA5-46EB-92CA-66C203E993D7}" srcOrd="0" destOrd="0" presId="urn:microsoft.com/office/officeart/2005/8/layout/default"/>
+    <dgm:cxn modelId="{CAF9ACB3-170A-46BA-835A-77236A32E541}" type="presParOf" srcId="{56571F9C-93A5-4C7B-AB1F-0A22A842920A}" destId="{B4D25E0F-FE9C-41A0-8A14-1262DD0E3645}" srcOrd="1" destOrd="0" presId="urn:microsoft.com/office/officeart/2005/8/layout/default"/>
+    <dgm:cxn modelId="{8CDE028B-7AC0-4CF6-86F8-B208F81DF096}" type="presParOf" srcId="{56571F9C-93A5-4C7B-AB1F-0A22A842920A}" destId="{37327914-6F6D-4EDC-9C28-31805249FE32}" srcOrd="2" destOrd="0" presId="urn:microsoft.com/office/officeart/2005/8/layout/default"/>
+    <dgm:cxn modelId="{F88B7102-B2C8-4C21-8433-D02222BBDDA9}" type="presParOf" srcId="{56571F9C-93A5-4C7B-AB1F-0A22A842920A}" destId="{B6F67864-6553-416B-ABE6-A93CD49B2782}" srcOrd="3" destOrd="0" presId="urn:microsoft.com/office/officeart/2005/8/layout/default"/>
+    <dgm:cxn modelId="{55EEBC7D-AA14-41DE-BE59-3258ECEB5D57}" type="presParOf" srcId="{56571F9C-93A5-4C7B-AB1F-0A22A842920A}" destId="{9BA1C7B6-A55A-4A4E-A2F7-12D9320E854D}" srcOrd="4" destOrd="0" presId="urn:microsoft.com/office/officeart/2005/8/layout/default"/>
   </dgm:cxnLst>
   <dgm:bg/>
   <dgm:whole/>
@@ -3044,6 +5024,587 @@
 </dsp:drawing>
 </file>
 
+<file path=ppt/diagrams/drawing3.xml><?xml version="1.0" encoding="utf-8"?>
+<dsp:drawing xmlns:dgm="http://schemas.openxmlformats.org/drawingml/2006/diagram" xmlns:dsp="http://schemas.microsoft.com/office/drawing/2008/diagram" xmlns:a="http://schemas.openxmlformats.org/drawingml/2006/main">
+  <dsp:spTree>
+    <dsp:nvGrpSpPr>
+      <dsp:cNvPr id="0" name=""/>
+      <dsp:cNvGrpSpPr/>
+    </dsp:nvGrpSpPr>
+    <dsp:grpSpPr/>
+    <dsp:sp modelId="{FEF55015-946A-4E5D-AB6E-D46E56F5F16D}">
+      <dsp:nvSpPr>
+        <dsp:cNvPr id="0" name=""/>
+        <dsp:cNvSpPr/>
+      </dsp:nvSpPr>
+      <dsp:spPr>
+        <a:xfrm>
+          <a:off x="2212" y="0"/>
+          <a:ext cx="2158114" cy="2217509"/>
+        </a:xfrm>
+        <a:prstGeom prst="roundRect">
+          <a:avLst>
+            <a:gd name="adj" fmla="val 10000"/>
+          </a:avLst>
+        </a:prstGeom>
+        <a:solidFill>
+          <a:schemeClr val="accent1">
+            <a:hueOff val="0"/>
+            <a:satOff val="0"/>
+            <a:lumOff val="0"/>
+            <a:alphaOff val="0"/>
+          </a:schemeClr>
+        </a:solidFill>
+        <a:ln w="12700" cap="flat" cmpd="sng" algn="ctr">
+          <a:solidFill>
+            <a:schemeClr val="lt1">
+              <a:hueOff val="0"/>
+              <a:satOff val="0"/>
+              <a:lumOff val="0"/>
+              <a:alphaOff val="0"/>
+            </a:schemeClr>
+          </a:solidFill>
+          <a:prstDash val="solid"/>
+        </a:ln>
+        <a:effectLst/>
+      </dsp:spPr>
+      <dsp:style>
+        <a:lnRef idx="2">
+          <a:scrgbClr r="0" g="0" b="0"/>
+        </a:lnRef>
+        <a:fillRef idx="1">
+          <a:scrgbClr r="0" g="0" b="0"/>
+        </a:fillRef>
+        <a:effectRef idx="0">
+          <a:scrgbClr r="0" g="0" b="0"/>
+        </a:effectRef>
+        <a:fontRef idx="minor">
+          <a:schemeClr val="lt1"/>
+        </a:fontRef>
+      </dsp:style>
+      <dsp:txBody>
+        <a:bodyPr spcFirstLastPara="0" vert="horz" wrap="square" lIns="102870" tIns="102870" rIns="102870" bIns="102870" numCol="1" spcCol="1270" anchor="ctr" anchorCtr="0">
+          <a:noAutofit/>
+        </a:bodyPr>
+        <a:lstStyle/>
+        <a:p>
+          <a:pPr marL="0" lvl="0" indent="0" algn="ctr" defTabSz="1200150">
+            <a:lnSpc>
+              <a:spcPct val="90000"/>
+            </a:lnSpc>
+            <a:spcBef>
+              <a:spcPct val="0"/>
+            </a:spcBef>
+            <a:spcAft>
+              <a:spcPct val="35000"/>
+            </a:spcAft>
+            <a:buNone/>
+          </a:pPr>
+          <a:r>
+            <a:rPr lang="en-US" sz="2700" kern="1200" dirty="0"/>
+            <a:t>Constructor injection</a:t>
+          </a:r>
+        </a:p>
+      </dsp:txBody>
+      <dsp:txXfrm>
+        <a:off x="65421" y="63209"/>
+        <a:ext cx="2031696" cy="2091091"/>
+      </dsp:txXfrm>
+    </dsp:sp>
+    <dsp:sp modelId="{70474F05-0754-4E75-B77C-5E54340213A7}">
+      <dsp:nvSpPr>
+        <dsp:cNvPr id="0" name=""/>
+        <dsp:cNvSpPr/>
+      </dsp:nvSpPr>
+      <dsp:spPr>
+        <a:xfrm>
+          <a:off x="2522889" y="0"/>
+          <a:ext cx="2158114" cy="2217509"/>
+        </a:xfrm>
+        <a:prstGeom prst="roundRect">
+          <a:avLst>
+            <a:gd name="adj" fmla="val 10000"/>
+          </a:avLst>
+        </a:prstGeom>
+        <a:solidFill>
+          <a:schemeClr val="accent1">
+            <a:hueOff val="0"/>
+            <a:satOff val="0"/>
+            <a:lumOff val="0"/>
+            <a:alphaOff val="0"/>
+          </a:schemeClr>
+        </a:solidFill>
+        <a:ln w="12700" cap="flat" cmpd="sng" algn="ctr">
+          <a:solidFill>
+            <a:schemeClr val="lt1">
+              <a:hueOff val="0"/>
+              <a:satOff val="0"/>
+              <a:lumOff val="0"/>
+              <a:alphaOff val="0"/>
+            </a:schemeClr>
+          </a:solidFill>
+          <a:prstDash val="solid"/>
+        </a:ln>
+        <a:effectLst/>
+      </dsp:spPr>
+      <dsp:style>
+        <a:lnRef idx="2">
+          <a:scrgbClr r="0" g="0" b="0"/>
+        </a:lnRef>
+        <a:fillRef idx="1">
+          <a:scrgbClr r="0" g="0" b="0"/>
+        </a:fillRef>
+        <a:effectRef idx="0">
+          <a:scrgbClr r="0" g="0" b="0"/>
+        </a:effectRef>
+        <a:fontRef idx="minor">
+          <a:schemeClr val="lt1"/>
+        </a:fontRef>
+      </dsp:style>
+      <dsp:txBody>
+        <a:bodyPr spcFirstLastPara="0" vert="horz" wrap="square" lIns="102870" tIns="102870" rIns="102870" bIns="102870" numCol="1" spcCol="1270" anchor="ctr" anchorCtr="0">
+          <a:noAutofit/>
+        </a:bodyPr>
+        <a:lstStyle/>
+        <a:p>
+          <a:pPr marL="0" lvl="0" indent="0" algn="ctr" defTabSz="1200150">
+            <a:lnSpc>
+              <a:spcPct val="90000"/>
+            </a:lnSpc>
+            <a:spcBef>
+              <a:spcPct val="0"/>
+            </a:spcBef>
+            <a:spcAft>
+              <a:spcPct val="35000"/>
+            </a:spcAft>
+            <a:buNone/>
+          </a:pPr>
+          <a:r>
+            <a:rPr lang="en-US" sz="2700" kern="1200" dirty="0"/>
+            <a:t>Property injection</a:t>
+          </a:r>
+        </a:p>
+      </dsp:txBody>
+      <dsp:txXfrm>
+        <a:off x="2586098" y="63209"/>
+        <a:ext cx="2031696" cy="2091091"/>
+      </dsp:txXfrm>
+    </dsp:sp>
+    <dsp:sp modelId="{6E964B99-4370-425E-B22A-113D6E725A24}">
+      <dsp:nvSpPr>
+        <dsp:cNvPr id="0" name=""/>
+        <dsp:cNvSpPr/>
+      </dsp:nvSpPr>
+      <dsp:spPr>
+        <a:xfrm>
+          <a:off x="5043567" y="0"/>
+          <a:ext cx="2158114" cy="2217509"/>
+        </a:xfrm>
+        <a:prstGeom prst="roundRect">
+          <a:avLst>
+            <a:gd name="adj" fmla="val 10000"/>
+          </a:avLst>
+        </a:prstGeom>
+        <a:solidFill>
+          <a:schemeClr val="accent1">
+            <a:hueOff val="0"/>
+            <a:satOff val="0"/>
+            <a:lumOff val="0"/>
+            <a:alphaOff val="0"/>
+          </a:schemeClr>
+        </a:solidFill>
+        <a:ln w="12700" cap="flat" cmpd="sng" algn="ctr">
+          <a:solidFill>
+            <a:schemeClr val="lt1">
+              <a:hueOff val="0"/>
+              <a:satOff val="0"/>
+              <a:lumOff val="0"/>
+              <a:alphaOff val="0"/>
+            </a:schemeClr>
+          </a:solidFill>
+          <a:prstDash val="solid"/>
+        </a:ln>
+        <a:effectLst/>
+      </dsp:spPr>
+      <dsp:style>
+        <a:lnRef idx="2">
+          <a:scrgbClr r="0" g="0" b="0"/>
+        </a:lnRef>
+        <a:fillRef idx="1">
+          <a:scrgbClr r="0" g="0" b="0"/>
+        </a:fillRef>
+        <a:effectRef idx="0">
+          <a:scrgbClr r="0" g="0" b="0"/>
+        </a:effectRef>
+        <a:fontRef idx="minor">
+          <a:schemeClr val="lt1"/>
+        </a:fontRef>
+      </dsp:style>
+      <dsp:txBody>
+        <a:bodyPr spcFirstLastPara="0" vert="horz" wrap="square" lIns="102870" tIns="102870" rIns="102870" bIns="102870" numCol="1" spcCol="1270" anchor="ctr" anchorCtr="0">
+          <a:noAutofit/>
+        </a:bodyPr>
+        <a:lstStyle/>
+        <a:p>
+          <a:pPr marL="0" lvl="0" indent="0" algn="ctr" defTabSz="1200150">
+            <a:lnSpc>
+              <a:spcPct val="90000"/>
+            </a:lnSpc>
+            <a:spcBef>
+              <a:spcPct val="0"/>
+            </a:spcBef>
+            <a:spcAft>
+              <a:spcPct val="35000"/>
+            </a:spcAft>
+            <a:buNone/>
+          </a:pPr>
+          <a:r>
+            <a:rPr lang="en-US" sz="2700" kern="1200" dirty="0"/>
+            <a:t>Method injection</a:t>
+          </a:r>
+        </a:p>
+      </dsp:txBody>
+      <dsp:txXfrm>
+        <a:off x="5106776" y="63209"/>
+        <a:ext cx="2031696" cy="2091091"/>
+      </dsp:txXfrm>
+    </dsp:sp>
+    <dsp:sp modelId="{848E5D3B-05FE-458B-B569-F731B9E1757F}">
+      <dsp:nvSpPr>
+        <dsp:cNvPr id="0" name=""/>
+        <dsp:cNvSpPr/>
+      </dsp:nvSpPr>
+      <dsp:spPr>
+        <a:xfrm>
+          <a:off x="7564244" y="0"/>
+          <a:ext cx="2158114" cy="2217509"/>
+        </a:xfrm>
+        <a:prstGeom prst="roundRect">
+          <a:avLst>
+            <a:gd name="adj" fmla="val 10000"/>
+          </a:avLst>
+        </a:prstGeom>
+        <a:solidFill>
+          <a:schemeClr val="accent1">
+            <a:hueOff val="0"/>
+            <a:satOff val="0"/>
+            <a:lumOff val="0"/>
+            <a:alphaOff val="0"/>
+          </a:schemeClr>
+        </a:solidFill>
+        <a:ln w="12700" cap="flat" cmpd="sng" algn="ctr">
+          <a:solidFill>
+            <a:schemeClr val="lt1">
+              <a:hueOff val="0"/>
+              <a:satOff val="0"/>
+              <a:lumOff val="0"/>
+              <a:alphaOff val="0"/>
+            </a:schemeClr>
+          </a:solidFill>
+          <a:prstDash val="solid"/>
+        </a:ln>
+        <a:effectLst/>
+      </dsp:spPr>
+      <dsp:style>
+        <a:lnRef idx="2">
+          <a:scrgbClr r="0" g="0" b="0"/>
+        </a:lnRef>
+        <a:fillRef idx="1">
+          <a:scrgbClr r="0" g="0" b="0"/>
+        </a:fillRef>
+        <a:effectRef idx="0">
+          <a:scrgbClr r="0" g="0" b="0"/>
+        </a:effectRef>
+        <a:fontRef idx="minor">
+          <a:schemeClr val="lt1"/>
+        </a:fontRef>
+      </dsp:style>
+      <dsp:txBody>
+        <a:bodyPr spcFirstLastPara="0" vert="horz" wrap="square" lIns="102870" tIns="102870" rIns="102870" bIns="102870" numCol="1" spcCol="1270" anchor="ctr" anchorCtr="0">
+          <a:noAutofit/>
+        </a:bodyPr>
+        <a:lstStyle/>
+        <a:p>
+          <a:pPr marL="0" lvl="0" indent="0" algn="ctr" defTabSz="1200150">
+            <a:lnSpc>
+              <a:spcPct val="90000"/>
+            </a:lnSpc>
+            <a:spcBef>
+              <a:spcPct val="0"/>
+            </a:spcBef>
+            <a:spcAft>
+              <a:spcPct val="35000"/>
+            </a:spcAft>
+            <a:buNone/>
+          </a:pPr>
+          <a:r>
+            <a:rPr lang="en-US" sz="2700" kern="1200" dirty="0">
+              <a:solidFill>
+                <a:prstClr val="white"/>
+              </a:solidFill>
+              <a:latin typeface="Trebuchet MS" panose="020B0603020202020204"/>
+              <a:ea typeface="+mn-ea"/>
+              <a:cs typeface="+mn-cs"/>
+            </a:rPr>
+            <a:t>Ambient Context Injection</a:t>
+          </a:r>
+        </a:p>
+      </dsp:txBody>
+      <dsp:txXfrm>
+        <a:off x="7627453" y="63209"/>
+        <a:ext cx="2031696" cy="2091091"/>
+      </dsp:txXfrm>
+    </dsp:sp>
+  </dsp:spTree>
+</dsp:drawing>
+</file>
+
+<file path=ppt/diagrams/drawing4.xml><?xml version="1.0" encoding="utf-8"?>
+<dsp:drawing xmlns:dgm="http://schemas.openxmlformats.org/drawingml/2006/diagram" xmlns:dsp="http://schemas.microsoft.com/office/drawing/2008/diagram" xmlns:a="http://schemas.openxmlformats.org/drawingml/2006/main">
+  <dsp:spTree>
+    <dsp:nvGrpSpPr>
+      <dsp:cNvPr id="0" name=""/>
+      <dsp:cNvGrpSpPr/>
+    </dsp:nvGrpSpPr>
+    <dsp:grpSpPr/>
+    <dsp:sp modelId="{ADDEA870-BDA5-46EB-92CA-66C203E993D7}">
+      <dsp:nvSpPr>
+        <dsp:cNvPr id="0" name=""/>
+        <dsp:cNvSpPr/>
+      </dsp:nvSpPr>
+      <dsp:spPr>
+        <a:xfrm>
+          <a:off x="528339" y="1388"/>
+          <a:ext cx="2646350" cy="1587810"/>
+        </a:xfrm>
+        <a:prstGeom prst="rect">
+          <a:avLst/>
+        </a:prstGeom>
+        <a:solidFill>
+          <a:schemeClr val="accent1">
+            <a:hueOff val="0"/>
+            <a:satOff val="0"/>
+            <a:lumOff val="0"/>
+            <a:alphaOff val="0"/>
+          </a:schemeClr>
+        </a:solidFill>
+        <a:ln w="12700" cap="flat" cmpd="sng" algn="ctr">
+          <a:solidFill>
+            <a:schemeClr val="lt1">
+              <a:hueOff val="0"/>
+              <a:satOff val="0"/>
+              <a:lumOff val="0"/>
+              <a:alphaOff val="0"/>
+            </a:schemeClr>
+          </a:solidFill>
+          <a:prstDash val="solid"/>
+        </a:ln>
+        <a:effectLst/>
+      </dsp:spPr>
+      <dsp:style>
+        <a:lnRef idx="2">
+          <a:scrgbClr r="0" g="0" b="0"/>
+        </a:lnRef>
+        <a:fillRef idx="1">
+          <a:scrgbClr r="0" g="0" b="0"/>
+        </a:fillRef>
+        <a:effectRef idx="0">
+          <a:scrgbClr r="0" g="0" b="0"/>
+        </a:effectRef>
+        <a:fontRef idx="minor">
+          <a:schemeClr val="lt1"/>
+        </a:fontRef>
+      </dsp:style>
+      <dsp:txBody>
+        <a:bodyPr spcFirstLastPara="0" vert="horz" wrap="square" lIns="87630" tIns="87630" rIns="87630" bIns="87630" numCol="1" spcCol="1270" anchor="ctr" anchorCtr="0">
+          <a:noAutofit/>
+        </a:bodyPr>
+        <a:lstStyle/>
+        <a:p>
+          <a:pPr marL="0" lvl="0" indent="0" algn="ctr" defTabSz="1022350">
+            <a:lnSpc>
+              <a:spcPct val="90000"/>
+            </a:lnSpc>
+            <a:spcBef>
+              <a:spcPct val="0"/>
+            </a:spcBef>
+            <a:spcAft>
+              <a:spcPct val="35000"/>
+            </a:spcAft>
+            <a:buNone/>
+          </a:pPr>
+          <a:r>
+            <a:rPr lang="ru-RU" sz="2300" b="1" i="0" u="none" kern="1200" dirty="0"/>
+            <a:t>Неясный контракт класса</a:t>
+          </a:r>
+          <a:endParaRPr lang="en-US" sz="2300" kern="1200" dirty="0"/>
+        </a:p>
+      </dsp:txBody>
+      <dsp:txXfrm>
+        <a:off x="528339" y="1388"/>
+        <a:ext cx="2646350" cy="1587810"/>
+      </dsp:txXfrm>
+    </dsp:sp>
+    <dsp:sp modelId="{37327914-6F6D-4EDC-9C28-31805249FE32}">
+      <dsp:nvSpPr>
+        <dsp:cNvPr id="0" name=""/>
+        <dsp:cNvSpPr/>
+      </dsp:nvSpPr>
+      <dsp:spPr>
+        <a:xfrm>
+          <a:off x="3439324" y="1388"/>
+          <a:ext cx="2646350" cy="1587810"/>
+        </a:xfrm>
+        <a:prstGeom prst="rect">
+          <a:avLst/>
+        </a:prstGeom>
+        <a:solidFill>
+          <a:schemeClr val="accent1">
+            <a:hueOff val="0"/>
+            <a:satOff val="0"/>
+            <a:lumOff val="0"/>
+            <a:alphaOff val="0"/>
+          </a:schemeClr>
+        </a:solidFill>
+        <a:ln w="12700" cap="flat" cmpd="sng" algn="ctr">
+          <a:solidFill>
+            <a:schemeClr val="lt1">
+              <a:hueOff val="0"/>
+              <a:satOff val="0"/>
+              <a:lumOff val="0"/>
+              <a:alphaOff val="0"/>
+            </a:schemeClr>
+          </a:solidFill>
+          <a:prstDash val="solid"/>
+        </a:ln>
+        <a:effectLst/>
+      </dsp:spPr>
+      <dsp:style>
+        <a:lnRef idx="2">
+          <a:scrgbClr r="0" g="0" b="0"/>
+        </a:lnRef>
+        <a:fillRef idx="1">
+          <a:scrgbClr r="0" g="0" b="0"/>
+        </a:fillRef>
+        <a:effectRef idx="0">
+          <a:scrgbClr r="0" g="0" b="0"/>
+        </a:effectRef>
+        <a:fontRef idx="minor">
+          <a:schemeClr val="lt1"/>
+        </a:fontRef>
+      </dsp:style>
+      <dsp:txBody>
+        <a:bodyPr spcFirstLastPara="0" vert="horz" wrap="square" lIns="87630" tIns="87630" rIns="87630" bIns="87630" numCol="1" spcCol="1270" anchor="ctr" anchorCtr="0">
+          <a:noAutofit/>
+        </a:bodyPr>
+        <a:lstStyle/>
+        <a:p>
+          <a:pPr marL="0" lvl="0" indent="0" algn="ctr" defTabSz="1022350">
+            <a:lnSpc>
+              <a:spcPct val="90000"/>
+            </a:lnSpc>
+            <a:spcBef>
+              <a:spcPct val="0"/>
+            </a:spcBef>
+            <a:spcAft>
+              <a:spcPct val="35000"/>
+            </a:spcAft>
+            <a:buNone/>
+          </a:pPr>
+          <a:r>
+            <a:rPr lang="ru-RU" sz="2300" b="1" i="0" u="none" kern="1200" dirty="0"/>
+            <a:t>Неопределенная сложность класса</a:t>
+          </a:r>
+          <a:endParaRPr lang="en-US" sz="2300" kern="1200" dirty="0"/>
+        </a:p>
+      </dsp:txBody>
+      <dsp:txXfrm>
+        <a:off x="3439324" y="1388"/>
+        <a:ext cx="2646350" cy="1587810"/>
+      </dsp:txXfrm>
+    </dsp:sp>
+    <dsp:sp modelId="{9BA1C7B6-A55A-4A4E-A2F7-12D9320E854D}">
+      <dsp:nvSpPr>
+        <dsp:cNvPr id="0" name=""/>
+        <dsp:cNvSpPr/>
+      </dsp:nvSpPr>
+      <dsp:spPr>
+        <a:xfrm>
+          <a:off x="6350310" y="1388"/>
+          <a:ext cx="2646350" cy="1587810"/>
+        </a:xfrm>
+        <a:prstGeom prst="rect">
+          <a:avLst/>
+        </a:prstGeom>
+        <a:solidFill>
+          <a:schemeClr val="accent1">
+            <a:hueOff val="0"/>
+            <a:satOff val="0"/>
+            <a:lumOff val="0"/>
+            <a:alphaOff val="0"/>
+          </a:schemeClr>
+        </a:solidFill>
+        <a:ln w="12700" cap="flat" cmpd="sng" algn="ctr">
+          <a:solidFill>
+            <a:schemeClr val="lt1">
+              <a:hueOff val="0"/>
+              <a:satOff val="0"/>
+              <a:lumOff val="0"/>
+              <a:alphaOff val="0"/>
+            </a:schemeClr>
+          </a:solidFill>
+          <a:prstDash val="solid"/>
+        </a:ln>
+        <a:effectLst/>
+      </dsp:spPr>
+      <dsp:style>
+        <a:lnRef idx="2">
+          <a:scrgbClr r="0" g="0" b="0"/>
+        </a:lnRef>
+        <a:fillRef idx="1">
+          <a:scrgbClr r="0" g="0" b="0"/>
+        </a:fillRef>
+        <a:effectRef idx="0">
+          <a:scrgbClr r="0" g="0" b="0"/>
+        </a:effectRef>
+        <a:fontRef idx="minor">
+          <a:schemeClr val="lt1"/>
+        </a:fontRef>
+      </dsp:style>
+      <dsp:txBody>
+        <a:bodyPr spcFirstLastPara="0" vert="horz" wrap="square" lIns="87630" tIns="87630" rIns="87630" bIns="87630" numCol="1" spcCol="1270" anchor="ctr" anchorCtr="0">
+          <a:noAutofit/>
+        </a:bodyPr>
+        <a:lstStyle/>
+        <a:p>
+          <a:pPr marL="0" lvl="0" indent="0" algn="ctr" defTabSz="1022350">
+            <a:lnSpc>
+              <a:spcPct val="90000"/>
+            </a:lnSpc>
+            <a:spcBef>
+              <a:spcPct val="0"/>
+            </a:spcBef>
+            <a:spcAft>
+              <a:spcPct val="35000"/>
+            </a:spcAft>
+            <a:buNone/>
+          </a:pPr>
+          <a:r>
+            <a:rPr lang="ru-RU" sz="2300" b="1" i="0" u="none" kern="1200" dirty="0"/>
+            <a:t>Отсутствие строгой типизации</a:t>
+          </a:r>
+          <a:endParaRPr lang="en-US" sz="2300" kern="1200" dirty="0"/>
+        </a:p>
+      </dsp:txBody>
+      <dsp:txXfrm>
+        <a:off x="6350310" y="1388"/>
+        <a:ext cx="2646350" cy="1587810"/>
+      </dsp:txXfrm>
+    </dsp:sp>
+  </dsp:spTree>
+</dsp:drawing>
+</file>
+
 <file path=ppt/diagrams/layout1.xml><?xml version="1.0" encoding="utf-8"?>
 <dgm:layoutDef xmlns:dgm="http://schemas.openxmlformats.org/drawingml/2006/diagram" xmlns:a="http://schemas.openxmlformats.org/drawingml/2006/main" uniqueId="urn:microsoft.com/office/officeart/2005/8/layout/default">
   <dgm:title val=""/>
@@ -3338,6 +5899,675 @@
 </dgm:layoutDef>
 </file>
 
+<file path=ppt/diagrams/layout3.xml><?xml version="1.0" encoding="utf-8"?>
+<dgm:layoutDef xmlns:dgm="http://schemas.openxmlformats.org/drawingml/2006/diagram" xmlns:a="http://schemas.openxmlformats.org/drawingml/2006/main" uniqueId="urn:microsoft.com/office/officeart/2005/8/layout/hierarchy4">
+  <dgm:title val=""/>
+  <dgm:desc val=""/>
+  <dgm:catLst>
+    <dgm:cat type="hierarchy" pri="4000"/>
+    <dgm:cat type="list" pri="24000"/>
+    <dgm:cat type="relationship" pri="10000"/>
+  </dgm:catLst>
+  <dgm:sampData>
+    <dgm:dataModel>
+      <dgm:ptLst>
+        <dgm:pt modelId="0" type="doc"/>
+        <dgm:pt modelId="1">
+          <dgm:prSet phldr="1"/>
+        </dgm:pt>
+        <dgm:pt modelId="2">
+          <dgm:prSet phldr="1"/>
+        </dgm:pt>
+        <dgm:pt modelId="21">
+          <dgm:prSet phldr="1"/>
+        </dgm:pt>
+        <dgm:pt modelId="22">
+          <dgm:prSet phldr="1"/>
+        </dgm:pt>
+        <dgm:pt modelId="3">
+          <dgm:prSet phldr="1"/>
+        </dgm:pt>
+        <dgm:pt modelId="31">
+          <dgm:prSet phldr="1"/>
+        </dgm:pt>
+      </dgm:ptLst>
+      <dgm:cxnLst>
+        <dgm:cxn modelId="4" srcId="0" destId="1" srcOrd="0" destOrd="0"/>
+        <dgm:cxn modelId="5" srcId="1" destId="2" srcOrd="0" destOrd="0"/>
+        <dgm:cxn modelId="6" srcId="1" destId="3" srcOrd="1" destOrd="0"/>
+        <dgm:cxn modelId="23" srcId="2" destId="21" srcOrd="0" destOrd="0"/>
+        <dgm:cxn modelId="24" srcId="2" destId="22" srcOrd="1" destOrd="0"/>
+        <dgm:cxn modelId="33" srcId="3" destId="31" srcOrd="0" destOrd="0"/>
+      </dgm:cxnLst>
+      <dgm:bg/>
+      <dgm:whole/>
+    </dgm:dataModel>
+  </dgm:sampData>
+  <dgm:styleData>
+    <dgm:dataModel>
+      <dgm:ptLst>
+        <dgm:pt modelId="0" type="doc"/>
+        <dgm:pt modelId="1"/>
+        <dgm:pt modelId="11"/>
+        <dgm:pt modelId="12"/>
+      </dgm:ptLst>
+      <dgm:cxnLst>
+        <dgm:cxn modelId="2" srcId="0" destId="1" srcOrd="0" destOrd="0"/>
+        <dgm:cxn modelId="13" srcId="1" destId="11" srcOrd="0" destOrd="0"/>
+        <dgm:cxn modelId="14" srcId="1" destId="12" srcOrd="1" destOrd="0"/>
+      </dgm:cxnLst>
+      <dgm:bg/>
+      <dgm:whole/>
+    </dgm:dataModel>
+  </dgm:styleData>
+  <dgm:clrData>
+    <dgm:dataModel>
+      <dgm:ptLst>
+        <dgm:pt modelId="0" type="doc"/>
+        <dgm:pt modelId="1"/>
+        <dgm:pt modelId="2"/>
+        <dgm:pt modelId="21"/>
+        <dgm:pt modelId="211"/>
+        <dgm:pt modelId="3"/>
+        <dgm:pt modelId="31"/>
+        <dgm:pt modelId="311"/>
+      </dgm:ptLst>
+      <dgm:cxnLst>
+        <dgm:cxn modelId="4" srcId="0" destId="1" srcOrd="0" destOrd="0"/>
+        <dgm:cxn modelId="5" srcId="1" destId="2" srcOrd="0" destOrd="0"/>
+        <dgm:cxn modelId="6" srcId="1" destId="3" srcOrd="1" destOrd="0"/>
+        <dgm:cxn modelId="23" srcId="2" destId="21" srcOrd="0" destOrd="0"/>
+        <dgm:cxn modelId="24" srcId="21" destId="211" srcOrd="0" destOrd="0"/>
+        <dgm:cxn modelId="33" srcId="3" destId="31" srcOrd="0" destOrd="0"/>
+        <dgm:cxn modelId="34" srcId="31" destId="311" srcOrd="0" destOrd="0"/>
+      </dgm:cxnLst>
+      <dgm:bg/>
+      <dgm:whole/>
+    </dgm:dataModel>
+  </dgm:clrData>
+  <dgm:layoutNode name="Name0">
+    <dgm:varLst>
+      <dgm:chPref val="1"/>
+      <dgm:dir/>
+      <dgm:animOne val="branch"/>
+      <dgm:animLvl val="lvl"/>
+      <dgm:resizeHandles/>
+    </dgm:varLst>
+    <dgm:choose name="Name1">
+      <dgm:if name="Name2" func="var" arg="dir" op="equ" val="norm">
+        <dgm:alg type="lin">
+          <dgm:param type="linDir" val="fromL"/>
+          <dgm:param type="nodeVertAlign" val="t"/>
+        </dgm:alg>
+      </dgm:if>
+      <dgm:else name="Name3">
+        <dgm:alg type="lin">
+          <dgm:param type="linDir" val="fromR"/>
+          <dgm:param type="nodeVertAlign" val="t"/>
+        </dgm:alg>
+      </dgm:else>
+    </dgm:choose>
+    <dgm:shape xmlns:r="http://schemas.openxmlformats.org/officeDocument/2006/relationships" r:blip="">
+      <dgm:adjLst/>
+    </dgm:shape>
+    <dgm:presOf/>
+    <dgm:constrLst>
+      <dgm:constr type="w" for="ch" forName="vertOne" refType="w"/>
+      <dgm:constr type="w" for="des" forName="horzOne" refType="w"/>
+      <dgm:constr type="w" for="des" forName="txOne" refType="w"/>
+      <dgm:constr type="w" for="des" forName="vertTwo" refType="w"/>
+      <dgm:constr type="w" for="des" forName="horzTwo" refType="w"/>
+      <dgm:constr type="w" for="des" forName="txTwo" refType="w"/>
+      <dgm:constr type="w" for="des" forName="vertThree" refType="w"/>
+      <dgm:constr type="w" for="des" forName="horzThree" refType="w"/>
+      <dgm:constr type="w" for="des" forName="txThree" refType="w"/>
+      <dgm:constr type="w" for="des" forName="vertFour" refType="w"/>
+      <dgm:constr type="w" for="des" forName="horzFour" refType="w"/>
+      <dgm:constr type="w" for="des" forName="txFour" refType="w"/>
+      <dgm:constr type="h" for="des" ptType="node" op="equ"/>
+      <dgm:constr type="h" for="des" forName="txOne" refType="h"/>
+      <dgm:constr type="userH" for="des" ptType="node" refType="h" refFor="des" refForName="txOne"/>
+      <dgm:constr type="primFontSz" for="des" forName="txOne" val="65"/>
+      <dgm:constr type="primFontSz" for="des" forName="txTwo" val="65"/>
+      <dgm:constr type="primFontSz" for="des" forName="txTwo" refType="primFontSz" refFor="des" refForName="txOne" op="lte"/>
+      <dgm:constr type="primFontSz" for="des" forName="txThree" val="65"/>
+      <dgm:constr type="primFontSz" for="des" forName="txThree" refType="primFontSz" refFor="des" refForName="txOne" op="lte"/>
+      <dgm:constr type="primFontSz" for="des" forName="txThree" refType="primFontSz" refFor="des" refForName="txTwo" op="lte"/>
+      <dgm:constr type="primFontSz" for="des" forName="txFour" val="65"/>
+      <dgm:constr type="primFontSz" for="des" forName="txFour" refType="primFontSz" refFor="des" refForName="txOne" op="lte"/>
+      <dgm:constr type="primFontSz" for="des" forName="txFour" refType="primFontSz" refFor="des" refForName="txTwo" op="lte"/>
+      <dgm:constr type="primFontSz" for="des" forName="txFour" refType="primFontSz" refFor="des" refForName="txThree" op="lte"/>
+      <dgm:constr type="w" for="des" forName="sibSpaceOne" refType="w" fact="0.168"/>
+      <dgm:constr type="w" for="des" forName="sibSpaceTwo" refType="w" refFor="des" refForName="sibSpaceOne" op="equ" fact="0.5"/>
+      <dgm:constr type="w" for="des" forName="sibSpaceThree" refType="w" refFor="des" refForName="sibSpaceTwo" op="equ" fact="0.5"/>
+      <dgm:constr type="w" for="des" forName="sibSpaceFour" refType="w" refFor="des" refForName="sibSpaceThree" op="equ" fact="0.5"/>
+      <dgm:constr type="h" for="des" forName="parTransOne" refType="w" fact="0.056"/>
+      <dgm:constr type="h" for="des" forName="parTransTwo" refType="h" refFor="des" refForName="parTransOne" op="equ"/>
+      <dgm:constr type="h" for="des" forName="parTransThree" refType="h" refFor="des" refForName="parTransTwo" op="equ"/>
+      <dgm:constr type="h" for="des" forName="parTransFour" refType="h" refFor="des" refForName="parTransThree" op="equ"/>
+    </dgm:constrLst>
+    <dgm:ruleLst/>
+    <dgm:forEach name="Name4" axis="ch" ptType="node">
+      <dgm:layoutNode name="vertOne">
+        <dgm:alg type="lin">
+          <dgm:param type="linDir" val="fromT"/>
+        </dgm:alg>
+        <dgm:shape xmlns:r="http://schemas.openxmlformats.org/officeDocument/2006/relationships" r:blip="">
+          <dgm:adjLst/>
+        </dgm:shape>
+        <dgm:presOf/>
+        <dgm:constrLst>
+          <dgm:constr type="w" for="ch" forName="txOne" refType="w" refFor="ch" refForName="horzOne" op="gte"/>
+        </dgm:constrLst>
+        <dgm:ruleLst/>
+        <dgm:layoutNode name="txOne" styleLbl="node0">
+          <dgm:varLst>
+            <dgm:chPref val="3"/>
+          </dgm:varLst>
+          <dgm:alg type="tx"/>
+          <dgm:shape xmlns:r="http://schemas.openxmlformats.org/officeDocument/2006/relationships" type="roundRect" r:blip="">
+            <dgm:adjLst>
+              <dgm:adj idx="1" val="0.1"/>
+            </dgm:adjLst>
+          </dgm:shape>
+          <dgm:presOf axis="self"/>
+          <dgm:constrLst>
+            <dgm:constr type="tMarg" refType="primFontSz" fact="0.3"/>
+            <dgm:constr type="bMarg" refType="primFontSz" fact="0.3"/>
+            <dgm:constr type="lMarg" refType="primFontSz" fact="0.3"/>
+            <dgm:constr type="rMarg" refType="primFontSz" fact="0.3"/>
+          </dgm:constrLst>
+          <dgm:ruleLst>
+            <dgm:rule type="primFontSz" val="5" fact="NaN" max="NaN"/>
+          </dgm:ruleLst>
+        </dgm:layoutNode>
+        <dgm:choose name="Name5">
+          <dgm:if name="Name6" axis="des" ptType="node" func="cnt" op="gt" val="0">
+            <dgm:layoutNode name="parTransOne">
+              <dgm:alg type="sp"/>
+              <dgm:shape xmlns:r="http://schemas.openxmlformats.org/officeDocument/2006/relationships" r:blip="">
+                <dgm:adjLst/>
+              </dgm:shape>
+              <dgm:presOf/>
+              <dgm:constrLst/>
+              <dgm:ruleLst/>
+            </dgm:layoutNode>
+          </dgm:if>
+          <dgm:else name="Name7"/>
+        </dgm:choose>
+        <dgm:layoutNode name="horzOne">
+          <dgm:choose name="Name8">
+            <dgm:if name="Name9" func="var" arg="dir" op="equ" val="norm">
+              <dgm:alg type="lin">
+                <dgm:param type="linDir" val="fromL"/>
+                <dgm:param type="nodeVertAlign" val="t"/>
+              </dgm:alg>
+            </dgm:if>
+            <dgm:else name="Name10">
+              <dgm:alg type="lin">
+                <dgm:param type="linDir" val="fromR"/>
+                <dgm:param type="nodeVertAlign" val="t"/>
+              </dgm:alg>
+            </dgm:else>
+          </dgm:choose>
+          <dgm:shape xmlns:r="http://schemas.openxmlformats.org/officeDocument/2006/relationships" r:blip="">
+            <dgm:adjLst/>
+          </dgm:shape>
+          <dgm:presOf/>
+          <dgm:constrLst/>
+          <dgm:ruleLst>
+            <dgm:rule type="w" val="INF" fact="NaN" max="NaN"/>
+          </dgm:ruleLst>
+          <dgm:forEach name="Name11" axis="ch" ptType="node">
+            <dgm:layoutNode name="vertTwo">
+              <dgm:alg type="lin">
+                <dgm:param type="linDir" val="fromT"/>
+              </dgm:alg>
+              <dgm:shape xmlns:r="http://schemas.openxmlformats.org/officeDocument/2006/relationships" r:blip="">
+                <dgm:adjLst/>
+              </dgm:shape>
+              <dgm:presOf/>
+              <dgm:constrLst>
+                <dgm:constr type="w" for="ch" forName="txTwo" refType="w" refFor="ch" refForName="horzTwo" op="gte"/>
+              </dgm:constrLst>
+              <dgm:ruleLst/>
+              <dgm:layoutNode name="txTwo">
+                <dgm:varLst>
+                  <dgm:chPref val="3"/>
+                </dgm:varLst>
+                <dgm:alg type="tx"/>
+                <dgm:shape xmlns:r="http://schemas.openxmlformats.org/officeDocument/2006/relationships" type="roundRect" r:blip="">
+                  <dgm:adjLst>
+                    <dgm:adj idx="1" val="0.1"/>
+                  </dgm:adjLst>
+                </dgm:shape>
+                <dgm:presOf axis="self"/>
+                <dgm:constrLst>
+                  <dgm:constr type="userH"/>
+                  <dgm:constr type="h" refType="userH"/>
+                  <dgm:constr type="tMarg" refType="primFontSz" fact="0.3"/>
+                  <dgm:constr type="bMarg" refType="primFontSz" fact="0.3"/>
+                  <dgm:constr type="lMarg" refType="primFontSz" fact="0.3"/>
+                  <dgm:constr type="rMarg" refType="primFontSz" fact="0.3"/>
+                </dgm:constrLst>
+                <dgm:ruleLst>
+                  <dgm:rule type="primFontSz" val="5" fact="NaN" max="NaN"/>
+                </dgm:ruleLst>
+              </dgm:layoutNode>
+              <dgm:choose name="Name12">
+                <dgm:if name="Name13" axis="des" ptType="node" func="cnt" op="gt" val="0">
+                  <dgm:layoutNode name="parTransTwo">
+                    <dgm:alg type="sp"/>
+                    <dgm:shape xmlns:r="http://schemas.openxmlformats.org/officeDocument/2006/relationships" r:blip="">
+                      <dgm:adjLst/>
+                    </dgm:shape>
+                    <dgm:presOf/>
+                    <dgm:constrLst/>
+                    <dgm:ruleLst/>
+                  </dgm:layoutNode>
+                </dgm:if>
+                <dgm:else name="Name14"/>
+              </dgm:choose>
+              <dgm:layoutNode name="horzTwo">
+                <dgm:choose name="Name15">
+                  <dgm:if name="Name16" func="var" arg="dir" op="equ" val="norm">
+                    <dgm:alg type="lin">
+                      <dgm:param type="linDir" val="fromL"/>
+                      <dgm:param type="nodeVertAlign" val="t"/>
+                    </dgm:alg>
+                  </dgm:if>
+                  <dgm:else name="Name17">
+                    <dgm:alg type="lin">
+                      <dgm:param type="linDir" val="fromR"/>
+                      <dgm:param type="nodeVertAlign" val="t"/>
+                    </dgm:alg>
+                  </dgm:else>
+                </dgm:choose>
+                <dgm:shape xmlns:r="http://schemas.openxmlformats.org/officeDocument/2006/relationships" r:blip="">
+                  <dgm:adjLst/>
+                </dgm:shape>
+                <dgm:presOf/>
+                <dgm:constrLst/>
+                <dgm:ruleLst>
+                  <dgm:rule type="w" val="INF" fact="NaN" max="NaN"/>
+                </dgm:ruleLst>
+                <dgm:forEach name="Name18" axis="ch" ptType="node">
+                  <dgm:layoutNode name="vertThree">
+                    <dgm:alg type="lin">
+                      <dgm:param type="linDir" val="fromT"/>
+                    </dgm:alg>
+                    <dgm:shape xmlns:r="http://schemas.openxmlformats.org/officeDocument/2006/relationships" r:blip="">
+                      <dgm:adjLst/>
+                    </dgm:shape>
+                    <dgm:presOf/>
+                    <dgm:constrLst>
+                      <dgm:constr type="w" for="ch" forName="txThree" refType="w" refFor="ch" refForName="horzThree" op="gte"/>
+                    </dgm:constrLst>
+                    <dgm:ruleLst/>
+                    <dgm:layoutNode name="txThree">
+                      <dgm:varLst>
+                        <dgm:chPref val="3"/>
+                      </dgm:varLst>
+                      <dgm:alg type="tx"/>
+                      <dgm:shape xmlns:r="http://schemas.openxmlformats.org/officeDocument/2006/relationships" type="roundRect" r:blip="">
+                        <dgm:adjLst>
+                          <dgm:adj idx="1" val="0.1"/>
+                        </dgm:adjLst>
+                      </dgm:shape>
+                      <dgm:presOf axis="self"/>
+                      <dgm:constrLst>
+                        <dgm:constr type="userH"/>
+                        <dgm:constr type="h" refType="userH"/>
+                        <dgm:constr type="tMarg" refType="primFontSz" fact="0.3"/>
+                        <dgm:constr type="bMarg" refType="primFontSz" fact="0.3"/>
+                        <dgm:constr type="lMarg" refType="primFontSz" fact="0.3"/>
+                        <dgm:constr type="rMarg" refType="primFontSz" fact="0.3"/>
+                      </dgm:constrLst>
+                      <dgm:ruleLst>
+                        <dgm:rule type="primFontSz" val="5" fact="NaN" max="NaN"/>
+                      </dgm:ruleLst>
+                    </dgm:layoutNode>
+                    <dgm:choose name="Name19">
+                      <dgm:if name="Name20" axis="des" ptType="node" func="cnt" op="gt" val="0">
+                        <dgm:layoutNode name="parTransThree">
+                          <dgm:alg type="sp"/>
+                          <dgm:shape xmlns:r="http://schemas.openxmlformats.org/officeDocument/2006/relationships" r:blip="">
+                            <dgm:adjLst/>
+                          </dgm:shape>
+                          <dgm:presOf/>
+                          <dgm:constrLst/>
+                          <dgm:ruleLst/>
+                        </dgm:layoutNode>
+                      </dgm:if>
+                      <dgm:else name="Name21"/>
+                    </dgm:choose>
+                    <dgm:layoutNode name="horzThree">
+                      <dgm:choose name="Name22">
+                        <dgm:if name="Name23" func="var" arg="dir" op="equ" val="norm">
+                          <dgm:alg type="lin">
+                            <dgm:param type="linDir" val="fromL"/>
+                            <dgm:param type="nodeVertAlign" val="t"/>
+                          </dgm:alg>
+                        </dgm:if>
+                        <dgm:else name="Name24">
+                          <dgm:alg type="lin">
+                            <dgm:param type="linDir" val="fromR"/>
+                            <dgm:param type="nodeVertAlign" val="t"/>
+                          </dgm:alg>
+                        </dgm:else>
+                      </dgm:choose>
+                      <dgm:shape xmlns:r="http://schemas.openxmlformats.org/officeDocument/2006/relationships" r:blip="">
+                        <dgm:adjLst/>
+                      </dgm:shape>
+                      <dgm:presOf/>
+                      <dgm:constrLst/>
+                      <dgm:ruleLst>
+                        <dgm:rule type="w" val="INF" fact="NaN" max="NaN"/>
+                      </dgm:ruleLst>
+                      <dgm:forEach name="repeat" axis="ch" ptType="node">
+                        <dgm:layoutNode name="vertFour">
+                          <dgm:varLst>
+                            <dgm:chPref val="3"/>
+                          </dgm:varLst>
+                          <dgm:alg type="lin">
+                            <dgm:param type="linDir" val="fromT"/>
+                          </dgm:alg>
+                          <dgm:shape xmlns:r="http://schemas.openxmlformats.org/officeDocument/2006/relationships" r:blip="">
+                            <dgm:adjLst/>
+                          </dgm:shape>
+                          <dgm:presOf/>
+                          <dgm:constrLst>
+                            <dgm:constr type="w" for="ch" forName="txFour" refType="w" refFor="ch" refForName="horzFour" op="gte"/>
+                          </dgm:constrLst>
+                          <dgm:ruleLst/>
+                          <dgm:layoutNode name="txFour">
+                            <dgm:varLst>
+                              <dgm:chPref val="3"/>
+                            </dgm:varLst>
+                            <dgm:alg type="tx"/>
+                            <dgm:shape xmlns:r="http://schemas.openxmlformats.org/officeDocument/2006/relationships" type="roundRect" r:blip="">
+                              <dgm:adjLst>
+                                <dgm:adj idx="1" val="0.1"/>
+                              </dgm:adjLst>
+                            </dgm:shape>
+                            <dgm:presOf axis="self"/>
+                            <dgm:constrLst>
+                              <dgm:constr type="userH"/>
+                              <dgm:constr type="h" refType="userH"/>
+                              <dgm:constr type="tMarg" refType="primFontSz" fact="0.3"/>
+                              <dgm:constr type="bMarg" refType="primFontSz" fact="0.3"/>
+                              <dgm:constr type="lMarg" refType="primFontSz" fact="0.3"/>
+                              <dgm:constr type="rMarg" refType="primFontSz" fact="0.3"/>
+                            </dgm:constrLst>
+                            <dgm:ruleLst>
+                              <dgm:rule type="primFontSz" val="5" fact="NaN" max="NaN"/>
+                            </dgm:ruleLst>
+                          </dgm:layoutNode>
+                          <dgm:choose name="Name25">
+                            <dgm:if name="Name26" axis="des" ptType="node" func="cnt" op="gt" val="0">
+                              <dgm:layoutNode name="parTransFour">
+                                <dgm:alg type="sp"/>
+                                <dgm:shape xmlns:r="http://schemas.openxmlformats.org/officeDocument/2006/relationships" r:blip="">
+                                  <dgm:adjLst/>
+                                </dgm:shape>
+                                <dgm:presOf/>
+                                <dgm:constrLst/>
+                                <dgm:ruleLst/>
+                              </dgm:layoutNode>
+                            </dgm:if>
+                            <dgm:else name="Name27"/>
+                          </dgm:choose>
+                          <dgm:layoutNode name="horzFour">
+                            <dgm:choose name="Name28">
+                              <dgm:if name="Name29" func="var" arg="dir" op="equ" val="norm">
+                                <dgm:alg type="lin">
+                                  <dgm:param type="linDir" val="fromL"/>
+                                  <dgm:param type="nodeVertAlign" val="t"/>
+                                </dgm:alg>
+                              </dgm:if>
+                              <dgm:else name="Name30">
+                                <dgm:alg type="lin">
+                                  <dgm:param type="linDir" val="fromR"/>
+                                  <dgm:param type="nodeVertAlign" val="t"/>
+                                </dgm:alg>
+                              </dgm:else>
+                            </dgm:choose>
+                            <dgm:shape xmlns:r="http://schemas.openxmlformats.org/officeDocument/2006/relationships" r:blip="">
+                              <dgm:adjLst/>
+                            </dgm:shape>
+                            <dgm:presOf/>
+                            <dgm:constrLst/>
+                            <dgm:ruleLst>
+                              <dgm:rule type="w" val="INF" fact="NaN" max="NaN"/>
+                            </dgm:ruleLst>
+                            <dgm:forEach name="Name31" ref="repeat"/>
+                          </dgm:layoutNode>
+                        </dgm:layoutNode>
+                        <dgm:choose name="Name32">
+                          <dgm:if name="Name33" axis="self" ptType="node" func="revPos" op="gte" val="2">
+                            <dgm:forEach name="Name34" axis="followSib" ptType="sibTrans" cnt="1">
+                              <dgm:layoutNode name="sibSpaceFour">
+                                <dgm:alg type="sp"/>
+                                <dgm:shape xmlns:r="http://schemas.openxmlformats.org/officeDocument/2006/relationships" r:blip="">
+                                  <dgm:adjLst/>
+                                </dgm:shape>
+                                <dgm:presOf/>
+                                <dgm:constrLst/>
+                                <dgm:ruleLst/>
+                              </dgm:layoutNode>
+                            </dgm:forEach>
+                          </dgm:if>
+                          <dgm:else name="Name35"/>
+                        </dgm:choose>
+                      </dgm:forEach>
+                    </dgm:layoutNode>
+                  </dgm:layoutNode>
+                  <dgm:choose name="Name36">
+                    <dgm:if name="Name37" axis="self" ptType="node" func="revPos" op="gte" val="2">
+                      <dgm:forEach name="Name38" axis="followSib" ptType="sibTrans" cnt="1">
+                        <dgm:layoutNode name="sibSpaceThree">
+                          <dgm:alg type="sp"/>
+                          <dgm:shape xmlns:r="http://schemas.openxmlformats.org/officeDocument/2006/relationships" r:blip="">
+                            <dgm:adjLst/>
+                          </dgm:shape>
+                          <dgm:presOf/>
+                          <dgm:constrLst/>
+                          <dgm:ruleLst/>
+                        </dgm:layoutNode>
+                      </dgm:forEach>
+                    </dgm:if>
+                    <dgm:else name="Name39"/>
+                  </dgm:choose>
+                </dgm:forEach>
+              </dgm:layoutNode>
+            </dgm:layoutNode>
+            <dgm:choose name="Name40">
+              <dgm:if name="Name41" axis="self" ptType="node" func="revPos" op="gte" val="2">
+                <dgm:forEach name="Name42" axis="followSib" ptType="sibTrans" cnt="1">
+                  <dgm:layoutNode name="sibSpaceTwo">
+                    <dgm:alg type="sp"/>
+                    <dgm:shape xmlns:r="http://schemas.openxmlformats.org/officeDocument/2006/relationships" r:blip="">
+                      <dgm:adjLst/>
+                    </dgm:shape>
+                    <dgm:presOf/>
+                    <dgm:constrLst/>
+                    <dgm:ruleLst/>
+                  </dgm:layoutNode>
+                </dgm:forEach>
+              </dgm:if>
+              <dgm:else name="Name43"/>
+            </dgm:choose>
+          </dgm:forEach>
+        </dgm:layoutNode>
+      </dgm:layoutNode>
+      <dgm:choose name="Name44">
+        <dgm:if name="Name45" axis="self" ptType="node" func="revPos" op="gte" val="2">
+          <dgm:forEach name="Name46" axis="followSib" ptType="sibTrans" cnt="1">
+            <dgm:layoutNode name="sibSpaceOne">
+              <dgm:alg type="sp"/>
+              <dgm:shape xmlns:r="http://schemas.openxmlformats.org/officeDocument/2006/relationships" r:blip="">
+                <dgm:adjLst/>
+              </dgm:shape>
+              <dgm:presOf/>
+              <dgm:constrLst/>
+              <dgm:ruleLst/>
+            </dgm:layoutNode>
+          </dgm:forEach>
+        </dgm:if>
+        <dgm:else name="Name47"/>
+      </dgm:choose>
+    </dgm:forEach>
+  </dgm:layoutNode>
+</dgm:layoutDef>
+</file>
+
+<file path=ppt/diagrams/layout4.xml><?xml version="1.0" encoding="utf-8"?>
+<dgm:layoutDef xmlns:dgm="http://schemas.openxmlformats.org/drawingml/2006/diagram" xmlns:a="http://schemas.openxmlformats.org/drawingml/2006/main" uniqueId="urn:microsoft.com/office/officeart/2005/8/layout/default">
+  <dgm:title val=""/>
+  <dgm:desc val=""/>
+  <dgm:catLst>
+    <dgm:cat type="list" pri="400"/>
+  </dgm:catLst>
+  <dgm:sampData>
+    <dgm:dataModel>
+      <dgm:ptLst>
+        <dgm:pt modelId="0" type="doc"/>
+        <dgm:pt modelId="1">
+          <dgm:prSet phldr="1"/>
+        </dgm:pt>
+        <dgm:pt modelId="2">
+          <dgm:prSet phldr="1"/>
+        </dgm:pt>
+        <dgm:pt modelId="3">
+          <dgm:prSet phldr="1"/>
+        </dgm:pt>
+        <dgm:pt modelId="4">
+          <dgm:prSet phldr="1"/>
+        </dgm:pt>
+        <dgm:pt modelId="5">
+          <dgm:prSet phldr="1"/>
+        </dgm:pt>
+      </dgm:ptLst>
+      <dgm:cxnLst>
+        <dgm:cxn modelId="6" srcId="0" destId="1" srcOrd="0" destOrd="0"/>
+        <dgm:cxn modelId="7" srcId="0" destId="2" srcOrd="1" destOrd="0"/>
+        <dgm:cxn modelId="8" srcId="0" destId="3" srcOrd="2" destOrd="0"/>
+        <dgm:cxn modelId="9" srcId="0" destId="4" srcOrd="3" destOrd="0"/>
+        <dgm:cxn modelId="10" srcId="0" destId="5" srcOrd="4" destOrd="0"/>
+      </dgm:cxnLst>
+      <dgm:bg/>
+      <dgm:whole/>
+    </dgm:dataModel>
+  </dgm:sampData>
+  <dgm:styleData>
+    <dgm:dataModel>
+      <dgm:ptLst>
+        <dgm:pt modelId="0" type="doc"/>
+        <dgm:pt modelId="1"/>
+        <dgm:pt modelId="2"/>
+      </dgm:ptLst>
+      <dgm:cxnLst>
+        <dgm:cxn modelId="3" srcId="0" destId="1" srcOrd="0" destOrd="0"/>
+        <dgm:cxn modelId="4" srcId="0" destId="2" srcOrd="1" destOrd="0"/>
+      </dgm:cxnLst>
+      <dgm:bg/>
+      <dgm:whole/>
+    </dgm:dataModel>
+  </dgm:styleData>
+  <dgm:clrData>
+    <dgm:dataModel>
+      <dgm:ptLst>
+        <dgm:pt modelId="0" type="doc"/>
+        <dgm:pt modelId="1"/>
+        <dgm:pt modelId="2"/>
+        <dgm:pt modelId="3"/>
+        <dgm:pt modelId="4"/>
+        <dgm:pt modelId="5"/>
+        <dgm:pt modelId="6"/>
+      </dgm:ptLst>
+      <dgm:cxnLst>
+        <dgm:cxn modelId="7" srcId="0" destId="1" srcOrd="0" destOrd="0"/>
+        <dgm:cxn modelId="8" srcId="0" destId="2" srcOrd="1" destOrd="0"/>
+        <dgm:cxn modelId="9" srcId="0" destId="3" srcOrd="2" destOrd="0"/>
+        <dgm:cxn modelId="10" srcId="0" destId="4" srcOrd="3" destOrd="0"/>
+        <dgm:cxn modelId="11" srcId="0" destId="5" srcOrd="4" destOrd="0"/>
+        <dgm:cxn modelId="12" srcId="0" destId="6" srcOrd="5" destOrd="0"/>
+      </dgm:cxnLst>
+      <dgm:bg/>
+      <dgm:whole/>
+    </dgm:dataModel>
+  </dgm:clrData>
+  <dgm:layoutNode name="diagram">
+    <dgm:varLst>
+      <dgm:dir/>
+      <dgm:resizeHandles val="exact"/>
+    </dgm:varLst>
+    <dgm:choose name="Name0">
+      <dgm:if name="Name1" func="var" arg="dir" op="equ" val="norm">
+        <dgm:alg type="snake">
+          <dgm:param type="grDir" val="tL"/>
+          <dgm:param type="flowDir" val="row"/>
+          <dgm:param type="contDir" val="sameDir"/>
+          <dgm:param type="off" val="ctr"/>
+        </dgm:alg>
+      </dgm:if>
+      <dgm:else name="Name2">
+        <dgm:alg type="snake">
+          <dgm:param type="grDir" val="tR"/>
+          <dgm:param type="flowDir" val="row"/>
+          <dgm:param type="contDir" val="sameDir"/>
+          <dgm:param type="off" val="ctr"/>
+        </dgm:alg>
+      </dgm:else>
+    </dgm:choose>
+    <dgm:shape xmlns:r="http://schemas.openxmlformats.org/officeDocument/2006/relationships" r:blip="">
+      <dgm:adjLst/>
+    </dgm:shape>
+    <dgm:presOf/>
+    <dgm:constrLst>
+      <dgm:constr type="w" for="ch" forName="node" refType="w"/>
+      <dgm:constr type="h" for="ch" forName="node" refType="w" refFor="ch" refForName="node" fact="0.6"/>
+      <dgm:constr type="w" for="ch" forName="sibTrans" refType="w" refFor="ch" refForName="node" fact="0.1"/>
+      <dgm:constr type="sp" refType="w" refFor="ch" refForName="sibTrans"/>
+      <dgm:constr type="primFontSz" for="ch" forName="node" op="equ" val="65"/>
+    </dgm:constrLst>
+    <dgm:ruleLst/>
+    <dgm:forEach name="Name3" axis="ch" ptType="node">
+      <dgm:layoutNode name="node">
+        <dgm:varLst>
+          <dgm:bulletEnabled val="1"/>
+        </dgm:varLst>
+        <dgm:alg type="tx"/>
+        <dgm:shape xmlns:r="http://schemas.openxmlformats.org/officeDocument/2006/relationships" type="rect" r:blip="">
+          <dgm:adjLst/>
+        </dgm:shape>
+        <dgm:presOf axis="desOrSelf" ptType="node"/>
+        <dgm:constrLst>
+          <dgm:constr type="lMarg" refType="primFontSz" fact="0.3"/>
+          <dgm:constr type="rMarg" refType="primFontSz" fact="0.3"/>
+          <dgm:constr type="tMarg" refType="primFontSz" fact="0.3"/>
+          <dgm:constr type="bMarg" refType="primFontSz" fact="0.3"/>
+        </dgm:constrLst>
+        <dgm:ruleLst>
+          <dgm:rule type="primFontSz" val="5" fact="NaN" max="NaN"/>
+        </dgm:ruleLst>
+      </dgm:layoutNode>
+      <dgm:forEach name="Name4" axis="followSib" ptType="sibTrans" cnt="1">
+        <dgm:layoutNode name="sibTrans">
+          <dgm:alg type="sp"/>
+          <dgm:shape xmlns:r="http://schemas.openxmlformats.org/officeDocument/2006/relationships" r:blip="">
+            <dgm:adjLst/>
+          </dgm:shape>
+          <dgm:presOf/>
+          <dgm:constrLst/>
+          <dgm:ruleLst/>
+        </dgm:layoutNode>
+      </dgm:forEach>
+    </dgm:forEach>
+  </dgm:layoutNode>
+</dgm:layoutDef>
+</file>
+
 <file path=ppt/diagrams/quickStyle1.xml><?xml version="1.0" encoding="utf-8"?>
 <dgm:styleDef xmlns:dgm="http://schemas.openxmlformats.org/drawingml/2006/diagram" xmlns:a="http://schemas.openxmlformats.org/drawingml/2006/main" uniqueId="urn:microsoft.com/office/officeart/2005/8/quickstyle/simple1">
   <dgm:title val=""/>
@@ -4373,6 +7603,2074 @@
 </file>
 
 <file path=ppt/diagrams/quickStyle2.xml><?xml version="1.0" encoding="utf-8"?>
+<dgm:styleDef xmlns:dgm="http://schemas.openxmlformats.org/drawingml/2006/diagram" xmlns:a="http://schemas.openxmlformats.org/drawingml/2006/main" uniqueId="urn:microsoft.com/office/officeart/2005/8/quickstyle/simple1">
+  <dgm:title val=""/>
+  <dgm:desc val=""/>
+  <dgm:catLst>
+    <dgm:cat type="simple" pri="10100"/>
+  </dgm:catLst>
+  <dgm:scene3d>
+    <a:camera prst="orthographicFront"/>
+    <a:lightRig rig="threePt" dir="t"/>
+  </dgm:scene3d>
+  <dgm:styleLbl name="node0">
+    <dgm:scene3d>
+      <a:camera prst="orthographicFront"/>
+      <a:lightRig rig="threePt" dir="t"/>
+    </dgm:scene3d>
+    <dgm:sp3d/>
+    <dgm:txPr/>
+    <dgm:style>
+      <a:lnRef idx="2">
+        <a:scrgbClr r="0" g="0" b="0"/>
+      </a:lnRef>
+      <a:fillRef idx="1">
+        <a:scrgbClr r="0" g="0" b="0"/>
+      </a:fillRef>
+      <a:effectRef idx="0">
+        <a:scrgbClr r="0" g="0" b="0"/>
+      </a:effectRef>
+      <a:fontRef idx="minor">
+        <a:schemeClr val="lt1"/>
+      </a:fontRef>
+    </dgm:style>
+  </dgm:styleLbl>
+  <dgm:styleLbl name="lnNode1">
+    <dgm:scene3d>
+      <a:camera prst="orthographicFront"/>
+      <a:lightRig rig="threePt" dir="t"/>
+    </dgm:scene3d>
+    <dgm:sp3d/>
+    <dgm:txPr/>
+    <dgm:style>
+      <a:lnRef idx="2">
+        <a:scrgbClr r="0" g="0" b="0"/>
+      </a:lnRef>
+      <a:fillRef idx="1">
+        <a:scrgbClr r="0" g="0" b="0"/>
+      </a:fillRef>
+      <a:effectRef idx="0">
+        <a:scrgbClr r="0" g="0" b="0"/>
+      </a:effectRef>
+      <a:fontRef idx="minor">
+        <a:schemeClr val="lt1"/>
+      </a:fontRef>
+    </dgm:style>
+  </dgm:styleLbl>
+  <dgm:styleLbl name="vennNode1">
+    <dgm:scene3d>
+      <a:camera prst="orthographicFront"/>
+      <a:lightRig rig="threePt" dir="t"/>
+    </dgm:scene3d>
+    <dgm:sp3d/>
+    <dgm:txPr/>
+    <dgm:style>
+      <a:lnRef idx="2">
+        <a:scrgbClr r="0" g="0" b="0"/>
+      </a:lnRef>
+      <a:fillRef idx="1">
+        <a:scrgbClr r="0" g="0" b="0"/>
+      </a:fillRef>
+      <a:effectRef idx="0">
+        <a:scrgbClr r="0" g="0" b="0"/>
+      </a:effectRef>
+      <a:fontRef idx="minor">
+        <a:schemeClr val="tx1"/>
+      </a:fontRef>
+    </dgm:style>
+  </dgm:styleLbl>
+  <dgm:styleLbl name="alignNode1">
+    <dgm:scene3d>
+      <a:camera prst="orthographicFront"/>
+      <a:lightRig rig="threePt" dir="t"/>
+    </dgm:scene3d>
+    <dgm:sp3d/>
+    <dgm:txPr/>
+    <dgm:style>
+      <a:lnRef idx="2">
+        <a:scrgbClr r="0" g="0" b="0"/>
+      </a:lnRef>
+      <a:fillRef idx="1">
+        <a:scrgbClr r="0" g="0" b="0"/>
+      </a:fillRef>
+      <a:effectRef idx="0">
+        <a:scrgbClr r="0" g="0" b="0"/>
+      </a:effectRef>
+      <a:fontRef idx="minor">
+        <a:schemeClr val="lt1"/>
+      </a:fontRef>
+    </dgm:style>
+  </dgm:styleLbl>
+  <dgm:styleLbl name="node1">
+    <dgm:scene3d>
+      <a:camera prst="orthographicFront"/>
+      <a:lightRig rig="threePt" dir="t"/>
+    </dgm:scene3d>
+    <dgm:sp3d/>
+    <dgm:txPr/>
+    <dgm:style>
+      <a:lnRef idx="2">
+        <a:scrgbClr r="0" g="0" b="0"/>
+      </a:lnRef>
+      <a:fillRef idx="1">
+        <a:scrgbClr r="0" g="0" b="0"/>
+      </a:fillRef>
+      <a:effectRef idx="0">
+        <a:scrgbClr r="0" g="0" b="0"/>
+      </a:effectRef>
+      <a:fontRef idx="minor">
+        <a:schemeClr val="lt1"/>
+      </a:fontRef>
+    </dgm:style>
+  </dgm:styleLbl>
+  <dgm:styleLbl name="node2">
+    <dgm:scene3d>
+      <a:camera prst="orthographicFront"/>
+      <a:lightRig rig="threePt" dir="t"/>
+    </dgm:scene3d>
+    <dgm:sp3d/>
+    <dgm:txPr/>
+    <dgm:style>
+      <a:lnRef idx="2">
+        <a:scrgbClr r="0" g="0" b="0"/>
+      </a:lnRef>
+      <a:fillRef idx="1">
+        <a:scrgbClr r="0" g="0" b="0"/>
+      </a:fillRef>
+      <a:effectRef idx="0">
+        <a:scrgbClr r="0" g="0" b="0"/>
+      </a:effectRef>
+      <a:fontRef idx="minor">
+        <a:schemeClr val="lt1"/>
+      </a:fontRef>
+    </dgm:style>
+  </dgm:styleLbl>
+  <dgm:styleLbl name="node3">
+    <dgm:scene3d>
+      <a:camera prst="orthographicFront"/>
+      <a:lightRig rig="threePt" dir="t"/>
+    </dgm:scene3d>
+    <dgm:sp3d/>
+    <dgm:txPr/>
+    <dgm:style>
+      <a:lnRef idx="2">
+        <a:scrgbClr r="0" g="0" b="0"/>
+      </a:lnRef>
+      <a:fillRef idx="1">
+        <a:scrgbClr r="0" g="0" b="0"/>
+      </a:fillRef>
+      <a:effectRef idx="0">
+        <a:scrgbClr r="0" g="0" b="0"/>
+      </a:effectRef>
+      <a:fontRef idx="minor">
+        <a:schemeClr val="lt1"/>
+      </a:fontRef>
+    </dgm:style>
+  </dgm:styleLbl>
+  <dgm:styleLbl name="node4">
+    <dgm:scene3d>
+      <a:camera prst="orthographicFront"/>
+      <a:lightRig rig="threePt" dir="t"/>
+    </dgm:scene3d>
+    <dgm:sp3d/>
+    <dgm:txPr/>
+    <dgm:style>
+      <a:lnRef idx="2">
+        <a:scrgbClr r="0" g="0" b="0"/>
+      </a:lnRef>
+      <a:fillRef idx="1">
+        <a:scrgbClr r="0" g="0" b="0"/>
+      </a:fillRef>
+      <a:effectRef idx="0">
+        <a:scrgbClr r="0" g="0" b="0"/>
+      </a:effectRef>
+      <a:fontRef idx="minor">
+        <a:schemeClr val="lt1"/>
+      </a:fontRef>
+    </dgm:style>
+  </dgm:styleLbl>
+  <dgm:styleLbl name="fgImgPlace1">
+    <dgm:scene3d>
+      <a:camera prst="orthographicFront"/>
+      <a:lightRig rig="threePt" dir="t"/>
+    </dgm:scene3d>
+    <dgm:sp3d/>
+    <dgm:txPr/>
+    <dgm:style>
+      <a:lnRef idx="2">
+        <a:scrgbClr r="0" g="0" b="0"/>
+      </a:lnRef>
+      <a:fillRef idx="1">
+        <a:scrgbClr r="0" g="0" b="0"/>
+      </a:fillRef>
+      <a:effectRef idx="0">
+        <a:scrgbClr r="0" g="0" b="0"/>
+      </a:effectRef>
+      <a:fontRef idx="minor"/>
+    </dgm:style>
+  </dgm:styleLbl>
+  <dgm:styleLbl name="alignImgPlace1">
+    <dgm:scene3d>
+      <a:camera prst="orthographicFront"/>
+      <a:lightRig rig="threePt" dir="t"/>
+    </dgm:scene3d>
+    <dgm:sp3d/>
+    <dgm:txPr/>
+    <dgm:style>
+      <a:lnRef idx="2">
+        <a:scrgbClr r="0" g="0" b="0"/>
+      </a:lnRef>
+      <a:fillRef idx="1">
+        <a:scrgbClr r="0" g="0" b="0"/>
+      </a:fillRef>
+      <a:effectRef idx="0">
+        <a:scrgbClr r="0" g="0" b="0"/>
+      </a:effectRef>
+      <a:fontRef idx="minor"/>
+    </dgm:style>
+  </dgm:styleLbl>
+  <dgm:styleLbl name="bgImgPlace1">
+    <dgm:scene3d>
+      <a:camera prst="orthographicFront"/>
+      <a:lightRig rig="threePt" dir="t"/>
+    </dgm:scene3d>
+    <dgm:sp3d/>
+    <dgm:txPr/>
+    <dgm:style>
+      <a:lnRef idx="2">
+        <a:scrgbClr r="0" g="0" b="0"/>
+      </a:lnRef>
+      <a:fillRef idx="1">
+        <a:scrgbClr r="0" g="0" b="0"/>
+      </a:fillRef>
+      <a:effectRef idx="0">
+        <a:scrgbClr r="0" g="0" b="0"/>
+      </a:effectRef>
+      <a:fontRef idx="minor"/>
+    </dgm:style>
+  </dgm:styleLbl>
+  <dgm:styleLbl name="sibTrans2D1">
+    <dgm:scene3d>
+      <a:camera prst="orthographicFront"/>
+      <a:lightRig rig="threePt" dir="t"/>
+    </dgm:scene3d>
+    <dgm:sp3d/>
+    <dgm:txPr/>
+    <dgm:style>
+      <a:lnRef idx="0">
+        <a:scrgbClr r="0" g="0" b="0"/>
+      </a:lnRef>
+      <a:fillRef idx="1">
+        <a:scrgbClr r="0" g="0" b="0"/>
+      </a:fillRef>
+      <a:effectRef idx="0">
+        <a:scrgbClr r="0" g="0" b="0"/>
+      </a:effectRef>
+      <a:fontRef idx="minor">
+        <a:schemeClr val="lt1"/>
+      </a:fontRef>
+    </dgm:style>
+  </dgm:styleLbl>
+  <dgm:styleLbl name="fgSibTrans2D1">
+    <dgm:scene3d>
+      <a:camera prst="orthographicFront"/>
+      <a:lightRig rig="threePt" dir="t"/>
+    </dgm:scene3d>
+    <dgm:sp3d/>
+    <dgm:txPr/>
+    <dgm:style>
+      <a:lnRef idx="0">
+        <a:scrgbClr r="0" g="0" b="0"/>
+      </a:lnRef>
+      <a:fillRef idx="1">
+        <a:scrgbClr r="0" g="0" b="0"/>
+      </a:fillRef>
+      <a:effectRef idx="0">
+        <a:scrgbClr r="0" g="0" b="0"/>
+      </a:effectRef>
+      <a:fontRef idx="minor">
+        <a:schemeClr val="lt1"/>
+      </a:fontRef>
+    </dgm:style>
+  </dgm:styleLbl>
+  <dgm:styleLbl name="bgSibTrans2D1">
+    <dgm:scene3d>
+      <a:camera prst="orthographicFront"/>
+      <a:lightRig rig="threePt" dir="t"/>
+    </dgm:scene3d>
+    <dgm:sp3d/>
+    <dgm:txPr/>
+    <dgm:style>
+      <a:lnRef idx="0">
+        <a:scrgbClr r="0" g="0" b="0"/>
+      </a:lnRef>
+      <a:fillRef idx="1">
+        <a:scrgbClr r="0" g="0" b="0"/>
+      </a:fillRef>
+      <a:effectRef idx="0">
+        <a:scrgbClr r="0" g="0" b="0"/>
+      </a:effectRef>
+      <a:fontRef idx="minor">
+        <a:schemeClr val="lt1"/>
+      </a:fontRef>
+    </dgm:style>
+  </dgm:styleLbl>
+  <dgm:styleLbl name="sibTrans1D1">
+    <dgm:scene3d>
+      <a:camera prst="orthographicFront"/>
+      <a:lightRig rig="threePt" dir="t"/>
+    </dgm:scene3d>
+    <dgm:sp3d/>
+    <dgm:txPr/>
+    <dgm:style>
+      <a:lnRef idx="1">
+        <a:scrgbClr r="0" g="0" b="0"/>
+      </a:lnRef>
+      <a:fillRef idx="0">
+        <a:scrgbClr r="0" g="0" b="0"/>
+      </a:fillRef>
+      <a:effectRef idx="0">
+        <a:scrgbClr r="0" g="0" b="0"/>
+      </a:effectRef>
+      <a:fontRef idx="minor"/>
+    </dgm:style>
+  </dgm:styleLbl>
+  <dgm:styleLbl name="callout">
+    <dgm:scene3d>
+      <a:camera prst="orthographicFront"/>
+      <a:lightRig rig="threePt" dir="t"/>
+    </dgm:scene3d>
+    <dgm:sp3d/>
+    <dgm:txPr/>
+    <dgm:style>
+      <a:lnRef idx="2">
+        <a:scrgbClr r="0" g="0" b="0"/>
+      </a:lnRef>
+      <a:fillRef idx="1">
+        <a:scrgbClr r="0" g="0" b="0"/>
+      </a:fillRef>
+      <a:effectRef idx="0">
+        <a:scrgbClr r="0" g="0" b="0"/>
+      </a:effectRef>
+      <a:fontRef idx="minor"/>
+    </dgm:style>
+  </dgm:styleLbl>
+  <dgm:styleLbl name="asst0">
+    <dgm:scene3d>
+      <a:camera prst="orthographicFront"/>
+      <a:lightRig rig="threePt" dir="t"/>
+    </dgm:scene3d>
+    <dgm:sp3d/>
+    <dgm:txPr/>
+    <dgm:style>
+      <a:lnRef idx="2">
+        <a:scrgbClr r="0" g="0" b="0"/>
+      </a:lnRef>
+      <a:fillRef idx="1">
+        <a:scrgbClr r="0" g="0" b="0"/>
+      </a:fillRef>
+      <a:effectRef idx="0">
+        <a:scrgbClr r="0" g="0" b="0"/>
+      </a:effectRef>
+      <a:fontRef idx="minor">
+        <a:schemeClr val="lt1"/>
+      </a:fontRef>
+    </dgm:style>
+  </dgm:styleLbl>
+  <dgm:styleLbl name="asst1">
+    <dgm:scene3d>
+      <a:camera prst="orthographicFront"/>
+      <a:lightRig rig="threePt" dir="t"/>
+    </dgm:scene3d>
+    <dgm:sp3d/>
+    <dgm:txPr/>
+    <dgm:style>
+      <a:lnRef idx="2">
+        <a:scrgbClr r="0" g="0" b="0"/>
+      </a:lnRef>
+      <a:fillRef idx="1">
+        <a:scrgbClr r="0" g="0" b="0"/>
+      </a:fillRef>
+      <a:effectRef idx="0">
+        <a:scrgbClr r="0" g="0" b="0"/>
+      </a:effectRef>
+      <a:fontRef idx="minor">
+        <a:schemeClr val="lt1"/>
+      </a:fontRef>
+    </dgm:style>
+  </dgm:styleLbl>
+  <dgm:styleLbl name="asst2">
+    <dgm:scene3d>
+      <a:camera prst="orthographicFront"/>
+      <a:lightRig rig="threePt" dir="t"/>
+    </dgm:scene3d>
+    <dgm:sp3d/>
+    <dgm:txPr/>
+    <dgm:style>
+      <a:lnRef idx="2">
+        <a:scrgbClr r="0" g="0" b="0"/>
+      </a:lnRef>
+      <a:fillRef idx="1">
+        <a:scrgbClr r="0" g="0" b="0"/>
+      </a:fillRef>
+      <a:effectRef idx="0">
+        <a:scrgbClr r="0" g="0" b="0"/>
+      </a:effectRef>
+      <a:fontRef idx="minor">
+        <a:schemeClr val="lt1"/>
+      </a:fontRef>
+    </dgm:style>
+  </dgm:styleLbl>
+  <dgm:styleLbl name="asst3">
+    <dgm:scene3d>
+      <a:camera prst="orthographicFront"/>
+      <a:lightRig rig="threePt" dir="t"/>
+    </dgm:scene3d>
+    <dgm:sp3d/>
+    <dgm:txPr/>
+    <dgm:style>
+      <a:lnRef idx="2">
+        <a:scrgbClr r="0" g="0" b="0"/>
+      </a:lnRef>
+      <a:fillRef idx="1">
+        <a:scrgbClr r="0" g="0" b="0"/>
+      </a:fillRef>
+      <a:effectRef idx="0">
+        <a:scrgbClr r="0" g="0" b="0"/>
+      </a:effectRef>
+      <a:fontRef idx="minor">
+        <a:schemeClr val="lt1"/>
+      </a:fontRef>
+    </dgm:style>
+  </dgm:styleLbl>
+  <dgm:styleLbl name="asst4">
+    <dgm:scene3d>
+      <a:camera prst="orthographicFront"/>
+      <a:lightRig rig="threePt" dir="t"/>
+    </dgm:scene3d>
+    <dgm:sp3d/>
+    <dgm:txPr/>
+    <dgm:style>
+      <a:lnRef idx="2">
+        <a:scrgbClr r="0" g="0" b="0"/>
+      </a:lnRef>
+      <a:fillRef idx="1">
+        <a:scrgbClr r="0" g="0" b="0"/>
+      </a:fillRef>
+      <a:effectRef idx="0">
+        <a:scrgbClr r="0" g="0" b="0"/>
+      </a:effectRef>
+      <a:fontRef idx="minor">
+        <a:schemeClr val="lt1"/>
+      </a:fontRef>
+    </dgm:style>
+  </dgm:styleLbl>
+  <dgm:styleLbl name="parChTrans2D1">
+    <dgm:scene3d>
+      <a:camera prst="orthographicFront"/>
+      <a:lightRig rig="threePt" dir="t"/>
+    </dgm:scene3d>
+    <dgm:sp3d/>
+    <dgm:txPr/>
+    <dgm:style>
+      <a:lnRef idx="2">
+        <a:scrgbClr r="0" g="0" b="0"/>
+      </a:lnRef>
+      <a:fillRef idx="1">
+        <a:scrgbClr r="0" g="0" b="0"/>
+      </a:fillRef>
+      <a:effectRef idx="0">
+        <a:scrgbClr r="0" g="0" b="0"/>
+      </a:effectRef>
+      <a:fontRef idx="minor">
+        <a:schemeClr val="lt1"/>
+      </a:fontRef>
+    </dgm:style>
+  </dgm:styleLbl>
+  <dgm:styleLbl name="parChTrans2D2">
+    <dgm:scene3d>
+      <a:camera prst="orthographicFront"/>
+      <a:lightRig rig="threePt" dir="t"/>
+    </dgm:scene3d>
+    <dgm:sp3d/>
+    <dgm:txPr/>
+    <dgm:style>
+      <a:lnRef idx="2">
+        <a:scrgbClr r="0" g="0" b="0"/>
+      </a:lnRef>
+      <a:fillRef idx="1">
+        <a:scrgbClr r="0" g="0" b="0"/>
+      </a:fillRef>
+      <a:effectRef idx="0">
+        <a:scrgbClr r="0" g="0" b="0"/>
+      </a:effectRef>
+      <a:fontRef idx="minor">
+        <a:schemeClr val="lt1"/>
+      </a:fontRef>
+    </dgm:style>
+  </dgm:styleLbl>
+  <dgm:styleLbl name="parChTrans2D3">
+    <dgm:scene3d>
+      <a:camera prst="orthographicFront"/>
+      <a:lightRig rig="threePt" dir="t"/>
+    </dgm:scene3d>
+    <dgm:sp3d/>
+    <dgm:txPr/>
+    <dgm:style>
+      <a:lnRef idx="2">
+        <a:scrgbClr r="0" g="0" b="0"/>
+      </a:lnRef>
+      <a:fillRef idx="1">
+        <a:scrgbClr r="0" g="0" b="0"/>
+      </a:fillRef>
+      <a:effectRef idx="0">
+        <a:scrgbClr r="0" g="0" b="0"/>
+      </a:effectRef>
+      <a:fontRef idx="minor">
+        <a:schemeClr val="lt1"/>
+      </a:fontRef>
+    </dgm:style>
+  </dgm:styleLbl>
+  <dgm:styleLbl name="parChTrans2D4">
+    <dgm:scene3d>
+      <a:camera prst="orthographicFront"/>
+      <a:lightRig rig="threePt" dir="t"/>
+    </dgm:scene3d>
+    <dgm:sp3d/>
+    <dgm:txPr/>
+    <dgm:style>
+      <a:lnRef idx="2">
+        <a:scrgbClr r="0" g="0" b="0"/>
+      </a:lnRef>
+      <a:fillRef idx="1">
+        <a:scrgbClr r="0" g="0" b="0"/>
+      </a:fillRef>
+      <a:effectRef idx="0">
+        <a:scrgbClr r="0" g="0" b="0"/>
+      </a:effectRef>
+      <a:fontRef idx="minor">
+        <a:schemeClr val="lt1"/>
+      </a:fontRef>
+    </dgm:style>
+  </dgm:styleLbl>
+  <dgm:styleLbl name="parChTrans1D1">
+    <dgm:scene3d>
+      <a:camera prst="orthographicFront"/>
+      <a:lightRig rig="threePt" dir="t"/>
+    </dgm:scene3d>
+    <dgm:sp3d/>
+    <dgm:txPr/>
+    <dgm:style>
+      <a:lnRef idx="2">
+        <a:scrgbClr r="0" g="0" b="0"/>
+      </a:lnRef>
+      <a:fillRef idx="0">
+        <a:scrgbClr r="0" g="0" b="0"/>
+      </a:fillRef>
+      <a:effectRef idx="0">
+        <a:scrgbClr r="0" g="0" b="0"/>
+      </a:effectRef>
+      <a:fontRef idx="minor"/>
+    </dgm:style>
+  </dgm:styleLbl>
+  <dgm:styleLbl name="parChTrans1D2">
+    <dgm:scene3d>
+      <a:camera prst="orthographicFront"/>
+      <a:lightRig rig="threePt" dir="t"/>
+    </dgm:scene3d>
+    <dgm:sp3d/>
+    <dgm:txPr/>
+    <dgm:style>
+      <a:lnRef idx="2">
+        <a:scrgbClr r="0" g="0" b="0"/>
+      </a:lnRef>
+      <a:fillRef idx="0">
+        <a:scrgbClr r="0" g="0" b="0"/>
+      </a:fillRef>
+      <a:effectRef idx="0">
+        <a:scrgbClr r="0" g="0" b="0"/>
+      </a:effectRef>
+      <a:fontRef idx="minor"/>
+    </dgm:style>
+  </dgm:styleLbl>
+  <dgm:styleLbl name="parChTrans1D3">
+    <dgm:scene3d>
+      <a:camera prst="orthographicFront"/>
+      <a:lightRig rig="threePt" dir="t"/>
+    </dgm:scene3d>
+    <dgm:sp3d/>
+    <dgm:txPr/>
+    <dgm:style>
+      <a:lnRef idx="2">
+        <a:scrgbClr r="0" g="0" b="0"/>
+      </a:lnRef>
+      <a:fillRef idx="0">
+        <a:scrgbClr r="0" g="0" b="0"/>
+      </a:fillRef>
+      <a:effectRef idx="0">
+        <a:scrgbClr r="0" g="0" b="0"/>
+      </a:effectRef>
+      <a:fontRef idx="minor"/>
+    </dgm:style>
+  </dgm:styleLbl>
+  <dgm:styleLbl name="parChTrans1D4">
+    <dgm:scene3d>
+      <a:camera prst="orthographicFront"/>
+      <a:lightRig rig="threePt" dir="t"/>
+    </dgm:scene3d>
+    <dgm:sp3d/>
+    <dgm:txPr/>
+    <dgm:style>
+      <a:lnRef idx="2">
+        <a:scrgbClr r="0" g="0" b="0"/>
+      </a:lnRef>
+      <a:fillRef idx="0">
+        <a:scrgbClr r="0" g="0" b="0"/>
+      </a:fillRef>
+      <a:effectRef idx="0">
+        <a:scrgbClr r="0" g="0" b="0"/>
+      </a:effectRef>
+      <a:fontRef idx="minor"/>
+    </dgm:style>
+  </dgm:styleLbl>
+  <dgm:styleLbl name="fgAcc1">
+    <dgm:scene3d>
+      <a:camera prst="orthographicFront"/>
+      <a:lightRig rig="threePt" dir="t"/>
+    </dgm:scene3d>
+    <dgm:sp3d/>
+    <dgm:txPr/>
+    <dgm:style>
+      <a:lnRef idx="2">
+        <a:scrgbClr r="0" g="0" b="0"/>
+      </a:lnRef>
+      <a:fillRef idx="1">
+        <a:scrgbClr r="0" g="0" b="0"/>
+      </a:fillRef>
+      <a:effectRef idx="0">
+        <a:scrgbClr r="0" g="0" b="0"/>
+      </a:effectRef>
+      <a:fontRef idx="minor"/>
+    </dgm:style>
+  </dgm:styleLbl>
+  <dgm:styleLbl name="conFgAcc1">
+    <dgm:scene3d>
+      <a:camera prst="orthographicFront"/>
+      <a:lightRig rig="threePt" dir="t"/>
+    </dgm:scene3d>
+    <dgm:sp3d/>
+    <dgm:txPr/>
+    <dgm:style>
+      <a:lnRef idx="2">
+        <a:scrgbClr r="0" g="0" b="0"/>
+      </a:lnRef>
+      <a:fillRef idx="1">
+        <a:scrgbClr r="0" g="0" b="0"/>
+      </a:fillRef>
+      <a:effectRef idx="0">
+        <a:scrgbClr r="0" g="0" b="0"/>
+      </a:effectRef>
+      <a:fontRef idx="minor"/>
+    </dgm:style>
+  </dgm:styleLbl>
+  <dgm:styleLbl name="alignAcc1">
+    <dgm:scene3d>
+      <a:camera prst="orthographicFront"/>
+      <a:lightRig rig="threePt" dir="t"/>
+    </dgm:scene3d>
+    <dgm:sp3d/>
+    <dgm:txPr/>
+    <dgm:style>
+      <a:lnRef idx="2">
+        <a:scrgbClr r="0" g="0" b="0"/>
+      </a:lnRef>
+      <a:fillRef idx="1">
+        <a:scrgbClr r="0" g="0" b="0"/>
+      </a:fillRef>
+      <a:effectRef idx="0">
+        <a:scrgbClr r="0" g="0" b="0"/>
+      </a:effectRef>
+      <a:fontRef idx="minor"/>
+    </dgm:style>
+  </dgm:styleLbl>
+  <dgm:styleLbl name="trAlignAcc1">
+    <dgm:scene3d>
+      <a:camera prst="orthographicFront"/>
+      <a:lightRig rig="threePt" dir="t"/>
+    </dgm:scene3d>
+    <dgm:sp3d/>
+    <dgm:txPr/>
+    <dgm:style>
+      <a:lnRef idx="1">
+        <a:scrgbClr r="0" g="0" b="0"/>
+      </a:lnRef>
+      <a:fillRef idx="1">
+        <a:scrgbClr r="0" g="0" b="0"/>
+      </a:fillRef>
+      <a:effectRef idx="0">
+        <a:scrgbClr r="0" g="0" b="0"/>
+      </a:effectRef>
+      <a:fontRef idx="minor"/>
+    </dgm:style>
+  </dgm:styleLbl>
+  <dgm:styleLbl name="bgAcc1">
+    <dgm:scene3d>
+      <a:camera prst="orthographicFront"/>
+      <a:lightRig rig="threePt" dir="t"/>
+    </dgm:scene3d>
+    <dgm:sp3d/>
+    <dgm:txPr/>
+    <dgm:style>
+      <a:lnRef idx="2">
+        <a:scrgbClr r="0" g="0" b="0"/>
+      </a:lnRef>
+      <a:fillRef idx="1">
+        <a:scrgbClr r="0" g="0" b="0"/>
+      </a:fillRef>
+      <a:effectRef idx="0">
+        <a:scrgbClr r="0" g="0" b="0"/>
+      </a:effectRef>
+      <a:fontRef idx="minor"/>
+    </dgm:style>
+  </dgm:styleLbl>
+  <dgm:styleLbl name="solidFgAcc1">
+    <dgm:scene3d>
+      <a:camera prst="orthographicFront"/>
+      <a:lightRig rig="threePt" dir="t"/>
+    </dgm:scene3d>
+    <dgm:sp3d/>
+    <dgm:txPr/>
+    <dgm:style>
+      <a:lnRef idx="2">
+        <a:scrgbClr r="0" g="0" b="0"/>
+      </a:lnRef>
+      <a:fillRef idx="1">
+        <a:scrgbClr r="0" g="0" b="0"/>
+      </a:fillRef>
+      <a:effectRef idx="0">
+        <a:scrgbClr r="0" g="0" b="0"/>
+      </a:effectRef>
+      <a:fontRef idx="minor"/>
+    </dgm:style>
+  </dgm:styleLbl>
+  <dgm:styleLbl name="solidAlignAcc1">
+    <dgm:scene3d>
+      <a:camera prst="orthographicFront"/>
+      <a:lightRig rig="threePt" dir="t"/>
+    </dgm:scene3d>
+    <dgm:sp3d/>
+    <dgm:txPr/>
+    <dgm:style>
+      <a:lnRef idx="2">
+        <a:scrgbClr r="0" g="0" b="0"/>
+      </a:lnRef>
+      <a:fillRef idx="1">
+        <a:scrgbClr r="0" g="0" b="0"/>
+      </a:fillRef>
+      <a:effectRef idx="0">
+        <a:scrgbClr r="0" g="0" b="0"/>
+      </a:effectRef>
+      <a:fontRef idx="minor"/>
+    </dgm:style>
+  </dgm:styleLbl>
+  <dgm:styleLbl name="solidBgAcc1">
+    <dgm:scene3d>
+      <a:camera prst="orthographicFront"/>
+      <a:lightRig rig="threePt" dir="t"/>
+    </dgm:scene3d>
+    <dgm:sp3d/>
+    <dgm:txPr/>
+    <dgm:style>
+      <a:lnRef idx="2">
+        <a:scrgbClr r="0" g="0" b="0"/>
+      </a:lnRef>
+      <a:fillRef idx="1">
+        <a:scrgbClr r="0" g="0" b="0"/>
+      </a:fillRef>
+      <a:effectRef idx="0">
+        <a:scrgbClr r="0" g="0" b="0"/>
+      </a:effectRef>
+      <a:fontRef idx="minor"/>
+    </dgm:style>
+  </dgm:styleLbl>
+  <dgm:styleLbl name="fgAccFollowNode1">
+    <dgm:scene3d>
+      <a:camera prst="orthographicFront"/>
+      <a:lightRig rig="threePt" dir="t"/>
+    </dgm:scene3d>
+    <dgm:sp3d/>
+    <dgm:txPr/>
+    <dgm:style>
+      <a:lnRef idx="2">
+        <a:scrgbClr r="0" g="0" b="0"/>
+      </a:lnRef>
+      <a:fillRef idx="1">
+        <a:scrgbClr r="0" g="0" b="0"/>
+      </a:fillRef>
+      <a:effectRef idx="0">
+        <a:scrgbClr r="0" g="0" b="0"/>
+      </a:effectRef>
+      <a:fontRef idx="minor"/>
+    </dgm:style>
+  </dgm:styleLbl>
+  <dgm:styleLbl name="alignAccFollowNode1">
+    <dgm:scene3d>
+      <a:camera prst="orthographicFront"/>
+      <a:lightRig rig="threePt" dir="t"/>
+    </dgm:scene3d>
+    <dgm:sp3d/>
+    <dgm:txPr/>
+    <dgm:style>
+      <a:lnRef idx="2">
+        <a:scrgbClr r="0" g="0" b="0"/>
+      </a:lnRef>
+      <a:fillRef idx="1">
+        <a:scrgbClr r="0" g="0" b="0"/>
+      </a:fillRef>
+      <a:effectRef idx="0">
+        <a:scrgbClr r="0" g="0" b="0"/>
+      </a:effectRef>
+      <a:fontRef idx="minor"/>
+    </dgm:style>
+  </dgm:styleLbl>
+  <dgm:styleLbl name="bgAccFollowNode1">
+    <dgm:scene3d>
+      <a:camera prst="orthographicFront"/>
+      <a:lightRig rig="threePt" dir="t"/>
+    </dgm:scene3d>
+    <dgm:sp3d/>
+    <dgm:txPr/>
+    <dgm:style>
+      <a:lnRef idx="2">
+        <a:scrgbClr r="0" g="0" b="0"/>
+      </a:lnRef>
+      <a:fillRef idx="1">
+        <a:scrgbClr r="0" g="0" b="0"/>
+      </a:fillRef>
+      <a:effectRef idx="0">
+        <a:scrgbClr r="0" g="0" b="0"/>
+      </a:effectRef>
+      <a:fontRef idx="minor"/>
+    </dgm:style>
+  </dgm:styleLbl>
+  <dgm:styleLbl name="fgAcc0">
+    <dgm:scene3d>
+      <a:camera prst="orthographicFront"/>
+      <a:lightRig rig="threePt" dir="t"/>
+    </dgm:scene3d>
+    <dgm:sp3d/>
+    <dgm:txPr/>
+    <dgm:style>
+      <a:lnRef idx="2">
+        <a:scrgbClr r="0" g="0" b="0"/>
+      </a:lnRef>
+      <a:fillRef idx="1">
+        <a:scrgbClr r="0" g="0" b="0"/>
+      </a:fillRef>
+      <a:effectRef idx="0">
+        <a:scrgbClr r="0" g="0" b="0"/>
+      </a:effectRef>
+      <a:fontRef idx="minor"/>
+    </dgm:style>
+  </dgm:styleLbl>
+  <dgm:styleLbl name="fgAcc2">
+    <dgm:scene3d>
+      <a:camera prst="orthographicFront"/>
+      <a:lightRig rig="threePt" dir="t"/>
+    </dgm:scene3d>
+    <dgm:sp3d/>
+    <dgm:txPr/>
+    <dgm:style>
+      <a:lnRef idx="2">
+        <a:scrgbClr r="0" g="0" b="0"/>
+      </a:lnRef>
+      <a:fillRef idx="1">
+        <a:scrgbClr r="0" g="0" b="0"/>
+      </a:fillRef>
+      <a:effectRef idx="0">
+        <a:scrgbClr r="0" g="0" b="0"/>
+      </a:effectRef>
+      <a:fontRef idx="minor"/>
+    </dgm:style>
+  </dgm:styleLbl>
+  <dgm:styleLbl name="fgAcc3">
+    <dgm:scene3d>
+      <a:camera prst="orthographicFront"/>
+      <a:lightRig rig="threePt" dir="t"/>
+    </dgm:scene3d>
+    <dgm:sp3d/>
+    <dgm:txPr/>
+    <dgm:style>
+      <a:lnRef idx="2">
+        <a:scrgbClr r="0" g="0" b="0"/>
+      </a:lnRef>
+      <a:fillRef idx="1">
+        <a:scrgbClr r="0" g="0" b="0"/>
+      </a:fillRef>
+      <a:effectRef idx="0">
+        <a:scrgbClr r="0" g="0" b="0"/>
+      </a:effectRef>
+      <a:fontRef idx="minor"/>
+    </dgm:style>
+  </dgm:styleLbl>
+  <dgm:styleLbl name="fgAcc4">
+    <dgm:scene3d>
+      <a:camera prst="orthographicFront"/>
+      <a:lightRig rig="threePt" dir="t"/>
+    </dgm:scene3d>
+    <dgm:sp3d/>
+    <dgm:txPr/>
+    <dgm:style>
+      <a:lnRef idx="2">
+        <a:scrgbClr r="0" g="0" b="0"/>
+      </a:lnRef>
+      <a:fillRef idx="1">
+        <a:scrgbClr r="0" g="0" b="0"/>
+      </a:fillRef>
+      <a:effectRef idx="0">
+        <a:scrgbClr r="0" g="0" b="0"/>
+      </a:effectRef>
+      <a:fontRef idx="minor"/>
+    </dgm:style>
+  </dgm:styleLbl>
+  <dgm:styleLbl name="bgShp">
+    <dgm:scene3d>
+      <a:camera prst="orthographicFront"/>
+      <a:lightRig rig="threePt" dir="t"/>
+    </dgm:scene3d>
+    <dgm:sp3d/>
+    <dgm:txPr/>
+    <dgm:style>
+      <a:lnRef idx="0">
+        <a:scrgbClr r="0" g="0" b="0"/>
+      </a:lnRef>
+      <a:fillRef idx="1">
+        <a:scrgbClr r="0" g="0" b="0"/>
+      </a:fillRef>
+      <a:effectRef idx="0">
+        <a:scrgbClr r="0" g="0" b="0"/>
+      </a:effectRef>
+      <a:fontRef idx="minor"/>
+    </dgm:style>
+  </dgm:styleLbl>
+  <dgm:styleLbl name="dkBgShp">
+    <dgm:scene3d>
+      <a:camera prst="orthographicFront"/>
+      <a:lightRig rig="threePt" dir="t"/>
+    </dgm:scene3d>
+    <dgm:sp3d/>
+    <dgm:txPr/>
+    <dgm:style>
+      <a:lnRef idx="0">
+        <a:scrgbClr r="0" g="0" b="0"/>
+      </a:lnRef>
+      <a:fillRef idx="1">
+        <a:scrgbClr r="0" g="0" b="0"/>
+      </a:fillRef>
+      <a:effectRef idx="0">
+        <a:scrgbClr r="0" g="0" b="0"/>
+      </a:effectRef>
+      <a:fontRef idx="minor"/>
+    </dgm:style>
+  </dgm:styleLbl>
+  <dgm:styleLbl name="trBgShp">
+    <dgm:scene3d>
+      <a:camera prst="orthographicFront"/>
+      <a:lightRig rig="threePt" dir="t"/>
+    </dgm:scene3d>
+    <dgm:sp3d/>
+    <dgm:txPr/>
+    <dgm:style>
+      <a:lnRef idx="0">
+        <a:scrgbClr r="0" g="0" b="0"/>
+      </a:lnRef>
+      <a:fillRef idx="1">
+        <a:scrgbClr r="0" g="0" b="0"/>
+      </a:fillRef>
+      <a:effectRef idx="0">
+        <a:scrgbClr r="0" g="0" b="0"/>
+      </a:effectRef>
+      <a:fontRef idx="minor"/>
+    </dgm:style>
+  </dgm:styleLbl>
+  <dgm:styleLbl name="fgShp">
+    <dgm:scene3d>
+      <a:camera prst="orthographicFront"/>
+      <a:lightRig rig="threePt" dir="t"/>
+    </dgm:scene3d>
+    <dgm:sp3d/>
+    <dgm:txPr/>
+    <dgm:style>
+      <a:lnRef idx="2">
+        <a:scrgbClr r="0" g="0" b="0"/>
+      </a:lnRef>
+      <a:fillRef idx="1">
+        <a:scrgbClr r="0" g="0" b="0"/>
+      </a:fillRef>
+      <a:effectRef idx="0">
+        <a:scrgbClr r="0" g="0" b="0"/>
+      </a:effectRef>
+      <a:fontRef idx="minor"/>
+    </dgm:style>
+  </dgm:styleLbl>
+  <dgm:styleLbl name="revTx">
+    <dgm:scene3d>
+      <a:camera prst="orthographicFront"/>
+      <a:lightRig rig="threePt" dir="t"/>
+    </dgm:scene3d>
+    <dgm:sp3d/>
+    <dgm:txPr/>
+    <dgm:style>
+      <a:lnRef idx="0">
+        <a:scrgbClr r="0" g="0" b="0"/>
+      </a:lnRef>
+      <a:fillRef idx="0">
+        <a:scrgbClr r="0" g="0" b="0"/>
+      </a:fillRef>
+      <a:effectRef idx="0">
+        <a:scrgbClr r="0" g="0" b="0"/>
+      </a:effectRef>
+      <a:fontRef idx="minor"/>
+    </dgm:style>
+  </dgm:styleLbl>
+</dgm:styleDef>
+</file>
+
+<file path=ppt/diagrams/quickStyle3.xml><?xml version="1.0" encoding="utf-8"?>
+<dgm:styleDef xmlns:dgm="http://schemas.openxmlformats.org/drawingml/2006/diagram" xmlns:a="http://schemas.openxmlformats.org/drawingml/2006/main" uniqueId="urn:microsoft.com/office/officeart/2005/8/quickstyle/simple1">
+  <dgm:title val=""/>
+  <dgm:desc val=""/>
+  <dgm:catLst>
+    <dgm:cat type="simple" pri="10100"/>
+  </dgm:catLst>
+  <dgm:scene3d>
+    <a:camera prst="orthographicFront"/>
+    <a:lightRig rig="threePt" dir="t"/>
+  </dgm:scene3d>
+  <dgm:styleLbl name="node0">
+    <dgm:scene3d>
+      <a:camera prst="orthographicFront"/>
+      <a:lightRig rig="threePt" dir="t"/>
+    </dgm:scene3d>
+    <dgm:sp3d/>
+    <dgm:txPr/>
+    <dgm:style>
+      <a:lnRef idx="2">
+        <a:scrgbClr r="0" g="0" b="0"/>
+      </a:lnRef>
+      <a:fillRef idx="1">
+        <a:scrgbClr r="0" g="0" b="0"/>
+      </a:fillRef>
+      <a:effectRef idx="0">
+        <a:scrgbClr r="0" g="0" b="0"/>
+      </a:effectRef>
+      <a:fontRef idx="minor">
+        <a:schemeClr val="lt1"/>
+      </a:fontRef>
+    </dgm:style>
+  </dgm:styleLbl>
+  <dgm:styleLbl name="lnNode1">
+    <dgm:scene3d>
+      <a:camera prst="orthographicFront"/>
+      <a:lightRig rig="threePt" dir="t"/>
+    </dgm:scene3d>
+    <dgm:sp3d/>
+    <dgm:txPr/>
+    <dgm:style>
+      <a:lnRef idx="2">
+        <a:scrgbClr r="0" g="0" b="0"/>
+      </a:lnRef>
+      <a:fillRef idx="1">
+        <a:scrgbClr r="0" g="0" b="0"/>
+      </a:fillRef>
+      <a:effectRef idx="0">
+        <a:scrgbClr r="0" g="0" b="0"/>
+      </a:effectRef>
+      <a:fontRef idx="minor">
+        <a:schemeClr val="lt1"/>
+      </a:fontRef>
+    </dgm:style>
+  </dgm:styleLbl>
+  <dgm:styleLbl name="vennNode1">
+    <dgm:scene3d>
+      <a:camera prst="orthographicFront"/>
+      <a:lightRig rig="threePt" dir="t"/>
+    </dgm:scene3d>
+    <dgm:sp3d/>
+    <dgm:txPr/>
+    <dgm:style>
+      <a:lnRef idx="2">
+        <a:scrgbClr r="0" g="0" b="0"/>
+      </a:lnRef>
+      <a:fillRef idx="1">
+        <a:scrgbClr r="0" g="0" b="0"/>
+      </a:fillRef>
+      <a:effectRef idx="0">
+        <a:scrgbClr r="0" g="0" b="0"/>
+      </a:effectRef>
+      <a:fontRef idx="minor">
+        <a:schemeClr val="tx1"/>
+      </a:fontRef>
+    </dgm:style>
+  </dgm:styleLbl>
+  <dgm:styleLbl name="alignNode1">
+    <dgm:scene3d>
+      <a:camera prst="orthographicFront"/>
+      <a:lightRig rig="threePt" dir="t"/>
+    </dgm:scene3d>
+    <dgm:sp3d/>
+    <dgm:txPr/>
+    <dgm:style>
+      <a:lnRef idx="2">
+        <a:scrgbClr r="0" g="0" b="0"/>
+      </a:lnRef>
+      <a:fillRef idx="1">
+        <a:scrgbClr r="0" g="0" b="0"/>
+      </a:fillRef>
+      <a:effectRef idx="0">
+        <a:scrgbClr r="0" g="0" b="0"/>
+      </a:effectRef>
+      <a:fontRef idx="minor">
+        <a:schemeClr val="lt1"/>
+      </a:fontRef>
+    </dgm:style>
+  </dgm:styleLbl>
+  <dgm:styleLbl name="node1">
+    <dgm:scene3d>
+      <a:camera prst="orthographicFront"/>
+      <a:lightRig rig="threePt" dir="t"/>
+    </dgm:scene3d>
+    <dgm:sp3d/>
+    <dgm:txPr/>
+    <dgm:style>
+      <a:lnRef idx="2">
+        <a:scrgbClr r="0" g="0" b="0"/>
+      </a:lnRef>
+      <a:fillRef idx="1">
+        <a:scrgbClr r="0" g="0" b="0"/>
+      </a:fillRef>
+      <a:effectRef idx="0">
+        <a:scrgbClr r="0" g="0" b="0"/>
+      </a:effectRef>
+      <a:fontRef idx="minor">
+        <a:schemeClr val="lt1"/>
+      </a:fontRef>
+    </dgm:style>
+  </dgm:styleLbl>
+  <dgm:styleLbl name="node2">
+    <dgm:scene3d>
+      <a:camera prst="orthographicFront"/>
+      <a:lightRig rig="threePt" dir="t"/>
+    </dgm:scene3d>
+    <dgm:sp3d/>
+    <dgm:txPr/>
+    <dgm:style>
+      <a:lnRef idx="2">
+        <a:scrgbClr r="0" g="0" b="0"/>
+      </a:lnRef>
+      <a:fillRef idx="1">
+        <a:scrgbClr r="0" g="0" b="0"/>
+      </a:fillRef>
+      <a:effectRef idx="0">
+        <a:scrgbClr r="0" g="0" b="0"/>
+      </a:effectRef>
+      <a:fontRef idx="minor">
+        <a:schemeClr val="lt1"/>
+      </a:fontRef>
+    </dgm:style>
+  </dgm:styleLbl>
+  <dgm:styleLbl name="node3">
+    <dgm:scene3d>
+      <a:camera prst="orthographicFront"/>
+      <a:lightRig rig="threePt" dir="t"/>
+    </dgm:scene3d>
+    <dgm:sp3d/>
+    <dgm:txPr/>
+    <dgm:style>
+      <a:lnRef idx="2">
+        <a:scrgbClr r="0" g="0" b="0"/>
+      </a:lnRef>
+      <a:fillRef idx="1">
+        <a:scrgbClr r="0" g="0" b="0"/>
+      </a:fillRef>
+      <a:effectRef idx="0">
+        <a:scrgbClr r="0" g="0" b="0"/>
+      </a:effectRef>
+      <a:fontRef idx="minor">
+        <a:schemeClr val="lt1"/>
+      </a:fontRef>
+    </dgm:style>
+  </dgm:styleLbl>
+  <dgm:styleLbl name="node4">
+    <dgm:scene3d>
+      <a:camera prst="orthographicFront"/>
+      <a:lightRig rig="threePt" dir="t"/>
+    </dgm:scene3d>
+    <dgm:sp3d/>
+    <dgm:txPr/>
+    <dgm:style>
+      <a:lnRef idx="2">
+        <a:scrgbClr r="0" g="0" b="0"/>
+      </a:lnRef>
+      <a:fillRef idx="1">
+        <a:scrgbClr r="0" g="0" b="0"/>
+      </a:fillRef>
+      <a:effectRef idx="0">
+        <a:scrgbClr r="0" g="0" b="0"/>
+      </a:effectRef>
+      <a:fontRef idx="minor">
+        <a:schemeClr val="lt1"/>
+      </a:fontRef>
+    </dgm:style>
+  </dgm:styleLbl>
+  <dgm:styleLbl name="fgImgPlace1">
+    <dgm:scene3d>
+      <a:camera prst="orthographicFront"/>
+      <a:lightRig rig="threePt" dir="t"/>
+    </dgm:scene3d>
+    <dgm:sp3d/>
+    <dgm:txPr/>
+    <dgm:style>
+      <a:lnRef idx="2">
+        <a:scrgbClr r="0" g="0" b="0"/>
+      </a:lnRef>
+      <a:fillRef idx="1">
+        <a:scrgbClr r="0" g="0" b="0"/>
+      </a:fillRef>
+      <a:effectRef idx="0">
+        <a:scrgbClr r="0" g="0" b="0"/>
+      </a:effectRef>
+      <a:fontRef idx="minor"/>
+    </dgm:style>
+  </dgm:styleLbl>
+  <dgm:styleLbl name="alignImgPlace1">
+    <dgm:scene3d>
+      <a:camera prst="orthographicFront"/>
+      <a:lightRig rig="threePt" dir="t"/>
+    </dgm:scene3d>
+    <dgm:sp3d/>
+    <dgm:txPr/>
+    <dgm:style>
+      <a:lnRef idx="2">
+        <a:scrgbClr r="0" g="0" b="0"/>
+      </a:lnRef>
+      <a:fillRef idx="1">
+        <a:scrgbClr r="0" g="0" b="0"/>
+      </a:fillRef>
+      <a:effectRef idx="0">
+        <a:scrgbClr r="0" g="0" b="0"/>
+      </a:effectRef>
+      <a:fontRef idx="minor"/>
+    </dgm:style>
+  </dgm:styleLbl>
+  <dgm:styleLbl name="bgImgPlace1">
+    <dgm:scene3d>
+      <a:camera prst="orthographicFront"/>
+      <a:lightRig rig="threePt" dir="t"/>
+    </dgm:scene3d>
+    <dgm:sp3d/>
+    <dgm:txPr/>
+    <dgm:style>
+      <a:lnRef idx="2">
+        <a:scrgbClr r="0" g="0" b="0"/>
+      </a:lnRef>
+      <a:fillRef idx="1">
+        <a:scrgbClr r="0" g="0" b="0"/>
+      </a:fillRef>
+      <a:effectRef idx="0">
+        <a:scrgbClr r="0" g="0" b="0"/>
+      </a:effectRef>
+      <a:fontRef idx="minor"/>
+    </dgm:style>
+  </dgm:styleLbl>
+  <dgm:styleLbl name="sibTrans2D1">
+    <dgm:scene3d>
+      <a:camera prst="orthographicFront"/>
+      <a:lightRig rig="threePt" dir="t"/>
+    </dgm:scene3d>
+    <dgm:sp3d/>
+    <dgm:txPr/>
+    <dgm:style>
+      <a:lnRef idx="0">
+        <a:scrgbClr r="0" g="0" b="0"/>
+      </a:lnRef>
+      <a:fillRef idx="1">
+        <a:scrgbClr r="0" g="0" b="0"/>
+      </a:fillRef>
+      <a:effectRef idx="0">
+        <a:scrgbClr r="0" g="0" b="0"/>
+      </a:effectRef>
+      <a:fontRef idx="minor">
+        <a:schemeClr val="lt1"/>
+      </a:fontRef>
+    </dgm:style>
+  </dgm:styleLbl>
+  <dgm:styleLbl name="fgSibTrans2D1">
+    <dgm:scene3d>
+      <a:camera prst="orthographicFront"/>
+      <a:lightRig rig="threePt" dir="t"/>
+    </dgm:scene3d>
+    <dgm:sp3d/>
+    <dgm:txPr/>
+    <dgm:style>
+      <a:lnRef idx="0">
+        <a:scrgbClr r="0" g="0" b="0"/>
+      </a:lnRef>
+      <a:fillRef idx="1">
+        <a:scrgbClr r="0" g="0" b="0"/>
+      </a:fillRef>
+      <a:effectRef idx="0">
+        <a:scrgbClr r="0" g="0" b="0"/>
+      </a:effectRef>
+      <a:fontRef idx="minor">
+        <a:schemeClr val="lt1"/>
+      </a:fontRef>
+    </dgm:style>
+  </dgm:styleLbl>
+  <dgm:styleLbl name="bgSibTrans2D1">
+    <dgm:scene3d>
+      <a:camera prst="orthographicFront"/>
+      <a:lightRig rig="threePt" dir="t"/>
+    </dgm:scene3d>
+    <dgm:sp3d/>
+    <dgm:txPr/>
+    <dgm:style>
+      <a:lnRef idx="0">
+        <a:scrgbClr r="0" g="0" b="0"/>
+      </a:lnRef>
+      <a:fillRef idx="1">
+        <a:scrgbClr r="0" g="0" b="0"/>
+      </a:fillRef>
+      <a:effectRef idx="0">
+        <a:scrgbClr r="0" g="0" b="0"/>
+      </a:effectRef>
+      <a:fontRef idx="minor">
+        <a:schemeClr val="lt1"/>
+      </a:fontRef>
+    </dgm:style>
+  </dgm:styleLbl>
+  <dgm:styleLbl name="sibTrans1D1">
+    <dgm:scene3d>
+      <a:camera prst="orthographicFront"/>
+      <a:lightRig rig="threePt" dir="t"/>
+    </dgm:scene3d>
+    <dgm:sp3d/>
+    <dgm:txPr/>
+    <dgm:style>
+      <a:lnRef idx="1">
+        <a:scrgbClr r="0" g="0" b="0"/>
+      </a:lnRef>
+      <a:fillRef idx="0">
+        <a:scrgbClr r="0" g="0" b="0"/>
+      </a:fillRef>
+      <a:effectRef idx="0">
+        <a:scrgbClr r="0" g="0" b="0"/>
+      </a:effectRef>
+      <a:fontRef idx="minor"/>
+    </dgm:style>
+  </dgm:styleLbl>
+  <dgm:styleLbl name="callout">
+    <dgm:scene3d>
+      <a:camera prst="orthographicFront"/>
+      <a:lightRig rig="threePt" dir="t"/>
+    </dgm:scene3d>
+    <dgm:sp3d/>
+    <dgm:txPr/>
+    <dgm:style>
+      <a:lnRef idx="2">
+        <a:scrgbClr r="0" g="0" b="0"/>
+      </a:lnRef>
+      <a:fillRef idx="1">
+        <a:scrgbClr r="0" g="0" b="0"/>
+      </a:fillRef>
+      <a:effectRef idx="0">
+        <a:scrgbClr r="0" g="0" b="0"/>
+      </a:effectRef>
+      <a:fontRef idx="minor"/>
+    </dgm:style>
+  </dgm:styleLbl>
+  <dgm:styleLbl name="asst0">
+    <dgm:scene3d>
+      <a:camera prst="orthographicFront"/>
+      <a:lightRig rig="threePt" dir="t"/>
+    </dgm:scene3d>
+    <dgm:sp3d/>
+    <dgm:txPr/>
+    <dgm:style>
+      <a:lnRef idx="2">
+        <a:scrgbClr r="0" g="0" b="0"/>
+      </a:lnRef>
+      <a:fillRef idx="1">
+        <a:scrgbClr r="0" g="0" b="0"/>
+      </a:fillRef>
+      <a:effectRef idx="0">
+        <a:scrgbClr r="0" g="0" b="0"/>
+      </a:effectRef>
+      <a:fontRef idx="minor">
+        <a:schemeClr val="lt1"/>
+      </a:fontRef>
+    </dgm:style>
+  </dgm:styleLbl>
+  <dgm:styleLbl name="asst1">
+    <dgm:scene3d>
+      <a:camera prst="orthographicFront"/>
+      <a:lightRig rig="threePt" dir="t"/>
+    </dgm:scene3d>
+    <dgm:sp3d/>
+    <dgm:txPr/>
+    <dgm:style>
+      <a:lnRef idx="2">
+        <a:scrgbClr r="0" g="0" b="0"/>
+      </a:lnRef>
+      <a:fillRef idx="1">
+        <a:scrgbClr r="0" g="0" b="0"/>
+      </a:fillRef>
+      <a:effectRef idx="0">
+        <a:scrgbClr r="0" g="0" b="0"/>
+      </a:effectRef>
+      <a:fontRef idx="minor">
+        <a:schemeClr val="lt1"/>
+      </a:fontRef>
+    </dgm:style>
+  </dgm:styleLbl>
+  <dgm:styleLbl name="asst2">
+    <dgm:scene3d>
+      <a:camera prst="orthographicFront"/>
+      <a:lightRig rig="threePt" dir="t"/>
+    </dgm:scene3d>
+    <dgm:sp3d/>
+    <dgm:txPr/>
+    <dgm:style>
+      <a:lnRef idx="2">
+        <a:scrgbClr r="0" g="0" b="0"/>
+      </a:lnRef>
+      <a:fillRef idx="1">
+        <a:scrgbClr r="0" g="0" b="0"/>
+      </a:fillRef>
+      <a:effectRef idx="0">
+        <a:scrgbClr r="0" g="0" b="0"/>
+      </a:effectRef>
+      <a:fontRef idx="minor">
+        <a:schemeClr val="lt1"/>
+      </a:fontRef>
+    </dgm:style>
+  </dgm:styleLbl>
+  <dgm:styleLbl name="asst3">
+    <dgm:scene3d>
+      <a:camera prst="orthographicFront"/>
+      <a:lightRig rig="threePt" dir="t"/>
+    </dgm:scene3d>
+    <dgm:sp3d/>
+    <dgm:txPr/>
+    <dgm:style>
+      <a:lnRef idx="2">
+        <a:scrgbClr r="0" g="0" b="0"/>
+      </a:lnRef>
+      <a:fillRef idx="1">
+        <a:scrgbClr r="0" g="0" b="0"/>
+      </a:fillRef>
+      <a:effectRef idx="0">
+        <a:scrgbClr r="0" g="0" b="0"/>
+      </a:effectRef>
+      <a:fontRef idx="minor">
+        <a:schemeClr val="lt1"/>
+      </a:fontRef>
+    </dgm:style>
+  </dgm:styleLbl>
+  <dgm:styleLbl name="asst4">
+    <dgm:scene3d>
+      <a:camera prst="orthographicFront"/>
+      <a:lightRig rig="threePt" dir="t"/>
+    </dgm:scene3d>
+    <dgm:sp3d/>
+    <dgm:txPr/>
+    <dgm:style>
+      <a:lnRef idx="2">
+        <a:scrgbClr r="0" g="0" b="0"/>
+      </a:lnRef>
+      <a:fillRef idx="1">
+        <a:scrgbClr r="0" g="0" b="0"/>
+      </a:fillRef>
+      <a:effectRef idx="0">
+        <a:scrgbClr r="0" g="0" b="0"/>
+      </a:effectRef>
+      <a:fontRef idx="minor">
+        <a:schemeClr val="lt1"/>
+      </a:fontRef>
+    </dgm:style>
+  </dgm:styleLbl>
+  <dgm:styleLbl name="parChTrans2D1">
+    <dgm:scene3d>
+      <a:camera prst="orthographicFront"/>
+      <a:lightRig rig="threePt" dir="t"/>
+    </dgm:scene3d>
+    <dgm:sp3d/>
+    <dgm:txPr/>
+    <dgm:style>
+      <a:lnRef idx="2">
+        <a:scrgbClr r="0" g="0" b="0"/>
+      </a:lnRef>
+      <a:fillRef idx="1">
+        <a:scrgbClr r="0" g="0" b="0"/>
+      </a:fillRef>
+      <a:effectRef idx="0">
+        <a:scrgbClr r="0" g="0" b="0"/>
+      </a:effectRef>
+      <a:fontRef idx="minor">
+        <a:schemeClr val="lt1"/>
+      </a:fontRef>
+    </dgm:style>
+  </dgm:styleLbl>
+  <dgm:styleLbl name="parChTrans2D2">
+    <dgm:scene3d>
+      <a:camera prst="orthographicFront"/>
+      <a:lightRig rig="threePt" dir="t"/>
+    </dgm:scene3d>
+    <dgm:sp3d/>
+    <dgm:txPr/>
+    <dgm:style>
+      <a:lnRef idx="2">
+        <a:scrgbClr r="0" g="0" b="0"/>
+      </a:lnRef>
+      <a:fillRef idx="1">
+        <a:scrgbClr r="0" g="0" b="0"/>
+      </a:fillRef>
+      <a:effectRef idx="0">
+        <a:scrgbClr r="0" g="0" b="0"/>
+      </a:effectRef>
+      <a:fontRef idx="minor">
+        <a:schemeClr val="lt1"/>
+      </a:fontRef>
+    </dgm:style>
+  </dgm:styleLbl>
+  <dgm:styleLbl name="parChTrans2D3">
+    <dgm:scene3d>
+      <a:camera prst="orthographicFront"/>
+      <a:lightRig rig="threePt" dir="t"/>
+    </dgm:scene3d>
+    <dgm:sp3d/>
+    <dgm:txPr/>
+    <dgm:style>
+      <a:lnRef idx="2">
+        <a:scrgbClr r="0" g="0" b="0"/>
+      </a:lnRef>
+      <a:fillRef idx="1">
+        <a:scrgbClr r="0" g="0" b="0"/>
+      </a:fillRef>
+      <a:effectRef idx="0">
+        <a:scrgbClr r="0" g="0" b="0"/>
+      </a:effectRef>
+      <a:fontRef idx="minor">
+        <a:schemeClr val="lt1"/>
+      </a:fontRef>
+    </dgm:style>
+  </dgm:styleLbl>
+  <dgm:styleLbl name="parChTrans2D4">
+    <dgm:scene3d>
+      <a:camera prst="orthographicFront"/>
+      <a:lightRig rig="threePt" dir="t"/>
+    </dgm:scene3d>
+    <dgm:sp3d/>
+    <dgm:txPr/>
+    <dgm:style>
+      <a:lnRef idx="2">
+        <a:scrgbClr r="0" g="0" b="0"/>
+      </a:lnRef>
+      <a:fillRef idx="1">
+        <a:scrgbClr r="0" g="0" b="0"/>
+      </a:fillRef>
+      <a:effectRef idx="0">
+        <a:scrgbClr r="0" g="0" b="0"/>
+      </a:effectRef>
+      <a:fontRef idx="minor">
+        <a:schemeClr val="lt1"/>
+      </a:fontRef>
+    </dgm:style>
+  </dgm:styleLbl>
+  <dgm:styleLbl name="parChTrans1D1">
+    <dgm:scene3d>
+      <a:camera prst="orthographicFront"/>
+      <a:lightRig rig="threePt" dir="t"/>
+    </dgm:scene3d>
+    <dgm:sp3d/>
+    <dgm:txPr/>
+    <dgm:style>
+      <a:lnRef idx="2">
+        <a:scrgbClr r="0" g="0" b="0"/>
+      </a:lnRef>
+      <a:fillRef idx="0">
+        <a:scrgbClr r="0" g="0" b="0"/>
+      </a:fillRef>
+      <a:effectRef idx="0">
+        <a:scrgbClr r="0" g="0" b="0"/>
+      </a:effectRef>
+      <a:fontRef idx="minor"/>
+    </dgm:style>
+  </dgm:styleLbl>
+  <dgm:styleLbl name="parChTrans1D2">
+    <dgm:scene3d>
+      <a:camera prst="orthographicFront"/>
+      <a:lightRig rig="threePt" dir="t"/>
+    </dgm:scene3d>
+    <dgm:sp3d/>
+    <dgm:txPr/>
+    <dgm:style>
+      <a:lnRef idx="2">
+        <a:scrgbClr r="0" g="0" b="0"/>
+      </a:lnRef>
+      <a:fillRef idx="0">
+        <a:scrgbClr r="0" g="0" b="0"/>
+      </a:fillRef>
+      <a:effectRef idx="0">
+        <a:scrgbClr r="0" g="0" b="0"/>
+      </a:effectRef>
+      <a:fontRef idx="minor"/>
+    </dgm:style>
+  </dgm:styleLbl>
+  <dgm:styleLbl name="parChTrans1D3">
+    <dgm:scene3d>
+      <a:camera prst="orthographicFront"/>
+      <a:lightRig rig="threePt" dir="t"/>
+    </dgm:scene3d>
+    <dgm:sp3d/>
+    <dgm:txPr/>
+    <dgm:style>
+      <a:lnRef idx="2">
+        <a:scrgbClr r="0" g="0" b="0"/>
+      </a:lnRef>
+      <a:fillRef idx="0">
+        <a:scrgbClr r="0" g="0" b="0"/>
+      </a:fillRef>
+      <a:effectRef idx="0">
+        <a:scrgbClr r="0" g="0" b="0"/>
+      </a:effectRef>
+      <a:fontRef idx="minor"/>
+    </dgm:style>
+  </dgm:styleLbl>
+  <dgm:styleLbl name="parChTrans1D4">
+    <dgm:scene3d>
+      <a:camera prst="orthographicFront"/>
+      <a:lightRig rig="threePt" dir="t"/>
+    </dgm:scene3d>
+    <dgm:sp3d/>
+    <dgm:txPr/>
+    <dgm:style>
+      <a:lnRef idx="2">
+        <a:scrgbClr r="0" g="0" b="0"/>
+      </a:lnRef>
+      <a:fillRef idx="0">
+        <a:scrgbClr r="0" g="0" b="0"/>
+      </a:fillRef>
+      <a:effectRef idx="0">
+        <a:scrgbClr r="0" g="0" b="0"/>
+      </a:effectRef>
+      <a:fontRef idx="minor"/>
+    </dgm:style>
+  </dgm:styleLbl>
+  <dgm:styleLbl name="fgAcc1">
+    <dgm:scene3d>
+      <a:camera prst="orthographicFront"/>
+      <a:lightRig rig="threePt" dir="t"/>
+    </dgm:scene3d>
+    <dgm:sp3d/>
+    <dgm:txPr/>
+    <dgm:style>
+      <a:lnRef idx="2">
+        <a:scrgbClr r="0" g="0" b="0"/>
+      </a:lnRef>
+      <a:fillRef idx="1">
+        <a:scrgbClr r="0" g="0" b="0"/>
+      </a:fillRef>
+      <a:effectRef idx="0">
+        <a:scrgbClr r="0" g="0" b="0"/>
+      </a:effectRef>
+      <a:fontRef idx="minor"/>
+    </dgm:style>
+  </dgm:styleLbl>
+  <dgm:styleLbl name="conFgAcc1">
+    <dgm:scene3d>
+      <a:camera prst="orthographicFront"/>
+      <a:lightRig rig="threePt" dir="t"/>
+    </dgm:scene3d>
+    <dgm:sp3d/>
+    <dgm:txPr/>
+    <dgm:style>
+      <a:lnRef idx="2">
+        <a:scrgbClr r="0" g="0" b="0"/>
+      </a:lnRef>
+      <a:fillRef idx="1">
+        <a:scrgbClr r="0" g="0" b="0"/>
+      </a:fillRef>
+      <a:effectRef idx="0">
+        <a:scrgbClr r="0" g="0" b="0"/>
+      </a:effectRef>
+      <a:fontRef idx="minor"/>
+    </dgm:style>
+  </dgm:styleLbl>
+  <dgm:styleLbl name="alignAcc1">
+    <dgm:scene3d>
+      <a:camera prst="orthographicFront"/>
+      <a:lightRig rig="threePt" dir="t"/>
+    </dgm:scene3d>
+    <dgm:sp3d/>
+    <dgm:txPr/>
+    <dgm:style>
+      <a:lnRef idx="2">
+        <a:scrgbClr r="0" g="0" b="0"/>
+      </a:lnRef>
+      <a:fillRef idx="1">
+        <a:scrgbClr r="0" g="0" b="0"/>
+      </a:fillRef>
+      <a:effectRef idx="0">
+        <a:scrgbClr r="0" g="0" b="0"/>
+      </a:effectRef>
+      <a:fontRef idx="minor"/>
+    </dgm:style>
+  </dgm:styleLbl>
+  <dgm:styleLbl name="trAlignAcc1">
+    <dgm:scene3d>
+      <a:camera prst="orthographicFront"/>
+      <a:lightRig rig="threePt" dir="t"/>
+    </dgm:scene3d>
+    <dgm:sp3d/>
+    <dgm:txPr/>
+    <dgm:style>
+      <a:lnRef idx="1">
+        <a:scrgbClr r="0" g="0" b="0"/>
+      </a:lnRef>
+      <a:fillRef idx="1">
+        <a:scrgbClr r="0" g="0" b="0"/>
+      </a:fillRef>
+      <a:effectRef idx="0">
+        <a:scrgbClr r="0" g="0" b="0"/>
+      </a:effectRef>
+      <a:fontRef idx="minor"/>
+    </dgm:style>
+  </dgm:styleLbl>
+  <dgm:styleLbl name="bgAcc1">
+    <dgm:scene3d>
+      <a:camera prst="orthographicFront"/>
+      <a:lightRig rig="threePt" dir="t"/>
+    </dgm:scene3d>
+    <dgm:sp3d/>
+    <dgm:txPr/>
+    <dgm:style>
+      <a:lnRef idx="2">
+        <a:scrgbClr r="0" g="0" b="0"/>
+      </a:lnRef>
+      <a:fillRef idx="1">
+        <a:scrgbClr r="0" g="0" b="0"/>
+      </a:fillRef>
+      <a:effectRef idx="0">
+        <a:scrgbClr r="0" g="0" b="0"/>
+      </a:effectRef>
+      <a:fontRef idx="minor"/>
+    </dgm:style>
+  </dgm:styleLbl>
+  <dgm:styleLbl name="solidFgAcc1">
+    <dgm:scene3d>
+      <a:camera prst="orthographicFront"/>
+      <a:lightRig rig="threePt" dir="t"/>
+    </dgm:scene3d>
+    <dgm:sp3d/>
+    <dgm:txPr/>
+    <dgm:style>
+      <a:lnRef idx="2">
+        <a:scrgbClr r="0" g="0" b="0"/>
+      </a:lnRef>
+      <a:fillRef idx="1">
+        <a:scrgbClr r="0" g="0" b="0"/>
+      </a:fillRef>
+      <a:effectRef idx="0">
+        <a:scrgbClr r="0" g="0" b="0"/>
+      </a:effectRef>
+      <a:fontRef idx="minor"/>
+    </dgm:style>
+  </dgm:styleLbl>
+  <dgm:styleLbl name="solidAlignAcc1">
+    <dgm:scene3d>
+      <a:camera prst="orthographicFront"/>
+      <a:lightRig rig="threePt" dir="t"/>
+    </dgm:scene3d>
+    <dgm:sp3d/>
+    <dgm:txPr/>
+    <dgm:style>
+      <a:lnRef idx="2">
+        <a:scrgbClr r="0" g="0" b="0"/>
+      </a:lnRef>
+      <a:fillRef idx="1">
+        <a:scrgbClr r="0" g="0" b="0"/>
+      </a:fillRef>
+      <a:effectRef idx="0">
+        <a:scrgbClr r="0" g="0" b="0"/>
+      </a:effectRef>
+      <a:fontRef idx="minor"/>
+    </dgm:style>
+  </dgm:styleLbl>
+  <dgm:styleLbl name="solidBgAcc1">
+    <dgm:scene3d>
+      <a:camera prst="orthographicFront"/>
+      <a:lightRig rig="threePt" dir="t"/>
+    </dgm:scene3d>
+    <dgm:sp3d/>
+    <dgm:txPr/>
+    <dgm:style>
+      <a:lnRef idx="2">
+        <a:scrgbClr r="0" g="0" b="0"/>
+      </a:lnRef>
+      <a:fillRef idx="1">
+        <a:scrgbClr r="0" g="0" b="0"/>
+      </a:fillRef>
+      <a:effectRef idx="0">
+        <a:scrgbClr r="0" g="0" b="0"/>
+      </a:effectRef>
+      <a:fontRef idx="minor"/>
+    </dgm:style>
+  </dgm:styleLbl>
+  <dgm:styleLbl name="fgAccFollowNode1">
+    <dgm:scene3d>
+      <a:camera prst="orthographicFront"/>
+      <a:lightRig rig="threePt" dir="t"/>
+    </dgm:scene3d>
+    <dgm:sp3d/>
+    <dgm:txPr/>
+    <dgm:style>
+      <a:lnRef idx="2">
+        <a:scrgbClr r="0" g="0" b="0"/>
+      </a:lnRef>
+      <a:fillRef idx="1">
+        <a:scrgbClr r="0" g="0" b="0"/>
+      </a:fillRef>
+      <a:effectRef idx="0">
+        <a:scrgbClr r="0" g="0" b="0"/>
+      </a:effectRef>
+      <a:fontRef idx="minor"/>
+    </dgm:style>
+  </dgm:styleLbl>
+  <dgm:styleLbl name="alignAccFollowNode1">
+    <dgm:scene3d>
+      <a:camera prst="orthographicFront"/>
+      <a:lightRig rig="threePt" dir="t"/>
+    </dgm:scene3d>
+    <dgm:sp3d/>
+    <dgm:txPr/>
+    <dgm:style>
+      <a:lnRef idx="2">
+        <a:scrgbClr r="0" g="0" b="0"/>
+      </a:lnRef>
+      <a:fillRef idx="1">
+        <a:scrgbClr r="0" g="0" b="0"/>
+      </a:fillRef>
+      <a:effectRef idx="0">
+        <a:scrgbClr r="0" g="0" b="0"/>
+      </a:effectRef>
+      <a:fontRef idx="minor"/>
+    </dgm:style>
+  </dgm:styleLbl>
+  <dgm:styleLbl name="bgAccFollowNode1">
+    <dgm:scene3d>
+      <a:camera prst="orthographicFront"/>
+      <a:lightRig rig="threePt" dir="t"/>
+    </dgm:scene3d>
+    <dgm:sp3d/>
+    <dgm:txPr/>
+    <dgm:style>
+      <a:lnRef idx="2">
+        <a:scrgbClr r="0" g="0" b="0"/>
+      </a:lnRef>
+      <a:fillRef idx="1">
+        <a:scrgbClr r="0" g="0" b="0"/>
+      </a:fillRef>
+      <a:effectRef idx="0">
+        <a:scrgbClr r="0" g="0" b="0"/>
+      </a:effectRef>
+      <a:fontRef idx="minor"/>
+    </dgm:style>
+  </dgm:styleLbl>
+  <dgm:styleLbl name="fgAcc0">
+    <dgm:scene3d>
+      <a:camera prst="orthographicFront"/>
+      <a:lightRig rig="threePt" dir="t"/>
+    </dgm:scene3d>
+    <dgm:sp3d/>
+    <dgm:txPr/>
+    <dgm:style>
+      <a:lnRef idx="2">
+        <a:scrgbClr r="0" g="0" b="0"/>
+      </a:lnRef>
+      <a:fillRef idx="1">
+        <a:scrgbClr r="0" g="0" b="0"/>
+      </a:fillRef>
+      <a:effectRef idx="0">
+        <a:scrgbClr r="0" g="0" b="0"/>
+      </a:effectRef>
+      <a:fontRef idx="minor"/>
+    </dgm:style>
+  </dgm:styleLbl>
+  <dgm:styleLbl name="fgAcc2">
+    <dgm:scene3d>
+      <a:camera prst="orthographicFront"/>
+      <a:lightRig rig="threePt" dir="t"/>
+    </dgm:scene3d>
+    <dgm:sp3d/>
+    <dgm:txPr/>
+    <dgm:style>
+      <a:lnRef idx="2">
+        <a:scrgbClr r="0" g="0" b="0"/>
+      </a:lnRef>
+      <a:fillRef idx="1">
+        <a:scrgbClr r="0" g="0" b="0"/>
+      </a:fillRef>
+      <a:effectRef idx="0">
+        <a:scrgbClr r="0" g="0" b="0"/>
+      </a:effectRef>
+      <a:fontRef idx="minor"/>
+    </dgm:style>
+  </dgm:styleLbl>
+  <dgm:styleLbl name="fgAcc3">
+    <dgm:scene3d>
+      <a:camera prst="orthographicFront"/>
+      <a:lightRig rig="threePt" dir="t"/>
+    </dgm:scene3d>
+    <dgm:sp3d/>
+    <dgm:txPr/>
+    <dgm:style>
+      <a:lnRef idx="2">
+        <a:scrgbClr r="0" g="0" b="0"/>
+      </a:lnRef>
+      <a:fillRef idx="1">
+        <a:scrgbClr r="0" g="0" b="0"/>
+      </a:fillRef>
+      <a:effectRef idx="0">
+        <a:scrgbClr r="0" g="0" b="0"/>
+      </a:effectRef>
+      <a:fontRef idx="minor"/>
+    </dgm:style>
+  </dgm:styleLbl>
+  <dgm:styleLbl name="fgAcc4">
+    <dgm:scene3d>
+      <a:camera prst="orthographicFront"/>
+      <a:lightRig rig="threePt" dir="t"/>
+    </dgm:scene3d>
+    <dgm:sp3d/>
+    <dgm:txPr/>
+    <dgm:style>
+      <a:lnRef idx="2">
+        <a:scrgbClr r="0" g="0" b="0"/>
+      </a:lnRef>
+      <a:fillRef idx="1">
+        <a:scrgbClr r="0" g="0" b="0"/>
+      </a:fillRef>
+      <a:effectRef idx="0">
+        <a:scrgbClr r="0" g="0" b="0"/>
+      </a:effectRef>
+      <a:fontRef idx="minor"/>
+    </dgm:style>
+  </dgm:styleLbl>
+  <dgm:styleLbl name="bgShp">
+    <dgm:scene3d>
+      <a:camera prst="orthographicFront"/>
+      <a:lightRig rig="threePt" dir="t"/>
+    </dgm:scene3d>
+    <dgm:sp3d/>
+    <dgm:txPr/>
+    <dgm:style>
+      <a:lnRef idx="0">
+        <a:scrgbClr r="0" g="0" b="0"/>
+      </a:lnRef>
+      <a:fillRef idx="1">
+        <a:scrgbClr r="0" g="0" b="0"/>
+      </a:fillRef>
+      <a:effectRef idx="0">
+        <a:scrgbClr r="0" g="0" b="0"/>
+      </a:effectRef>
+      <a:fontRef idx="minor"/>
+    </dgm:style>
+  </dgm:styleLbl>
+  <dgm:styleLbl name="dkBgShp">
+    <dgm:scene3d>
+      <a:camera prst="orthographicFront"/>
+      <a:lightRig rig="threePt" dir="t"/>
+    </dgm:scene3d>
+    <dgm:sp3d/>
+    <dgm:txPr/>
+    <dgm:style>
+      <a:lnRef idx="0">
+        <a:scrgbClr r="0" g="0" b="0"/>
+      </a:lnRef>
+      <a:fillRef idx="1">
+        <a:scrgbClr r="0" g="0" b="0"/>
+      </a:fillRef>
+      <a:effectRef idx="0">
+        <a:scrgbClr r="0" g="0" b="0"/>
+      </a:effectRef>
+      <a:fontRef idx="minor"/>
+    </dgm:style>
+  </dgm:styleLbl>
+  <dgm:styleLbl name="trBgShp">
+    <dgm:scene3d>
+      <a:camera prst="orthographicFront"/>
+      <a:lightRig rig="threePt" dir="t"/>
+    </dgm:scene3d>
+    <dgm:sp3d/>
+    <dgm:txPr/>
+    <dgm:style>
+      <a:lnRef idx="0">
+        <a:scrgbClr r="0" g="0" b="0"/>
+      </a:lnRef>
+      <a:fillRef idx="1">
+        <a:scrgbClr r="0" g="0" b="0"/>
+      </a:fillRef>
+      <a:effectRef idx="0">
+        <a:scrgbClr r="0" g="0" b="0"/>
+      </a:effectRef>
+      <a:fontRef idx="minor"/>
+    </dgm:style>
+  </dgm:styleLbl>
+  <dgm:styleLbl name="fgShp">
+    <dgm:scene3d>
+      <a:camera prst="orthographicFront"/>
+      <a:lightRig rig="threePt" dir="t"/>
+    </dgm:scene3d>
+    <dgm:sp3d/>
+    <dgm:txPr/>
+    <dgm:style>
+      <a:lnRef idx="2">
+        <a:scrgbClr r="0" g="0" b="0"/>
+      </a:lnRef>
+      <a:fillRef idx="1">
+        <a:scrgbClr r="0" g="0" b="0"/>
+      </a:fillRef>
+      <a:effectRef idx="0">
+        <a:scrgbClr r="0" g="0" b="0"/>
+      </a:effectRef>
+      <a:fontRef idx="minor"/>
+    </dgm:style>
+  </dgm:styleLbl>
+  <dgm:styleLbl name="revTx">
+    <dgm:scene3d>
+      <a:camera prst="orthographicFront"/>
+      <a:lightRig rig="threePt" dir="t"/>
+    </dgm:scene3d>
+    <dgm:sp3d/>
+    <dgm:txPr/>
+    <dgm:style>
+      <a:lnRef idx="0">
+        <a:scrgbClr r="0" g="0" b="0"/>
+      </a:lnRef>
+      <a:fillRef idx="0">
+        <a:scrgbClr r="0" g="0" b="0"/>
+      </a:fillRef>
+      <a:effectRef idx="0">
+        <a:scrgbClr r="0" g="0" b="0"/>
+      </a:effectRef>
+      <a:fontRef idx="minor"/>
+    </dgm:style>
+  </dgm:styleLbl>
+</dgm:styleDef>
+</file>
+
+<file path=ppt/diagrams/quickStyle4.xml><?xml version="1.0" encoding="utf-8"?>
 <dgm:styleDef xmlns:dgm="http://schemas.openxmlformats.org/drawingml/2006/diagram" xmlns:a="http://schemas.openxmlformats.org/drawingml/2006/main" uniqueId="urn:microsoft.com/office/officeart/2005/8/quickstyle/simple1">
   <dgm:title val=""/>
   <dgm:desc val=""/>
@@ -5488,7 +10786,7 @@
           <a:p>
             <a:fld id="{CDDF240B-3CA8-4045-B7C9-8B67F6FA2B5E}" type="datetimeFigureOut">
               <a:rPr lang="en-US" smtClean="0"/>
-              <a:t>2019-03-14</a:t>
+              <a:t>2019-03-15</a:t>
             </a:fld>
             <a:endParaRPr lang="en-US"/>
           </a:p>
@@ -5653,7 +10951,7 @@
           <a:p>
             <a:fld id="{8DB41A92-FFF7-46B1-92E3-CDB13879911B}" type="datetimeFigureOut">
               <a:rPr lang="en-US" smtClean="0"/>
-              <a:t>2019-03-14</a:t>
+              <a:t>2019-03-15</a:t>
             </a:fld>
             <a:endParaRPr lang="en-US"/>
           </a:p>
@@ -6954,7 +12252,7 @@
           <a:p>
             <a:fld id="{679D33B1-6C88-4DB6-8F59-77EBF0001DE5}" type="datetimeFigureOut">
               <a:rPr lang="en-US" smtClean="0"/>
-              <a:t>2019-03-14</a:t>
+              <a:t>2019-03-15</a:t>
             </a:fld>
             <a:endParaRPr lang="en-US"/>
           </a:p>
@@ -7864,7 +13162,7 @@
           <a:p>
             <a:fld id="{679D33B1-6C88-4DB6-8F59-77EBF0001DE5}" type="datetimeFigureOut">
               <a:rPr lang="en-US" smtClean="0"/>
-              <a:t>2019-03-14</a:t>
+              <a:t>2019-03-15</a:t>
             </a:fld>
             <a:endParaRPr lang="en-US"/>
           </a:p>
@@ -8170,7 +13468,7 @@
           <a:p>
             <a:fld id="{679D33B1-6C88-4DB6-8F59-77EBF0001DE5}" type="datetimeFigureOut">
               <a:rPr lang="en-US" smtClean="0"/>
-              <a:t>2019-03-14</a:t>
+              <a:t>2019-03-15</a:t>
             </a:fld>
             <a:endParaRPr lang="en-US"/>
           </a:p>
@@ -8556,7 +13854,7 @@
           <a:p>
             <a:fld id="{679D33B1-6C88-4DB6-8F59-77EBF0001DE5}" type="datetimeFigureOut">
               <a:rPr lang="en-US" smtClean="0"/>
-              <a:t>2019-03-14</a:t>
+              <a:t>2019-03-15</a:t>
             </a:fld>
             <a:endParaRPr lang="en-US"/>
           </a:p>
@@ -8929,7 +14227,7 @@
           <a:p>
             <a:fld id="{679D33B1-6C88-4DB6-8F59-77EBF0001DE5}" type="datetimeFigureOut">
               <a:rPr lang="en-US" smtClean="0"/>
-              <a:t>2019-03-14</a:t>
+              <a:t>2019-03-15</a:t>
             </a:fld>
             <a:endParaRPr lang="en-US"/>
           </a:p>
@@ -9432,7 +14730,7 @@
           <a:p>
             <a:fld id="{679D33B1-6C88-4DB6-8F59-77EBF0001DE5}" type="datetimeFigureOut">
               <a:rPr lang="en-US" smtClean="0"/>
-              <a:t>2019-03-14</a:t>
+              <a:t>2019-03-15</a:t>
             </a:fld>
             <a:endParaRPr lang="en-US"/>
           </a:p>
@@ -9686,7 +14984,7 @@
           <a:p>
             <a:fld id="{679D33B1-6C88-4DB6-8F59-77EBF0001DE5}" type="datetimeFigureOut">
               <a:rPr lang="en-US" smtClean="0"/>
-              <a:t>2019-03-14</a:t>
+              <a:t>2019-03-15</a:t>
             </a:fld>
             <a:endParaRPr lang="en-US"/>
           </a:p>
@@ -9849,7 +15147,7 @@
           <a:p>
             <a:fld id="{679D33B1-6C88-4DB6-8F59-77EBF0001DE5}" type="datetimeFigureOut">
               <a:rPr lang="en-US" smtClean="0"/>
-              <a:t>2019-03-14</a:t>
+              <a:t>2019-03-15</a:t>
             </a:fld>
             <a:endParaRPr lang="en-US"/>
           </a:p>
@@ -10236,7 +15534,7 @@
           <a:p>
             <a:fld id="{679D33B1-6C88-4DB6-8F59-77EBF0001DE5}" type="datetimeFigureOut">
               <a:rPr lang="en-US" smtClean="0"/>
-              <a:t>2019-03-14</a:t>
+              <a:t>2019-03-15</a:t>
             </a:fld>
             <a:endParaRPr lang="en-US"/>
           </a:p>
@@ -10642,7 +15940,7 @@
           <a:p>
             <a:fld id="{679D33B1-6C88-4DB6-8F59-77EBF0001DE5}" type="datetimeFigureOut">
               <a:rPr lang="en-US" smtClean="0"/>
-              <a:t>2019-03-14</a:t>
+              <a:t>2019-03-15</a:t>
             </a:fld>
             <a:endParaRPr lang="en-US"/>
           </a:p>
@@ -10855,7 +16153,7 @@
           <a:p>
             <a:fld id="{679D33B1-6C88-4DB6-8F59-77EBF0001DE5}" type="datetimeFigureOut">
               <a:rPr lang="en-US" smtClean="0"/>
-              <a:t>2019-03-14</a:t>
+              <a:t>2019-03-15</a:t>
             </a:fld>
             <a:endParaRPr lang="en-US"/>
           </a:p>
@@ -12326,6 +17624,1548 @@
 </p:sld>
 </file>
 
+<file path=ppt/slides/slide12.xml><?xml version="1.0" encoding="utf-8"?>
+<p:sld xmlns:a="http://schemas.openxmlformats.org/drawingml/2006/main" xmlns:r="http://schemas.openxmlformats.org/officeDocument/2006/relationships" xmlns:p="http://schemas.openxmlformats.org/presentationml/2006/main">
+  <p:cSld>
+    <p:spTree>
+      <p:nvGrpSpPr>
+        <p:cNvPr id="1" name=""/>
+        <p:cNvGrpSpPr/>
+        <p:nvPr/>
+      </p:nvGrpSpPr>
+      <p:grpSpPr>
+        <a:xfrm>
+          <a:off x="0" y="0"/>
+          <a:ext cx="0" cy="0"/>
+          <a:chOff x="0" y="0"/>
+          <a:chExt cx="0" cy="0"/>
+        </a:xfrm>
+      </p:grpSpPr>
+      <p:grpSp>
+        <p:nvGrpSpPr>
+          <p:cNvPr id="7" name="Группа 6">
+            <a:extLst>
+              <a:ext uri="{FF2B5EF4-FFF2-40B4-BE49-F238E27FC236}">
+                <a16:creationId xmlns:a16="http://schemas.microsoft.com/office/drawing/2014/main" id="{348BFB14-454C-4609-ACD1-0B8EB24D004F}"/>
+              </a:ext>
+            </a:extLst>
+          </p:cNvPr>
+          <p:cNvGrpSpPr/>
+          <p:nvPr/>
+        </p:nvGrpSpPr>
+        <p:grpSpPr>
+          <a:xfrm>
+            <a:off x="576263" y="4996178"/>
+            <a:ext cx="4745797" cy="1030179"/>
+            <a:chOff x="4976248" y="1877274"/>
+            <a:chExt cx="2681173" cy="1608703"/>
+          </a:xfrm>
+        </p:grpSpPr>
+        <p:sp>
+          <p:nvSpPr>
+            <p:cNvPr id="12" name="Прямоугольник 11">
+              <a:extLst>
+                <a:ext uri="{FF2B5EF4-FFF2-40B4-BE49-F238E27FC236}">
+                  <a16:creationId xmlns:a16="http://schemas.microsoft.com/office/drawing/2014/main" id="{FD93E0BB-2DB6-42D3-B8E3-950F6EE8C28F}"/>
+                </a:ext>
+              </a:extLst>
+            </p:cNvPr>
+            <p:cNvSpPr/>
+            <p:nvPr/>
+          </p:nvSpPr>
+          <p:spPr>
+            <a:xfrm>
+              <a:off x="4976248" y="1877274"/>
+              <a:ext cx="2681173" cy="1608703"/>
+            </a:xfrm>
+            <a:prstGeom prst="rect">
+              <a:avLst/>
+            </a:prstGeom>
+          </p:spPr>
+          <p:style>
+            <a:lnRef idx="2">
+              <a:schemeClr val="lt2">
+                <a:hueOff val="0"/>
+                <a:satOff val="0"/>
+                <a:lumOff val="0"/>
+                <a:alphaOff val="0"/>
+              </a:schemeClr>
+            </a:lnRef>
+            <a:fillRef idx="1">
+              <a:schemeClr val="dk2">
+                <a:hueOff val="0"/>
+                <a:satOff val="0"/>
+                <a:lumOff val="0"/>
+                <a:alphaOff val="0"/>
+              </a:schemeClr>
+            </a:fillRef>
+            <a:effectRef idx="0">
+              <a:schemeClr val="dk2">
+                <a:hueOff val="0"/>
+                <a:satOff val="0"/>
+                <a:lumOff val="0"/>
+                <a:alphaOff val="0"/>
+              </a:schemeClr>
+            </a:effectRef>
+            <a:fontRef idx="minor">
+              <a:schemeClr val="lt1"/>
+            </a:fontRef>
+          </p:style>
+        </p:sp>
+        <p:sp>
+          <p:nvSpPr>
+            <p:cNvPr id="13" name="TextBox 12">
+              <a:extLst>
+                <a:ext uri="{FF2B5EF4-FFF2-40B4-BE49-F238E27FC236}">
+                  <a16:creationId xmlns:a16="http://schemas.microsoft.com/office/drawing/2014/main" id="{B2DABBF7-A13A-4CC3-8522-B1BA47C270F5}"/>
+                </a:ext>
+              </a:extLst>
+            </p:cNvPr>
+            <p:cNvSpPr txBox="1"/>
+            <p:nvPr/>
+          </p:nvSpPr>
+          <p:spPr>
+            <a:xfrm>
+              <a:off x="4976248" y="1877274"/>
+              <a:ext cx="2681173" cy="1608703"/>
+            </a:xfrm>
+            <a:prstGeom prst="rect">
+              <a:avLst/>
+            </a:prstGeom>
+          </p:spPr>
+          <p:style>
+            <a:lnRef idx="0">
+              <a:scrgbClr r="0" g="0" b="0"/>
+            </a:lnRef>
+            <a:fillRef idx="0">
+              <a:scrgbClr r="0" g="0" b="0"/>
+            </a:fillRef>
+            <a:effectRef idx="0">
+              <a:scrgbClr r="0" g="0" b="0"/>
+            </a:effectRef>
+            <a:fontRef idx="minor">
+              <a:schemeClr val="lt1"/>
+            </a:fontRef>
+          </p:style>
+          <p:txBody>
+            <a:bodyPr spcFirstLastPara="0" vert="horz" wrap="square" lIns="125730" tIns="125730" rIns="125730" bIns="125730" numCol="1" spcCol="1270" anchor="ctr" anchorCtr="0">
+              <a:noAutofit/>
+            </a:bodyPr>
+            <a:lstStyle/>
+            <a:p>
+              <a:pPr marL="0" lvl="0" indent="0" algn="ctr" defTabSz="1466850">
+                <a:lnSpc>
+                  <a:spcPct val="90000"/>
+                </a:lnSpc>
+                <a:spcBef>
+                  <a:spcPct val="0"/>
+                </a:spcBef>
+                <a:spcAft>
+                  <a:spcPct val="35000"/>
+                </a:spcAft>
+                <a:buNone/>
+              </a:pPr>
+              <a:r>
+                <a:rPr lang="en-US" sz="3300" kern="1200" dirty="0"/>
+                <a:t>Service Locator</a:t>
+              </a:r>
+            </a:p>
+          </p:txBody>
+        </p:sp>
+      </p:grpSp>
+      <p:sp>
+        <p:nvSpPr>
+          <p:cNvPr id="4" name="Заголовок 3">
+            <a:extLst>
+              <a:ext uri="{FF2B5EF4-FFF2-40B4-BE49-F238E27FC236}">
+                <a16:creationId xmlns:a16="http://schemas.microsoft.com/office/drawing/2014/main" id="{56B210DD-3C70-4225-BAC0-26F0709D6072}"/>
+              </a:ext>
+            </a:extLst>
+          </p:cNvPr>
+          <p:cNvSpPr>
+            <a:spLocks noGrp="1"/>
+          </p:cNvSpPr>
+          <p:nvPr>
+            <p:ph type="title"/>
+          </p:nvPr>
+        </p:nvSpPr>
+        <p:spPr/>
+        <p:txBody>
+          <a:bodyPr>
+            <a:normAutofit/>
+          </a:bodyPr>
+          <a:lstStyle/>
+          <a:p>
+            <a:r>
+              <a:rPr lang="ru-RU" b="1" dirty="0"/>
+              <a:t>Принцип инверсии зависимостей</a:t>
+            </a:r>
+            <a:br>
+              <a:rPr lang="en-US" b="1" dirty="0"/>
+            </a:br>
+            <a:r>
+              <a:rPr lang="en-US" sz="3200" i="1" dirty="0"/>
+              <a:t>The Dependency Inversion Principle</a:t>
+            </a:r>
+            <a:endParaRPr lang="en-US" dirty="0"/>
+          </a:p>
+        </p:txBody>
+      </p:sp>
+      <p:grpSp>
+        <p:nvGrpSpPr>
+          <p:cNvPr id="10" name="Группа 9">
+            <a:extLst>
+              <a:ext uri="{FF2B5EF4-FFF2-40B4-BE49-F238E27FC236}">
+                <a16:creationId xmlns:a16="http://schemas.microsoft.com/office/drawing/2014/main" id="{A08FB122-85DB-4DFB-B2AC-9F10F3A8FC09}"/>
+              </a:ext>
+            </a:extLst>
+          </p:cNvPr>
+          <p:cNvGrpSpPr/>
+          <p:nvPr/>
+        </p:nvGrpSpPr>
+        <p:grpSpPr>
+          <a:xfrm>
+            <a:off x="5548385" y="4996179"/>
+            <a:ext cx="4745797" cy="1030179"/>
+            <a:chOff x="6450893" y="453"/>
+            <a:chExt cx="2681173" cy="1608703"/>
+          </a:xfrm>
+        </p:grpSpPr>
+        <p:sp>
+          <p:nvSpPr>
+            <p:cNvPr id="11" name="Прямоугольник 10">
+              <a:extLst>
+                <a:ext uri="{FF2B5EF4-FFF2-40B4-BE49-F238E27FC236}">
+                  <a16:creationId xmlns:a16="http://schemas.microsoft.com/office/drawing/2014/main" id="{D9B83A67-2220-4EAF-BC85-14566DF6A63A}"/>
+                </a:ext>
+              </a:extLst>
+            </p:cNvPr>
+            <p:cNvSpPr/>
+            <p:nvPr/>
+          </p:nvSpPr>
+          <p:spPr>
+            <a:xfrm>
+              <a:off x="6450893" y="453"/>
+              <a:ext cx="2681173" cy="1608703"/>
+            </a:xfrm>
+            <a:prstGeom prst="rect">
+              <a:avLst/>
+            </a:prstGeom>
+          </p:spPr>
+          <p:style>
+            <a:lnRef idx="2">
+              <a:schemeClr val="lt2">
+                <a:hueOff val="0"/>
+                <a:satOff val="0"/>
+                <a:lumOff val="0"/>
+                <a:alphaOff val="0"/>
+              </a:schemeClr>
+            </a:lnRef>
+            <a:fillRef idx="1">
+              <a:schemeClr val="dk2">
+                <a:hueOff val="0"/>
+                <a:satOff val="0"/>
+                <a:lumOff val="0"/>
+                <a:alphaOff val="0"/>
+              </a:schemeClr>
+            </a:fillRef>
+            <a:effectRef idx="0">
+              <a:schemeClr val="dk2">
+                <a:hueOff val="0"/>
+                <a:satOff val="0"/>
+                <a:lumOff val="0"/>
+                <a:alphaOff val="0"/>
+              </a:schemeClr>
+            </a:effectRef>
+            <a:fontRef idx="minor">
+              <a:schemeClr val="lt1"/>
+            </a:fontRef>
+          </p:style>
+        </p:sp>
+        <p:sp>
+          <p:nvSpPr>
+            <p:cNvPr id="15" name="TextBox 14">
+              <a:extLst>
+                <a:ext uri="{FF2B5EF4-FFF2-40B4-BE49-F238E27FC236}">
+                  <a16:creationId xmlns:a16="http://schemas.microsoft.com/office/drawing/2014/main" id="{A36B6DC4-00F0-4708-8E3C-A13D42B0D455}"/>
+                </a:ext>
+              </a:extLst>
+            </p:cNvPr>
+            <p:cNvSpPr txBox="1"/>
+            <p:nvPr/>
+          </p:nvSpPr>
+          <p:spPr>
+            <a:xfrm>
+              <a:off x="6450893" y="453"/>
+              <a:ext cx="2681173" cy="1608703"/>
+            </a:xfrm>
+            <a:prstGeom prst="rect">
+              <a:avLst/>
+            </a:prstGeom>
+          </p:spPr>
+          <p:style>
+            <a:lnRef idx="0">
+              <a:scrgbClr r="0" g="0" b="0"/>
+            </a:lnRef>
+            <a:fillRef idx="0">
+              <a:scrgbClr r="0" g="0" b="0"/>
+            </a:fillRef>
+            <a:effectRef idx="0">
+              <a:scrgbClr r="0" g="0" b="0"/>
+            </a:effectRef>
+            <a:fontRef idx="minor">
+              <a:schemeClr val="lt1"/>
+            </a:fontRef>
+          </p:style>
+          <p:txBody>
+            <a:bodyPr spcFirstLastPara="0" vert="horz" wrap="square" lIns="125730" tIns="125730" rIns="125730" bIns="125730" numCol="1" spcCol="1270" anchor="ctr" anchorCtr="0">
+              <a:noAutofit/>
+            </a:bodyPr>
+            <a:lstStyle/>
+            <a:p>
+              <a:pPr marL="0" lvl="0" indent="0" algn="ctr" defTabSz="1466850">
+                <a:lnSpc>
+                  <a:spcPct val="90000"/>
+                </a:lnSpc>
+                <a:spcBef>
+                  <a:spcPct val="0"/>
+                </a:spcBef>
+                <a:spcAft>
+                  <a:spcPct val="35000"/>
+                </a:spcAft>
+                <a:buNone/>
+              </a:pPr>
+              <a:r>
+                <a:rPr lang="en-US" sz="3300" kern="1200" dirty="0"/>
+                <a:t>Dependency Injection</a:t>
+              </a:r>
+            </a:p>
+          </p:txBody>
+        </p:sp>
+      </p:grpSp>
+      <p:grpSp>
+        <p:nvGrpSpPr>
+          <p:cNvPr id="16" name="Группа 15">
+            <a:extLst>
+              <a:ext uri="{FF2B5EF4-FFF2-40B4-BE49-F238E27FC236}">
+                <a16:creationId xmlns:a16="http://schemas.microsoft.com/office/drawing/2014/main" id="{169F36B6-A150-4D50-BFFE-2F9A55DA43B2}"/>
+              </a:ext>
+            </a:extLst>
+          </p:cNvPr>
+          <p:cNvGrpSpPr/>
+          <p:nvPr/>
+        </p:nvGrpSpPr>
+        <p:grpSpPr>
+          <a:xfrm>
+            <a:off x="3017687" y="3156280"/>
+            <a:ext cx="4745797" cy="1030179"/>
+            <a:chOff x="6450893" y="453"/>
+            <a:chExt cx="2681173" cy="1608703"/>
+          </a:xfrm>
+        </p:grpSpPr>
+        <p:sp>
+          <p:nvSpPr>
+            <p:cNvPr id="17" name="Прямоугольник 16">
+              <a:extLst>
+                <a:ext uri="{FF2B5EF4-FFF2-40B4-BE49-F238E27FC236}">
+                  <a16:creationId xmlns:a16="http://schemas.microsoft.com/office/drawing/2014/main" id="{88A8D25A-4D24-4C41-AA58-D2B775B031E6}"/>
+                </a:ext>
+              </a:extLst>
+            </p:cNvPr>
+            <p:cNvSpPr/>
+            <p:nvPr/>
+          </p:nvSpPr>
+          <p:spPr>
+            <a:xfrm>
+              <a:off x="6450893" y="453"/>
+              <a:ext cx="2681173" cy="1608703"/>
+            </a:xfrm>
+            <a:prstGeom prst="rect">
+              <a:avLst/>
+            </a:prstGeom>
+          </p:spPr>
+          <p:style>
+            <a:lnRef idx="2">
+              <a:schemeClr val="lt2">
+                <a:hueOff val="0"/>
+                <a:satOff val="0"/>
+                <a:lumOff val="0"/>
+                <a:alphaOff val="0"/>
+              </a:schemeClr>
+            </a:lnRef>
+            <a:fillRef idx="1">
+              <a:schemeClr val="dk2">
+                <a:hueOff val="0"/>
+                <a:satOff val="0"/>
+                <a:lumOff val="0"/>
+                <a:alphaOff val="0"/>
+              </a:schemeClr>
+            </a:fillRef>
+            <a:effectRef idx="0">
+              <a:schemeClr val="dk2">
+                <a:hueOff val="0"/>
+                <a:satOff val="0"/>
+                <a:lumOff val="0"/>
+                <a:alphaOff val="0"/>
+              </a:schemeClr>
+            </a:effectRef>
+            <a:fontRef idx="minor">
+              <a:schemeClr val="lt1"/>
+            </a:fontRef>
+          </p:style>
+        </p:sp>
+        <p:sp>
+          <p:nvSpPr>
+            <p:cNvPr id="18" name="TextBox 17">
+              <a:extLst>
+                <a:ext uri="{FF2B5EF4-FFF2-40B4-BE49-F238E27FC236}">
+                  <a16:creationId xmlns:a16="http://schemas.microsoft.com/office/drawing/2014/main" id="{31F005F3-1B16-4C26-8CE3-0C7E5900391A}"/>
+                </a:ext>
+              </a:extLst>
+            </p:cNvPr>
+            <p:cNvSpPr txBox="1"/>
+            <p:nvPr/>
+          </p:nvSpPr>
+          <p:spPr>
+            <a:xfrm>
+              <a:off x="6450893" y="453"/>
+              <a:ext cx="2681173" cy="1608703"/>
+            </a:xfrm>
+            <a:prstGeom prst="rect">
+              <a:avLst/>
+            </a:prstGeom>
+          </p:spPr>
+          <p:style>
+            <a:lnRef idx="0">
+              <a:scrgbClr r="0" g="0" b="0"/>
+            </a:lnRef>
+            <a:fillRef idx="0">
+              <a:scrgbClr r="0" g="0" b="0"/>
+            </a:fillRef>
+            <a:effectRef idx="0">
+              <a:scrgbClr r="0" g="0" b="0"/>
+            </a:effectRef>
+            <a:fontRef idx="minor">
+              <a:schemeClr val="lt1"/>
+            </a:fontRef>
+          </p:style>
+          <p:txBody>
+            <a:bodyPr spcFirstLastPara="0" vert="horz" wrap="square" lIns="125730" tIns="125730" rIns="125730" bIns="125730" numCol="1" spcCol="1270" anchor="ctr" anchorCtr="0">
+              <a:noAutofit/>
+            </a:bodyPr>
+            <a:lstStyle/>
+            <a:p>
+              <a:pPr marL="0" lvl="0" indent="0" algn="ctr" defTabSz="1466850">
+                <a:lnSpc>
+                  <a:spcPct val="90000"/>
+                </a:lnSpc>
+                <a:spcBef>
+                  <a:spcPct val="0"/>
+                </a:spcBef>
+                <a:spcAft>
+                  <a:spcPct val="35000"/>
+                </a:spcAft>
+                <a:buNone/>
+              </a:pPr>
+              <a:r>
+                <a:rPr lang="en-US" sz="3300" kern="1200" dirty="0"/>
+                <a:t>Inverse of Control</a:t>
+              </a:r>
+            </a:p>
+          </p:txBody>
+        </p:sp>
+      </p:grpSp>
+      <p:sp>
+        <p:nvSpPr>
+          <p:cNvPr id="2" name="Стрелка: вниз 1">
+            <a:extLst>
+              <a:ext uri="{FF2B5EF4-FFF2-40B4-BE49-F238E27FC236}">
+                <a16:creationId xmlns:a16="http://schemas.microsoft.com/office/drawing/2014/main" id="{BC9A7608-0F80-4ECB-8CB1-A60F9174CD7F}"/>
+              </a:ext>
+            </a:extLst>
+          </p:cNvPr>
+          <p:cNvSpPr/>
+          <p:nvPr/>
+        </p:nvSpPr>
+        <p:spPr>
+          <a:xfrm>
+            <a:off x="3876577" y="4186459"/>
+            <a:ext cx="623730" cy="809722"/>
+          </a:xfrm>
+          <a:prstGeom prst="downArrow">
+            <a:avLst/>
+          </a:prstGeom>
+          <a:solidFill>
+            <a:schemeClr val="tx1">
+              <a:lumMod val="95000"/>
+            </a:schemeClr>
+          </a:solidFill>
+          <a:ln>
+            <a:noFill/>
+          </a:ln>
+        </p:spPr>
+        <p:style>
+          <a:lnRef idx="2">
+            <a:schemeClr val="accent1">
+              <a:shade val="50000"/>
+            </a:schemeClr>
+          </a:lnRef>
+          <a:fillRef idx="1">
+            <a:schemeClr val="accent1"/>
+          </a:fillRef>
+          <a:effectRef idx="0">
+            <a:schemeClr val="accent1"/>
+          </a:effectRef>
+          <a:fontRef idx="minor">
+            <a:schemeClr val="lt1"/>
+          </a:fontRef>
+        </p:style>
+        <p:txBody>
+          <a:bodyPr rtlCol="0" anchor="ctr"/>
+          <a:lstStyle/>
+          <a:p>
+            <a:pPr algn="ctr"/>
+            <a:endParaRPr lang="en-US"/>
+          </a:p>
+        </p:txBody>
+      </p:sp>
+      <p:sp>
+        <p:nvSpPr>
+          <p:cNvPr id="19" name="Стрелка: вниз 18">
+            <a:extLst>
+              <a:ext uri="{FF2B5EF4-FFF2-40B4-BE49-F238E27FC236}">
+                <a16:creationId xmlns:a16="http://schemas.microsoft.com/office/drawing/2014/main" id="{8BA89F88-1B7F-418A-B95D-EED1AAC23B21}"/>
+              </a:ext>
+            </a:extLst>
+          </p:cNvPr>
+          <p:cNvSpPr/>
+          <p:nvPr/>
+        </p:nvSpPr>
+        <p:spPr>
+          <a:xfrm>
+            <a:off x="6393498" y="4186459"/>
+            <a:ext cx="623730" cy="809722"/>
+          </a:xfrm>
+          <a:prstGeom prst="downArrow">
+            <a:avLst/>
+          </a:prstGeom>
+          <a:solidFill>
+            <a:schemeClr val="tx1">
+              <a:lumMod val="95000"/>
+            </a:schemeClr>
+          </a:solidFill>
+          <a:ln>
+            <a:noFill/>
+          </a:ln>
+        </p:spPr>
+        <p:style>
+          <a:lnRef idx="2">
+            <a:schemeClr val="accent1">
+              <a:shade val="50000"/>
+            </a:schemeClr>
+          </a:lnRef>
+          <a:fillRef idx="1">
+            <a:schemeClr val="accent1"/>
+          </a:fillRef>
+          <a:effectRef idx="0">
+            <a:schemeClr val="accent1"/>
+          </a:effectRef>
+          <a:fontRef idx="minor">
+            <a:schemeClr val="lt1"/>
+          </a:fontRef>
+        </p:style>
+        <p:txBody>
+          <a:bodyPr rtlCol="0" anchor="ctr"/>
+          <a:lstStyle/>
+          <a:p>
+            <a:pPr algn="ctr"/>
+            <a:endParaRPr lang="en-US"/>
+          </a:p>
+        </p:txBody>
+      </p:sp>
+      <p:sp>
+        <p:nvSpPr>
+          <p:cNvPr id="20" name="TextBox 19">
+            <a:extLst>
+              <a:ext uri="{FF2B5EF4-FFF2-40B4-BE49-F238E27FC236}">
+                <a16:creationId xmlns:a16="http://schemas.microsoft.com/office/drawing/2014/main" id="{CDFF4FA2-6340-4330-94A6-544B34F0B7E9}"/>
+              </a:ext>
+            </a:extLst>
+          </p:cNvPr>
+          <p:cNvSpPr txBox="1"/>
+          <p:nvPr/>
+        </p:nvSpPr>
+        <p:spPr>
+          <a:xfrm>
+            <a:off x="576263" y="2233613"/>
+            <a:ext cx="9836982" cy="523220"/>
+          </a:xfrm>
+          <a:prstGeom prst="rect">
+            <a:avLst/>
+          </a:prstGeom>
+          <a:noFill/>
+        </p:spPr>
+        <p:txBody>
+          <a:bodyPr wrap="square" rtlCol="0">
+            <a:spAutoFit/>
+          </a:bodyPr>
+          <a:lstStyle/>
+          <a:p>
+            <a:r>
+              <a:rPr lang="ru-RU" sz="2800" dirty="0">
+                <a:solidFill>
+                  <a:srgbClr val="FFFF00"/>
+                </a:solidFill>
+              </a:rPr>
+              <a:t>Способы реализации и инструменты </a:t>
+            </a:r>
+            <a:r>
+              <a:rPr lang="en-US" sz="2800" dirty="0">
+                <a:solidFill>
+                  <a:srgbClr val="FFFF00"/>
+                </a:solidFill>
+              </a:rPr>
+              <a:t>Inverse of Control</a:t>
+            </a:r>
+            <a:endParaRPr lang="ru-RU" sz="2800" dirty="0">
+              <a:solidFill>
+                <a:srgbClr val="FFFF00"/>
+              </a:solidFill>
+            </a:endParaRPr>
+          </a:p>
+        </p:txBody>
+      </p:sp>
+    </p:spTree>
+    <p:extLst>
+      <p:ext uri="{BB962C8B-B14F-4D97-AF65-F5344CB8AC3E}">
+        <p14:creationId xmlns:p14="http://schemas.microsoft.com/office/powerpoint/2010/main" val="1683896601"/>
+      </p:ext>
+    </p:extLst>
+  </p:cSld>
+  <p:clrMapOvr>
+    <a:masterClrMapping/>
+  </p:clrMapOvr>
+  <p:transition spd="slow">
+    <p:cover/>
+  </p:transition>
+</p:sld>
+</file>
+
+<file path=ppt/slides/slide13.xml><?xml version="1.0" encoding="utf-8"?>
+<p:sld xmlns:a="http://schemas.openxmlformats.org/drawingml/2006/main" xmlns:r="http://schemas.openxmlformats.org/officeDocument/2006/relationships" xmlns:p="http://schemas.openxmlformats.org/presentationml/2006/main">
+  <p:cSld>
+    <p:spTree>
+      <p:nvGrpSpPr>
+        <p:cNvPr id="1" name=""/>
+        <p:cNvGrpSpPr/>
+        <p:nvPr/>
+      </p:nvGrpSpPr>
+      <p:grpSpPr>
+        <a:xfrm>
+          <a:off x="0" y="0"/>
+          <a:ext cx="0" cy="0"/>
+          <a:chOff x="0" y="0"/>
+          <a:chExt cx="0" cy="0"/>
+        </a:xfrm>
+      </p:grpSpPr>
+      <p:sp>
+        <p:nvSpPr>
+          <p:cNvPr id="4" name="Заголовок 3">
+            <a:extLst>
+              <a:ext uri="{FF2B5EF4-FFF2-40B4-BE49-F238E27FC236}">
+                <a16:creationId xmlns:a16="http://schemas.microsoft.com/office/drawing/2014/main" id="{56B210DD-3C70-4225-BAC0-26F0709D6072}"/>
+              </a:ext>
+            </a:extLst>
+          </p:cNvPr>
+          <p:cNvSpPr>
+            <a:spLocks noGrp="1"/>
+          </p:cNvSpPr>
+          <p:nvPr>
+            <p:ph type="title"/>
+          </p:nvPr>
+        </p:nvSpPr>
+        <p:spPr/>
+        <p:txBody>
+          <a:bodyPr>
+            <a:normAutofit/>
+          </a:bodyPr>
+          <a:lstStyle/>
+          <a:p>
+            <a:r>
+              <a:rPr lang="ru-RU" b="1" dirty="0"/>
+              <a:t>Принцип инверсии зависимостей</a:t>
+            </a:r>
+            <a:br>
+              <a:rPr lang="en-US" b="1" dirty="0"/>
+            </a:br>
+            <a:r>
+              <a:rPr lang="en-US" sz="3200" i="1" dirty="0"/>
+              <a:t>The Dependency Inversion Principle</a:t>
+            </a:r>
+            <a:endParaRPr lang="en-US" dirty="0"/>
+          </a:p>
+        </p:txBody>
+      </p:sp>
+      <p:sp>
+        <p:nvSpPr>
+          <p:cNvPr id="7" name="TextBox 6">
+            <a:extLst>
+              <a:ext uri="{FF2B5EF4-FFF2-40B4-BE49-F238E27FC236}">
+                <a16:creationId xmlns:a16="http://schemas.microsoft.com/office/drawing/2014/main" id="{6CB29CB7-6327-4A59-BF63-1F638BB7EBC2}"/>
+              </a:ext>
+            </a:extLst>
+          </p:cNvPr>
+          <p:cNvSpPr txBox="1"/>
+          <p:nvPr/>
+        </p:nvSpPr>
+        <p:spPr>
+          <a:xfrm>
+            <a:off x="576263" y="2233613"/>
+            <a:ext cx="9836982" cy="523220"/>
+          </a:xfrm>
+          <a:prstGeom prst="rect">
+            <a:avLst/>
+          </a:prstGeom>
+          <a:noFill/>
+        </p:spPr>
+        <p:txBody>
+          <a:bodyPr wrap="square" rtlCol="0">
+            <a:spAutoFit/>
+          </a:bodyPr>
+          <a:lstStyle/>
+          <a:p>
+            <a:r>
+              <a:rPr lang="en-US" sz="2800" dirty="0">
+                <a:solidFill>
+                  <a:srgbClr val="FFFF00"/>
+                </a:solidFill>
+              </a:rPr>
+              <a:t>Injection</a:t>
+            </a:r>
+            <a:r>
+              <a:rPr lang="ru-RU" sz="2800" dirty="0">
+                <a:solidFill>
+                  <a:srgbClr val="FFFF00"/>
+                </a:solidFill>
+              </a:rPr>
+              <a:t> паттерны</a:t>
+            </a:r>
+            <a:endParaRPr lang="en-US" sz="2800" dirty="0">
+              <a:solidFill>
+                <a:srgbClr val="FFFF00"/>
+              </a:solidFill>
+            </a:endParaRPr>
+          </a:p>
+        </p:txBody>
+      </p:sp>
+      <p:graphicFrame>
+        <p:nvGraphicFramePr>
+          <p:cNvPr id="2" name="Схема 1">
+            <a:extLst>
+              <a:ext uri="{FF2B5EF4-FFF2-40B4-BE49-F238E27FC236}">
+                <a16:creationId xmlns:a16="http://schemas.microsoft.com/office/drawing/2014/main" id="{8C3843E2-EC5B-4D13-AB0C-0E5C1298CA04}"/>
+              </a:ext>
+            </a:extLst>
+          </p:cNvPr>
+          <p:cNvGraphicFramePr/>
+          <p:nvPr>
+            <p:extLst>
+              <p:ext uri="{D42A27DB-BD31-4B8C-83A1-F6EECF244321}">
+                <p14:modId xmlns:p14="http://schemas.microsoft.com/office/powerpoint/2010/main" val="2435232628"/>
+              </p:ext>
+            </p:extLst>
+          </p:nvPr>
+        </p:nvGraphicFramePr>
+        <p:xfrm>
+          <a:off x="635625" y="3156280"/>
+          <a:ext cx="9724571" cy="2217509"/>
+        </p:xfrm>
+        <a:graphic>
+          <a:graphicData uri="http://schemas.openxmlformats.org/drawingml/2006/diagram">
+            <dgm:relIds xmlns:dgm="http://schemas.openxmlformats.org/drawingml/2006/diagram" xmlns:r="http://schemas.openxmlformats.org/officeDocument/2006/relationships" r:dm="rId2" r:lo="rId3" r:qs="rId4" r:cs="rId5"/>
+          </a:graphicData>
+        </a:graphic>
+      </p:graphicFrame>
+    </p:spTree>
+    <p:extLst>
+      <p:ext uri="{BB962C8B-B14F-4D97-AF65-F5344CB8AC3E}">
+        <p14:creationId xmlns:p14="http://schemas.microsoft.com/office/powerpoint/2010/main" val="3691354315"/>
+      </p:ext>
+    </p:extLst>
+  </p:cSld>
+  <p:clrMapOvr>
+    <a:masterClrMapping/>
+  </p:clrMapOvr>
+  <p:transition spd="slow">
+    <p:cover/>
+  </p:transition>
+</p:sld>
+</file>
+
+<file path=ppt/slides/slide14.xml><?xml version="1.0" encoding="utf-8"?>
+<p:sld xmlns:a="http://schemas.openxmlformats.org/drawingml/2006/main" xmlns:r="http://schemas.openxmlformats.org/officeDocument/2006/relationships" xmlns:p="http://schemas.openxmlformats.org/presentationml/2006/main">
+  <p:cSld>
+    <p:spTree>
+      <p:nvGrpSpPr>
+        <p:cNvPr id="1" name=""/>
+        <p:cNvGrpSpPr/>
+        <p:nvPr/>
+      </p:nvGrpSpPr>
+      <p:grpSpPr>
+        <a:xfrm>
+          <a:off x="0" y="0"/>
+          <a:ext cx="0" cy="0"/>
+          <a:chOff x="0" y="0"/>
+          <a:chExt cx="0" cy="0"/>
+        </a:xfrm>
+      </p:grpSpPr>
+      <p:sp>
+        <p:nvSpPr>
+          <p:cNvPr id="4" name="Заголовок 3">
+            <a:extLst>
+              <a:ext uri="{FF2B5EF4-FFF2-40B4-BE49-F238E27FC236}">
+                <a16:creationId xmlns:a16="http://schemas.microsoft.com/office/drawing/2014/main" id="{56B210DD-3C70-4225-BAC0-26F0709D6072}"/>
+              </a:ext>
+            </a:extLst>
+          </p:cNvPr>
+          <p:cNvSpPr>
+            <a:spLocks noGrp="1"/>
+          </p:cNvSpPr>
+          <p:nvPr>
+            <p:ph type="title"/>
+          </p:nvPr>
+        </p:nvSpPr>
+        <p:spPr/>
+        <p:txBody>
+          <a:bodyPr>
+            <a:normAutofit/>
+          </a:bodyPr>
+          <a:lstStyle/>
+          <a:p>
+            <a:r>
+              <a:rPr lang="ru-RU" b="1" dirty="0"/>
+              <a:t>Принцип инверсии зависимостей</a:t>
+            </a:r>
+            <a:br>
+              <a:rPr lang="en-US" b="1" dirty="0"/>
+            </a:br>
+            <a:r>
+              <a:rPr lang="en-US" sz="3200" i="1" dirty="0"/>
+              <a:t>The Dependency Inversion Principle</a:t>
+            </a:r>
+            <a:endParaRPr lang="en-US" dirty="0"/>
+          </a:p>
+        </p:txBody>
+      </p:sp>
+      <p:sp>
+        <p:nvSpPr>
+          <p:cNvPr id="7" name="TextBox 6">
+            <a:extLst>
+              <a:ext uri="{FF2B5EF4-FFF2-40B4-BE49-F238E27FC236}">
+                <a16:creationId xmlns:a16="http://schemas.microsoft.com/office/drawing/2014/main" id="{6CB29CB7-6327-4A59-BF63-1F638BB7EBC2}"/>
+              </a:ext>
+            </a:extLst>
+          </p:cNvPr>
+          <p:cNvSpPr txBox="1"/>
+          <p:nvPr/>
+        </p:nvSpPr>
+        <p:spPr>
+          <a:xfrm>
+            <a:off x="576263" y="2233613"/>
+            <a:ext cx="9836982" cy="523220"/>
+          </a:xfrm>
+          <a:prstGeom prst="rect">
+            <a:avLst/>
+          </a:prstGeom>
+          <a:noFill/>
+        </p:spPr>
+        <p:txBody>
+          <a:bodyPr wrap="square" rtlCol="0">
+            <a:spAutoFit/>
+          </a:bodyPr>
+          <a:lstStyle/>
+          <a:p>
+            <a:r>
+              <a:rPr lang="ru-RU" sz="2800" dirty="0">
+                <a:solidFill>
+                  <a:srgbClr val="FFFF00"/>
+                </a:solidFill>
+              </a:rPr>
+              <a:t>Недостатки </a:t>
+            </a:r>
+            <a:r>
+              <a:rPr lang="en-US" sz="2800" dirty="0">
+                <a:solidFill>
+                  <a:srgbClr val="FFFF00"/>
+                </a:solidFill>
+              </a:rPr>
+              <a:t>Service Locator</a:t>
+            </a:r>
+          </a:p>
+        </p:txBody>
+      </p:sp>
+      <p:graphicFrame>
+        <p:nvGraphicFramePr>
+          <p:cNvPr id="10" name="Схема 9">
+            <a:extLst>
+              <a:ext uri="{FF2B5EF4-FFF2-40B4-BE49-F238E27FC236}">
+                <a16:creationId xmlns:a16="http://schemas.microsoft.com/office/drawing/2014/main" id="{CE25D17B-CCC0-4B54-AC98-0CFF6643C22E}"/>
+              </a:ext>
+            </a:extLst>
+          </p:cNvPr>
+          <p:cNvGraphicFramePr/>
+          <p:nvPr>
+            <p:extLst>
+              <p:ext uri="{D42A27DB-BD31-4B8C-83A1-F6EECF244321}">
+                <p14:modId xmlns:p14="http://schemas.microsoft.com/office/powerpoint/2010/main" val="3056114602"/>
+              </p:ext>
+            </p:extLst>
+          </p:nvPr>
+        </p:nvGraphicFramePr>
+        <p:xfrm>
+          <a:off x="413901" y="2908192"/>
+          <a:ext cx="9525000" cy="1590588"/>
+        </p:xfrm>
+        <a:graphic>
+          <a:graphicData uri="http://schemas.openxmlformats.org/drawingml/2006/diagram">
+            <dgm:relIds xmlns:dgm="http://schemas.openxmlformats.org/drawingml/2006/diagram" xmlns:r="http://schemas.openxmlformats.org/officeDocument/2006/relationships" r:dm="rId2" r:lo="rId3" r:qs="rId4" r:cs="rId5"/>
+          </a:graphicData>
+        </a:graphic>
+      </p:graphicFrame>
+      <p:sp>
+        <p:nvSpPr>
+          <p:cNvPr id="11" name="TextBox 10">
+            <a:extLst>
+              <a:ext uri="{FF2B5EF4-FFF2-40B4-BE49-F238E27FC236}">
+                <a16:creationId xmlns:a16="http://schemas.microsoft.com/office/drawing/2014/main" id="{0A8469AF-7393-4DF2-85ED-591B14A6E9E5}"/>
+              </a:ext>
+            </a:extLst>
+          </p:cNvPr>
+          <p:cNvSpPr txBox="1"/>
+          <p:nvPr/>
+        </p:nvSpPr>
+        <p:spPr>
+          <a:xfrm>
+            <a:off x="576262" y="6048181"/>
+            <a:ext cx="9428879" cy="369332"/>
+          </a:xfrm>
+          <a:prstGeom prst="rect">
+            <a:avLst/>
+          </a:prstGeom>
+          <a:noFill/>
+        </p:spPr>
+        <p:txBody>
+          <a:bodyPr wrap="square" rtlCol="0">
+            <a:spAutoFit/>
+          </a:bodyPr>
+          <a:lstStyle/>
+          <a:p>
+            <a:r>
+              <a:rPr lang="ru-RU" dirty="0"/>
+              <a:t>Паттерн или Анти-паттерн?</a:t>
+            </a:r>
+            <a:endParaRPr lang="en-US" dirty="0"/>
+          </a:p>
+        </p:txBody>
+      </p:sp>
+      <p:sp>
+        <p:nvSpPr>
+          <p:cNvPr id="12" name="TextBox 11">
+            <a:extLst>
+              <a:ext uri="{FF2B5EF4-FFF2-40B4-BE49-F238E27FC236}">
+                <a16:creationId xmlns:a16="http://schemas.microsoft.com/office/drawing/2014/main" id="{52CA6F36-C9EB-47DD-8E52-93E5D9A39895}"/>
+              </a:ext>
+            </a:extLst>
+          </p:cNvPr>
+          <p:cNvSpPr txBox="1"/>
+          <p:nvPr/>
+        </p:nvSpPr>
+        <p:spPr>
+          <a:xfrm>
+            <a:off x="576261" y="4723147"/>
+            <a:ext cx="9428879" cy="954107"/>
+          </a:xfrm>
+          <a:prstGeom prst="rect">
+            <a:avLst/>
+          </a:prstGeom>
+          <a:noFill/>
+        </p:spPr>
+        <p:txBody>
+          <a:bodyPr wrap="square" rtlCol="0">
+            <a:spAutoFit/>
+          </a:bodyPr>
+          <a:lstStyle/>
+          <a:p>
+            <a:r>
+              <a:rPr lang="ru-RU" sz="1400" dirty="0" err="1"/>
+              <a:t>Ambient</a:t>
+            </a:r>
+            <a:r>
+              <a:rPr lang="ru-RU" sz="1400" dirty="0"/>
+              <a:t> </a:t>
+            </a:r>
+            <a:r>
+              <a:rPr lang="ru-RU" sz="1400" dirty="0" err="1"/>
+              <a:t>Context</a:t>
+            </a:r>
+            <a:r>
+              <a:rPr lang="ru-RU" sz="1400" dirty="0"/>
+              <a:t> сходный по структуре с анти-паттерном </a:t>
+            </a:r>
+            <a:r>
+              <a:rPr lang="ru-RU" sz="1400" dirty="0" err="1"/>
+              <a:t>Service</a:t>
+            </a:r>
+            <a:r>
+              <a:rPr lang="ru-RU" sz="1400" dirty="0"/>
+              <a:t> </a:t>
+            </a:r>
+            <a:r>
+              <a:rPr lang="ru-RU" sz="1400" dirty="0" err="1"/>
+              <a:t>Locator</a:t>
+            </a:r>
+            <a:r>
+              <a:rPr lang="ru-RU" sz="1400" dirty="0"/>
+              <a:t>. Разница состоит в том, что </a:t>
+            </a:r>
+            <a:r>
+              <a:rPr lang="ru-RU" sz="1400" dirty="0" err="1"/>
+              <a:t>Ambient</a:t>
+            </a:r>
+            <a:r>
+              <a:rPr lang="ru-RU" sz="1400" dirty="0"/>
+              <a:t> </a:t>
+            </a:r>
+            <a:r>
+              <a:rPr lang="ru-RU" sz="1400" dirty="0" err="1"/>
+              <a:t>Context</a:t>
+            </a:r>
+            <a:r>
+              <a:rPr lang="ru-RU" sz="1400" dirty="0"/>
+              <a:t> предоставляет экземпляр только одной, строго типизированной зависимости, в то время как </a:t>
+            </a:r>
+            <a:r>
+              <a:rPr lang="ru-RU" sz="1400" dirty="0" err="1"/>
+              <a:t>Service</a:t>
+            </a:r>
+            <a:r>
+              <a:rPr lang="ru-RU" sz="1400" dirty="0"/>
+              <a:t> </a:t>
+            </a:r>
+            <a:r>
+              <a:rPr lang="ru-RU" sz="1400" dirty="0" err="1"/>
+              <a:t>Locator</a:t>
+            </a:r>
+            <a:r>
+              <a:rPr lang="ru-RU" sz="1400" dirty="0"/>
+              <a:t> предположительно должен обеспечить экземпляры для каждой зависимости, которую вы можете запросить.</a:t>
+            </a:r>
+            <a:endParaRPr lang="en-US" sz="1400" dirty="0"/>
+          </a:p>
+        </p:txBody>
+      </p:sp>
+    </p:spTree>
+    <p:extLst>
+      <p:ext uri="{BB962C8B-B14F-4D97-AF65-F5344CB8AC3E}">
+        <p14:creationId xmlns:p14="http://schemas.microsoft.com/office/powerpoint/2010/main" val="942580784"/>
+      </p:ext>
+    </p:extLst>
+  </p:cSld>
+  <p:clrMapOvr>
+    <a:masterClrMapping/>
+  </p:clrMapOvr>
+  <p:transition spd="slow">
+    <p:cover/>
+  </p:transition>
+</p:sld>
+</file>
+
+<file path=ppt/slides/slide15.xml><?xml version="1.0" encoding="utf-8"?>
+<p:sld xmlns:a="http://schemas.openxmlformats.org/drawingml/2006/main" xmlns:r="http://schemas.openxmlformats.org/officeDocument/2006/relationships" xmlns:p="http://schemas.openxmlformats.org/presentationml/2006/main">
+  <p:cSld>
+    <p:spTree>
+      <p:nvGrpSpPr>
+        <p:cNvPr id="1" name=""/>
+        <p:cNvGrpSpPr/>
+        <p:nvPr/>
+      </p:nvGrpSpPr>
+      <p:grpSpPr>
+        <a:xfrm>
+          <a:off x="0" y="0"/>
+          <a:ext cx="0" cy="0"/>
+          <a:chOff x="0" y="0"/>
+          <a:chExt cx="0" cy="0"/>
+        </a:xfrm>
+      </p:grpSpPr>
+      <p:sp>
+        <p:nvSpPr>
+          <p:cNvPr id="4" name="Заголовок 3">
+            <a:extLst>
+              <a:ext uri="{FF2B5EF4-FFF2-40B4-BE49-F238E27FC236}">
+                <a16:creationId xmlns:a16="http://schemas.microsoft.com/office/drawing/2014/main" id="{56B210DD-3C70-4225-BAC0-26F0709D6072}"/>
+              </a:ext>
+            </a:extLst>
+          </p:cNvPr>
+          <p:cNvSpPr>
+            <a:spLocks noGrp="1"/>
+          </p:cNvSpPr>
+          <p:nvPr>
+            <p:ph type="title"/>
+          </p:nvPr>
+        </p:nvSpPr>
+        <p:spPr/>
+        <p:txBody>
+          <a:bodyPr>
+            <a:normAutofit/>
+          </a:bodyPr>
+          <a:lstStyle/>
+          <a:p>
+            <a:r>
+              <a:rPr lang="ru-RU" b="1" dirty="0"/>
+              <a:t>Принцип инверсии зависимостей</a:t>
+            </a:r>
+            <a:br>
+              <a:rPr lang="en-US" b="1" dirty="0"/>
+            </a:br>
+            <a:r>
+              <a:rPr lang="en-US" sz="3200" i="1" dirty="0"/>
+              <a:t>The Dependency Inversion Principle</a:t>
+            </a:r>
+            <a:endParaRPr lang="en-US" dirty="0"/>
+          </a:p>
+        </p:txBody>
+      </p:sp>
+      <p:sp>
+        <p:nvSpPr>
+          <p:cNvPr id="7" name="TextBox 6">
+            <a:extLst>
+              <a:ext uri="{FF2B5EF4-FFF2-40B4-BE49-F238E27FC236}">
+                <a16:creationId xmlns:a16="http://schemas.microsoft.com/office/drawing/2014/main" id="{6CB29CB7-6327-4A59-BF63-1F638BB7EBC2}"/>
+              </a:ext>
+            </a:extLst>
+          </p:cNvPr>
+          <p:cNvSpPr txBox="1"/>
+          <p:nvPr/>
+        </p:nvSpPr>
+        <p:spPr>
+          <a:xfrm>
+            <a:off x="576263" y="2233613"/>
+            <a:ext cx="9836982" cy="523220"/>
+          </a:xfrm>
+          <a:prstGeom prst="rect">
+            <a:avLst/>
+          </a:prstGeom>
+          <a:noFill/>
+        </p:spPr>
+        <p:txBody>
+          <a:bodyPr wrap="square" rtlCol="0">
+            <a:spAutoFit/>
+          </a:bodyPr>
+          <a:lstStyle/>
+          <a:p>
+            <a:r>
+              <a:rPr lang="en-US" sz="2800" dirty="0">
+                <a:solidFill>
+                  <a:srgbClr val="FFFF00"/>
+                </a:solidFill>
+              </a:rPr>
+              <a:t>Dependency Injection Container</a:t>
+            </a:r>
+          </a:p>
+        </p:txBody>
+      </p:sp>
+      <p:sp>
+        <p:nvSpPr>
+          <p:cNvPr id="5" name="TextBox 4">
+            <a:extLst>
+              <a:ext uri="{FF2B5EF4-FFF2-40B4-BE49-F238E27FC236}">
+                <a16:creationId xmlns:a16="http://schemas.microsoft.com/office/drawing/2014/main" id="{A82BA4A6-F6CB-4D18-895E-20A726807E6E}"/>
+              </a:ext>
+            </a:extLst>
+          </p:cNvPr>
+          <p:cNvSpPr txBox="1"/>
+          <p:nvPr/>
+        </p:nvSpPr>
+        <p:spPr>
+          <a:xfrm>
+            <a:off x="576263" y="2822752"/>
+            <a:ext cx="9836982" cy="3416320"/>
+          </a:xfrm>
+          <a:prstGeom prst="rect">
+            <a:avLst/>
+          </a:prstGeom>
+          <a:noFill/>
+        </p:spPr>
+        <p:txBody>
+          <a:bodyPr wrap="square" rtlCol="0">
+            <a:spAutoFit/>
+          </a:bodyPr>
+          <a:lstStyle/>
+          <a:p>
+            <a:r>
+              <a:rPr lang="ru-RU" dirty="0"/>
+              <a:t>Магический черный ящик фокусника, который может вливать зависимости и в конструктор, и в свойство, и в метод.</a:t>
+            </a:r>
+          </a:p>
+          <a:p>
+            <a:endParaRPr lang="ru-RU" dirty="0"/>
+          </a:p>
+          <a:p>
+            <a:r>
+              <a:rPr lang="ru-RU" dirty="0"/>
+              <a:t>Некоторые общеизвестные контейнеры: </a:t>
+            </a:r>
+            <a:r>
+              <a:rPr lang="en-US" dirty="0"/>
+              <a:t>Autofac, </a:t>
+            </a:r>
+            <a:r>
+              <a:rPr lang="en-US" dirty="0" err="1"/>
+              <a:t>Ninject</a:t>
+            </a:r>
+            <a:r>
+              <a:rPr lang="en-US" dirty="0"/>
+              <a:t>, Unity, StructureMap, Spring.NET, Windsor, </a:t>
+            </a:r>
+            <a:r>
+              <a:rPr lang="en-US" dirty="0" err="1"/>
+              <a:t>SimpleInjector</a:t>
+            </a:r>
+            <a:r>
+              <a:rPr lang="en-US" dirty="0"/>
+              <a:t>, MEF, Funq, Mung, </a:t>
+            </a:r>
+            <a:r>
+              <a:rPr lang="en-US" dirty="0" err="1"/>
+              <a:t>Caliburn.Micro</a:t>
+            </a:r>
+            <a:r>
+              <a:rPr lang="ru-RU" dirty="0"/>
+              <a:t>. (</a:t>
+            </a:r>
+            <a:r>
+              <a:rPr lang="en-US" sz="1200" dirty="0"/>
+              <a:t>https://github.com/danielpalme/IocPerformance</a:t>
+            </a:r>
+            <a:r>
+              <a:rPr lang="ru-RU" dirty="0"/>
+              <a:t>)</a:t>
+            </a:r>
+          </a:p>
+          <a:p>
+            <a:endParaRPr lang="ru-RU" dirty="0"/>
+          </a:p>
+          <a:p>
+            <a:r>
+              <a:rPr lang="ru-RU" dirty="0"/>
+              <a:t>Создание (инициализация зависимостей) контейнера должна находиться в </a:t>
+            </a:r>
+            <a:r>
+              <a:rPr lang="en-US" dirty="0"/>
+              <a:t>Composition Root (</a:t>
+            </a:r>
+            <a:r>
+              <a:rPr lang="ru-RU" dirty="0"/>
+              <a:t>так называемая «точка </a:t>
+            </a:r>
+            <a:r>
+              <a:rPr lang="ru-RU" dirty="0" err="1"/>
+              <a:t>ининциализации</a:t>
+            </a:r>
+            <a:r>
+              <a:rPr lang="ru-RU" dirty="0"/>
+              <a:t> приложения»</a:t>
+            </a:r>
+            <a:r>
+              <a:rPr lang="en-US" dirty="0"/>
+              <a:t>)</a:t>
+            </a:r>
+            <a:r>
+              <a:rPr lang="ru-RU" dirty="0"/>
+              <a:t> либо максимально близко к ней.</a:t>
+            </a:r>
+          </a:p>
+          <a:p>
+            <a:endParaRPr lang="ru-RU" dirty="0"/>
+          </a:p>
+          <a:p>
+            <a:r>
+              <a:rPr lang="ru-RU" dirty="0"/>
+              <a:t>Из контейнера можно «взять» только то, что вы туда «положили». (хотя некоторые умеют «отдавать» незарегистрированные ранее экземпляры сущностей)</a:t>
+            </a:r>
+          </a:p>
+        </p:txBody>
+      </p:sp>
+    </p:spTree>
+    <p:extLst>
+      <p:ext uri="{BB962C8B-B14F-4D97-AF65-F5344CB8AC3E}">
+        <p14:creationId xmlns:p14="http://schemas.microsoft.com/office/powerpoint/2010/main" val="4516525"/>
+      </p:ext>
+    </p:extLst>
+  </p:cSld>
+  <p:clrMapOvr>
+    <a:masterClrMapping/>
+  </p:clrMapOvr>
+  <p:transition spd="slow">
+    <p:cover/>
+  </p:transition>
+</p:sld>
+</file>
+
+<file path=ppt/slides/slide16.xml><?xml version="1.0" encoding="utf-8"?>
+<p:sld xmlns:a="http://schemas.openxmlformats.org/drawingml/2006/main" xmlns:r="http://schemas.openxmlformats.org/officeDocument/2006/relationships" xmlns:p="http://schemas.openxmlformats.org/presentationml/2006/main">
+  <p:cSld>
+    <p:spTree>
+      <p:nvGrpSpPr>
+        <p:cNvPr id="1" name=""/>
+        <p:cNvGrpSpPr/>
+        <p:nvPr/>
+      </p:nvGrpSpPr>
+      <p:grpSpPr>
+        <a:xfrm>
+          <a:off x="0" y="0"/>
+          <a:ext cx="0" cy="0"/>
+          <a:chOff x="0" y="0"/>
+          <a:chExt cx="0" cy="0"/>
+        </a:xfrm>
+      </p:grpSpPr>
+      <p:sp>
+        <p:nvSpPr>
+          <p:cNvPr id="4" name="Заголовок 3">
+            <a:extLst>
+              <a:ext uri="{FF2B5EF4-FFF2-40B4-BE49-F238E27FC236}">
+                <a16:creationId xmlns:a16="http://schemas.microsoft.com/office/drawing/2014/main" id="{56B210DD-3C70-4225-BAC0-26F0709D6072}"/>
+              </a:ext>
+            </a:extLst>
+          </p:cNvPr>
+          <p:cNvSpPr>
+            <a:spLocks noGrp="1"/>
+          </p:cNvSpPr>
+          <p:nvPr>
+            <p:ph type="title"/>
+          </p:nvPr>
+        </p:nvSpPr>
+        <p:spPr/>
+        <p:txBody>
+          <a:bodyPr>
+            <a:normAutofit/>
+          </a:bodyPr>
+          <a:lstStyle/>
+          <a:p>
+            <a:r>
+              <a:rPr lang="ru-RU" b="1" dirty="0"/>
+              <a:t>Принцип инверсии зависимостей</a:t>
+            </a:r>
+            <a:br>
+              <a:rPr lang="en-US" b="1" dirty="0"/>
+            </a:br>
+            <a:r>
+              <a:rPr lang="en-US" sz="3200" i="1" dirty="0"/>
+              <a:t>The Dependency Inversion Principle</a:t>
+            </a:r>
+            <a:endParaRPr lang="en-US" dirty="0"/>
+          </a:p>
+        </p:txBody>
+      </p:sp>
+      <p:sp>
+        <p:nvSpPr>
+          <p:cNvPr id="7" name="TextBox 6">
+            <a:extLst>
+              <a:ext uri="{FF2B5EF4-FFF2-40B4-BE49-F238E27FC236}">
+                <a16:creationId xmlns:a16="http://schemas.microsoft.com/office/drawing/2014/main" id="{6CB29CB7-6327-4A59-BF63-1F638BB7EBC2}"/>
+              </a:ext>
+            </a:extLst>
+          </p:cNvPr>
+          <p:cNvSpPr txBox="1"/>
+          <p:nvPr/>
+        </p:nvSpPr>
+        <p:spPr>
+          <a:xfrm>
+            <a:off x="576263" y="2233613"/>
+            <a:ext cx="9836982" cy="523220"/>
+          </a:xfrm>
+          <a:prstGeom prst="rect">
+            <a:avLst/>
+          </a:prstGeom>
+          <a:noFill/>
+        </p:spPr>
+        <p:txBody>
+          <a:bodyPr wrap="square" rtlCol="0">
+            <a:spAutoFit/>
+          </a:bodyPr>
+          <a:lstStyle/>
+          <a:p>
+            <a:r>
+              <a:rPr lang="ru-RU" sz="2800" dirty="0">
+                <a:solidFill>
+                  <a:srgbClr val="FFFF00"/>
+                </a:solidFill>
+              </a:rPr>
+              <a:t>Спасибо за внимание</a:t>
+            </a:r>
+            <a:endParaRPr lang="en-US" sz="2800" dirty="0">
+              <a:solidFill>
+                <a:srgbClr val="FFFF00"/>
+              </a:solidFill>
+            </a:endParaRPr>
+          </a:p>
+        </p:txBody>
+      </p:sp>
+      <p:sp>
+        <p:nvSpPr>
+          <p:cNvPr id="5" name="TextBox 4">
+            <a:extLst>
+              <a:ext uri="{FF2B5EF4-FFF2-40B4-BE49-F238E27FC236}">
+                <a16:creationId xmlns:a16="http://schemas.microsoft.com/office/drawing/2014/main" id="{A82BA4A6-F6CB-4D18-895E-20A726807E6E}"/>
+              </a:ext>
+            </a:extLst>
+          </p:cNvPr>
+          <p:cNvSpPr txBox="1"/>
+          <p:nvPr/>
+        </p:nvSpPr>
+        <p:spPr>
+          <a:xfrm>
+            <a:off x="576263" y="2822752"/>
+            <a:ext cx="9836982" cy="2585323"/>
+          </a:xfrm>
+          <a:prstGeom prst="rect">
+            <a:avLst/>
+          </a:prstGeom>
+          <a:noFill/>
+        </p:spPr>
+        <p:txBody>
+          <a:bodyPr wrap="square" rtlCol="0">
+            <a:spAutoFit/>
+          </a:bodyPr>
+          <a:lstStyle/>
+          <a:p>
+            <a:r>
+              <a:rPr lang="ru-RU" dirty="0"/>
+              <a:t>На этом тема </a:t>
+            </a:r>
+            <a:r>
+              <a:rPr lang="en-US" dirty="0"/>
+              <a:t>SOLID </a:t>
+            </a:r>
+            <a:r>
+              <a:rPr lang="ru-RU" dirty="0"/>
+              <a:t>считается раскрытой.</a:t>
+            </a:r>
+          </a:p>
+          <a:p>
+            <a:endParaRPr lang="ru-RU" dirty="0"/>
+          </a:p>
+          <a:p>
+            <a:r>
+              <a:rPr lang="ru-RU" dirty="0"/>
+              <a:t>Возможности по коммуникациям (вопросы, </a:t>
+            </a:r>
+            <a:r>
+              <a:rPr lang="ru-RU" dirty="0" err="1"/>
+              <a:t>комментраии</a:t>
+            </a:r>
+            <a:r>
+              <a:rPr lang="ru-RU" dirty="0"/>
+              <a:t>, предложения и т.д. и .т.п.) доступны на страницах моего блога или в группе «</a:t>
+            </a:r>
+            <a:r>
+              <a:rPr lang="ru-RU" dirty="0" err="1"/>
+              <a:t>вконтакте</a:t>
+            </a:r>
+            <a:r>
+              <a:rPr lang="ru-RU" dirty="0"/>
+              <a:t>» </a:t>
+            </a:r>
+            <a:r>
+              <a:rPr lang="en-US" dirty="0">
+                <a:hlinkClick r:id="rId2"/>
+              </a:rPr>
+              <a:t>https://vk.com/codingeasy</a:t>
+            </a:r>
+            <a:endParaRPr lang="ru-RU" dirty="0"/>
+          </a:p>
+          <a:p>
+            <a:endParaRPr lang="ru-RU" dirty="0"/>
+          </a:p>
+          <a:p>
+            <a:r>
+              <a:rPr lang="ru-RU" dirty="0" err="1"/>
+              <a:t>Подпишитесть</a:t>
+            </a:r>
+            <a:r>
+              <a:rPr lang="ru-RU" dirty="0"/>
+              <a:t> на канал, если хотите получать уведомления о новых видео.</a:t>
+            </a:r>
+          </a:p>
+          <a:p>
+            <a:endParaRPr lang="ru-RU" dirty="0"/>
+          </a:p>
+          <a:p>
+            <a:endParaRPr lang="en-US" dirty="0"/>
+          </a:p>
+          <a:p>
+            <a:r>
+              <a:rPr lang="ru-RU" dirty="0"/>
+              <a:t>Если видео вам понравилось – поставьте </a:t>
+            </a:r>
+          </a:p>
+        </p:txBody>
+      </p:sp>
+      <p:pic>
+        <p:nvPicPr>
+          <p:cNvPr id="3" name="Рисунок 2" descr="Знак одобрения ">
+            <a:extLst>
+              <a:ext uri="{FF2B5EF4-FFF2-40B4-BE49-F238E27FC236}">
+                <a16:creationId xmlns:a16="http://schemas.microsoft.com/office/drawing/2014/main" id="{BC10329E-EB51-431D-844B-2A22FF6AEEFD}"/>
+              </a:ext>
+            </a:extLst>
+          </p:cNvPr>
+          <p:cNvPicPr>
+            <a:picLocks noChangeAspect="1"/>
+          </p:cNvPicPr>
+          <p:nvPr/>
+        </p:nvPicPr>
+        <p:blipFill>
+          <a:blip r:embed="rId3">
+            <a:extLst>
+              <a:ext uri="{28A0092B-C50C-407E-A947-70E740481C1C}">
+                <a14:useLocalDpi xmlns:a14="http://schemas.microsoft.com/office/drawing/2010/main" val="0"/>
+              </a:ext>
+              <a:ext uri="{96DAC541-7B7A-43D3-8B79-37D633B846F1}">
+                <asvg:svgBlip xmlns:asvg="http://schemas.microsoft.com/office/drawing/2016/SVG/main" r:embed="rId4"/>
+              </a:ext>
+            </a:extLst>
+          </a:blip>
+          <a:stretch>
+            <a:fillRect/>
+          </a:stretch>
+        </p:blipFill>
+        <p:spPr>
+          <a:xfrm>
+            <a:off x="5181600" y="4640385"/>
+            <a:ext cx="914400" cy="914400"/>
+          </a:xfrm>
+          <a:prstGeom prst="rect">
+            <a:avLst/>
+          </a:prstGeom>
+        </p:spPr>
+      </p:pic>
+    </p:spTree>
+    <p:extLst>
+      <p:ext uri="{BB962C8B-B14F-4D97-AF65-F5344CB8AC3E}">
+        <p14:creationId xmlns:p14="http://schemas.microsoft.com/office/powerpoint/2010/main" val="3844065684"/>
+      </p:ext>
+    </p:extLst>
+  </p:cSld>
+  <p:clrMapOvr>
+    <a:masterClrMapping/>
+  </p:clrMapOvr>
+  <p:transition spd="slow">
+    <p:cover/>
+  </p:transition>
+</p:sld>
+</file>
+
 <file path=ppt/slides/slide2.xml><?xml version="1.0" encoding="utf-8"?>
 <p:sld xmlns:a="http://schemas.openxmlformats.org/drawingml/2006/main" xmlns:r="http://schemas.openxmlformats.org/officeDocument/2006/relationships" xmlns:p="http://schemas.openxmlformats.org/presentationml/2006/main">
   <p:cSld>
@@ -12415,7 +19255,7 @@
                   <a:srgbClr val="FFFF00"/>
                 </a:solidFill>
               </a:rPr>
-              <a:t>Зависимость на Абстракциях. Нет зависимости на что-то конкретное.</a:t>
+              <a:t>Зависимость на абстракциях. Нет зависимости на что-то конкретное.</a:t>
             </a:r>
           </a:p>
           <a:p>
@@ -15346,7 +22186,7 @@
             </a:r>
             <a:r>
               <a:rPr lang="ru-RU" dirty="0"/>
-              <a:t>это один из шаблонов программирования (паттерн), который применяется при разработке </a:t>
+              <a:t>это один из шаблонов проектирования (паттерн), который применяется при разработке </a:t>
             </a:r>
             <a:r>
               <a:rPr lang="ru-RU" dirty="0" err="1"/>
